--- a/PPT/python4.pptx
+++ b/PPT/python4.pptx
@@ -162,7 +162,7 @@
 <file path=ppt/revisionInfo.xml><?xml version="1.0" encoding="utf-8"?>
 <p1510:revInfo xmlns:a="http://schemas.openxmlformats.org/drawingml/2006/main" xmlns:r="http://schemas.openxmlformats.org/officeDocument/2006/relationships" xmlns:p1510="http://schemas.microsoft.com/office/powerpoint/2015/10/main">
   <p1510:revLst>
-    <p1510:client id="{25EE8322-F25A-461A-832B-3F23620178F6}" v="3716" dt="2023-05-10T02:02:13.323"/>
+    <p1510:client id="{25EE8322-F25A-461A-832B-3F23620178F6}" v="3718" dt="2023-05-16T03:56:59.665"/>
   </p1510:revLst>
 </p1510:revInfo>
 </file>
@@ -1366,7 +1366,7 @@
   <pc:docChgLst>
     <pc:chgData name="Scruel Tao" userId="5ea5c98d59b44d4b" providerId="LiveId" clId="{25EE8322-F25A-461A-832B-3F23620178F6}"/>
     <pc:docChg chg="undo redo custSel addSld delSld modSld sldOrd modMainMaster">
-      <pc:chgData name="Scruel Tao" userId="5ea5c98d59b44d4b" providerId="LiveId" clId="{25EE8322-F25A-461A-832B-3F23620178F6}" dt="2023-05-10T02:02:13.319" v="11104" actId="20577"/>
+      <pc:chgData name="Scruel Tao" userId="5ea5c98d59b44d4b" providerId="LiveId" clId="{25EE8322-F25A-461A-832B-3F23620178F6}" dt="2023-05-16T03:56:59.665" v="11106" actId="478"/>
       <pc:docMkLst>
         <pc:docMk/>
       </pc:docMkLst>
@@ -1401,11 +1401,19 @@
         </pc:sldMkLst>
       </pc:sldChg>
       <pc:sldChg chg="addSp delSp modSp mod modTransition">
-        <pc:chgData name="Scruel Tao" userId="5ea5c98d59b44d4b" providerId="LiveId" clId="{25EE8322-F25A-461A-832B-3F23620178F6}" dt="2023-05-05T15:02:47.705" v="8588"/>
+        <pc:chgData name="Scruel Tao" userId="5ea5c98d59b44d4b" providerId="LiveId" clId="{25EE8322-F25A-461A-832B-3F23620178F6}" dt="2023-05-16T03:56:42.287" v="11105" actId="478"/>
         <pc:sldMkLst>
           <pc:docMk/>
           <pc:sldMk cId="0" sldId="260"/>
         </pc:sldMkLst>
+        <pc:spChg chg="del">
+          <ac:chgData name="Scruel Tao" userId="5ea5c98d59b44d4b" providerId="LiveId" clId="{25EE8322-F25A-461A-832B-3F23620178F6}" dt="2023-05-16T03:56:42.287" v="11105" actId="478"/>
+          <ac:spMkLst>
+            <pc:docMk/>
+            <pc:sldMk cId="0" sldId="260"/>
+            <ac:spMk id="2" creationId="{51B8E4C0-E15B-4BD0-7B5B-A44A3D5B0C34}"/>
+          </ac:spMkLst>
+        </pc:spChg>
         <pc:spChg chg="del">
           <ac:chgData name="Scruel Tao" userId="5ea5c98d59b44d4b" providerId="LiveId" clId="{25EE8322-F25A-461A-832B-3F23620178F6}" dt="2023-05-03T00:06:53.823" v="8091" actId="478"/>
           <ac:spMkLst>
@@ -3846,7 +3854,7 @@
         </pc:picChg>
       </pc:sldChg>
       <pc:sldMasterChg chg="modTransition modSldLayout">
-        <pc:chgData name="Scruel Tao" userId="5ea5c98d59b44d4b" providerId="LiveId" clId="{25EE8322-F25A-461A-832B-3F23620178F6}" dt="2023-05-05T15:02:47.705" v="8588"/>
+        <pc:chgData name="Scruel Tao" userId="5ea5c98d59b44d4b" providerId="LiveId" clId="{25EE8322-F25A-461A-832B-3F23620178F6}" dt="2023-05-16T03:56:59.665" v="11106" actId="478"/>
         <pc:sldMasterMkLst>
           <pc:docMk/>
           <pc:sldMasterMk cId="1766057859" sldId="2147483648"/>
@@ -4002,13 +4010,22 @@
             <pc:sldLayoutMk cId="1976972956" sldId="2147483659"/>
           </pc:sldLayoutMkLst>
         </pc:sldLayoutChg>
-        <pc:sldLayoutChg chg="modTransition">
-          <pc:chgData name="Scruel Tao" userId="5ea5c98d59b44d4b" providerId="LiveId" clId="{25EE8322-F25A-461A-832B-3F23620178F6}" dt="2023-05-05T15:02:47.705" v="8588"/>
+        <pc:sldLayoutChg chg="delSp modTransition">
+          <pc:chgData name="Scruel Tao" userId="5ea5c98d59b44d4b" providerId="LiveId" clId="{25EE8322-F25A-461A-832B-3F23620178F6}" dt="2023-05-16T03:56:59.665" v="11106" actId="478"/>
           <pc:sldLayoutMkLst>
             <pc:docMk/>
             <pc:sldMasterMk cId="1766057859" sldId="2147483648"/>
             <pc:sldLayoutMk cId="1337634028" sldId="2147483660"/>
           </pc:sldLayoutMkLst>
+          <pc:spChg chg="del">
+            <ac:chgData name="Scruel Tao" userId="5ea5c98d59b44d4b" providerId="LiveId" clId="{25EE8322-F25A-461A-832B-3F23620178F6}" dt="2023-05-16T03:56:59.665" v="11106" actId="478"/>
+            <ac:spMkLst>
+              <pc:docMk/>
+              <pc:sldMasterMk cId="1766057859" sldId="2147483648"/>
+              <pc:sldLayoutMk cId="1337634028" sldId="2147483660"/>
+              <ac:spMk id="19472" creationId="{BD0BF484-93B1-9A87-952A-7D5E9B29C38D}"/>
+            </ac:spMkLst>
+          </pc:spChg>
         </pc:sldLayoutChg>
       </pc:sldMasterChg>
     </pc:docChg>
@@ -5212,7 +5229,7 @@
           <a:p>
             <a:fld id="{AC7E1972-C479-4420-A687-8FB83BA90DEB}" type="datetimeFigureOut">
               <a:rPr lang="zh-CN" altLang="en-US" smtClean="0"/>
-              <a:t>2023/5/10</a:t>
+              <a:t>2023/5/16</a:t>
             </a:fld>
             <a:endParaRPr lang="zh-CN" altLang="en-US"/>
           </a:p>
@@ -5389,7 +5406,7 @@
           <a:p>
             <a:fld id="{89B7AB8D-BCC0-43C6-B24C-055A25DB558F}" type="datetimeFigureOut">
               <a:rPr lang="zh-CN" altLang="en-US" smtClean="0"/>
-              <a:t>2023/5/10</a:t>
+              <a:t>2023/5/16</a:t>
             </a:fld>
             <a:endParaRPr lang="zh-CN" altLang="en-US"/>
           </a:p>
@@ -9112,7 +9129,7 @@
           <a:p>
             <a:fld id="{F721228B-0167-4061-A906-8575043315EE}" type="datetimeFigureOut">
               <a:rPr lang="zh-CN" altLang="en-US" smtClean="0"/>
-              <a:t>2023/5/10</a:t>
+              <a:t>2023/5/16</a:t>
             </a:fld>
             <a:endParaRPr lang="zh-CN" altLang="en-US"/>
           </a:p>
@@ -9322,7 +9339,7 @@
           <a:p>
             <a:fld id="{F721228B-0167-4061-A906-8575043315EE}" type="datetimeFigureOut">
               <a:rPr lang="zh-CN" altLang="en-US" smtClean="0"/>
-              <a:t>2023/5/10</a:t>
+              <a:t>2023/5/16</a:t>
             </a:fld>
             <a:endParaRPr lang="zh-CN" altLang="en-US"/>
           </a:p>
@@ -9542,7 +9559,7 @@
           <a:p>
             <a:fld id="{F721228B-0167-4061-A906-8575043315EE}" type="datetimeFigureOut">
               <a:rPr lang="zh-CN" altLang="en-US" smtClean="0"/>
-              <a:t>2023/5/10</a:t>
+              <a:t>2023/5/16</a:t>
             </a:fld>
             <a:endParaRPr lang="zh-CN" altLang="en-US"/>
           </a:p>
@@ -9644,58 +9661,6 @@
           <a:chExt cx="0" cy="0"/>
         </a:xfrm>
       </p:grpSpPr>
-      <p:sp>
-        <p:nvSpPr>
-          <p:cNvPr id="19472" name="Rectangle 16">
-            <a:extLst>
-              <a:ext uri="{FF2B5EF4-FFF2-40B4-BE49-F238E27FC236}">
-                <a16:creationId xmlns:a16="http://schemas.microsoft.com/office/drawing/2014/main" id="{BD0BF484-93B1-9A87-952A-7D5E9B29C38D}"/>
-              </a:ext>
-            </a:extLst>
-          </p:cNvPr>
-          <p:cNvSpPr>
-            <a:spLocks noGrp="1" noChangeArrowheads="1"/>
-          </p:cNvSpPr>
-          <p:nvPr>
-            <p:ph type="sldNum" sz="quarter" idx="4"/>
-          </p:nvPr>
-        </p:nvSpPr>
-        <p:spPr>
-          <a:xfrm>
-            <a:off x="11582400" y="6486525"/>
-            <a:ext cx="609600" cy="381000"/>
-          </a:xfrm>
-          <a:extLst>
-            <a:ext uri="{909E8E84-426E-40DD-AFC4-6F175D3DCCD1}">
-              <a14:hiddenFill xmlns:a14="http://schemas.microsoft.com/office/drawing/2010/main">
-                <a:solidFill>
-                  <a:schemeClr val="bg1"/>
-                </a:solidFill>
-              </a14:hiddenFill>
-            </a:ext>
-          </a:extLst>
-        </p:spPr>
-        <p:txBody>
-          <a:bodyPr/>
-          <a:lstStyle>
-            <a:lvl1pPr>
-              <a:defRPr>
-                <a:solidFill>
-                  <a:schemeClr val="bg1"/>
-                </a:solidFill>
-              </a:defRPr>
-            </a:lvl1pPr>
-          </a:lstStyle>
-          <a:p>
-            <a:fld id="{2715ED00-090C-4140-8C2E-A7E232A15EA9}" type="slidenum">
-              <a:rPr lang="en-US" altLang="zh-CN"/>
-              <a:pPr/>
-              <a:t>‹#›</a:t>
-            </a:fld>
-            <a:endParaRPr lang="en-US" altLang="zh-CN"/>
-          </a:p>
-        </p:txBody>
-      </p:sp>
       <p:sp>
         <p:nvSpPr>
           <p:cNvPr id="19483" name="Rectangle 27">
@@ -10091,7 +10056,7 @@
           <a:p>
             <a:fld id="{F721228B-0167-4061-A906-8575043315EE}" type="datetimeFigureOut">
               <a:rPr lang="zh-CN" altLang="en-US" smtClean="0"/>
-              <a:t>2023/5/10</a:t>
+              <a:t>2023/5/16</a:t>
             </a:fld>
             <a:endParaRPr lang="zh-CN" altLang="en-US"/>
           </a:p>
@@ -10427,7 +10392,7 @@
           <a:p>
             <a:fld id="{F721228B-0167-4061-A906-8575043315EE}" type="datetimeFigureOut">
               <a:rPr lang="zh-CN" altLang="en-US" smtClean="0"/>
-              <a:t>2023/5/10</a:t>
+              <a:t>2023/5/16</a:t>
             </a:fld>
             <a:endParaRPr lang="zh-CN" altLang="en-US"/>
           </a:p>
@@ -10785,7 +10750,7 @@
           <a:p>
             <a:fld id="{F721228B-0167-4061-A906-8575043315EE}" type="datetimeFigureOut">
               <a:rPr lang="zh-CN" altLang="en-US" smtClean="0"/>
-              <a:t>2023/5/10</a:t>
+              <a:t>2023/5/16</a:t>
             </a:fld>
             <a:endParaRPr lang="zh-CN" altLang="en-US"/>
           </a:p>
@@ -11258,7 +11223,7 @@
           <a:p>
             <a:fld id="{F721228B-0167-4061-A906-8575043315EE}" type="datetimeFigureOut">
               <a:rPr lang="zh-CN" altLang="en-US" smtClean="0"/>
-              <a:t>2023/5/10</a:t>
+              <a:t>2023/5/16</a:t>
             </a:fld>
             <a:endParaRPr lang="zh-CN" altLang="en-US"/>
           </a:p>
@@ -11411,7 +11376,7 @@
           <a:p>
             <a:fld id="{F721228B-0167-4061-A906-8575043315EE}" type="datetimeFigureOut">
               <a:rPr lang="zh-CN" altLang="en-US" smtClean="0"/>
-              <a:t>2023/5/10</a:t>
+              <a:t>2023/5/16</a:t>
             </a:fld>
             <a:endParaRPr lang="zh-CN" altLang="en-US"/>
           </a:p>
@@ -11536,7 +11501,7 @@
           <a:p>
             <a:fld id="{F721228B-0167-4061-A906-8575043315EE}" type="datetimeFigureOut">
               <a:rPr lang="zh-CN" altLang="en-US" smtClean="0"/>
-              <a:t>2023/5/10</a:t>
+              <a:t>2023/5/16</a:t>
             </a:fld>
             <a:endParaRPr lang="zh-CN" altLang="en-US"/>
           </a:p>
@@ -11859,7 +11824,7 @@
           <a:p>
             <a:fld id="{F721228B-0167-4061-A906-8575043315EE}" type="datetimeFigureOut">
               <a:rPr lang="zh-CN" altLang="en-US" smtClean="0"/>
-              <a:t>2023/5/10</a:t>
+              <a:t>2023/5/16</a:t>
             </a:fld>
             <a:endParaRPr lang="zh-CN" altLang="en-US"/>
           </a:p>
@@ -12159,7 +12124,7 @@
           <a:p>
             <a:fld id="{F721228B-0167-4061-A906-8575043315EE}" type="datetimeFigureOut">
               <a:rPr lang="zh-CN" altLang="en-US" smtClean="0"/>
-              <a:t>2023/5/10</a:t>
+              <a:t>2023/5/16</a:t>
             </a:fld>
             <a:endParaRPr lang="zh-CN" altLang="en-US"/>
           </a:p>
@@ -12412,7 +12377,7 @@
           <a:p>
             <a:fld id="{F721228B-0167-4061-A906-8575043315EE}" type="datetimeFigureOut">
               <a:rPr lang="zh-CN" altLang="en-US" smtClean="0"/>
-              <a:t>2023/5/10</a:t>
+              <a:t>2023/5/16</a:t>
             </a:fld>
             <a:endParaRPr lang="zh-CN" altLang="en-US"/>
           </a:p>
@@ -12850,36 +12815,6 @@
           <a:chExt cx="0" cy="0"/>
         </a:xfrm>
       </p:grpSpPr>
-      <p:sp>
-        <p:nvSpPr>
-          <p:cNvPr id="2" name="Rectangle 16">
-            <a:extLst>
-              <a:ext uri="{FF2B5EF4-FFF2-40B4-BE49-F238E27FC236}">
-                <a16:creationId xmlns:a16="http://schemas.microsoft.com/office/drawing/2014/main" id="{51B8E4C0-E15B-4BD0-7B5B-A44A3D5B0C34}"/>
-              </a:ext>
-            </a:extLst>
-          </p:cNvPr>
-          <p:cNvSpPr>
-            <a:spLocks noGrp="1" noChangeArrowheads="1"/>
-          </p:cNvSpPr>
-          <p:nvPr>
-            <p:ph type="sldNum" sz="quarter" idx="4"/>
-          </p:nvPr>
-        </p:nvSpPr>
-        <p:spPr/>
-        <p:txBody>
-          <a:bodyPr/>
-          <a:lstStyle/>
-          <a:p>
-            <a:fld id="{142851DF-B74D-4AE2-884A-1FB97A3CB7E1}" type="slidenum">
-              <a:rPr lang="en-US" altLang="zh-CN"/>
-              <a:pPr/>
-              <a:t>1</a:t>
-            </a:fld>
-            <a:endParaRPr lang="en-US" altLang="zh-CN"/>
-          </a:p>
-        </p:txBody>
-      </p:sp>
       <p:sp>
         <p:nvSpPr>
           <p:cNvPr id="1227783" name="Rectangle 7">

--- a/PPT/python4.pptx
+++ b/PPT/python4.pptx
@@ -162,7 +162,7 @@
 <file path=ppt/revisionInfo.xml><?xml version="1.0" encoding="utf-8"?>
 <p1510:revInfo xmlns:a="http://schemas.openxmlformats.org/drawingml/2006/main" xmlns:r="http://schemas.openxmlformats.org/officeDocument/2006/relationships" xmlns:p1510="http://schemas.microsoft.com/office/powerpoint/2015/10/main">
   <p1510:revLst>
-    <p1510:client id="{25EE8322-F25A-461A-832B-3F23620178F6}" v="3718" dt="2023-05-16T03:56:59.665"/>
+    <p1510:client id="{25EE8322-F25A-461A-832B-3F23620178F6}" v="3881" dt="2023-06-02T15:42:17.042"/>
   </p1510:revLst>
 </p1510:revInfo>
 </file>
@@ -1366,7 +1366,7 @@
   <pc:docChgLst>
     <pc:chgData name="Scruel Tao" userId="5ea5c98d59b44d4b" providerId="LiveId" clId="{25EE8322-F25A-461A-832B-3F23620178F6}"/>
     <pc:docChg chg="undo redo custSel addSld delSld modSld sldOrd modMainMaster">
-      <pc:chgData name="Scruel Tao" userId="5ea5c98d59b44d4b" providerId="LiveId" clId="{25EE8322-F25A-461A-832B-3F23620178F6}" dt="2023-05-16T03:56:59.665" v="11106" actId="478"/>
+      <pc:chgData name="Scruel Tao" userId="5ea5c98d59b44d4b" providerId="LiveId" clId="{25EE8322-F25A-461A-832B-3F23620178F6}" dt="2023-06-02T15:42:43.780" v="11842" actId="20577"/>
       <pc:docMkLst>
         <pc:docMk/>
       </pc:docMkLst>
@@ -1401,7 +1401,7 @@
         </pc:sldMkLst>
       </pc:sldChg>
       <pc:sldChg chg="addSp delSp modSp mod modTransition">
-        <pc:chgData name="Scruel Tao" userId="5ea5c98d59b44d4b" providerId="LiveId" clId="{25EE8322-F25A-461A-832B-3F23620178F6}" dt="2023-05-16T03:56:42.287" v="11105" actId="478"/>
+        <pc:chgData name="Scruel Tao" userId="5ea5c98d59b44d4b" providerId="LiveId" clId="{25EE8322-F25A-461A-832B-3F23620178F6}" dt="2023-06-02T13:44:18.306" v="11782" actId="20577"/>
         <pc:sldMkLst>
           <pc:docMk/>
           <pc:sldMk cId="0" sldId="260"/>
@@ -1431,7 +1431,7 @@
           </ac:spMkLst>
         </pc:spChg>
         <pc:spChg chg="mod">
-          <ac:chgData name="Scruel Tao" userId="5ea5c98d59b44d4b" providerId="LiveId" clId="{25EE8322-F25A-461A-832B-3F23620178F6}" dt="2023-04-29T18:31:05.454" v="6481"/>
+          <ac:chgData name="Scruel Tao" userId="5ea5c98d59b44d4b" providerId="LiveId" clId="{25EE8322-F25A-461A-832B-3F23620178F6}" dt="2023-06-02T13:44:18.306" v="11782" actId="20577"/>
           <ac:spMkLst>
             <pc:docMk/>
             <pc:sldMk cId="0" sldId="260"/>
@@ -1541,13 +1541,13 @@
         </pc:picChg>
       </pc:sldChg>
       <pc:sldChg chg="modSp add mod modTransition addAnim delAnim modAnim modNotesTx">
-        <pc:chgData name="Scruel Tao" userId="5ea5c98d59b44d4b" providerId="LiveId" clId="{25EE8322-F25A-461A-832B-3F23620178F6}" dt="2023-05-10T02:02:13.319" v="11104" actId="20577"/>
+        <pc:chgData name="Scruel Tao" userId="5ea5c98d59b44d4b" providerId="LiveId" clId="{25EE8322-F25A-461A-832B-3F23620178F6}" dt="2023-06-02T15:42:43.780" v="11842" actId="20577"/>
         <pc:sldMkLst>
           <pc:docMk/>
           <pc:sldMk cId="3745708182" sldId="280"/>
         </pc:sldMkLst>
         <pc:spChg chg="mod">
-          <ac:chgData name="Scruel Tao" userId="5ea5c98d59b44d4b" providerId="LiveId" clId="{25EE8322-F25A-461A-832B-3F23620178F6}" dt="2023-05-10T02:02:13.319" v="11104" actId="20577"/>
+          <ac:chgData name="Scruel Tao" userId="5ea5c98d59b44d4b" providerId="LiveId" clId="{25EE8322-F25A-461A-832B-3F23620178F6}" dt="2023-06-02T15:42:17.041" v="11795" actId="20577"/>
           <ac:spMkLst>
             <pc:docMk/>
             <pc:sldMk cId="3745708182" sldId="280"/>
@@ -2904,13 +2904,13 @@
         </pc:spChg>
       </pc:sldChg>
       <pc:sldChg chg="addSp delSp modSp add mod ord modTransition modAnim modNotesTx">
-        <pc:chgData name="Scruel Tao" userId="5ea5c98d59b44d4b" providerId="LiveId" clId="{25EE8322-F25A-461A-832B-3F23620178F6}" dt="2023-05-06T20:53:38.898" v="10731" actId="1036"/>
+        <pc:chgData name="Scruel Tao" userId="5ea5c98d59b44d4b" providerId="LiveId" clId="{25EE8322-F25A-461A-832B-3F23620178F6}" dt="2023-06-02T08:25:53.694" v="11781" actId="20577"/>
         <pc:sldMkLst>
           <pc:docMk/>
           <pc:sldMk cId="3482109110" sldId="313"/>
         </pc:sldMkLst>
         <pc:spChg chg="mod">
-          <ac:chgData name="Scruel Tao" userId="5ea5c98d59b44d4b" providerId="LiveId" clId="{25EE8322-F25A-461A-832B-3F23620178F6}" dt="2023-04-26T07:16:53.535" v="4372" actId="20577"/>
+          <ac:chgData name="Scruel Tao" userId="5ea5c98d59b44d4b" providerId="LiveId" clId="{25EE8322-F25A-461A-832B-3F23620178F6}" dt="2023-06-02T08:22:52.515" v="11507" actId="115"/>
           <ac:spMkLst>
             <pc:docMk/>
             <pc:sldMk cId="3482109110" sldId="313"/>
@@ -2958,7 +2958,7 @@
           </ac:spMkLst>
         </pc:spChg>
         <pc:spChg chg="mod">
-          <ac:chgData name="Scruel Tao" userId="5ea5c98d59b44d4b" providerId="LiveId" clId="{25EE8322-F25A-461A-832B-3F23620178F6}" dt="2023-05-03T04:12:21.788" v="8322" actId="115"/>
+          <ac:chgData name="Scruel Tao" userId="5ea5c98d59b44d4b" providerId="LiveId" clId="{25EE8322-F25A-461A-832B-3F23620178F6}" dt="2023-06-02T08:23:09.215" v="11521" actId="20577"/>
           <ac:spMkLst>
             <pc:docMk/>
             <pc:sldMk cId="3482109110" sldId="313"/>
@@ -2967,11 +2967,19 @@
         </pc:spChg>
       </pc:sldChg>
       <pc:sldChg chg="addSp modSp add mod modTransition modAnim">
-        <pc:chgData name="Scruel Tao" userId="5ea5c98d59b44d4b" providerId="LiveId" clId="{25EE8322-F25A-461A-832B-3F23620178F6}" dt="2023-05-06T20:53:12.638" v="10718" actId="1076"/>
+        <pc:chgData name="Scruel Tao" userId="5ea5c98d59b44d4b" providerId="LiveId" clId="{25EE8322-F25A-461A-832B-3F23620178F6}" dt="2023-06-02T08:20:50.449" v="11405" actId="20577"/>
         <pc:sldMkLst>
           <pc:docMk/>
           <pc:sldMk cId="3988986796" sldId="314"/>
         </pc:sldMkLst>
+        <pc:spChg chg="mod">
+          <ac:chgData name="Scruel Tao" userId="5ea5c98d59b44d4b" providerId="LiveId" clId="{25EE8322-F25A-461A-832B-3F23620178F6}" dt="2023-06-02T08:20:50.449" v="11405" actId="20577"/>
+          <ac:spMkLst>
+            <pc:docMk/>
+            <pc:sldMk cId="3988986796" sldId="314"/>
+            <ac:spMk id="2" creationId="{BAD162F0-2175-84E9-2387-55F669162449}"/>
+          </ac:spMkLst>
+        </pc:spChg>
         <pc:spChg chg="add mod">
           <ac:chgData name="Scruel Tao" userId="5ea5c98d59b44d4b" providerId="LiveId" clId="{25EE8322-F25A-461A-832B-3F23620178F6}" dt="2023-05-06T20:53:12.638" v="10718" actId="1076"/>
           <ac:spMkLst>
@@ -3013,11 +3021,19 @@
         </pc:sldMkLst>
       </pc:sldChg>
       <pc:sldChg chg="addSp delSp modSp add mod modTransition modAnim modNotesTx">
-        <pc:chgData name="Scruel Tao" userId="5ea5c98d59b44d4b" providerId="LiveId" clId="{25EE8322-F25A-461A-832B-3F23620178F6}" dt="2023-05-06T20:53:39.305" v="10733" actId="478"/>
+        <pc:chgData name="Scruel Tao" userId="5ea5c98d59b44d4b" providerId="LiveId" clId="{25EE8322-F25A-461A-832B-3F23620178F6}" dt="2023-06-02T08:23:37.831" v="11536" actId="20577"/>
         <pc:sldMkLst>
           <pc:docMk/>
           <pc:sldMk cId="1932026517" sldId="316"/>
         </pc:sldMkLst>
+        <pc:spChg chg="mod">
+          <ac:chgData name="Scruel Tao" userId="5ea5c98d59b44d4b" providerId="LiveId" clId="{25EE8322-F25A-461A-832B-3F23620178F6}" dt="2023-06-02T08:20:39.342" v="11400" actId="20577"/>
+          <ac:spMkLst>
+            <pc:docMk/>
+            <pc:sldMk cId="1932026517" sldId="316"/>
+            <ac:spMk id="2" creationId="{BAD162F0-2175-84E9-2387-55F669162449}"/>
+          </ac:spMkLst>
+        </pc:spChg>
         <pc:spChg chg="add del mod">
           <ac:chgData name="Scruel Tao" userId="5ea5c98d59b44d4b" providerId="LiveId" clId="{25EE8322-F25A-461A-832B-3F23620178F6}" dt="2023-05-06T20:53:39.116" v="10732"/>
           <ac:spMkLst>
@@ -3067,7 +3083,7 @@
           </ac:spMkLst>
         </pc:spChg>
         <pc:spChg chg="mod">
-          <ac:chgData name="Scruel Tao" userId="5ea5c98d59b44d4b" providerId="LiveId" clId="{25EE8322-F25A-461A-832B-3F23620178F6}" dt="2023-05-03T02:47:12.624" v="8174" actId="5793"/>
+          <ac:chgData name="Scruel Tao" userId="5ea5c98d59b44d4b" providerId="LiveId" clId="{25EE8322-F25A-461A-832B-3F23620178F6}" dt="2023-06-02T08:23:17.816" v="11534" actId="20577"/>
           <ac:spMkLst>
             <pc:docMk/>
             <pc:sldMk cId="1932026517" sldId="316"/>
@@ -5229,7 +5245,7 @@
           <a:p>
             <a:fld id="{AC7E1972-C479-4420-A687-8FB83BA90DEB}" type="datetimeFigureOut">
               <a:rPr lang="zh-CN" altLang="en-US" smtClean="0"/>
-              <a:t>2023/5/16</a:t>
+              <a:t>2023/6/2</a:t>
             </a:fld>
             <a:endParaRPr lang="zh-CN" altLang="en-US"/>
           </a:p>
@@ -5406,7 +5422,7 @@
           <a:p>
             <a:fld id="{89B7AB8D-BCC0-43C6-B24C-055A25DB558F}" type="datetimeFigureOut">
               <a:rPr lang="zh-CN" altLang="en-US" smtClean="0"/>
-              <a:t>2023/5/16</a:t>
+              <a:t>2023/6/2</a:t>
             </a:fld>
             <a:endParaRPr lang="zh-CN" altLang="en-US"/>
           </a:p>
@@ -7878,10 +7894,44 @@
           <a:bodyPr/>
           <a:lstStyle/>
           <a:p>
+            <a:pPr marL="0" marR="0" lvl="0" indent="0" algn="l" defTabSz="914400" rtl="0" eaLnBrk="1" fontAlgn="auto" latinLnBrk="0" hangingPunct="1">
+              <a:lnSpc>
+                <a:spcPct val="100000"/>
+              </a:lnSpc>
+              <a:spcBef>
+                <a:spcPts val="0"/>
+              </a:spcBef>
+              <a:spcAft>
+                <a:spcPts val="0"/>
+              </a:spcAft>
+              <a:buClrTx/>
+              <a:buSzTx/>
+              <a:buFontTx/>
+              <a:buNone/>
+              <a:tabLst/>
+              <a:defRPr/>
+            </a:pPr>
             <a:r>
               <a:rPr lang="zh-CN" altLang="en-US" dirty="0"/>
-              <a:t>两个列表是相互独立的</a:t>
-            </a:r>
+              <a:t>经过切片操作，虽然两个列表看起来已经相互独立，但要注意这里的拷贝实际上是</a:t>
+            </a:r>
+            <a:r>
+              <a:rPr lang="zh-CN" altLang="en-US" b="1" u="sng" dirty="0"/>
+              <a:t>浅拷贝</a:t>
+            </a:r>
+            <a:r>
+              <a:rPr lang="zh-CN" altLang="en-US" b="0" u="none" dirty="0"/>
+              <a:t>，关于</a:t>
+            </a:r>
+            <a:r>
+              <a:rPr lang="zh-CN" altLang="en-US" dirty="0"/>
+              <a:t>浅拷贝的相关</a:t>
+            </a:r>
+            <a:r>
+              <a:rPr lang="zh-CN" altLang="en-US"/>
+              <a:t>概念，你可以暂时不做了解，但一定要有一个印象</a:t>
+            </a:r>
+            <a:endParaRPr lang="zh-CN" altLang="en-US" b="0" u="none" dirty="0"/>
           </a:p>
         </p:txBody>
       </p:sp>
@@ -7994,12 +8044,12 @@
                 <a:latin typeface="FZKTJW--GB1-0"/>
                 <a:ea typeface="黑体" panose="02010609060101010101" pitchFamily="49" charset="-122"/>
               </a:rPr>
-              <a:t>暂时不要考虑这个示例中的细节。当你试图使用列表的副本时，如果结果出乎意料，请确认你是否像第一个示例那样使用切片复制了列表。</a:t>
-            </a:r>
-            <a:endParaRPr lang="zh-CN" altLang="en-US" dirty="0"/>
-          </a:p>
-          <a:p>
-            <a:endParaRPr lang="zh-CN" altLang="en-US" dirty="0"/>
+              <a:t>暂时不要考虑这个示例中的细节。当你试图使用列表的副本时，如果结果出乎意料，请确认你是否像第一个示例那样使用切片复制了列表</a:t>
+            </a:r>
+            <a:r>
+              <a:rPr lang="zh-CN" altLang="en-US" dirty="0"/>
+              <a:t>，并了解了浅拷贝的相关概念。</a:t>
+            </a:r>
           </a:p>
         </p:txBody>
       </p:sp>
@@ -8437,6 +8487,41 @@
         <p:txBody>
           <a:bodyPr/>
           <a:lstStyle/>
+          <a:p>
+            <a:pPr marL="0" marR="0" lvl="0" indent="0" algn="l" defTabSz="914400" rtl="0" eaLnBrk="1" fontAlgn="auto" latinLnBrk="0" hangingPunct="1">
+              <a:lnSpc>
+                <a:spcPct val="100000"/>
+              </a:lnSpc>
+              <a:spcBef>
+                <a:spcPts val="0"/>
+              </a:spcBef>
+              <a:spcAft>
+                <a:spcPts val="0"/>
+              </a:spcAft>
+              <a:buClrTx/>
+              <a:buSzTx/>
+              <a:buFontTx/>
+              <a:buNone/>
+              <a:tabLst/>
+              <a:defRPr/>
+            </a:pPr>
+            <a:r>
+              <a:rPr lang="en-US" altLang="zh-CN" dirty="0"/>
+              <a:t>VS Code </a:t>
+            </a:r>
+            <a:r>
+              <a:rPr lang="zh-CN" altLang="en-US"/>
+              <a:t>可选代码格式化插件：</a:t>
+            </a:r>
+            <a:r>
+              <a:rPr lang="en-US" altLang="zh-CN" dirty="0">
+                <a:highlight>
+                  <a:srgbClr val="C0C0C0"/>
+                </a:highlight>
+              </a:rPr>
+              <a:t>autopep8</a:t>
+            </a:r>
+          </a:p>
           <a:p>
             <a:endParaRPr lang="en-US" altLang="zh-CN" dirty="0"/>
           </a:p>
@@ -9129,7 +9214,7 @@
           <a:p>
             <a:fld id="{F721228B-0167-4061-A906-8575043315EE}" type="datetimeFigureOut">
               <a:rPr lang="zh-CN" altLang="en-US" smtClean="0"/>
-              <a:t>2023/5/16</a:t>
+              <a:t>2023/6/2</a:t>
             </a:fld>
             <a:endParaRPr lang="zh-CN" altLang="en-US"/>
           </a:p>
@@ -9339,7 +9424,7 @@
           <a:p>
             <a:fld id="{F721228B-0167-4061-A906-8575043315EE}" type="datetimeFigureOut">
               <a:rPr lang="zh-CN" altLang="en-US" smtClean="0"/>
-              <a:t>2023/5/16</a:t>
+              <a:t>2023/6/2</a:t>
             </a:fld>
             <a:endParaRPr lang="zh-CN" altLang="en-US"/>
           </a:p>
@@ -9559,7 +9644,7 @@
           <a:p>
             <a:fld id="{F721228B-0167-4061-A906-8575043315EE}" type="datetimeFigureOut">
               <a:rPr lang="zh-CN" altLang="en-US" smtClean="0"/>
-              <a:t>2023/5/16</a:t>
+              <a:t>2023/6/2</a:t>
             </a:fld>
             <a:endParaRPr lang="zh-CN" altLang="en-US"/>
           </a:p>
@@ -10056,7 +10141,7 @@
           <a:p>
             <a:fld id="{F721228B-0167-4061-A906-8575043315EE}" type="datetimeFigureOut">
               <a:rPr lang="zh-CN" altLang="en-US" smtClean="0"/>
-              <a:t>2023/5/16</a:t>
+              <a:t>2023/6/2</a:t>
             </a:fld>
             <a:endParaRPr lang="zh-CN" altLang="en-US"/>
           </a:p>
@@ -10392,7 +10477,7 @@
           <a:p>
             <a:fld id="{F721228B-0167-4061-A906-8575043315EE}" type="datetimeFigureOut">
               <a:rPr lang="zh-CN" altLang="en-US" smtClean="0"/>
-              <a:t>2023/5/16</a:t>
+              <a:t>2023/6/2</a:t>
             </a:fld>
             <a:endParaRPr lang="zh-CN" altLang="en-US"/>
           </a:p>
@@ -10750,7 +10835,7 @@
           <a:p>
             <a:fld id="{F721228B-0167-4061-A906-8575043315EE}" type="datetimeFigureOut">
               <a:rPr lang="zh-CN" altLang="en-US" smtClean="0"/>
-              <a:t>2023/5/16</a:t>
+              <a:t>2023/6/2</a:t>
             </a:fld>
             <a:endParaRPr lang="zh-CN" altLang="en-US"/>
           </a:p>
@@ -11223,7 +11308,7 @@
           <a:p>
             <a:fld id="{F721228B-0167-4061-A906-8575043315EE}" type="datetimeFigureOut">
               <a:rPr lang="zh-CN" altLang="en-US" smtClean="0"/>
-              <a:t>2023/5/16</a:t>
+              <a:t>2023/6/2</a:t>
             </a:fld>
             <a:endParaRPr lang="zh-CN" altLang="en-US"/>
           </a:p>
@@ -11376,7 +11461,7 @@
           <a:p>
             <a:fld id="{F721228B-0167-4061-A906-8575043315EE}" type="datetimeFigureOut">
               <a:rPr lang="zh-CN" altLang="en-US" smtClean="0"/>
-              <a:t>2023/5/16</a:t>
+              <a:t>2023/6/2</a:t>
             </a:fld>
             <a:endParaRPr lang="zh-CN" altLang="en-US"/>
           </a:p>
@@ -11501,7 +11586,7 @@
           <a:p>
             <a:fld id="{F721228B-0167-4061-A906-8575043315EE}" type="datetimeFigureOut">
               <a:rPr lang="zh-CN" altLang="en-US" smtClean="0"/>
-              <a:t>2023/5/16</a:t>
+              <a:t>2023/6/2</a:t>
             </a:fld>
             <a:endParaRPr lang="zh-CN" altLang="en-US"/>
           </a:p>
@@ -11824,7 +11909,7 @@
           <a:p>
             <a:fld id="{F721228B-0167-4061-A906-8575043315EE}" type="datetimeFigureOut">
               <a:rPr lang="zh-CN" altLang="en-US" smtClean="0"/>
-              <a:t>2023/5/16</a:t>
+              <a:t>2023/6/2</a:t>
             </a:fld>
             <a:endParaRPr lang="zh-CN" altLang="en-US"/>
           </a:p>
@@ -12124,7 +12209,7 @@
           <a:p>
             <a:fld id="{F721228B-0167-4061-A906-8575043315EE}" type="datetimeFigureOut">
               <a:rPr lang="zh-CN" altLang="en-US" smtClean="0"/>
-              <a:t>2023/5/16</a:t>
+              <a:t>2023/6/2</a:t>
             </a:fld>
             <a:endParaRPr lang="zh-CN" altLang="en-US"/>
           </a:p>
@@ -12377,7 +12462,7 @@
           <a:p>
             <a:fld id="{F721228B-0167-4061-A906-8575043315EE}" type="datetimeFigureOut">
               <a:rPr lang="zh-CN" altLang="en-US" smtClean="0"/>
-              <a:t>2023/5/16</a:t>
+              <a:t>2023/6/2</a:t>
             </a:fld>
             <a:endParaRPr lang="zh-CN" altLang="en-US"/>
           </a:p>
@@ -12846,7 +12931,7 @@
           <a:p>
             <a:pPr algn="ctr"/>
             <a:r>
-              <a:rPr lang="en-US" altLang="zh-CN" dirty="0">
+              <a:rPr lang="en-US" altLang="zh-CN">
                 <a:solidFill>
                   <a:schemeClr val="tx1">
                     <a:lumMod val="95000"/>
@@ -12863,10 +12948,10 @@
                 <a:latin typeface="华文琥珀" panose="02010800040101010101" pitchFamily="2" charset="-122"/>
                 <a:ea typeface="华文琥珀" panose="02010800040101010101" pitchFamily="2" charset="-122"/>
               </a:rPr>
-              <a:t>Python</a:t>
-            </a:r>
-            <a:r>
-              <a:rPr lang="zh-CN" altLang="en-US" dirty="0">
+              <a:t>Python </a:t>
+            </a:r>
+            <a:r>
+              <a:rPr lang="zh-CN" altLang="en-US">
                 <a:solidFill>
                   <a:schemeClr val="tx1">
                     <a:lumMod val="95000"/>
@@ -12883,10 +12968,10 @@
                 <a:latin typeface="华文琥珀" panose="02010800040101010101" pitchFamily="2" charset="-122"/>
                 <a:ea typeface="华文琥珀" panose="02010800040101010101" pitchFamily="2" charset="-122"/>
               </a:rPr>
-              <a:t>编程：从入门到实践</a:t>
-            </a:r>
-            <a:br>
-              <a:rPr lang="en-US" altLang="zh-CN" dirty="0">
+              <a:t>编程</a:t>
+            </a:r>
+            <a:r>
+              <a:rPr lang="zh-CN" altLang="en-US" dirty="0">
                 <a:solidFill>
                   <a:schemeClr val="tx1">
                     <a:lumMod val="95000"/>
@@ -12903,9 +12988,29 @@
                 <a:latin typeface="华文琥珀" panose="02010800040101010101" pitchFamily="2" charset="-122"/>
                 <a:ea typeface="华文琥珀" panose="02010800040101010101" pitchFamily="2" charset="-122"/>
               </a:rPr>
+              <a:t>：从入门到实践</a:t>
+            </a:r>
+            <a:br>
+              <a:rPr lang="en-US" altLang="zh-CN" dirty="0">
+                <a:solidFill>
+                  <a:schemeClr val="tx1">
+                    <a:lumMod val="95000"/>
+                    <a:lumOff val="5000"/>
+                  </a:schemeClr>
+                </a:solidFill>
+                <a:effectLst>
+                  <a:outerShdw blurRad="38100" dist="38100" dir="2700000" algn="tl">
+                    <a:srgbClr val="000000">
+                      <a:alpha val="43137"/>
+                    </a:srgbClr>
+                  </a:outerShdw>
+                </a:effectLst>
+                <a:latin typeface="华文琥珀" panose="02010800040101010101" pitchFamily="2" charset="-122"/>
+                <a:ea typeface="华文琥珀" panose="02010800040101010101" pitchFamily="2" charset="-122"/>
+              </a:rPr>
             </a:br>
             <a:r>
-              <a:rPr lang="zh-CN" altLang="en-US">
+              <a:rPr lang="zh-CN" altLang="en-US" dirty="0">
                 <a:solidFill>
                   <a:schemeClr val="tx1">
                     <a:lumMod val="95000"/>
@@ -29944,7 +30049,7 @@
             </a:r>
             <a:r>
               <a:rPr lang="zh-CN" altLang="en-US" dirty="0"/>
-              <a:t>复制列表</a:t>
+              <a:t>拷贝列表</a:t>
             </a:r>
             <a:endParaRPr lang="en-US" altLang="zh-CN" dirty="0"/>
           </a:p>
@@ -30871,7 +30976,7 @@
             </a:r>
             <a:r>
               <a:rPr lang="zh-CN" altLang="en-US" dirty="0"/>
-              <a:t>复制列表</a:t>
+              <a:t>拷贝列表</a:t>
             </a:r>
             <a:endParaRPr lang="en-US" altLang="zh-CN" dirty="0"/>
           </a:p>
@@ -30913,7 +31018,7 @@
             </a:r>
             <a:r>
               <a:rPr lang="zh-CN" altLang="en-US" dirty="0"/>
-              <a:t>，利用这个特性我们</a:t>
+              <a:t>，所以</a:t>
             </a:r>
             <a:r>
               <a:rPr lang="zh-CN" altLang="en-US" dirty="0">
@@ -30923,7 +31028,7 @@
                   </a:schemeClr>
                 </a:solidFill>
               </a:rPr>
-              <a:t>可以复制列表</a:t>
+              <a:t>可以根据原列表创建新列表</a:t>
             </a:r>
             <a:r>
               <a:rPr lang="zh-CN" altLang="en-US" dirty="0"/>
@@ -31564,7 +31669,7 @@
             </a:r>
             <a:r>
               <a:rPr lang="zh-CN" altLang="en-US" dirty="0"/>
-              <a:t>复制列表</a:t>
+              <a:t>拷贝列表</a:t>
             </a:r>
             <a:endParaRPr lang="en-US" altLang="zh-CN" dirty="0"/>
           </a:p>
@@ -31616,7 +31721,7 @@
             </a:r>
             <a:r>
               <a:rPr lang="zh-CN" altLang="en-US" u="sng" dirty="0"/>
-              <a:t>复制后相互独立</a:t>
+              <a:t>拷贝后相互独立</a:t>
             </a:r>
             <a:r>
               <a:rPr lang="zh-CN" altLang="en-US" dirty="0"/>
@@ -34234,7 +34339,7 @@
         <p:spPr/>
         <p:txBody>
           <a:bodyPr>
-            <a:normAutofit/>
+            <a:normAutofit lnSpcReduction="10000"/>
           </a:bodyPr>
           <a:lstStyle/>
           <a:p>
@@ -34254,7 +34359,7 @@
               <a:t>for </a:t>
             </a:r>
             <a:r>
-              <a:rPr lang="zh-CN" altLang="en-US"/>
+              <a:rPr lang="zh-CN" altLang="en-US" dirty="0"/>
               <a:t>循环和切片操作</a:t>
             </a:r>
             <a:endParaRPr lang="en-US" altLang="zh-CN" dirty="0"/>
@@ -34306,21 +34411,14 @@
           <a:p>
             <a:r>
               <a:rPr lang="zh-CN" altLang="en-US" dirty="0"/>
-              <a:t>查询并总结列表相关的常用函数，与元组进行区分</a:t>
+              <a:t>查询并总结列表相关的常用方法和函数，与元组进行区分</a:t>
             </a:r>
             <a:endParaRPr lang="en-US" altLang="zh-CN" dirty="0"/>
           </a:p>
           <a:p>
             <a:r>
               <a:rPr lang="zh-CN" altLang="en-US" dirty="0"/>
-              <a:t>了解如何自动完成代码的格式化</a:t>
-            </a:r>
-            <a:endParaRPr lang="en-US" altLang="zh-CN" dirty="0"/>
-          </a:p>
-          <a:p>
-            <a:r>
-              <a:rPr lang="zh-CN" altLang="en-US" dirty="0"/>
-              <a:t>了解什么是 </a:t>
+              <a:t>了解如何自动完成代码的格式化，并了解什么是 </a:t>
             </a:r>
             <a:r>
               <a:rPr lang="en-US" altLang="zh-CN" dirty="0" err="1"/>
@@ -34329,6 +34427,21 @@
             <a:r>
               <a:rPr lang="zh-CN" altLang="en-US" dirty="0"/>
               <a:t>，并尝试配置和使用它</a:t>
+            </a:r>
+            <a:endParaRPr lang="en-US" altLang="zh-CN" dirty="0"/>
+          </a:p>
+          <a:p>
+            <a:r>
+              <a:rPr lang="zh-CN" altLang="en-US" dirty="0"/>
+              <a:t>了解什么是浅拷贝、深拷贝，如何在 </a:t>
+            </a:r>
+            <a:r>
+              <a:rPr lang="en-US" altLang="zh-CN" dirty="0"/>
+              <a:t>Python </a:t>
+            </a:r>
+            <a:r>
+              <a:rPr lang="zh-CN" altLang="en-US" dirty="0"/>
+              <a:t>中实现深拷贝</a:t>
             </a:r>
             <a:endParaRPr lang="en-US" altLang="zh-CN" dirty="0"/>
           </a:p>

--- a/PPT/python4.pptx
+++ b/PPT/python4.pptx
@@ -5,51 +5,52 @@
     <p:sldMasterId id="2147483648" r:id="rId1"/>
   </p:sldMasterIdLst>
   <p:notesMasterIdLst>
-    <p:notesMasterId r:id="rId41"/>
+    <p:notesMasterId r:id="rId42"/>
   </p:notesMasterIdLst>
   <p:handoutMasterIdLst>
-    <p:handoutMasterId r:id="rId42"/>
+    <p:handoutMasterId r:id="rId43"/>
   </p:handoutMasterIdLst>
   <p:sldIdLst>
     <p:sldId id="260" r:id="rId2"/>
     <p:sldId id="366" r:id="rId3"/>
     <p:sldId id="257" r:id="rId4"/>
     <p:sldId id="283" r:id="rId5"/>
-    <p:sldId id="371" r:id="rId6"/>
-    <p:sldId id="369" r:id="rId7"/>
-    <p:sldId id="370" r:id="rId8"/>
-    <p:sldId id="367" r:id="rId9"/>
-    <p:sldId id="322" r:id="rId10"/>
-    <p:sldId id="372" r:id="rId11"/>
-    <p:sldId id="373" r:id="rId12"/>
-    <p:sldId id="297" r:id="rId13"/>
-    <p:sldId id="284" r:id="rId14"/>
-    <p:sldId id="298" r:id="rId15"/>
-    <p:sldId id="299" r:id="rId16"/>
-    <p:sldId id="300" r:id="rId17"/>
-    <p:sldId id="287" r:id="rId18"/>
-    <p:sldId id="301" r:id="rId19"/>
-    <p:sldId id="302" r:id="rId20"/>
-    <p:sldId id="303" r:id="rId21"/>
-    <p:sldId id="326" r:id="rId22"/>
-    <p:sldId id="288" r:id="rId23"/>
-    <p:sldId id="304" r:id="rId24"/>
-    <p:sldId id="289" r:id="rId25"/>
-    <p:sldId id="305" r:id="rId26"/>
-    <p:sldId id="290" r:id="rId27"/>
-    <p:sldId id="307" r:id="rId28"/>
-    <p:sldId id="308" r:id="rId29"/>
-    <p:sldId id="310" r:id="rId30"/>
-    <p:sldId id="311" r:id="rId31"/>
-    <p:sldId id="312" r:id="rId32"/>
-    <p:sldId id="314" r:id="rId33"/>
-    <p:sldId id="313" r:id="rId34"/>
-    <p:sldId id="316" r:id="rId35"/>
-    <p:sldId id="291" r:id="rId36"/>
-    <p:sldId id="292" r:id="rId37"/>
-    <p:sldId id="317" r:id="rId38"/>
-    <p:sldId id="282" r:id="rId39"/>
-    <p:sldId id="280" r:id="rId40"/>
+    <p:sldId id="374" r:id="rId6"/>
+    <p:sldId id="371" r:id="rId7"/>
+    <p:sldId id="369" r:id="rId8"/>
+    <p:sldId id="370" r:id="rId9"/>
+    <p:sldId id="367" r:id="rId10"/>
+    <p:sldId id="322" r:id="rId11"/>
+    <p:sldId id="372" r:id="rId12"/>
+    <p:sldId id="373" r:id="rId13"/>
+    <p:sldId id="297" r:id="rId14"/>
+    <p:sldId id="284" r:id="rId15"/>
+    <p:sldId id="298" r:id="rId16"/>
+    <p:sldId id="299" r:id="rId17"/>
+    <p:sldId id="300" r:id="rId18"/>
+    <p:sldId id="287" r:id="rId19"/>
+    <p:sldId id="301" r:id="rId20"/>
+    <p:sldId id="302" r:id="rId21"/>
+    <p:sldId id="303" r:id="rId22"/>
+    <p:sldId id="326" r:id="rId23"/>
+    <p:sldId id="288" r:id="rId24"/>
+    <p:sldId id="304" r:id="rId25"/>
+    <p:sldId id="289" r:id="rId26"/>
+    <p:sldId id="305" r:id="rId27"/>
+    <p:sldId id="290" r:id="rId28"/>
+    <p:sldId id="307" r:id="rId29"/>
+    <p:sldId id="308" r:id="rId30"/>
+    <p:sldId id="310" r:id="rId31"/>
+    <p:sldId id="311" r:id="rId32"/>
+    <p:sldId id="312" r:id="rId33"/>
+    <p:sldId id="314" r:id="rId34"/>
+    <p:sldId id="313" r:id="rId35"/>
+    <p:sldId id="316" r:id="rId36"/>
+    <p:sldId id="291" r:id="rId37"/>
+    <p:sldId id="292" r:id="rId38"/>
+    <p:sldId id="317" r:id="rId39"/>
+    <p:sldId id="282" r:id="rId40"/>
+    <p:sldId id="280" r:id="rId41"/>
   </p:sldIdLst>
   <p:sldSz cx="12192000" cy="6858000"/>
   <p:notesSz cx="6858000" cy="9144000"/>
@@ -159,14 +160,6 @@
 </p:presentation>
 </file>
 
-<file path=ppt/revisionInfo.xml><?xml version="1.0" encoding="utf-8"?>
-<p1510:revInfo xmlns:a="http://schemas.openxmlformats.org/drawingml/2006/main" xmlns:r="http://schemas.openxmlformats.org/officeDocument/2006/relationships" xmlns:p1510="http://schemas.microsoft.com/office/powerpoint/2015/10/main">
-  <p1510:revLst>
-    <p1510:client id="{25EE8322-F25A-461A-832B-3F23620178F6}" v="3881" dt="2023-06-02T15:42:17.042"/>
-  </p1510:revLst>
-</p1510:revInfo>
-</file>
-
 <file path=ppt/changesInfos/changesInfo1.xml><?xml version="1.0" encoding="utf-8"?>
 <pc:chgInfo xmlns:a="http://schemas.openxmlformats.org/drawingml/2006/main" xmlns:r="http://schemas.openxmlformats.org/officeDocument/2006/relationships" xmlns:ac="http://schemas.microsoft.com/office/drawing/2013/main/command" xmlns:pc="http://schemas.microsoft.com/office/powerpoint/2013/main/command">
   <pc:docChgLst>
@@ -1364,6 +1357,278 @@
     </pc:docChg>
   </pc:docChgLst>
   <pc:docChgLst>
+    <pc:chgData name="Scruel Tao" userId="5ea5c98d59b44d4b" providerId="LiveId" clId="{48FEBE2D-B1BB-4614-AB8B-4B289B0FAC54}"/>
+    <pc:docChg chg="undo custSel addSld modSld">
+      <pc:chgData name="Scruel Tao" userId="5ea5c98d59b44d4b" providerId="LiveId" clId="{48FEBE2D-B1BB-4614-AB8B-4B289B0FAC54}" dt="2023-12-03T14:21:03.147" v="786"/>
+      <pc:docMkLst>
+        <pc:docMk/>
+      </pc:docMkLst>
+      <pc:sldChg chg="modSp mod">
+        <pc:chgData name="Scruel Tao" userId="5ea5c98d59b44d4b" providerId="LiveId" clId="{48FEBE2D-B1BB-4614-AB8B-4B289B0FAC54}" dt="2023-09-19T09:34:21.484" v="11" actId="27636"/>
+        <pc:sldMkLst>
+          <pc:docMk/>
+          <pc:sldMk cId="3745708182" sldId="280"/>
+        </pc:sldMkLst>
+        <pc:spChg chg="mod">
+          <ac:chgData name="Scruel Tao" userId="5ea5c98d59b44d4b" providerId="LiveId" clId="{48FEBE2D-B1BB-4614-AB8B-4B289B0FAC54}" dt="2023-09-19T09:34:21.484" v="11" actId="27636"/>
+          <ac:spMkLst>
+            <pc:docMk/>
+            <pc:sldMk cId="3745708182" sldId="280"/>
+            <ac:spMk id="3" creationId="{9E0BA8B8-92DA-1AC9-79B9-A552D184BB54}"/>
+          </ac:spMkLst>
+        </pc:spChg>
+      </pc:sldChg>
+      <pc:sldChg chg="delSp modSp mod delAnim">
+        <pc:chgData name="Scruel Tao" userId="5ea5c98d59b44d4b" providerId="LiveId" clId="{48FEBE2D-B1BB-4614-AB8B-4B289B0FAC54}" dt="2023-12-03T05:47:20.295" v="36" actId="478"/>
+        <pc:sldMkLst>
+          <pc:docMk/>
+          <pc:sldMk cId="890904576" sldId="283"/>
+        </pc:sldMkLst>
+        <pc:spChg chg="del">
+          <ac:chgData name="Scruel Tao" userId="5ea5c98d59b44d4b" providerId="LiveId" clId="{48FEBE2D-B1BB-4614-AB8B-4B289B0FAC54}" dt="2023-12-03T05:47:20.295" v="36" actId="478"/>
+          <ac:spMkLst>
+            <pc:docMk/>
+            <pc:sldMk cId="890904576" sldId="283"/>
+            <ac:spMk id="4" creationId="{84F0E68B-1252-143A-5AF6-F61F0B58E739}"/>
+          </ac:spMkLst>
+        </pc:spChg>
+        <pc:spChg chg="del">
+          <ac:chgData name="Scruel Tao" userId="5ea5c98d59b44d4b" providerId="LiveId" clId="{48FEBE2D-B1BB-4614-AB8B-4B289B0FAC54}" dt="2023-12-03T05:47:18.371" v="35" actId="478"/>
+          <ac:spMkLst>
+            <pc:docMk/>
+            <pc:sldMk cId="890904576" sldId="283"/>
+            <ac:spMk id="6" creationId="{1B143F68-790C-4088-D514-BDD559C74D0F}"/>
+          </ac:spMkLst>
+        </pc:spChg>
+        <pc:spChg chg="del">
+          <ac:chgData name="Scruel Tao" userId="5ea5c98d59b44d4b" providerId="LiveId" clId="{48FEBE2D-B1BB-4614-AB8B-4B289B0FAC54}" dt="2023-12-03T05:47:17.323" v="34" actId="478"/>
+          <ac:spMkLst>
+            <pc:docMk/>
+            <pc:sldMk cId="890904576" sldId="283"/>
+            <ac:spMk id="7" creationId="{12C899D8-51C5-D9B7-A323-E6EFE4AB5C33}"/>
+          </ac:spMkLst>
+        </pc:spChg>
+        <pc:spChg chg="mod">
+          <ac:chgData name="Scruel Tao" userId="5ea5c98d59b44d4b" providerId="LiveId" clId="{48FEBE2D-B1BB-4614-AB8B-4B289B0FAC54}" dt="2023-12-03T05:47:15.158" v="33" actId="21"/>
+          <ac:spMkLst>
+            <pc:docMk/>
+            <pc:sldMk cId="890904576" sldId="283"/>
+            <ac:spMk id="8" creationId="{C518E866-DA50-5694-5F60-939464F11BC7}"/>
+          </ac:spMkLst>
+        </pc:spChg>
+      </pc:sldChg>
+      <pc:sldChg chg="modNotesTx">
+        <pc:chgData name="Scruel Tao" userId="5ea5c98d59b44d4b" providerId="LiveId" clId="{48FEBE2D-B1BB-4614-AB8B-4B289B0FAC54}" dt="2023-12-03T08:16:30.231" v="223" actId="20577"/>
+        <pc:sldMkLst>
+          <pc:docMk/>
+          <pc:sldMk cId="1696879397" sldId="287"/>
+        </pc:sldMkLst>
+      </pc:sldChg>
+      <pc:sldChg chg="modNotesTx">
+        <pc:chgData name="Scruel Tao" userId="5ea5c98d59b44d4b" providerId="LiveId" clId="{48FEBE2D-B1BB-4614-AB8B-4B289B0FAC54}" dt="2023-12-03T08:19:26.181" v="442" actId="20577"/>
+        <pc:sldMkLst>
+          <pc:docMk/>
+          <pc:sldMk cId="3393143631" sldId="288"/>
+        </pc:sldMkLst>
+      </pc:sldChg>
+      <pc:sldChg chg="modSp mod">
+        <pc:chgData name="Scruel Tao" userId="5ea5c98d59b44d4b" providerId="LiveId" clId="{48FEBE2D-B1BB-4614-AB8B-4B289B0FAC54}" dt="2023-12-03T08:15:14.376" v="144" actId="1076"/>
+        <pc:sldMkLst>
+          <pc:docMk/>
+          <pc:sldMk cId="3815237857" sldId="299"/>
+        </pc:sldMkLst>
+        <pc:spChg chg="mod">
+          <ac:chgData name="Scruel Tao" userId="5ea5c98d59b44d4b" providerId="LiveId" clId="{48FEBE2D-B1BB-4614-AB8B-4B289B0FAC54}" dt="2023-12-03T08:15:14.376" v="144" actId="1076"/>
+          <ac:spMkLst>
+            <pc:docMk/>
+            <pc:sldMk cId="3815237857" sldId="299"/>
+            <ac:spMk id="3" creationId="{49F25F89-6259-8BC1-B97D-FEEEA178E1EB}"/>
+          </ac:spMkLst>
+        </pc:spChg>
+        <pc:spChg chg="mod">
+          <ac:chgData name="Scruel Tao" userId="5ea5c98d59b44d4b" providerId="LiveId" clId="{48FEBE2D-B1BB-4614-AB8B-4B289B0FAC54}" dt="2023-12-03T08:15:12.350" v="143" actId="1076"/>
+          <ac:spMkLst>
+            <pc:docMk/>
+            <pc:sldMk cId="3815237857" sldId="299"/>
+            <ac:spMk id="7" creationId="{12C899D8-51C5-D9B7-A323-E6EFE4AB5C33}"/>
+          </ac:spMkLst>
+        </pc:spChg>
+        <pc:spChg chg="mod">
+          <ac:chgData name="Scruel Tao" userId="5ea5c98d59b44d4b" providerId="LiveId" clId="{48FEBE2D-B1BB-4614-AB8B-4B289B0FAC54}" dt="2023-12-03T08:15:07.719" v="142" actId="20577"/>
+          <ac:spMkLst>
+            <pc:docMk/>
+            <pc:sldMk cId="3815237857" sldId="299"/>
+            <ac:spMk id="8" creationId="{C518E866-DA50-5694-5F60-939464F11BC7}"/>
+          </ac:spMkLst>
+        </pc:spChg>
+      </pc:sldChg>
+      <pc:sldChg chg="addSp modSp mod modAnim">
+        <pc:chgData name="Scruel Tao" userId="5ea5c98d59b44d4b" providerId="LiveId" clId="{48FEBE2D-B1BB-4614-AB8B-4B289B0FAC54}" dt="2023-12-03T08:21:21.786" v="460"/>
+        <pc:sldMkLst>
+          <pc:docMk/>
+          <pc:sldMk cId="2781897289" sldId="304"/>
+        </pc:sldMkLst>
+        <pc:spChg chg="add mod">
+          <ac:chgData name="Scruel Tao" userId="5ea5c98d59b44d4b" providerId="LiveId" clId="{48FEBE2D-B1BB-4614-AB8B-4B289B0FAC54}" dt="2023-12-03T08:20:25.238" v="448" actId="1035"/>
+          <ac:spMkLst>
+            <pc:docMk/>
+            <pc:sldMk cId="2781897289" sldId="304"/>
+            <ac:spMk id="3" creationId="{C89AD143-DA6A-1472-2467-DB8CD6834D79}"/>
+          </ac:spMkLst>
+        </pc:spChg>
+        <pc:spChg chg="add mod">
+          <ac:chgData name="Scruel Tao" userId="5ea5c98d59b44d4b" providerId="LiveId" clId="{48FEBE2D-B1BB-4614-AB8B-4B289B0FAC54}" dt="2023-12-03T08:20:33.751" v="451" actId="1036"/>
+          <ac:spMkLst>
+            <pc:docMk/>
+            <pc:sldMk cId="2781897289" sldId="304"/>
+            <ac:spMk id="4" creationId="{0D689B97-E6EE-0CB6-72A6-2B2106FC0E88}"/>
+          </ac:spMkLst>
+        </pc:spChg>
+      </pc:sldChg>
+      <pc:sldChg chg="modTransition">
+        <pc:chgData name="Scruel Tao" userId="5ea5c98d59b44d4b" providerId="LiveId" clId="{48FEBE2D-B1BB-4614-AB8B-4B289B0FAC54}" dt="2023-12-03T14:20:44.201" v="781"/>
+        <pc:sldMkLst>
+          <pc:docMk/>
+          <pc:sldMk cId="3002572128" sldId="307"/>
+        </pc:sldMkLst>
+      </pc:sldChg>
+      <pc:sldChg chg="modTransition">
+        <pc:chgData name="Scruel Tao" userId="5ea5c98d59b44d4b" providerId="LiveId" clId="{48FEBE2D-B1BB-4614-AB8B-4B289B0FAC54}" dt="2023-12-03T14:20:46.039" v="782"/>
+        <pc:sldMkLst>
+          <pc:docMk/>
+          <pc:sldMk cId="3123359339" sldId="308"/>
+        </pc:sldMkLst>
+      </pc:sldChg>
+      <pc:sldChg chg="modTransition">
+        <pc:chgData name="Scruel Tao" userId="5ea5c98d59b44d4b" providerId="LiveId" clId="{48FEBE2D-B1BB-4614-AB8B-4B289B0FAC54}" dt="2023-12-03T14:20:50.537" v="783"/>
+        <pc:sldMkLst>
+          <pc:docMk/>
+          <pc:sldMk cId="1197251261" sldId="310"/>
+        </pc:sldMkLst>
+      </pc:sldChg>
+      <pc:sldChg chg="modTransition">
+        <pc:chgData name="Scruel Tao" userId="5ea5c98d59b44d4b" providerId="LiveId" clId="{48FEBE2D-B1BB-4614-AB8B-4B289B0FAC54}" dt="2023-12-03T14:20:54.525" v="784"/>
+        <pc:sldMkLst>
+          <pc:docMk/>
+          <pc:sldMk cId="2446612333" sldId="311"/>
+        </pc:sldMkLst>
+      </pc:sldChg>
+      <pc:sldChg chg="modNotesTx">
+        <pc:chgData name="Scruel Tao" userId="5ea5c98d59b44d4b" providerId="LiveId" clId="{48FEBE2D-B1BB-4614-AB8B-4B289B0FAC54}" dt="2023-12-03T08:23:53.498" v="470" actId="20577"/>
+        <pc:sldMkLst>
+          <pc:docMk/>
+          <pc:sldMk cId="3482109110" sldId="313"/>
+        </pc:sldMkLst>
+      </pc:sldChg>
+      <pc:sldChg chg="addSp modSp mod modTransition modAnim">
+        <pc:chgData name="Scruel Tao" userId="5ea5c98d59b44d4b" providerId="LiveId" clId="{48FEBE2D-B1BB-4614-AB8B-4B289B0FAC54}" dt="2023-12-03T14:20:58.576" v="785"/>
+        <pc:sldMkLst>
+          <pc:docMk/>
+          <pc:sldMk cId="1932026517" sldId="316"/>
+        </pc:sldMkLst>
+        <pc:spChg chg="add mod">
+          <ac:chgData name="Scruel Tao" userId="5ea5c98d59b44d4b" providerId="LiveId" clId="{48FEBE2D-B1BB-4614-AB8B-4B289B0FAC54}" dt="2023-12-03T08:25:47.725" v="477" actId="13822"/>
+          <ac:spMkLst>
+            <pc:docMk/>
+            <pc:sldMk cId="1932026517" sldId="316"/>
+            <ac:spMk id="4" creationId="{5A75A114-C5C4-1AF5-313C-2D3E44F08848}"/>
+          </ac:spMkLst>
+        </pc:spChg>
+      </pc:sldChg>
+      <pc:sldChg chg="modSp mod modTransition modAnim modNotesTx">
+        <pc:chgData name="Scruel Tao" userId="5ea5c98d59b44d4b" providerId="LiveId" clId="{48FEBE2D-B1BB-4614-AB8B-4B289B0FAC54}" dt="2023-12-03T14:21:03.147" v="786"/>
+        <pc:sldMkLst>
+          <pc:docMk/>
+          <pc:sldMk cId="3526460311" sldId="317"/>
+        </pc:sldMkLst>
+        <pc:spChg chg="mod">
+          <ac:chgData name="Scruel Tao" userId="5ea5c98d59b44d4b" providerId="LiveId" clId="{48FEBE2D-B1BB-4614-AB8B-4B289B0FAC54}" dt="2023-12-03T08:27:28.847" v="481"/>
+          <ac:spMkLst>
+            <pc:docMk/>
+            <pc:sldMk cId="3526460311" sldId="317"/>
+            <ac:spMk id="2" creationId="{BAD162F0-2175-84E9-2387-55F669162449}"/>
+          </ac:spMkLst>
+        </pc:spChg>
+        <pc:spChg chg="mod">
+          <ac:chgData name="Scruel Tao" userId="5ea5c98d59b44d4b" providerId="LiveId" clId="{48FEBE2D-B1BB-4614-AB8B-4B289B0FAC54}" dt="2023-12-03T08:30:08.327" v="520" actId="21"/>
+          <ac:spMkLst>
+            <pc:docMk/>
+            <pc:sldMk cId="3526460311" sldId="317"/>
+            <ac:spMk id="8" creationId="{C518E866-DA50-5694-5F60-939464F11BC7}"/>
+          </ac:spMkLst>
+        </pc:spChg>
+      </pc:sldChg>
+      <pc:sldChg chg="modSp mod modTransition">
+        <pc:chgData name="Scruel Tao" userId="5ea5c98d59b44d4b" providerId="LiveId" clId="{48FEBE2D-B1BB-4614-AB8B-4B289B0FAC54}" dt="2023-12-03T14:20:31.646" v="780"/>
+        <pc:sldMkLst>
+          <pc:docMk/>
+          <pc:sldMk cId="1645715619" sldId="369"/>
+        </pc:sldMkLst>
+        <pc:spChg chg="mod">
+          <ac:chgData name="Scruel Tao" userId="5ea5c98d59b44d4b" providerId="LiveId" clId="{48FEBE2D-B1BB-4614-AB8B-4B289B0FAC54}" dt="2023-12-03T08:11:46.906" v="134"/>
+          <ac:spMkLst>
+            <pc:docMk/>
+            <pc:sldMk cId="1645715619" sldId="369"/>
+            <ac:spMk id="8" creationId="{C518E866-DA50-5694-5F60-939464F11BC7}"/>
+          </ac:spMkLst>
+        </pc:spChg>
+      </pc:sldChg>
+      <pc:sldChg chg="modSp mod">
+        <pc:chgData name="Scruel Tao" userId="5ea5c98d59b44d4b" providerId="LiveId" clId="{48FEBE2D-B1BB-4614-AB8B-4B289B0FAC54}" dt="2023-12-03T08:13:59.471" v="140" actId="20577"/>
+        <pc:sldMkLst>
+          <pc:docMk/>
+          <pc:sldMk cId="2055425862" sldId="370"/>
+        </pc:sldMkLst>
+        <pc:spChg chg="mod">
+          <ac:chgData name="Scruel Tao" userId="5ea5c98d59b44d4b" providerId="LiveId" clId="{48FEBE2D-B1BB-4614-AB8B-4B289B0FAC54}" dt="2023-12-03T08:13:59.471" v="140" actId="20577"/>
+          <ac:spMkLst>
+            <pc:docMk/>
+            <pc:sldMk cId="2055425862" sldId="370"/>
+            <ac:spMk id="5" creationId="{39B4A8B4-5D17-515C-8782-028B90E6222D}"/>
+          </ac:spMkLst>
+        </pc:spChg>
+        <pc:spChg chg="mod">
+          <ac:chgData name="Scruel Tao" userId="5ea5c98d59b44d4b" providerId="LiveId" clId="{48FEBE2D-B1BB-4614-AB8B-4B289B0FAC54}" dt="2023-12-03T08:11:53.644" v="135"/>
+          <ac:spMkLst>
+            <pc:docMk/>
+            <pc:sldMk cId="2055425862" sldId="370"/>
+            <ac:spMk id="8" creationId="{C518E866-DA50-5694-5F60-939464F11BC7}"/>
+          </ac:spMkLst>
+        </pc:spChg>
+      </pc:sldChg>
+      <pc:sldChg chg="modSp mod">
+        <pc:chgData name="Scruel Tao" userId="5ea5c98d59b44d4b" providerId="LiveId" clId="{48FEBE2D-B1BB-4614-AB8B-4B289B0FAC54}" dt="2023-12-03T08:11:40.690" v="133"/>
+        <pc:sldMkLst>
+          <pc:docMk/>
+          <pc:sldMk cId="64072175" sldId="371"/>
+        </pc:sldMkLst>
+        <pc:spChg chg="mod">
+          <ac:chgData name="Scruel Tao" userId="5ea5c98d59b44d4b" providerId="LiveId" clId="{48FEBE2D-B1BB-4614-AB8B-4B289B0FAC54}" dt="2023-12-03T08:11:40.690" v="133"/>
+          <ac:spMkLst>
+            <pc:docMk/>
+            <pc:sldMk cId="64072175" sldId="371"/>
+            <ac:spMk id="8" creationId="{C518E866-DA50-5694-5F60-939464F11BC7}"/>
+          </ac:spMkLst>
+        </pc:spChg>
+      </pc:sldChg>
+      <pc:sldChg chg="modSp add mod modAnim">
+        <pc:chgData name="Scruel Tao" userId="5ea5c98d59b44d4b" providerId="LiveId" clId="{48FEBE2D-B1BB-4614-AB8B-4B289B0FAC54}" dt="2023-12-03T08:11:17.814" v="132" actId="21"/>
+        <pc:sldMkLst>
+          <pc:docMk/>
+          <pc:sldMk cId="641140656" sldId="374"/>
+        </pc:sldMkLst>
+        <pc:spChg chg="mod">
+          <ac:chgData name="Scruel Tao" userId="5ea5c98d59b44d4b" providerId="LiveId" clId="{48FEBE2D-B1BB-4614-AB8B-4B289B0FAC54}" dt="2023-12-03T08:11:17.814" v="132" actId="21"/>
+          <ac:spMkLst>
+            <pc:docMk/>
+            <pc:sldMk cId="641140656" sldId="374"/>
+            <ac:spMk id="8" creationId="{C518E866-DA50-5694-5F60-939464F11BC7}"/>
+          </ac:spMkLst>
+        </pc:spChg>
+      </pc:sldChg>
+    </pc:docChg>
+  </pc:docChgLst>
+  <pc:docChgLst>
     <pc:chgData name="Scruel Tao" userId="5ea5c98d59b44d4b" providerId="LiveId" clId="{25EE8322-F25A-461A-832B-3F23620178F6}"/>
     <pc:docChg chg="undo redo custSel addSld delSld modSld sldOrd modMainMaster">
       <pc:chgData name="Scruel Tao" userId="5ea5c98d59b44d4b" providerId="LiveId" clId="{25EE8322-F25A-461A-832B-3F23620178F6}" dt="2023-06-02T15:42:43.780" v="11842" actId="20577"/>
@@ -4044,6 +4309,30 @@
           </pc:spChg>
         </pc:sldLayoutChg>
       </pc:sldMasterChg>
+    </pc:docChg>
+  </pc:docChgLst>
+  <pc:docChgLst>
+    <pc:chgData name="Scruel Tao" userId="5ea5c98d59b44d4b" providerId="LiveId" clId="{9840F6C1-5B97-45EC-ADB5-20D518693297}"/>
+    <pc:docChg chg="modSld">
+      <pc:chgData name="Scruel Tao" userId="5ea5c98d59b44d4b" providerId="LiveId" clId="{9840F6C1-5B97-45EC-ADB5-20D518693297}" dt="2023-08-30T10:51:51.289" v="166" actId="20577"/>
+      <pc:docMkLst>
+        <pc:docMk/>
+      </pc:docMkLst>
+      <pc:sldChg chg="modSp mod modNotesTx">
+        <pc:chgData name="Scruel Tao" userId="5ea5c98d59b44d4b" providerId="LiveId" clId="{9840F6C1-5B97-45EC-ADB5-20D518693297}" dt="2023-08-30T10:51:51.289" v="166" actId="20577"/>
+        <pc:sldMkLst>
+          <pc:docMk/>
+          <pc:sldMk cId="2886297257" sldId="291"/>
+        </pc:sldMkLst>
+        <pc:spChg chg="mod">
+          <ac:chgData name="Scruel Tao" userId="5ea5c98d59b44d4b" providerId="LiveId" clId="{9840F6C1-5B97-45EC-ADB5-20D518693297}" dt="2023-08-30T10:51:10.202" v="10" actId="21"/>
+          <ac:spMkLst>
+            <pc:docMk/>
+            <pc:sldMk cId="2886297257" sldId="291"/>
+            <ac:spMk id="8" creationId="{C518E866-DA50-5694-5F60-939464F11BC7}"/>
+          </ac:spMkLst>
+        </pc:spChg>
+      </pc:sldChg>
     </pc:docChg>
   </pc:docChgLst>
   <pc:docChgLst>
@@ -5245,7 +5534,7 @@
           <a:p>
             <a:fld id="{AC7E1972-C479-4420-A687-8FB83BA90DEB}" type="datetimeFigureOut">
               <a:rPr lang="zh-CN" altLang="en-US" smtClean="0"/>
-              <a:t>2023/6/2</a:t>
+              <a:t>2023/12/3</a:t>
             </a:fld>
             <a:endParaRPr lang="zh-CN" altLang="en-US"/>
           </a:p>
@@ -5422,7 +5711,7 @@
           <a:p>
             <a:fld id="{89B7AB8D-BCC0-43C6-B24C-055A25DB558F}" type="datetimeFigureOut">
               <a:rPr lang="zh-CN" altLang="en-US" smtClean="0"/>
-              <a:t>2023/6/2</a:t>
+              <a:t>2023/12/3</a:t>
             </a:fld>
             <a:endParaRPr lang="zh-CN" altLang="en-US"/>
           </a:p>
@@ -5798,13 +6087,6 @@
           <a:bodyPr/>
           <a:lstStyle/>
           <a:p>
-            <a:pPr algn="l"/>
-            <a:r>
-              <a:rPr lang="zh-CN" altLang="en-US" sz="1800" b="0" i="0" u="none" strike="noStrike" baseline="0" dirty="0">
-                <a:latin typeface="FZSSJW--GB1-0"/>
-              </a:rPr>
-              <a:t>使用单数和复数形式的名称，可帮助你判断代码段处理的是单个列表元素还是整个列表。</a:t>
-            </a:r>
             <a:endParaRPr lang="zh-CN" altLang="en-US" dirty="0"/>
           </a:p>
         </p:txBody>
@@ -5835,7 +6117,7 @@
     </p:spTree>
     <p:extLst>
       <p:ext uri="{BB962C8B-B14F-4D97-AF65-F5344CB8AC3E}">
-        <p14:creationId xmlns:p14="http://schemas.microsoft.com/office/powerpoint/2010/main" val="2333604135"/>
+        <p14:creationId xmlns:p14="http://schemas.microsoft.com/office/powerpoint/2010/main" val="2634753508"/>
       </p:ext>
     </p:extLst>
   </p:cSld>
@@ -5889,10 +6171,14 @@
           <a:bodyPr/>
           <a:lstStyle/>
           <a:p>
-            <a:r>
-              <a:rPr lang="zh-CN" altLang="en-US" dirty="0"/>
-              <a:t>英文不认识可以照打，主要关注语法的学习就行，想知道意思可以随时使用翻译软件翻译</a:t>
-            </a:r>
+            <a:pPr algn="l"/>
+            <a:r>
+              <a:rPr lang="zh-CN" altLang="en-US" sz="1800" b="0" i="0" u="none" strike="noStrike" baseline="0" dirty="0">
+                <a:latin typeface="FZSSJW--GB1-0"/>
+              </a:rPr>
+              <a:t>使用单数和复数形式的名称，可帮助你判断代码段处理的是单个列表元素还是整个列表。</a:t>
+            </a:r>
+            <a:endParaRPr lang="zh-CN" altLang="en-US" dirty="0"/>
           </a:p>
         </p:txBody>
       </p:sp>
@@ -5922,7 +6208,7 @@
     </p:spTree>
     <p:extLst>
       <p:ext uri="{BB962C8B-B14F-4D97-AF65-F5344CB8AC3E}">
-        <p14:creationId xmlns:p14="http://schemas.microsoft.com/office/powerpoint/2010/main" val="3714349161"/>
+        <p14:creationId xmlns:p14="http://schemas.microsoft.com/office/powerpoint/2010/main" val="2333604135"/>
       </p:ext>
     </p:extLst>
   </p:cSld>
@@ -5976,7 +6262,10 @@
           <a:bodyPr/>
           <a:lstStyle/>
           <a:p>
-            <a:endParaRPr lang="zh-CN" altLang="en-US" dirty="0"/>
+            <a:r>
+              <a:rPr lang="zh-CN" altLang="en-US" dirty="0"/>
+              <a:t>英文不认识可以照打，主要关注语法的学习就行，想知道意思可以随时使用翻译软件翻译</a:t>
+            </a:r>
           </a:p>
         </p:txBody>
       </p:sp>
@@ -6006,7 +6295,7 @@
     </p:spTree>
     <p:extLst>
       <p:ext uri="{BB962C8B-B14F-4D97-AF65-F5344CB8AC3E}">
-        <p14:creationId xmlns:p14="http://schemas.microsoft.com/office/powerpoint/2010/main" val="2997324825"/>
+        <p14:creationId xmlns:p14="http://schemas.microsoft.com/office/powerpoint/2010/main" val="3714349161"/>
       </p:ext>
     </p:extLst>
   </p:cSld>
@@ -6060,29 +6349,6 @@
           <a:bodyPr/>
           <a:lstStyle/>
           <a:p>
-            <a:pPr marL="0" marR="0" lvl="0" indent="0" algn="l" defTabSz="914400" rtl="0" eaLnBrk="1" fontAlgn="auto" latinLnBrk="0" hangingPunct="1">
-              <a:lnSpc>
-                <a:spcPct val="100000"/>
-              </a:lnSpc>
-              <a:spcBef>
-                <a:spcPts val="0"/>
-              </a:spcBef>
-              <a:spcAft>
-                <a:spcPts val="0"/>
-              </a:spcAft>
-              <a:buClrTx/>
-              <a:buSzTx/>
-              <a:buFontTx/>
-              <a:buNone/>
-              <a:tabLst/>
-              <a:defRPr/>
-            </a:pPr>
-            <a:r>
-              <a:rPr lang="zh-CN" altLang="en-US" dirty="0"/>
-              <a:t>英文不认识可以照打，主要关注语法的学习就行，想知道意思可以随时使用翻译软件翻译</a:t>
-            </a:r>
-          </a:p>
-          <a:p>
             <a:endParaRPr lang="zh-CN" altLang="en-US" dirty="0"/>
           </a:p>
         </p:txBody>
@@ -6113,7 +6379,7 @@
     </p:spTree>
     <p:extLst>
       <p:ext uri="{BB962C8B-B14F-4D97-AF65-F5344CB8AC3E}">
-        <p14:creationId xmlns:p14="http://schemas.microsoft.com/office/powerpoint/2010/main" val="825120846"/>
+        <p14:creationId xmlns:p14="http://schemas.microsoft.com/office/powerpoint/2010/main" val="2997324825"/>
       </p:ext>
     </p:extLst>
   </p:cSld>
@@ -6167,6 +6433,29 @@
           <a:bodyPr/>
           <a:lstStyle/>
           <a:p>
+            <a:pPr marL="0" marR="0" lvl="0" indent="0" algn="l" defTabSz="914400" rtl="0" eaLnBrk="1" fontAlgn="auto" latinLnBrk="0" hangingPunct="1">
+              <a:lnSpc>
+                <a:spcPct val="100000"/>
+              </a:lnSpc>
+              <a:spcBef>
+                <a:spcPts val="0"/>
+              </a:spcBef>
+              <a:spcAft>
+                <a:spcPts val="0"/>
+              </a:spcAft>
+              <a:buClrTx/>
+              <a:buSzTx/>
+              <a:buFontTx/>
+              <a:buNone/>
+              <a:tabLst/>
+              <a:defRPr/>
+            </a:pPr>
+            <a:r>
+              <a:rPr lang="zh-CN" altLang="en-US" dirty="0"/>
+              <a:t>英文不认识可以照打，主要关注语法的学习就行，想知道意思可以随时使用翻译软件翻译</a:t>
+            </a:r>
+          </a:p>
+          <a:p>
             <a:endParaRPr lang="zh-CN" altLang="en-US" dirty="0"/>
           </a:p>
         </p:txBody>
@@ -6197,7 +6486,7 @@
     </p:spTree>
     <p:extLst>
       <p:ext uri="{BB962C8B-B14F-4D97-AF65-F5344CB8AC3E}">
-        <p14:creationId xmlns:p14="http://schemas.microsoft.com/office/powerpoint/2010/main" val="3317395071"/>
+        <p14:creationId xmlns:p14="http://schemas.microsoft.com/office/powerpoint/2010/main" val="825120846"/>
       </p:ext>
     </p:extLst>
   </p:cSld>
@@ -6281,7 +6570,7 @@
     </p:spTree>
     <p:extLst>
       <p:ext uri="{BB962C8B-B14F-4D97-AF65-F5344CB8AC3E}">
-        <p14:creationId xmlns:p14="http://schemas.microsoft.com/office/powerpoint/2010/main" val="2079530947"/>
+        <p14:creationId xmlns:p14="http://schemas.microsoft.com/office/powerpoint/2010/main" val="3317395071"/>
       </p:ext>
     </p:extLst>
   </p:cSld>
@@ -6337,7 +6626,7 @@
           <a:p>
             <a:r>
               <a:rPr lang="zh-CN" altLang="en-US" dirty="0"/>
-              <a:t>本来是想要致谢每一个魔术师，但这段代码只有一个魔术师被致谢了。（）</a:t>
+              <a:t>图示中左对右错的区别，你能看得出来吗？</a:t>
             </a:r>
           </a:p>
         </p:txBody>
@@ -6368,7 +6657,7 @@
     </p:spTree>
     <p:extLst>
       <p:ext uri="{BB962C8B-B14F-4D97-AF65-F5344CB8AC3E}">
-        <p14:creationId xmlns:p14="http://schemas.microsoft.com/office/powerpoint/2010/main" val="3570728522"/>
+        <p14:creationId xmlns:p14="http://schemas.microsoft.com/office/powerpoint/2010/main" val="2079530947"/>
       </p:ext>
     </p:extLst>
   </p:cSld>
@@ -6422,7 +6711,10 @@
           <a:bodyPr/>
           <a:lstStyle/>
           <a:p>
-            <a:endParaRPr lang="zh-CN" altLang="en-US" dirty="0"/>
+            <a:r>
+              <a:rPr lang="zh-CN" altLang="en-US" dirty="0"/>
+              <a:t>本来是想要致谢每一个魔术师，但这段代码只有一个魔术师被致谢了。（）</a:t>
+            </a:r>
           </a:p>
         </p:txBody>
       </p:sp>
@@ -6452,7 +6744,7 @@
     </p:spTree>
     <p:extLst>
       <p:ext uri="{BB962C8B-B14F-4D97-AF65-F5344CB8AC3E}">
-        <p14:creationId xmlns:p14="http://schemas.microsoft.com/office/powerpoint/2010/main" val="397560303"/>
+        <p14:creationId xmlns:p14="http://schemas.microsoft.com/office/powerpoint/2010/main" val="3570728522"/>
       </p:ext>
     </p:extLst>
   </p:cSld>
@@ -6506,7 +6798,6 @@
           <a:bodyPr/>
           <a:lstStyle/>
           <a:p>
-            <a:pPr algn="l"/>
             <a:endParaRPr lang="zh-CN" altLang="en-US" dirty="0"/>
           </a:p>
         </p:txBody>
@@ -6537,7 +6828,7 @@
     </p:spTree>
     <p:extLst>
       <p:ext uri="{BB962C8B-B14F-4D97-AF65-F5344CB8AC3E}">
-        <p14:creationId xmlns:p14="http://schemas.microsoft.com/office/powerpoint/2010/main" val="1696854581"/>
+        <p14:creationId xmlns:p14="http://schemas.microsoft.com/office/powerpoint/2010/main" val="397560303"/>
       </p:ext>
     </p:extLst>
   </p:cSld>
@@ -6592,36 +6883,6 @@
           <a:lstStyle/>
           <a:p>
             <a:pPr algn="l"/>
-            <a:r>
-              <a:rPr lang="zh-CN" altLang="en-US" sz="1800" b="0" i="0" u="none" strike="noStrike" baseline="0" dirty="0">
-                <a:latin typeface="FZSSJW--GB1-0"/>
-              </a:rPr>
-              <a:t>对于一些错误，</a:t>
-            </a:r>
-            <a:r>
-              <a:rPr lang="en-US" altLang="zh-CN" sz="1800" b="0" i="0" u="none" strike="noStrike" baseline="0" dirty="0">
-                <a:latin typeface="TimesNewRoman"/>
-              </a:rPr>
-              <a:t>Python </a:t>
-            </a:r>
-            <a:r>
-              <a:rPr lang="zh-CN" altLang="en-US" sz="1800" b="0" i="0" u="none" strike="noStrike" baseline="0" dirty="0">
-                <a:latin typeface="FZSSJW--GB1-0"/>
-              </a:rPr>
-              <a:t>通过</a:t>
-            </a:r>
-            <a:r>
-              <a:rPr lang="en-US" altLang="zh-CN" sz="1800" b="0" i="0" u="none" strike="noStrike" baseline="0" dirty="0">
-                <a:latin typeface="TimesNewRoman"/>
-              </a:rPr>
-              <a:t>traceback </a:t>
-            </a:r>
-            <a:r>
-              <a:rPr lang="zh-CN" altLang="en-US" sz="1800" b="0" i="0" u="none" strike="noStrike" baseline="0" dirty="0">
-                <a:latin typeface="FZSSJW--GB1-0"/>
-              </a:rPr>
-              <a:t>提供了修复建议，因此很容易修复。但有些错误解决起来要困难得多，虽然最终的修复方案可能只是修改单个字符。即使你花了很长时间才将一个小问题修复，也不要感到难过，因为有这种遭遇的人比比皆是。</a:t>
-            </a:r>
             <a:endParaRPr lang="zh-CN" altLang="en-US" dirty="0"/>
           </a:p>
         </p:txBody>
@@ -6652,7 +6913,7 @@
     </p:spTree>
     <p:extLst>
       <p:ext uri="{BB962C8B-B14F-4D97-AF65-F5344CB8AC3E}">
-        <p14:creationId xmlns:p14="http://schemas.microsoft.com/office/powerpoint/2010/main" val="981085368"/>
+        <p14:creationId xmlns:p14="http://schemas.microsoft.com/office/powerpoint/2010/main" val="1696854581"/>
       </p:ext>
     </p:extLst>
   </p:cSld>
@@ -6790,29 +7051,38 @@
           <a:bodyPr/>
           <a:lstStyle/>
           <a:p>
-            <a:r>
-              <a:rPr lang="zh-CN" altLang="en-US" dirty="0"/>
-              <a:t>参数：即方法</a:t>
-            </a:r>
-            <a:r>
-              <a:rPr lang="en-US" altLang="zh-CN" dirty="0"/>
-              <a:t>/</a:t>
-            </a:r>
-            <a:r>
-              <a:rPr lang="zh-CN" altLang="en-US"/>
-              <a:t>函数需要</a:t>
-            </a:r>
-            <a:r>
-              <a:rPr lang="zh-CN" altLang="en-US" dirty="0"/>
-              <a:t>的信息</a:t>
-            </a:r>
-            <a:endParaRPr lang="en-US" altLang="zh-CN" dirty="0"/>
-          </a:p>
-          <a:p>
-            <a:r>
-              <a:rPr lang="zh-CN" altLang="en-US" dirty="0"/>
-              <a:t>左闭右开</a:t>
-            </a:r>
+            <a:pPr algn="l"/>
+            <a:r>
+              <a:rPr lang="zh-CN" altLang="en-US" sz="1800" b="0" i="0" u="none" strike="noStrike" baseline="0" dirty="0">
+                <a:latin typeface="FZSSJW--GB1-0"/>
+              </a:rPr>
+              <a:t>对于一些错误，</a:t>
+            </a:r>
+            <a:r>
+              <a:rPr lang="en-US" altLang="zh-CN" sz="1800" b="0" i="0" u="none" strike="noStrike" baseline="0" dirty="0">
+                <a:latin typeface="TimesNewRoman"/>
+              </a:rPr>
+              <a:t>Python </a:t>
+            </a:r>
+            <a:r>
+              <a:rPr lang="zh-CN" altLang="en-US" sz="1800" b="0" i="0" u="none" strike="noStrike" baseline="0" dirty="0">
+                <a:latin typeface="FZSSJW--GB1-0"/>
+              </a:rPr>
+              <a:t>通过</a:t>
+            </a:r>
+            <a:r>
+              <a:rPr lang="en-US" altLang="zh-CN" sz="1800" b="0" i="0" u="none" strike="noStrike" baseline="0" dirty="0">
+                <a:latin typeface="TimesNewRoman"/>
+              </a:rPr>
+              <a:t>traceback </a:t>
+            </a:r>
+            <a:r>
+              <a:rPr lang="zh-CN" altLang="en-US" sz="1800" b="0" i="0" u="none" strike="noStrike" baseline="0" dirty="0">
+                <a:latin typeface="FZSSJW--GB1-0"/>
+              </a:rPr>
+              <a:t>提供了修复建议，因此很容易修复。但有些错误解决起来要困难得多，虽然最终的修复方案可能只是修改单个字符。即使你花了很长时间才将一个小问题修复，也不要感到难过，因为有这种遭遇的人比比皆是。</a:t>
+            </a:r>
+            <a:endParaRPr lang="zh-CN" altLang="en-US" dirty="0"/>
           </a:p>
         </p:txBody>
       </p:sp>
@@ -6842,7 +7112,7 @@
     </p:spTree>
     <p:extLst>
       <p:ext uri="{BB962C8B-B14F-4D97-AF65-F5344CB8AC3E}">
-        <p14:creationId xmlns:p14="http://schemas.microsoft.com/office/powerpoint/2010/main" val="1889684051"/>
+        <p14:creationId xmlns:p14="http://schemas.microsoft.com/office/powerpoint/2010/main" val="981085368"/>
       </p:ext>
     </p:extLst>
   </p:cSld>
@@ -6896,65 +7166,25 @@
           <a:bodyPr/>
           <a:lstStyle/>
           <a:p>
-            <a:pPr algn="l"/>
-            <a:r>
-              <a:rPr lang="en-US" altLang="zh-CN" sz="1800" b="1" dirty="0">
-                <a:solidFill>
-                  <a:srgbClr val="333333"/>
-                </a:solidFill>
-                <a:latin typeface="Consolas" panose="020B0609020204030204" pitchFamily="49" charset="0"/>
-              </a:rPr>
-              <a:t>value </a:t>
-            </a:r>
-            <a:r>
-              <a:rPr lang="en-US" altLang="zh-CN" sz="1800" b="1" dirty="0">
-                <a:solidFill>
-                  <a:srgbClr val="A71D5D"/>
-                </a:solidFill>
-                <a:latin typeface="Consolas" panose="020B0609020204030204" pitchFamily="49" charset="0"/>
-              </a:rPr>
-              <a:t>** </a:t>
-            </a:r>
-            <a:r>
-              <a:rPr lang="en-US" altLang="zh-CN" sz="1800" b="1" dirty="0">
-                <a:solidFill>
-                  <a:srgbClr val="2E6446"/>
-                </a:solidFill>
-                <a:latin typeface="Consolas" panose="020B0609020204030204" pitchFamily="49" charset="0"/>
-              </a:rPr>
-              <a:t>2</a:t>
-            </a:r>
-            <a:r>
-              <a:rPr lang="zh-CN" altLang="en-US" sz="1800" b="1" dirty="0">
-                <a:solidFill>
-                  <a:srgbClr val="2E6446"/>
-                </a:solidFill>
-                <a:latin typeface="Consolas" panose="020B0609020204030204" pitchFamily="49" charset="0"/>
-              </a:rPr>
-              <a:t>：</a:t>
-            </a:r>
-            <a:r>
-              <a:rPr lang="zh-CN" altLang="en-US" sz="1800" b="0" dirty="0">
-                <a:solidFill>
-                  <a:srgbClr val="2E6446"/>
-                </a:solidFill>
-                <a:latin typeface="Consolas" panose="020B0609020204030204" pitchFamily="49" charset="0"/>
-              </a:rPr>
-              <a:t>计算当前值的平方</a:t>
-            </a:r>
-            <a:endParaRPr lang="en-US" altLang="zh-CN" sz="1800" b="0" i="0" u="none" strike="noStrike" baseline="0" dirty="0">
-              <a:latin typeface="FZSSJW--GB1-0"/>
-            </a:endParaRPr>
-          </a:p>
-          <a:p>
-            <a:pPr algn="l"/>
-            <a:r>
-              <a:rPr lang="zh-CN" altLang="en-US" sz="1800" b="0" i="0" u="none" strike="noStrike" baseline="0" dirty="0">
-                <a:latin typeface="FZSSJW--GB1-0"/>
-              </a:rPr>
-              <a:t>你首先应该考虑的是，编写清晰易懂且能完成所需功能的代码，等到审核代码时，再考虑采用更高效的方法。</a:t>
-            </a:r>
-            <a:endParaRPr lang="zh-CN" altLang="en-US" dirty="0"/>
+            <a:r>
+              <a:rPr lang="zh-CN" altLang="en-US" dirty="0"/>
+              <a:t>参数：即函数需要的信息</a:t>
+            </a:r>
+            <a:endParaRPr lang="en-US" altLang="zh-CN" dirty="0"/>
+          </a:p>
+          <a:p>
+            <a:r>
+              <a:rPr lang="zh-CN" altLang="en-US" dirty="0"/>
+              <a:t>注：</a:t>
+            </a:r>
+            <a:r>
+              <a:rPr lang="en-US" altLang="zh-CN" dirty="0"/>
+              <a:t>range </a:t>
+            </a:r>
+            <a:r>
+              <a:rPr lang="zh-CN" altLang="en-US" dirty="0"/>
+              <a:t>的参数范围，也可称为是左闭右开的</a:t>
+            </a:r>
           </a:p>
         </p:txBody>
       </p:sp>
@@ -6984,7 +7214,7 @@
     </p:spTree>
     <p:extLst>
       <p:ext uri="{BB962C8B-B14F-4D97-AF65-F5344CB8AC3E}">
-        <p14:creationId xmlns:p14="http://schemas.microsoft.com/office/powerpoint/2010/main" val="142405771"/>
+        <p14:creationId xmlns:p14="http://schemas.microsoft.com/office/powerpoint/2010/main" val="1889684051"/>
       </p:ext>
     </p:extLst>
   </p:cSld>
@@ -7038,10 +7268,65 @@
           <a:bodyPr/>
           <a:lstStyle/>
           <a:p>
-            <a:r>
-              <a:rPr lang="zh-CN" altLang="en-US" dirty="0"/>
-              <a:t>这里调整了章节顺序，便于比对</a:t>
-            </a:r>
+            <a:pPr algn="l"/>
+            <a:r>
+              <a:rPr lang="en-US" altLang="zh-CN" sz="1800" b="1" dirty="0">
+                <a:solidFill>
+                  <a:srgbClr val="333333"/>
+                </a:solidFill>
+                <a:latin typeface="Consolas" panose="020B0609020204030204" pitchFamily="49" charset="0"/>
+              </a:rPr>
+              <a:t>value </a:t>
+            </a:r>
+            <a:r>
+              <a:rPr lang="en-US" altLang="zh-CN" sz="1800" b="1" dirty="0">
+                <a:solidFill>
+                  <a:srgbClr val="A71D5D"/>
+                </a:solidFill>
+                <a:latin typeface="Consolas" panose="020B0609020204030204" pitchFamily="49" charset="0"/>
+              </a:rPr>
+              <a:t>** </a:t>
+            </a:r>
+            <a:r>
+              <a:rPr lang="en-US" altLang="zh-CN" sz="1800" b="1" dirty="0">
+                <a:solidFill>
+                  <a:srgbClr val="2E6446"/>
+                </a:solidFill>
+                <a:latin typeface="Consolas" panose="020B0609020204030204" pitchFamily="49" charset="0"/>
+              </a:rPr>
+              <a:t>2</a:t>
+            </a:r>
+            <a:r>
+              <a:rPr lang="zh-CN" altLang="en-US" sz="1800" b="1" dirty="0">
+                <a:solidFill>
+                  <a:srgbClr val="2E6446"/>
+                </a:solidFill>
+                <a:latin typeface="Consolas" panose="020B0609020204030204" pitchFamily="49" charset="0"/>
+              </a:rPr>
+              <a:t>：</a:t>
+            </a:r>
+            <a:r>
+              <a:rPr lang="zh-CN" altLang="en-US" sz="1800" b="0" dirty="0">
+                <a:solidFill>
+                  <a:srgbClr val="2E6446"/>
+                </a:solidFill>
+                <a:latin typeface="Consolas" panose="020B0609020204030204" pitchFamily="49" charset="0"/>
+              </a:rPr>
+              <a:t>计算当前值的平方</a:t>
+            </a:r>
+            <a:endParaRPr lang="en-US" altLang="zh-CN" sz="1800" b="0" i="0" u="none" strike="noStrike" baseline="0" dirty="0">
+              <a:latin typeface="FZSSJW--GB1-0"/>
+            </a:endParaRPr>
+          </a:p>
+          <a:p>
+            <a:pPr algn="l"/>
+            <a:r>
+              <a:rPr lang="zh-CN" altLang="en-US" sz="1800" b="0" i="0" u="none" strike="noStrike" baseline="0" dirty="0">
+                <a:latin typeface="FZSSJW--GB1-0"/>
+              </a:rPr>
+              <a:t>你首先应该考虑的是，编写清晰易懂且能完成所需功能的代码，等到审核代码时，再考虑采用更高效的方法。</a:t>
+            </a:r>
+            <a:endParaRPr lang="zh-CN" altLang="en-US" dirty="0"/>
           </a:p>
         </p:txBody>
       </p:sp>
@@ -7071,7 +7356,7 @@
     </p:spTree>
     <p:extLst>
       <p:ext uri="{BB962C8B-B14F-4D97-AF65-F5344CB8AC3E}">
-        <p14:creationId xmlns:p14="http://schemas.microsoft.com/office/powerpoint/2010/main" val="1893590409"/>
+        <p14:creationId xmlns:p14="http://schemas.microsoft.com/office/powerpoint/2010/main" val="142405771"/>
       </p:ext>
     </p:extLst>
   </p:cSld>
@@ -7125,14 +7410,10 @@
           <a:bodyPr/>
           <a:lstStyle/>
           <a:p>
-            <a:pPr algn="l"/>
-            <a:r>
-              <a:rPr lang="zh-CN" altLang="en-US" sz="1800" b="0" i="0" u="none" strike="noStrike" baseline="0" dirty="0">
-                <a:latin typeface="FZKTJW--GB1-0"/>
-              </a:rPr>
-              <a:t>出于版面的限制，本节使用的数值列表都很短，但这里介绍的知识也适用于包含数百万个数的列表。</a:t>
-            </a:r>
-            <a:endParaRPr lang="zh-CN" altLang="en-US" dirty="0"/>
+            <a:r>
+              <a:rPr lang="zh-CN" altLang="en-US" dirty="0"/>
+              <a:t>这里调整了章节顺序，便于比对</a:t>
+            </a:r>
           </a:p>
         </p:txBody>
       </p:sp>
@@ -7162,7 +7443,7 @@
     </p:spTree>
     <p:extLst>
       <p:ext uri="{BB962C8B-B14F-4D97-AF65-F5344CB8AC3E}">
-        <p14:creationId xmlns:p14="http://schemas.microsoft.com/office/powerpoint/2010/main" val="1975307822"/>
+        <p14:creationId xmlns:p14="http://schemas.microsoft.com/office/powerpoint/2010/main" val="1893590409"/>
       </p:ext>
     </p:extLst>
   </p:cSld>
@@ -7216,6 +7497,13 @@
           <a:bodyPr/>
           <a:lstStyle/>
           <a:p>
+            <a:pPr algn="l"/>
+            <a:r>
+              <a:rPr lang="zh-CN" altLang="en-US" sz="1800" b="0" i="0" u="none" strike="noStrike" baseline="0" dirty="0">
+                <a:latin typeface="FZKTJW--GB1-0"/>
+              </a:rPr>
+              <a:t>出于版面的限制，本节使用的数值列表都很短，但这里介绍的知识也适用于包含数百万个数的列表。</a:t>
+            </a:r>
             <a:endParaRPr lang="zh-CN" altLang="en-US" dirty="0"/>
           </a:p>
         </p:txBody>
@@ -7246,7 +7534,7 @@
     </p:spTree>
     <p:extLst>
       <p:ext uri="{BB962C8B-B14F-4D97-AF65-F5344CB8AC3E}">
-        <p14:creationId xmlns:p14="http://schemas.microsoft.com/office/powerpoint/2010/main" val="2012604451"/>
+        <p14:creationId xmlns:p14="http://schemas.microsoft.com/office/powerpoint/2010/main" val="1975307822"/>
       </p:ext>
     </p:extLst>
   </p:cSld>
@@ -7330,7 +7618,7 @@
     </p:spTree>
     <p:extLst>
       <p:ext uri="{BB962C8B-B14F-4D97-AF65-F5344CB8AC3E}">
-        <p14:creationId xmlns:p14="http://schemas.microsoft.com/office/powerpoint/2010/main" val="2096660516"/>
+        <p14:creationId xmlns:p14="http://schemas.microsoft.com/office/powerpoint/2010/main" val="2012604451"/>
       </p:ext>
     </p:extLst>
   </p:cSld>
@@ -7414,7 +7702,7 @@
     </p:spTree>
     <p:extLst>
       <p:ext uri="{BB962C8B-B14F-4D97-AF65-F5344CB8AC3E}">
-        <p14:creationId xmlns:p14="http://schemas.microsoft.com/office/powerpoint/2010/main" val="3912179269"/>
+        <p14:creationId xmlns:p14="http://schemas.microsoft.com/office/powerpoint/2010/main" val="2096660516"/>
       </p:ext>
     </p:extLst>
   </p:cSld>
@@ -7498,7 +7786,7 @@
     </p:spTree>
     <p:extLst>
       <p:ext uri="{BB962C8B-B14F-4D97-AF65-F5344CB8AC3E}">
-        <p14:creationId xmlns:p14="http://schemas.microsoft.com/office/powerpoint/2010/main" val="2102469100"/>
+        <p14:creationId xmlns:p14="http://schemas.microsoft.com/office/powerpoint/2010/main" val="3912179269"/>
       </p:ext>
     </p:extLst>
   </p:cSld>
@@ -7582,7 +7870,7 @@
     </p:spTree>
     <p:extLst>
       <p:ext uri="{BB962C8B-B14F-4D97-AF65-F5344CB8AC3E}">
-        <p14:creationId xmlns:p14="http://schemas.microsoft.com/office/powerpoint/2010/main" val="2129215488"/>
+        <p14:creationId xmlns:p14="http://schemas.microsoft.com/office/powerpoint/2010/main" val="2102469100"/>
       </p:ext>
     </p:extLst>
   </p:cSld>
@@ -7636,12 +7924,6 @@
           <a:bodyPr/>
           <a:lstStyle/>
           <a:p>
-            <a:r>
-              <a:rPr lang="zh-CN" altLang="en-US" sz="1800" b="0" i="0" u="none" strike="noStrike" baseline="0">
-                <a:latin typeface="FZSSJW--GB1-0"/>
-              </a:rPr>
-              <a:t>箭头处的代码没有遍历整个队员列表，只遍历前三名队</a:t>
-            </a:r>
             <a:endParaRPr lang="zh-CN" altLang="en-US" dirty="0"/>
           </a:p>
         </p:txBody>
@@ -7672,7 +7954,7 @@
     </p:spTree>
     <p:extLst>
       <p:ext uri="{BB962C8B-B14F-4D97-AF65-F5344CB8AC3E}">
-        <p14:creationId xmlns:p14="http://schemas.microsoft.com/office/powerpoint/2010/main" val="4112564955"/>
+        <p14:creationId xmlns:p14="http://schemas.microsoft.com/office/powerpoint/2010/main" val="2129215488"/>
       </p:ext>
     </p:extLst>
   </p:cSld>
@@ -7756,7 +8038,7 @@
     </p:spTree>
     <p:extLst>
       <p:ext uri="{BB962C8B-B14F-4D97-AF65-F5344CB8AC3E}">
-        <p14:creationId xmlns:p14="http://schemas.microsoft.com/office/powerpoint/2010/main" val="3326912587"/>
+        <p14:creationId xmlns:p14="http://schemas.microsoft.com/office/powerpoint/2010/main" val="2146750401"/>
       </p:ext>
     </p:extLst>
   </p:cSld>
@@ -7810,6 +8092,12 @@
           <a:bodyPr/>
           <a:lstStyle/>
           <a:p>
+            <a:r>
+              <a:rPr lang="zh-CN" altLang="en-US" sz="1800" b="0" i="0" u="none" strike="noStrike" baseline="0">
+                <a:latin typeface="FZSSJW--GB1-0"/>
+              </a:rPr>
+              <a:t>箭头处的代码没有遍历整个队员列表，只遍历前三名队</a:t>
+            </a:r>
             <a:endParaRPr lang="zh-CN" altLang="en-US" dirty="0"/>
           </a:p>
         </p:txBody>
@@ -7840,7 +8128,7 @@
     </p:spTree>
     <p:extLst>
       <p:ext uri="{BB962C8B-B14F-4D97-AF65-F5344CB8AC3E}">
-        <p14:creationId xmlns:p14="http://schemas.microsoft.com/office/powerpoint/2010/main" val="3305642283"/>
+        <p14:creationId xmlns:p14="http://schemas.microsoft.com/office/powerpoint/2010/main" val="4112564955"/>
       </p:ext>
     </p:extLst>
   </p:cSld>
@@ -7894,44 +8182,7 @@
           <a:bodyPr/>
           <a:lstStyle/>
           <a:p>
-            <a:pPr marL="0" marR="0" lvl="0" indent="0" algn="l" defTabSz="914400" rtl="0" eaLnBrk="1" fontAlgn="auto" latinLnBrk="0" hangingPunct="1">
-              <a:lnSpc>
-                <a:spcPct val="100000"/>
-              </a:lnSpc>
-              <a:spcBef>
-                <a:spcPts val="0"/>
-              </a:spcBef>
-              <a:spcAft>
-                <a:spcPts val="0"/>
-              </a:spcAft>
-              <a:buClrTx/>
-              <a:buSzTx/>
-              <a:buFontTx/>
-              <a:buNone/>
-              <a:tabLst/>
-              <a:defRPr/>
-            </a:pPr>
-            <a:r>
-              <a:rPr lang="zh-CN" altLang="en-US" dirty="0"/>
-              <a:t>经过切片操作，虽然两个列表看起来已经相互独立，但要注意这里的拷贝实际上是</a:t>
-            </a:r>
-            <a:r>
-              <a:rPr lang="zh-CN" altLang="en-US" b="1" u="sng" dirty="0"/>
-              <a:t>浅拷贝</a:t>
-            </a:r>
-            <a:r>
-              <a:rPr lang="zh-CN" altLang="en-US" b="0" u="none" dirty="0"/>
-              <a:t>，关于</a:t>
-            </a:r>
-            <a:r>
-              <a:rPr lang="zh-CN" altLang="en-US" dirty="0"/>
-              <a:t>浅拷贝的相关</a:t>
-            </a:r>
-            <a:r>
-              <a:rPr lang="zh-CN" altLang="en-US"/>
-              <a:t>概念，你可以暂时不做了解，但一定要有一个印象</a:t>
-            </a:r>
-            <a:endParaRPr lang="zh-CN" altLang="en-US" b="0" u="none" dirty="0"/>
+            <a:endParaRPr lang="zh-CN" altLang="en-US" dirty="0"/>
           </a:p>
         </p:txBody>
       </p:sp>
@@ -7961,7 +8212,7 @@
     </p:spTree>
     <p:extLst>
       <p:ext uri="{BB962C8B-B14F-4D97-AF65-F5344CB8AC3E}">
-        <p14:creationId xmlns:p14="http://schemas.microsoft.com/office/powerpoint/2010/main" val="1714716287"/>
+        <p14:creationId xmlns:p14="http://schemas.microsoft.com/office/powerpoint/2010/main" val="3305642283"/>
       </p:ext>
     </p:extLst>
   </p:cSld>
@@ -8033,23 +8284,22 @@
               <a:defRPr/>
             </a:pPr>
             <a:r>
-              <a:rPr lang="zh-CN" altLang="en-US" sz="1200" b="0" i="0" u="none" strike="noStrike" baseline="0" dirty="0">
-                <a:latin typeface="黑体" panose="02010609060101010101" pitchFamily="49" charset="-122"/>
-                <a:ea typeface="黑体" panose="02010609060101010101" pitchFamily="49" charset="-122"/>
-              </a:rPr>
-              <a:t>注意：</a:t>
-            </a:r>
-            <a:r>
-              <a:rPr lang="zh-CN" altLang="en-US" sz="1200" b="0" i="0" u="none" strike="noStrike" baseline="0" dirty="0">
-                <a:latin typeface="FZKTJW--GB1-0"/>
-                <a:ea typeface="黑体" panose="02010609060101010101" pitchFamily="49" charset="-122"/>
-              </a:rPr>
-              <a:t>暂时不要考虑这个示例中的细节。当你试图使用列表的副本时，如果结果出乎意料，请确认你是否像第一个示例那样使用切片复制了列表</a:t>
-            </a:r>
-            <a:r>
               <a:rPr lang="zh-CN" altLang="en-US" dirty="0"/>
-              <a:t>，并了解了浅拷贝的相关概念。</a:t>
-            </a:r>
+              <a:t>经过切片操作，虽然两个列表看起来已经相互独立，但要注意这里的拷贝实际上是</a:t>
+            </a:r>
+            <a:r>
+              <a:rPr lang="zh-CN" altLang="en-US" b="1" u="sng" dirty="0"/>
+              <a:t>浅拷贝</a:t>
+            </a:r>
+            <a:r>
+              <a:rPr lang="zh-CN" altLang="en-US" b="0" u="none" dirty="0"/>
+              <a:t>，关于深</a:t>
+            </a:r>
+            <a:r>
+              <a:rPr lang="zh-CN" altLang="en-US" dirty="0"/>
+              <a:t>浅拷贝的相关概念，你可以暂时不做了解，但一定要有一个印象。</a:t>
+            </a:r>
+            <a:endParaRPr lang="zh-CN" altLang="en-US" b="0" u="none" dirty="0"/>
           </a:p>
         </p:txBody>
       </p:sp>
@@ -8079,7 +8329,7 @@
     </p:spTree>
     <p:extLst>
       <p:ext uri="{BB962C8B-B14F-4D97-AF65-F5344CB8AC3E}">
-        <p14:creationId xmlns:p14="http://schemas.microsoft.com/office/powerpoint/2010/main" val="3031753771"/>
+        <p14:creationId xmlns:p14="http://schemas.microsoft.com/office/powerpoint/2010/main" val="1714716287"/>
       </p:ext>
     </p:extLst>
   </p:cSld>
@@ -8133,7 +8383,41 @@
           <a:bodyPr/>
           <a:lstStyle/>
           <a:p>
-            <a:endParaRPr lang="zh-CN" altLang="en-US" dirty="0"/>
+            <a:pPr marL="0" marR="0" lvl="0" indent="0" algn="l" defTabSz="914400" rtl="0" eaLnBrk="1" fontAlgn="auto" latinLnBrk="0" hangingPunct="1">
+              <a:lnSpc>
+                <a:spcPct val="100000"/>
+              </a:lnSpc>
+              <a:spcBef>
+                <a:spcPts val="0"/>
+              </a:spcBef>
+              <a:spcAft>
+                <a:spcPts val="0"/>
+              </a:spcAft>
+              <a:buClrTx/>
+              <a:buSzTx/>
+              <a:buFontTx/>
+              <a:buNone/>
+              <a:tabLst/>
+              <a:defRPr/>
+            </a:pPr>
+            <a:r>
+              <a:rPr lang="zh-CN" altLang="en-US" sz="1200" b="0" i="0" u="none" strike="noStrike" baseline="0" dirty="0">
+                <a:latin typeface="黑体" panose="02010609060101010101" pitchFamily="49" charset="-122"/>
+                <a:ea typeface="黑体" panose="02010609060101010101" pitchFamily="49" charset="-122"/>
+              </a:rPr>
+              <a:t>注意：</a:t>
+            </a:r>
+            <a:r>
+              <a:rPr lang="zh-CN" altLang="en-US" sz="1200" b="0" i="0" u="none" strike="noStrike" baseline="0" dirty="0">
+                <a:latin typeface="FZKTJW--GB1-0"/>
+                <a:ea typeface="黑体" panose="02010609060101010101" pitchFamily="49" charset="-122"/>
+              </a:rPr>
+              <a:t>暂时不要考虑这个示例中的细节。当你试图使用列表的副本时，如果结果出乎意料，请确认你是否像第一个示例那样使用切片复制了列表</a:t>
+            </a:r>
+            <a:r>
+              <a:rPr lang="zh-CN" altLang="en-US" dirty="0"/>
+              <a:t>，并了解了浅拷贝的相关概念。</a:t>
+            </a:r>
           </a:p>
         </p:txBody>
       </p:sp>
@@ -8163,7 +8447,7 @@
     </p:spTree>
     <p:extLst>
       <p:ext uri="{BB962C8B-B14F-4D97-AF65-F5344CB8AC3E}">
-        <p14:creationId xmlns:p14="http://schemas.microsoft.com/office/powerpoint/2010/main" val="530791145"/>
+        <p14:creationId xmlns:p14="http://schemas.microsoft.com/office/powerpoint/2010/main" val="3031753771"/>
       </p:ext>
     </p:extLst>
   </p:cSld>
@@ -8218,25 +8502,10 @@
           <a:lstStyle/>
           <a:p>
             <a:r>
-              <a:rPr lang="zh-CN" altLang="en-US" dirty="0"/>
-              <a:t>题外话：美剧</a:t>
-            </a:r>
-            <a:r>
-              <a:rPr lang="en-US" altLang="zh-CN" dirty="0"/>
-              <a:t>《</a:t>
-            </a:r>
-            <a:r>
-              <a:rPr lang="zh-CN" altLang="en-US" dirty="0"/>
-              <a:t>硅谷</a:t>
-            </a:r>
-            <a:r>
-              <a:rPr lang="en-US" altLang="zh-CN" dirty="0"/>
-              <a:t>》</a:t>
-            </a:r>
-            <a:r>
-              <a:rPr lang="zh-CN" altLang="en-US" dirty="0"/>
-              <a:t>中，有一幕关于缩进习惯的不同的闹剧，还是很有意思的</a:t>
-            </a:r>
+              <a:rPr lang="zh-CN" altLang="en-US"/>
+              <a:t>注：事实上，元组不仅仅只是”不可变列表“，它还有很多有用的特性。</a:t>
+            </a:r>
+            <a:endParaRPr lang="zh-CN" altLang="en-US" dirty="0"/>
           </a:p>
         </p:txBody>
       </p:sp>
@@ -8266,7 +8535,7 @@
     </p:spTree>
     <p:extLst>
       <p:ext uri="{BB962C8B-B14F-4D97-AF65-F5344CB8AC3E}">
-        <p14:creationId xmlns:p14="http://schemas.microsoft.com/office/powerpoint/2010/main" val="1535590325"/>
+        <p14:creationId xmlns:p14="http://schemas.microsoft.com/office/powerpoint/2010/main" val="530791145"/>
       </p:ext>
     </p:extLst>
   </p:cSld>
@@ -8320,7 +8589,26 @@
           <a:bodyPr/>
           <a:lstStyle/>
           <a:p>
-            <a:endParaRPr lang="zh-CN" altLang="en-US" dirty="0"/>
+            <a:r>
+              <a:rPr lang="zh-CN" altLang="en-US" dirty="0"/>
+              <a:t>题外话：美剧</a:t>
+            </a:r>
+            <a:r>
+              <a:rPr lang="en-US" altLang="zh-CN" dirty="0"/>
+              <a:t>《</a:t>
+            </a:r>
+            <a:r>
+              <a:rPr lang="zh-CN" altLang="en-US" dirty="0"/>
+              <a:t>硅谷</a:t>
+            </a:r>
+            <a:r>
+              <a:rPr lang="en-US" altLang="zh-CN" dirty="0"/>
+              <a:t>》</a:t>
+            </a:r>
+            <a:r>
+              <a:rPr lang="zh-CN" altLang="en-US" dirty="0"/>
+              <a:t>中，有一幕关于缩进习惯的不同的闹剧，还是很有意思的</a:t>
+            </a:r>
           </a:p>
         </p:txBody>
       </p:sp>
@@ -8350,7 +8638,7 @@
     </p:spTree>
     <p:extLst>
       <p:ext uri="{BB962C8B-B14F-4D97-AF65-F5344CB8AC3E}">
-        <p14:creationId xmlns:p14="http://schemas.microsoft.com/office/powerpoint/2010/main" val="1570873889"/>
+        <p14:creationId xmlns:p14="http://schemas.microsoft.com/office/powerpoint/2010/main" val="1535590325"/>
       </p:ext>
     </p:extLst>
   </p:cSld>
@@ -8404,7 +8692,72 @@
           <a:bodyPr/>
           <a:lstStyle/>
           <a:p>
-            <a:endParaRPr lang="zh-CN" altLang="en-US" dirty="0"/>
+            <a:r>
+              <a:rPr lang="en-US" altLang="zh-CN" dirty="0"/>
+              <a:t>PEP8</a:t>
+            </a:r>
+            <a:r>
+              <a:rPr lang="zh-CN" altLang="en-US" dirty="0"/>
+              <a:t>：</a:t>
+            </a:r>
+            <a:r>
+              <a:rPr lang="en-US" altLang="zh-CN" dirty="0"/>
+              <a:t>https://peps.python.org/pep-0008/</a:t>
+            </a:r>
+          </a:p>
+          <a:p>
+            <a:r>
+              <a:rPr lang="en-US" altLang="zh-CN" dirty="0"/>
+              <a:t>PEP</a:t>
+            </a:r>
+            <a:r>
+              <a:rPr lang="zh-CN" altLang="en-US" dirty="0"/>
+              <a:t>（</a:t>
+            </a:r>
+            <a:r>
+              <a:rPr lang="en-US" altLang="zh-CN" i="0" dirty="0"/>
+              <a:t>Python</a:t>
+            </a:r>
+            <a:r>
+              <a:rPr lang="en-US" altLang="zh-CN" dirty="0"/>
+              <a:t> Enhancement Proposals</a:t>
+            </a:r>
+            <a:r>
+              <a:rPr lang="zh-CN" altLang="en-US" dirty="0"/>
+              <a:t>，</a:t>
+            </a:r>
+            <a:r>
+              <a:rPr lang="en-US" altLang="zh-CN" dirty="0"/>
+              <a:t>Python </a:t>
+            </a:r>
+            <a:r>
+              <a:rPr lang="zh-CN" altLang="en-US" dirty="0"/>
+              <a:t>增强提案），一般面向 </a:t>
+            </a:r>
+            <a:r>
+              <a:rPr lang="en-US" altLang="zh-CN" dirty="0"/>
+              <a:t>Python </a:t>
+            </a:r>
+            <a:r>
+              <a:rPr lang="zh-CN" altLang="en-US" dirty="0"/>
+              <a:t>核心开发人员和 </a:t>
+            </a:r>
+            <a:r>
+              <a:rPr lang="en-US" altLang="zh-CN" dirty="0"/>
+              <a:t>Python </a:t>
+            </a:r>
+            <a:r>
+              <a:rPr lang="zh-CN" altLang="en-US" dirty="0"/>
+              <a:t>指导委员会，对于初学者来说，</a:t>
+            </a:r>
+            <a:r>
+              <a:rPr lang="en-US" altLang="zh-CN" dirty="0"/>
+              <a:t>PEP8 </a:t>
+            </a:r>
+            <a:r>
+              <a:rPr lang="zh-CN" altLang="en-US" dirty="0"/>
+              <a:t>是唯一需要了解的提案。</a:t>
+            </a:r>
           </a:p>
         </p:txBody>
       </p:sp>
@@ -8434,7 +8787,7 @@
     </p:spTree>
     <p:extLst>
       <p:ext uri="{BB962C8B-B14F-4D97-AF65-F5344CB8AC3E}">
-        <p14:creationId xmlns:p14="http://schemas.microsoft.com/office/powerpoint/2010/main" val="2539902468"/>
+        <p14:creationId xmlns:p14="http://schemas.microsoft.com/office/powerpoint/2010/main" val="1570873889"/>
       </p:ext>
     </p:extLst>
   </p:cSld>
@@ -8488,6 +8841,90 @@
           <a:bodyPr/>
           <a:lstStyle/>
           <a:p>
+            <a:endParaRPr lang="zh-CN" altLang="en-US" dirty="0"/>
+          </a:p>
+        </p:txBody>
+      </p:sp>
+      <p:sp>
+        <p:nvSpPr>
+          <p:cNvPr id="4" name="灯片编号占位符 3"/>
+          <p:cNvSpPr>
+            <a:spLocks noGrp="1"/>
+          </p:cNvSpPr>
+          <p:nvPr>
+            <p:ph type="sldNum" sz="quarter" idx="5"/>
+          </p:nvPr>
+        </p:nvSpPr>
+        <p:spPr/>
+        <p:txBody>
+          <a:bodyPr/>
+          <a:lstStyle/>
+          <a:p>
+            <a:fld id="{9901CBA2-7C9E-4AD6-B258-A0DB055BB3AF}" type="slidenum">
+              <a:rPr lang="zh-CN" altLang="en-US" smtClean="0"/>
+              <a:t>39</a:t>
+            </a:fld>
+            <a:endParaRPr lang="zh-CN" altLang="en-US"/>
+          </a:p>
+        </p:txBody>
+      </p:sp>
+    </p:spTree>
+    <p:extLst>
+      <p:ext uri="{BB962C8B-B14F-4D97-AF65-F5344CB8AC3E}">
+        <p14:creationId xmlns:p14="http://schemas.microsoft.com/office/powerpoint/2010/main" val="2539902468"/>
+      </p:ext>
+    </p:extLst>
+  </p:cSld>
+  <p:clrMapOvr>
+    <a:masterClrMapping/>
+  </p:clrMapOvr>
+</p:notes>
+</file>
+
+<file path=ppt/notesSlides/notesSlide38.xml><?xml version="1.0" encoding="utf-8"?>
+<p:notes xmlns:a="http://schemas.openxmlformats.org/drawingml/2006/main" xmlns:r="http://schemas.openxmlformats.org/officeDocument/2006/relationships" xmlns:p="http://schemas.openxmlformats.org/presentationml/2006/main">
+  <p:cSld>
+    <p:spTree>
+      <p:nvGrpSpPr>
+        <p:cNvPr id="1" name=""/>
+        <p:cNvGrpSpPr/>
+        <p:nvPr/>
+      </p:nvGrpSpPr>
+      <p:grpSpPr>
+        <a:xfrm>
+          <a:off x="0" y="0"/>
+          <a:ext cx="0" cy="0"/>
+          <a:chOff x="0" y="0"/>
+          <a:chExt cx="0" cy="0"/>
+        </a:xfrm>
+      </p:grpSpPr>
+      <p:sp>
+        <p:nvSpPr>
+          <p:cNvPr id="2" name="幻灯片图像占位符 1"/>
+          <p:cNvSpPr>
+            <a:spLocks noGrp="1" noRot="1" noChangeAspect="1"/>
+          </p:cNvSpPr>
+          <p:nvPr>
+            <p:ph type="sldImg"/>
+          </p:nvPr>
+        </p:nvSpPr>
+        <p:spPr/>
+      </p:sp>
+      <p:sp>
+        <p:nvSpPr>
+          <p:cNvPr id="3" name="备注占位符 2"/>
+          <p:cNvSpPr>
+            <a:spLocks noGrp="1"/>
+          </p:cNvSpPr>
+          <p:nvPr>
+            <p:ph type="body" idx="1"/>
+          </p:nvPr>
+        </p:nvSpPr>
+        <p:spPr/>
+        <p:txBody>
+          <a:bodyPr/>
+          <a:lstStyle/>
+          <a:p>
             <a:pPr marL="0" marR="0" lvl="0" indent="0" algn="l" defTabSz="914400" rtl="0" eaLnBrk="1" fontAlgn="auto" latinLnBrk="0" hangingPunct="1">
               <a:lnSpc>
                 <a:spcPct val="100000"/>
@@ -8510,7 +8947,7 @@
               <a:t>VS Code </a:t>
             </a:r>
             <a:r>
-              <a:rPr lang="zh-CN" altLang="en-US"/>
+              <a:rPr lang="zh-CN" altLang="en-US" dirty="0"/>
               <a:t>可选代码格式化插件：</a:t>
             </a:r>
             <a:r>
@@ -8544,7 +8981,7 @@
           <a:p>
             <a:fld id="{9901CBA2-7C9E-4AD6-B258-A0DB055BB3AF}" type="slidenum">
               <a:rPr lang="zh-CN" altLang="en-US" smtClean="0"/>
-              <a:t>39</a:t>
+              <a:t>40</a:t>
             </a:fld>
             <a:endParaRPr lang="zh-CN" altLang="en-US"/>
           </a:p>
@@ -8637,7 +9074,7 @@
     </p:spTree>
     <p:extLst>
       <p:ext uri="{BB962C8B-B14F-4D97-AF65-F5344CB8AC3E}">
-        <p14:creationId xmlns:p14="http://schemas.microsoft.com/office/powerpoint/2010/main" val="1184468631"/>
+        <p14:creationId xmlns:p14="http://schemas.microsoft.com/office/powerpoint/2010/main" val="3326912587"/>
       </p:ext>
     </p:extLst>
   </p:cSld>
@@ -8721,7 +9158,7 @@
     </p:spTree>
     <p:extLst>
       <p:ext uri="{BB962C8B-B14F-4D97-AF65-F5344CB8AC3E}">
-        <p14:creationId xmlns:p14="http://schemas.microsoft.com/office/powerpoint/2010/main" val="3265249614"/>
+        <p14:creationId xmlns:p14="http://schemas.microsoft.com/office/powerpoint/2010/main" val="1184468631"/>
       </p:ext>
     </p:extLst>
   </p:cSld>
@@ -8805,7 +9242,7 @@
     </p:spTree>
     <p:extLst>
       <p:ext uri="{BB962C8B-B14F-4D97-AF65-F5344CB8AC3E}">
-        <p14:creationId xmlns:p14="http://schemas.microsoft.com/office/powerpoint/2010/main" val="744348453"/>
+        <p14:creationId xmlns:p14="http://schemas.microsoft.com/office/powerpoint/2010/main" val="3265249614"/>
       </p:ext>
     </p:extLst>
   </p:cSld>
@@ -8889,7 +9326,7 @@
     </p:spTree>
     <p:extLst>
       <p:ext uri="{BB962C8B-B14F-4D97-AF65-F5344CB8AC3E}">
-        <p14:creationId xmlns:p14="http://schemas.microsoft.com/office/powerpoint/2010/main" val="2254911224"/>
+        <p14:creationId xmlns:p14="http://schemas.microsoft.com/office/powerpoint/2010/main" val="744348453"/>
       </p:ext>
     </p:extLst>
   </p:cSld>
@@ -8973,7 +9410,7 @@
     </p:spTree>
     <p:extLst>
       <p:ext uri="{BB962C8B-B14F-4D97-AF65-F5344CB8AC3E}">
-        <p14:creationId xmlns:p14="http://schemas.microsoft.com/office/powerpoint/2010/main" val="1499476778"/>
+        <p14:creationId xmlns:p14="http://schemas.microsoft.com/office/powerpoint/2010/main" val="2254911224"/>
       </p:ext>
     </p:extLst>
   </p:cSld>
@@ -9057,7 +9494,7 @@
     </p:spTree>
     <p:extLst>
       <p:ext uri="{BB962C8B-B14F-4D97-AF65-F5344CB8AC3E}">
-        <p14:creationId xmlns:p14="http://schemas.microsoft.com/office/powerpoint/2010/main" val="2634753508"/>
+        <p14:creationId xmlns:p14="http://schemas.microsoft.com/office/powerpoint/2010/main" val="1499476778"/>
       </p:ext>
     </p:extLst>
   </p:cSld>
@@ -9214,7 +9651,7 @@
           <a:p>
             <a:fld id="{F721228B-0167-4061-A906-8575043315EE}" type="datetimeFigureOut">
               <a:rPr lang="zh-CN" altLang="en-US" smtClean="0"/>
-              <a:t>2023/6/2</a:t>
+              <a:t>2023/12/3</a:t>
             </a:fld>
             <a:endParaRPr lang="zh-CN" altLang="en-US"/>
           </a:p>
@@ -9424,7 +9861,7 @@
           <a:p>
             <a:fld id="{F721228B-0167-4061-A906-8575043315EE}" type="datetimeFigureOut">
               <a:rPr lang="zh-CN" altLang="en-US" smtClean="0"/>
-              <a:t>2023/6/2</a:t>
+              <a:t>2023/12/3</a:t>
             </a:fld>
             <a:endParaRPr lang="zh-CN" altLang="en-US"/>
           </a:p>
@@ -9644,7 +10081,7 @@
           <a:p>
             <a:fld id="{F721228B-0167-4061-A906-8575043315EE}" type="datetimeFigureOut">
               <a:rPr lang="zh-CN" altLang="en-US" smtClean="0"/>
-              <a:t>2023/6/2</a:t>
+              <a:t>2023/12/3</a:t>
             </a:fld>
             <a:endParaRPr lang="zh-CN" altLang="en-US"/>
           </a:p>
@@ -10141,7 +10578,7 @@
           <a:p>
             <a:fld id="{F721228B-0167-4061-A906-8575043315EE}" type="datetimeFigureOut">
               <a:rPr lang="zh-CN" altLang="en-US" smtClean="0"/>
-              <a:t>2023/6/2</a:t>
+              <a:t>2023/12/3</a:t>
             </a:fld>
             <a:endParaRPr lang="zh-CN" altLang="en-US"/>
           </a:p>
@@ -10477,7 +10914,7 @@
           <a:p>
             <a:fld id="{F721228B-0167-4061-A906-8575043315EE}" type="datetimeFigureOut">
               <a:rPr lang="zh-CN" altLang="en-US" smtClean="0"/>
-              <a:t>2023/6/2</a:t>
+              <a:t>2023/12/3</a:t>
             </a:fld>
             <a:endParaRPr lang="zh-CN" altLang="en-US"/>
           </a:p>
@@ -10835,7 +11272,7 @@
           <a:p>
             <a:fld id="{F721228B-0167-4061-A906-8575043315EE}" type="datetimeFigureOut">
               <a:rPr lang="zh-CN" altLang="en-US" smtClean="0"/>
-              <a:t>2023/6/2</a:t>
+              <a:t>2023/12/3</a:t>
             </a:fld>
             <a:endParaRPr lang="zh-CN" altLang="en-US"/>
           </a:p>
@@ -11308,7 +11745,7 @@
           <a:p>
             <a:fld id="{F721228B-0167-4061-A906-8575043315EE}" type="datetimeFigureOut">
               <a:rPr lang="zh-CN" altLang="en-US" smtClean="0"/>
-              <a:t>2023/6/2</a:t>
+              <a:t>2023/12/3</a:t>
             </a:fld>
             <a:endParaRPr lang="zh-CN" altLang="en-US"/>
           </a:p>
@@ -11461,7 +11898,7 @@
           <a:p>
             <a:fld id="{F721228B-0167-4061-A906-8575043315EE}" type="datetimeFigureOut">
               <a:rPr lang="zh-CN" altLang="en-US" smtClean="0"/>
-              <a:t>2023/6/2</a:t>
+              <a:t>2023/12/3</a:t>
             </a:fld>
             <a:endParaRPr lang="zh-CN" altLang="en-US"/>
           </a:p>
@@ -11586,7 +12023,7 @@
           <a:p>
             <a:fld id="{F721228B-0167-4061-A906-8575043315EE}" type="datetimeFigureOut">
               <a:rPr lang="zh-CN" altLang="en-US" smtClean="0"/>
-              <a:t>2023/6/2</a:t>
+              <a:t>2023/12/3</a:t>
             </a:fld>
             <a:endParaRPr lang="zh-CN" altLang="en-US"/>
           </a:p>
@@ -11909,7 +12346,7 @@
           <a:p>
             <a:fld id="{F721228B-0167-4061-A906-8575043315EE}" type="datetimeFigureOut">
               <a:rPr lang="zh-CN" altLang="en-US" smtClean="0"/>
-              <a:t>2023/6/2</a:t>
+              <a:t>2023/12/3</a:t>
             </a:fld>
             <a:endParaRPr lang="zh-CN" altLang="en-US"/>
           </a:p>
@@ -12209,7 +12646,7 @@
           <a:p>
             <a:fld id="{F721228B-0167-4061-A906-8575043315EE}" type="datetimeFigureOut">
               <a:rPr lang="zh-CN" altLang="en-US" smtClean="0"/>
-              <a:t>2023/6/2</a:t>
+              <a:t>2023/12/3</a:t>
             </a:fld>
             <a:endParaRPr lang="zh-CN" altLang="en-US"/>
           </a:p>
@@ -12462,7 +12899,7 @@
           <a:p>
             <a:fld id="{F721228B-0167-4061-A906-8575043315EE}" type="datetimeFigureOut">
               <a:rPr lang="zh-CN" altLang="en-US" smtClean="0"/>
-              <a:t>2023/6/2</a:t>
+              <a:t>2023/12/3</a:t>
             </a:fld>
             <a:endParaRPr lang="zh-CN" altLang="en-US"/>
           </a:p>
@@ -13258,6 +13695,529 @@
 </file>
 
 <file path=ppt/slides/slide10.xml><?xml version="1.0" encoding="utf-8"?>
+<p:sld xmlns:a="http://schemas.openxmlformats.org/drawingml/2006/main" xmlns:r="http://schemas.openxmlformats.org/officeDocument/2006/relationships" xmlns:p="http://schemas.openxmlformats.org/presentationml/2006/main">
+  <p:cSld>
+    <p:spTree>
+      <p:nvGrpSpPr>
+        <p:cNvPr id="1" name=""/>
+        <p:cNvGrpSpPr/>
+        <p:nvPr/>
+      </p:nvGrpSpPr>
+      <p:grpSpPr>
+        <a:xfrm>
+          <a:off x="0" y="0"/>
+          <a:ext cx="0" cy="0"/>
+          <a:chOff x="0" y="0"/>
+          <a:chExt cx="0" cy="0"/>
+        </a:xfrm>
+      </p:grpSpPr>
+      <p:sp>
+        <p:nvSpPr>
+          <p:cNvPr id="2" name="标题 1">
+            <a:extLst>
+              <a:ext uri="{FF2B5EF4-FFF2-40B4-BE49-F238E27FC236}">
+                <a16:creationId xmlns:a16="http://schemas.microsoft.com/office/drawing/2014/main" id="{BAD162F0-2175-84E9-2387-55F669162449}"/>
+              </a:ext>
+            </a:extLst>
+          </p:cNvPr>
+          <p:cNvSpPr>
+            <a:spLocks noGrp="1"/>
+          </p:cNvSpPr>
+          <p:nvPr>
+            <p:ph type="title"/>
+          </p:nvPr>
+        </p:nvSpPr>
+        <p:spPr/>
+        <p:txBody>
+          <a:bodyPr>
+            <a:normAutofit/>
+          </a:bodyPr>
+          <a:lstStyle/>
+          <a:p>
+            <a:r>
+              <a:rPr lang="en-US" altLang="zh-CN" dirty="0"/>
+              <a:t>4.1.1 </a:t>
+            </a:r>
+            <a:r>
+              <a:rPr lang="zh-CN" altLang="en-US" dirty="0"/>
+              <a:t>深入研究循环</a:t>
+            </a:r>
+            <a:endParaRPr lang="en-US" altLang="zh-CN" dirty="0"/>
+          </a:p>
+        </p:txBody>
+      </p:sp>
+      <p:sp>
+        <p:nvSpPr>
+          <p:cNvPr id="8" name="内容占位符 7">
+            <a:extLst>
+              <a:ext uri="{FF2B5EF4-FFF2-40B4-BE49-F238E27FC236}">
+                <a16:creationId xmlns:a16="http://schemas.microsoft.com/office/drawing/2014/main" id="{C518E866-DA50-5694-5F60-939464F11BC7}"/>
+              </a:ext>
+            </a:extLst>
+          </p:cNvPr>
+          <p:cNvSpPr>
+            <a:spLocks noGrp="1"/>
+          </p:cNvSpPr>
+          <p:nvPr>
+            <p:ph idx="1"/>
+          </p:nvPr>
+        </p:nvSpPr>
+        <p:spPr/>
+        <p:txBody>
+          <a:bodyPr>
+            <a:normAutofit/>
+          </a:bodyPr>
+          <a:lstStyle/>
+          <a:p>
+            <a:pPr marL="0" indent="0">
+              <a:buNone/>
+            </a:pPr>
+            <a:r>
+              <a:rPr lang="zh-CN" altLang="en-US" dirty="0"/>
+              <a:t>仔细看看这段循环代码，</a:t>
+            </a:r>
+            <a:endParaRPr lang="en-US" altLang="zh-CN" dirty="0"/>
+          </a:p>
+          <a:p>
+            <a:pPr marL="0" indent="0">
+              <a:buNone/>
+            </a:pPr>
+            <a:r>
+              <a:rPr lang="en-US" altLang="zh-CN" b="1" dirty="0"/>
+              <a:t>magician</a:t>
+            </a:r>
+            <a:r>
+              <a:rPr lang="en-US" altLang="zh-CN" dirty="0"/>
+              <a:t> </a:t>
+            </a:r>
+            <a:r>
+              <a:rPr lang="zh-CN" altLang="en-US" dirty="0"/>
+              <a:t>是一个临时变量</a:t>
+            </a:r>
+            <a:endParaRPr lang="en-US" altLang="zh-CN" dirty="0"/>
+          </a:p>
+          <a:p>
+            <a:endParaRPr lang="en-US" altLang="zh-CN" dirty="0"/>
+          </a:p>
+          <a:p>
+            <a:endParaRPr lang="en-US" altLang="zh-CN" dirty="0"/>
+          </a:p>
+          <a:p>
+            <a:endParaRPr lang="en-US" altLang="zh-CN" dirty="0"/>
+          </a:p>
+        </p:txBody>
+      </p:sp>
+      <p:pic>
+        <p:nvPicPr>
+          <p:cNvPr id="6" name="!!loop-draw">
+            <a:extLst>
+              <a:ext uri="{FF2B5EF4-FFF2-40B4-BE49-F238E27FC236}">
+                <a16:creationId xmlns:a16="http://schemas.microsoft.com/office/drawing/2014/main" id="{DB4378B1-522B-6B0E-6515-9EE08587DFFF}"/>
+              </a:ext>
+            </a:extLst>
+          </p:cNvPr>
+          <p:cNvPicPr>
+            <a:picLocks noChangeAspect="1"/>
+          </p:cNvPicPr>
+          <p:nvPr/>
+        </p:nvPicPr>
+        <p:blipFill>
+          <a:blip r:embed="rId3">
+            <a:extLst>
+              <a:ext uri="{28A0092B-C50C-407E-A947-70E740481C1C}">
+                <a14:useLocalDpi xmlns:a14="http://schemas.microsoft.com/office/drawing/2010/main" val="0"/>
+              </a:ext>
+            </a:extLst>
+          </a:blip>
+          <a:srcRect/>
+          <a:stretch/>
+        </p:blipFill>
+        <p:spPr>
+          <a:xfrm>
+            <a:off x="1869178" y="3700470"/>
+            <a:ext cx="8453641" cy="2449541"/>
+          </a:xfrm>
+          <a:prstGeom prst="rect">
+            <a:avLst/>
+          </a:prstGeom>
+        </p:spPr>
+      </p:pic>
+      <p:pic>
+        <p:nvPicPr>
+          <p:cNvPr id="4" name="!!loop-code">
+            <a:extLst>
+              <a:ext uri="{FF2B5EF4-FFF2-40B4-BE49-F238E27FC236}">
+                <a16:creationId xmlns:a16="http://schemas.microsoft.com/office/drawing/2014/main" id="{17D4C50F-819F-79A4-9B05-3AF3153B9E7A}"/>
+              </a:ext>
+            </a:extLst>
+          </p:cNvPr>
+          <p:cNvPicPr>
+            <a:picLocks noChangeAspect="1"/>
+          </p:cNvPicPr>
+          <p:nvPr/>
+        </p:nvPicPr>
+        <p:blipFill>
+          <a:blip r:embed="rId4">
+            <a:extLst>
+              <a:ext uri="{28A0092B-C50C-407E-A947-70E740481C1C}">
+                <a14:useLocalDpi xmlns:a14="http://schemas.microsoft.com/office/drawing/2010/main" val="0"/>
+              </a:ext>
+            </a:extLst>
+          </a:blip>
+          <a:srcRect/>
+          <a:stretch/>
+        </p:blipFill>
+        <p:spPr>
+          <a:xfrm>
+            <a:off x="6095998" y="1306248"/>
+            <a:ext cx="4900304" cy="2044025"/>
+          </a:xfrm>
+          <a:prstGeom prst="rect">
+            <a:avLst/>
+          </a:prstGeom>
+        </p:spPr>
+      </p:pic>
+      <p:pic>
+        <p:nvPicPr>
+          <p:cNvPr id="5" name="图片 4">
+            <a:extLst>
+              <a:ext uri="{FF2B5EF4-FFF2-40B4-BE49-F238E27FC236}">
+                <a16:creationId xmlns:a16="http://schemas.microsoft.com/office/drawing/2014/main" id="{3A0C2C76-AC48-3787-286B-2B4DE4C226FD}"/>
+              </a:ext>
+            </a:extLst>
+          </p:cNvPr>
+          <p:cNvPicPr>
+            <a:picLocks noChangeAspect="1"/>
+          </p:cNvPicPr>
+          <p:nvPr/>
+        </p:nvPicPr>
+        <p:blipFill>
+          <a:blip r:embed="rId5"/>
+          <a:stretch>
+            <a:fillRect/>
+          </a:stretch>
+        </p:blipFill>
+        <p:spPr>
+          <a:xfrm>
+            <a:off x="6303921" y="4573863"/>
+            <a:ext cx="1297776" cy="521154"/>
+          </a:xfrm>
+          <a:prstGeom prst="rect">
+            <a:avLst/>
+          </a:prstGeom>
+        </p:spPr>
+      </p:pic>
+      <p:pic>
+        <p:nvPicPr>
+          <p:cNvPr id="9" name="图片 8">
+            <a:extLst>
+              <a:ext uri="{FF2B5EF4-FFF2-40B4-BE49-F238E27FC236}">
+                <a16:creationId xmlns:a16="http://schemas.microsoft.com/office/drawing/2014/main" id="{A256024C-3168-1C33-9B09-0A76B51A3C25}"/>
+              </a:ext>
+            </a:extLst>
+          </p:cNvPr>
+          <p:cNvPicPr>
+            <a:picLocks noChangeAspect="1"/>
+          </p:cNvPicPr>
+          <p:nvPr/>
+        </p:nvPicPr>
+        <p:blipFill>
+          <a:blip r:embed="rId6"/>
+          <a:stretch>
+            <a:fillRect/>
+          </a:stretch>
+        </p:blipFill>
+        <p:spPr>
+          <a:xfrm>
+            <a:off x="8909622" y="4710264"/>
+            <a:ext cx="1103534" cy="632760"/>
+          </a:xfrm>
+          <a:prstGeom prst="rect">
+            <a:avLst/>
+          </a:prstGeom>
+        </p:spPr>
+      </p:pic>
+      <p:pic>
+        <p:nvPicPr>
+          <p:cNvPr id="10" name="图片 9">
+            <a:extLst>
+              <a:ext uri="{FF2B5EF4-FFF2-40B4-BE49-F238E27FC236}">
+                <a16:creationId xmlns:a16="http://schemas.microsoft.com/office/drawing/2014/main" id="{7BC3F0F1-F724-2E1A-E4B2-13D59C066196}"/>
+              </a:ext>
+            </a:extLst>
+          </p:cNvPr>
+          <p:cNvPicPr>
+            <a:picLocks noChangeAspect="1"/>
+          </p:cNvPicPr>
+          <p:nvPr/>
+        </p:nvPicPr>
+        <p:blipFill>
+          <a:blip r:embed="rId7">
+            <a:extLst>
+              <a:ext uri="{28A0092B-C50C-407E-A947-70E740481C1C}">
+                <a14:useLocalDpi xmlns:a14="http://schemas.microsoft.com/office/drawing/2010/main" val="0"/>
+              </a:ext>
+            </a:extLst>
+          </a:blip>
+          <a:srcRect/>
+          <a:stretch/>
+        </p:blipFill>
+        <p:spPr>
+          <a:xfrm>
+            <a:off x="3241978" y="4877985"/>
+            <a:ext cx="1297775" cy="521153"/>
+          </a:xfrm>
+          <a:prstGeom prst="rect">
+            <a:avLst/>
+          </a:prstGeom>
+        </p:spPr>
+      </p:pic>
+      <p:pic>
+        <p:nvPicPr>
+          <p:cNvPr id="11" name="图片 10">
+            <a:extLst>
+              <a:ext uri="{FF2B5EF4-FFF2-40B4-BE49-F238E27FC236}">
+                <a16:creationId xmlns:a16="http://schemas.microsoft.com/office/drawing/2014/main" id="{391CECBA-B20D-B4A1-8753-D83AA3FDA112}"/>
+              </a:ext>
+            </a:extLst>
+          </p:cNvPr>
+          <p:cNvPicPr>
+            <a:picLocks noChangeAspect="1"/>
+          </p:cNvPicPr>
+          <p:nvPr/>
+        </p:nvPicPr>
+        <p:blipFill>
+          <a:blip r:embed="rId8">
+            <a:extLst>
+              <a:ext uri="{28A0092B-C50C-407E-A947-70E740481C1C}">
+                <a14:useLocalDpi xmlns:a14="http://schemas.microsoft.com/office/drawing/2010/main" val="0"/>
+              </a:ext>
+            </a:extLst>
+          </a:blip>
+          <a:srcRect/>
+          <a:stretch/>
+        </p:blipFill>
+        <p:spPr>
+          <a:xfrm>
+            <a:off x="4506558" y="4877984"/>
+            <a:ext cx="1297775" cy="521154"/>
+          </a:xfrm>
+          <a:prstGeom prst="rect">
+            <a:avLst/>
+          </a:prstGeom>
+        </p:spPr>
+      </p:pic>
+    </p:spTree>
+    <p:extLst>
+      <p:ext uri="{BB962C8B-B14F-4D97-AF65-F5344CB8AC3E}">
+        <p14:creationId xmlns:p14="http://schemas.microsoft.com/office/powerpoint/2010/main" val="946337881"/>
+      </p:ext>
+    </p:extLst>
+  </p:cSld>
+  <p:clrMapOvr>
+    <a:masterClrMapping/>
+  </p:clrMapOvr>
+  <mc:AlternateContent xmlns:mc="http://schemas.openxmlformats.org/markup-compatibility/2006" xmlns:p159="http://schemas.microsoft.com/office/powerpoint/2015/09/main">
+    <mc:Choice Requires="p159">
+      <p:transition spd="med">
+        <p159:morph option="byObject"/>
+      </p:transition>
+    </mc:Choice>
+    <mc:Fallback xmlns="">
+      <p:transition spd="med">
+        <p:fade/>
+      </p:transition>
+    </mc:Fallback>
+  </mc:AlternateContent>
+  <p:timing>
+    <p:tnLst>
+      <p:par>
+        <p:cTn id="1" dur="indefinite" restart="never" nodeType="tmRoot">
+          <p:childTnLst>
+            <p:seq concurrent="1" nextAc="seek">
+              <p:cTn id="2" dur="indefinite" nodeType="mainSeq">
+                <p:childTnLst>
+                  <p:par>
+                    <p:cTn id="3" fill="hold">
+                      <p:stCondLst>
+                        <p:cond delay="indefinite"/>
+                        <p:cond evt="onBegin" delay="0">
+                          <p:tn val="2"/>
+                        </p:cond>
+                      </p:stCondLst>
+                      <p:childTnLst>
+                        <p:par>
+                          <p:cTn id="4" fill="hold">
+                            <p:stCondLst>
+                              <p:cond delay="0"/>
+                            </p:stCondLst>
+                            <p:childTnLst>
+                              <p:par>
+                                <p:cTn id="5" presetID="53" presetClass="entr" presetSubtype="16" fill="hold" nodeType="afterEffect">
+                                  <p:stCondLst>
+                                    <p:cond delay="0"/>
+                                  </p:stCondLst>
+                                  <p:childTnLst>
+                                    <p:set>
+                                      <p:cBhvr>
+                                        <p:cTn id="6" dur="1" fill="hold">
+                                          <p:stCondLst>
+                                            <p:cond delay="0"/>
+                                          </p:stCondLst>
+                                        </p:cTn>
+                                        <p:tgtEl>
+                                          <p:spTgt spid="9"/>
+                                        </p:tgtEl>
+                                        <p:attrNameLst>
+                                          <p:attrName>style.visibility</p:attrName>
+                                        </p:attrNameLst>
+                                      </p:cBhvr>
+                                      <p:to>
+                                        <p:strVal val="visible"/>
+                                      </p:to>
+                                    </p:set>
+                                    <p:anim calcmode="lin" valueType="num">
+                                      <p:cBhvr>
+                                        <p:cTn id="7" dur="500" fill="hold"/>
+                                        <p:tgtEl>
+                                          <p:spTgt spid="9"/>
+                                        </p:tgtEl>
+                                        <p:attrNameLst>
+                                          <p:attrName>ppt_w</p:attrName>
+                                        </p:attrNameLst>
+                                      </p:cBhvr>
+                                      <p:tavLst>
+                                        <p:tav tm="0">
+                                          <p:val>
+                                            <p:fltVal val="0"/>
+                                          </p:val>
+                                        </p:tav>
+                                        <p:tav tm="100000">
+                                          <p:val>
+                                            <p:strVal val="#ppt_w"/>
+                                          </p:val>
+                                        </p:tav>
+                                      </p:tavLst>
+                                    </p:anim>
+                                    <p:anim calcmode="lin" valueType="num">
+                                      <p:cBhvr>
+                                        <p:cTn id="8" dur="500" fill="hold"/>
+                                        <p:tgtEl>
+                                          <p:spTgt spid="9"/>
+                                        </p:tgtEl>
+                                        <p:attrNameLst>
+                                          <p:attrName>ppt_h</p:attrName>
+                                        </p:attrNameLst>
+                                      </p:cBhvr>
+                                      <p:tavLst>
+                                        <p:tav tm="0">
+                                          <p:val>
+                                            <p:fltVal val="0"/>
+                                          </p:val>
+                                        </p:tav>
+                                        <p:tav tm="100000">
+                                          <p:val>
+                                            <p:strVal val="#ppt_h"/>
+                                          </p:val>
+                                        </p:tav>
+                                      </p:tavLst>
+                                    </p:anim>
+                                    <p:animEffect transition="in" filter="fade">
+                                      <p:cBhvr>
+                                        <p:cTn id="9" dur="500"/>
+                                        <p:tgtEl>
+                                          <p:spTgt spid="9"/>
+                                        </p:tgtEl>
+                                      </p:cBhvr>
+                                    </p:animEffect>
+                                  </p:childTnLst>
+                                </p:cTn>
+                              </p:par>
+                            </p:childTnLst>
+                          </p:cTn>
+                        </p:par>
+                      </p:childTnLst>
+                    </p:cTn>
+                  </p:par>
+                  <p:par>
+                    <p:cTn id="10" fill="hold">
+                      <p:stCondLst>
+                        <p:cond delay="indefinite"/>
+                      </p:stCondLst>
+                      <p:childTnLst>
+                        <p:par>
+                          <p:cTn id="11" fill="hold">
+                            <p:stCondLst>
+                              <p:cond delay="0"/>
+                            </p:stCondLst>
+                            <p:childTnLst>
+                              <p:par>
+                                <p:cTn id="12" presetID="10" presetClass="entr" presetSubtype="0" fill="hold" nodeType="clickEffect">
+                                  <p:stCondLst>
+                                    <p:cond delay="0"/>
+                                  </p:stCondLst>
+                                  <p:childTnLst>
+                                    <p:set>
+                                      <p:cBhvr>
+                                        <p:cTn id="13" dur="1" fill="hold">
+                                          <p:stCondLst>
+                                            <p:cond delay="0"/>
+                                          </p:stCondLst>
+                                        </p:cTn>
+                                        <p:tgtEl>
+                                          <p:spTgt spid="4"/>
+                                        </p:tgtEl>
+                                        <p:attrNameLst>
+                                          <p:attrName>style.visibility</p:attrName>
+                                        </p:attrNameLst>
+                                      </p:cBhvr>
+                                      <p:to>
+                                        <p:strVal val="visible"/>
+                                      </p:to>
+                                    </p:set>
+                                    <p:animEffect transition="in" filter="fade">
+                                      <p:cBhvr>
+                                        <p:cTn id="14" dur="500"/>
+                                        <p:tgtEl>
+                                          <p:spTgt spid="4"/>
+                                        </p:tgtEl>
+                                      </p:cBhvr>
+                                    </p:animEffect>
+                                  </p:childTnLst>
+                                </p:cTn>
+                              </p:par>
+                            </p:childTnLst>
+                          </p:cTn>
+                        </p:par>
+                      </p:childTnLst>
+                    </p:cTn>
+                  </p:par>
+                </p:childTnLst>
+              </p:cTn>
+              <p:prevCondLst>
+                <p:cond evt="onPrev" delay="0">
+                  <p:tgtEl>
+                    <p:sldTgt/>
+                  </p:tgtEl>
+                </p:cond>
+              </p:prevCondLst>
+              <p:nextCondLst>
+                <p:cond evt="onNext" delay="0">
+                  <p:tgtEl>
+                    <p:sldTgt/>
+                  </p:tgtEl>
+                </p:cond>
+              </p:nextCondLst>
+            </p:seq>
+          </p:childTnLst>
+        </p:cTn>
+      </p:par>
+    </p:tnLst>
+  </p:timing>
+</p:sld>
+</file>
+
+<file path=ppt/slides/slide11.xml><?xml version="1.0" encoding="utf-8"?>
 <p:sld xmlns:a="http://schemas.openxmlformats.org/drawingml/2006/main" xmlns:r="http://schemas.openxmlformats.org/officeDocument/2006/relationships" xmlns:p="http://schemas.openxmlformats.org/presentationml/2006/main">
   <p:cSld>
     <p:spTree>
@@ -13755,7 +14715,7 @@
 </p:sld>
 </file>
 
-<file path=ppt/slides/slide11.xml><?xml version="1.0" encoding="utf-8"?>
+<file path=ppt/slides/slide12.xml><?xml version="1.0" encoding="utf-8"?>
 <p:sld xmlns:a="http://schemas.openxmlformats.org/drawingml/2006/main" xmlns:r="http://schemas.openxmlformats.org/officeDocument/2006/relationships" xmlns:p="http://schemas.openxmlformats.org/presentationml/2006/main">
   <p:cSld>
     <p:spTree>
@@ -14218,7 +15178,7 @@
 </p:sld>
 </file>
 
-<file path=ppt/slides/slide12.xml><?xml version="1.0" encoding="utf-8"?>
+<file path=ppt/slides/slide13.xml><?xml version="1.0" encoding="utf-8"?>
 <p:sld xmlns:a="http://schemas.openxmlformats.org/drawingml/2006/main" xmlns:r="http://schemas.openxmlformats.org/officeDocument/2006/relationships" xmlns:p="http://schemas.openxmlformats.org/presentationml/2006/main">
   <p:cSld>
     <p:spTree>
@@ -15223,7 +16183,7 @@
 </p:sld>
 </file>
 
-<file path=ppt/slides/slide13.xml><?xml version="1.0" encoding="utf-8"?>
+<file path=ppt/slides/slide14.xml><?xml version="1.0" encoding="utf-8"?>
 <p:sld xmlns:a="http://schemas.openxmlformats.org/drawingml/2006/main" xmlns:r="http://schemas.openxmlformats.org/officeDocument/2006/relationships" xmlns:p="http://schemas.openxmlformats.org/presentationml/2006/main">
   <p:cSld>
     <p:spTree>
@@ -16270,321 +17230,6 @@
 </p:sld>
 </file>
 
-<file path=ppt/slides/slide14.xml><?xml version="1.0" encoding="utf-8"?>
-<p:sld xmlns:a="http://schemas.openxmlformats.org/drawingml/2006/main" xmlns:r="http://schemas.openxmlformats.org/officeDocument/2006/relationships" xmlns:p="http://schemas.openxmlformats.org/presentationml/2006/main">
-  <p:cSld>
-    <p:spTree>
-      <p:nvGrpSpPr>
-        <p:cNvPr id="1" name=""/>
-        <p:cNvGrpSpPr/>
-        <p:nvPr/>
-      </p:nvGrpSpPr>
-      <p:grpSpPr>
-        <a:xfrm>
-          <a:off x="0" y="0"/>
-          <a:ext cx="0" cy="0"/>
-          <a:chOff x="0" y="0"/>
-          <a:chExt cx="0" cy="0"/>
-        </a:xfrm>
-      </p:grpSpPr>
-      <p:sp>
-        <p:nvSpPr>
-          <p:cNvPr id="2" name="标题 1">
-            <a:extLst>
-              <a:ext uri="{FF2B5EF4-FFF2-40B4-BE49-F238E27FC236}">
-                <a16:creationId xmlns:a16="http://schemas.microsoft.com/office/drawing/2014/main" id="{BAD162F0-2175-84E9-2387-55F669162449}"/>
-              </a:ext>
-            </a:extLst>
-          </p:cNvPr>
-          <p:cNvSpPr>
-            <a:spLocks noGrp="1"/>
-          </p:cNvSpPr>
-          <p:nvPr>
-            <p:ph type="title"/>
-          </p:nvPr>
-        </p:nvSpPr>
-        <p:spPr/>
-        <p:txBody>
-          <a:bodyPr>
-            <a:normAutofit/>
-          </a:bodyPr>
-          <a:lstStyle/>
-          <a:p>
-            <a:r>
-              <a:rPr lang="en-US" altLang="zh-CN" dirty="0"/>
-              <a:t>4.1.2 </a:t>
-            </a:r>
-            <a:r>
-              <a:rPr lang="zh-CN" altLang="en-US" dirty="0"/>
-              <a:t>在 </a:t>
-            </a:r>
-            <a:r>
-              <a:rPr lang="en-US" altLang="zh-CN" dirty="0">
-                <a:latin typeface="+mj-lt"/>
-              </a:rPr>
-              <a:t>for</a:t>
-            </a:r>
-            <a:r>
-              <a:rPr lang="en-US" altLang="zh-CN" dirty="0"/>
-              <a:t> </a:t>
-            </a:r>
-            <a:r>
-              <a:rPr lang="zh-CN" altLang="en-US" dirty="0"/>
-              <a:t>循环中执行更多的操作</a:t>
-            </a:r>
-            <a:endParaRPr lang="en-US" altLang="zh-CN" dirty="0"/>
-          </a:p>
-        </p:txBody>
-      </p:sp>
-      <p:sp>
-        <p:nvSpPr>
-          <p:cNvPr id="8" name="内容占位符 7">
-            <a:extLst>
-              <a:ext uri="{FF2B5EF4-FFF2-40B4-BE49-F238E27FC236}">
-                <a16:creationId xmlns:a16="http://schemas.microsoft.com/office/drawing/2014/main" id="{C518E866-DA50-5694-5F60-939464F11BC7}"/>
-              </a:ext>
-            </a:extLst>
-          </p:cNvPr>
-          <p:cNvSpPr>
-            <a:spLocks noGrp="1"/>
-          </p:cNvSpPr>
-          <p:nvPr>
-            <p:ph idx="1"/>
-          </p:nvPr>
-        </p:nvSpPr>
-        <p:spPr/>
-        <p:txBody>
-          <a:bodyPr>
-            <a:normAutofit/>
-          </a:bodyPr>
-          <a:lstStyle/>
-          <a:p>
-            <a:pPr marL="0" indent="0">
-              <a:buNone/>
-            </a:pPr>
-            <a:r>
-              <a:rPr lang="zh-CN" altLang="en-US" dirty="0"/>
-              <a:t>在 </a:t>
-            </a:r>
-            <a:r>
-              <a:rPr lang="en-US" altLang="zh-CN" dirty="0"/>
-              <a:t>for </a:t>
-            </a:r>
-            <a:r>
-              <a:rPr lang="zh-CN" altLang="en-US" dirty="0"/>
-              <a:t>循环中，可以对每个元素执行任意操作</a:t>
-            </a:r>
-            <a:endParaRPr lang="en-US" altLang="zh-CN" dirty="0"/>
-          </a:p>
-          <a:p>
-            <a:pPr marL="0" indent="0">
-              <a:buNone/>
-            </a:pPr>
-            <a:r>
-              <a:rPr lang="zh-CN" altLang="en-US" b="1" dirty="0"/>
-              <a:t>只要保持缩进</a:t>
-            </a:r>
-            <a:r>
-              <a:rPr lang="zh-CN" altLang="en-US" dirty="0"/>
-              <a:t>，我们可以在 </a:t>
-            </a:r>
-            <a:r>
-              <a:rPr lang="en-US" altLang="zh-CN" dirty="0"/>
-              <a:t>for </a:t>
-            </a:r>
-            <a:r>
-              <a:rPr lang="zh-CN" altLang="en-US" dirty="0"/>
-              <a:t>循环中放入多行语句</a:t>
-            </a:r>
-            <a:endParaRPr lang="en-US" altLang="zh-CN" dirty="0"/>
-          </a:p>
-          <a:p>
-            <a:endParaRPr lang="en-US" altLang="zh-CN" dirty="0"/>
-          </a:p>
-        </p:txBody>
-      </p:sp>
-      <p:sp>
-        <p:nvSpPr>
-          <p:cNvPr id="5" name="文本框 4">
-            <a:extLst>
-              <a:ext uri="{FF2B5EF4-FFF2-40B4-BE49-F238E27FC236}">
-                <a16:creationId xmlns:a16="http://schemas.microsoft.com/office/drawing/2014/main" id="{B7A8CE03-6A77-60EC-056E-D7A0019640A3}"/>
-              </a:ext>
-            </a:extLst>
-          </p:cNvPr>
-          <p:cNvSpPr txBox="1"/>
-          <p:nvPr/>
-        </p:nvSpPr>
-        <p:spPr>
-          <a:xfrm>
-            <a:off x="2054225" y="3000085"/>
-            <a:ext cx="8083550" cy="3416320"/>
-          </a:xfrm>
-          <a:prstGeom prst="rect">
-            <a:avLst/>
-          </a:prstGeom>
-          <a:noFill/>
-          <a:ln>
-            <a:solidFill>
-              <a:schemeClr val="bg2"/>
-            </a:solidFill>
-          </a:ln>
-        </p:spPr>
-        <p:txBody>
-          <a:bodyPr wrap="square">
-            <a:spAutoFit/>
-          </a:bodyPr>
-          <a:lstStyle/>
-          <a:p>
-            <a:r>
-              <a:rPr lang="zh-CN" altLang="en-US" sz="2400" b="1" dirty="0">
-                <a:solidFill>
-                  <a:srgbClr val="333333"/>
-                </a:solidFill>
-                <a:highlight>
-                  <a:srgbClr val="C0C0C0"/>
-                </a:highlight>
-                <a:latin typeface="Consolas" panose="020B0609020204030204" pitchFamily="49" charset="0"/>
-                <a:ea typeface="微软雅黑" panose="020B0503020204020204" pitchFamily="34" charset="-122"/>
-              </a:rPr>
-              <a:t>运行结果</a:t>
-            </a:r>
-            <a:endParaRPr lang="en-US" altLang="zh-CN" sz="2400" b="1" dirty="0">
-              <a:solidFill>
-                <a:srgbClr val="333333"/>
-              </a:solidFill>
-              <a:highlight>
-                <a:srgbClr val="C0C0C0"/>
-              </a:highlight>
-              <a:latin typeface="Consolas" panose="020B0609020204030204" pitchFamily="49" charset="0"/>
-              <a:ea typeface="微软雅黑" panose="020B0503020204020204" pitchFamily="34" charset="-122"/>
-            </a:endParaRPr>
-          </a:p>
-          <a:p>
-            <a:r>
-              <a:rPr lang="en-US" altLang="zh-CN" sz="2400" dirty="0">
-                <a:solidFill>
-                  <a:srgbClr val="333333"/>
-                </a:solidFill>
-                <a:latin typeface="Consolas" panose="020B0609020204030204" pitchFamily="49" charset="0"/>
-                <a:ea typeface="微软雅黑" panose="020B0503020204020204" pitchFamily="34" charset="-122"/>
-              </a:rPr>
-              <a:t>Alice, that was a great trick!</a:t>
-            </a:r>
-          </a:p>
-          <a:p>
-            <a:r>
-              <a:rPr lang="en-US" altLang="zh-CN" sz="2400" dirty="0">
-                <a:solidFill>
-                  <a:srgbClr val="333333"/>
-                </a:solidFill>
-                <a:latin typeface="Consolas" panose="020B0609020204030204" pitchFamily="49" charset="0"/>
-                <a:ea typeface="微软雅黑" panose="020B0503020204020204" pitchFamily="34" charset="-122"/>
-              </a:rPr>
-              <a:t>I can't wait to see more, Alice.</a:t>
-            </a:r>
-          </a:p>
-          <a:p>
-            <a:endParaRPr lang="en-US" altLang="zh-CN" sz="2400" dirty="0">
-              <a:solidFill>
-                <a:srgbClr val="333333"/>
-              </a:solidFill>
-              <a:latin typeface="Consolas" panose="020B0609020204030204" pitchFamily="49" charset="0"/>
-              <a:ea typeface="微软雅黑" panose="020B0503020204020204" pitchFamily="34" charset="-122"/>
-            </a:endParaRPr>
-          </a:p>
-          <a:p>
-            <a:r>
-              <a:rPr lang="en-US" altLang="zh-CN" sz="2400" dirty="0">
-                <a:solidFill>
-                  <a:srgbClr val="333333"/>
-                </a:solidFill>
-                <a:latin typeface="Consolas" panose="020B0609020204030204" pitchFamily="49" charset="0"/>
-                <a:ea typeface="微软雅黑" panose="020B0503020204020204" pitchFamily="34" charset="-122"/>
-              </a:rPr>
-              <a:t>David, that was a great trick!</a:t>
-            </a:r>
-          </a:p>
-          <a:p>
-            <a:r>
-              <a:rPr lang="en-US" altLang="zh-CN" sz="2400" dirty="0">
-                <a:solidFill>
-                  <a:srgbClr val="333333"/>
-                </a:solidFill>
-                <a:latin typeface="Consolas" panose="020B0609020204030204" pitchFamily="49" charset="0"/>
-                <a:ea typeface="微软雅黑" panose="020B0503020204020204" pitchFamily="34" charset="-122"/>
-              </a:rPr>
-              <a:t>I can't wait to see more, David.</a:t>
-            </a:r>
-          </a:p>
-          <a:p>
-            <a:endParaRPr lang="en-US" altLang="zh-CN" sz="2400" dirty="0">
-              <a:solidFill>
-                <a:srgbClr val="333333"/>
-              </a:solidFill>
-              <a:latin typeface="Consolas" panose="020B0609020204030204" pitchFamily="49" charset="0"/>
-              <a:ea typeface="微软雅黑" panose="020B0503020204020204" pitchFamily="34" charset="-122"/>
-            </a:endParaRPr>
-          </a:p>
-          <a:p>
-            <a:r>
-              <a:rPr lang="en-US" altLang="zh-CN" sz="2400" dirty="0">
-                <a:solidFill>
-                  <a:srgbClr val="333333"/>
-                </a:solidFill>
-                <a:latin typeface="Consolas" panose="020B0609020204030204" pitchFamily="49" charset="0"/>
-                <a:ea typeface="微软雅黑" panose="020B0503020204020204" pitchFamily="34" charset="-122"/>
-              </a:rPr>
-              <a:t>Carolina, that was a great trick!</a:t>
-            </a:r>
-          </a:p>
-          <a:p>
-            <a:r>
-              <a:rPr lang="en-US" altLang="zh-CN" sz="2400" dirty="0">
-                <a:solidFill>
-                  <a:srgbClr val="333333"/>
-                </a:solidFill>
-                <a:latin typeface="Consolas" panose="020B0609020204030204" pitchFamily="49" charset="0"/>
-                <a:ea typeface="微软雅黑" panose="020B0503020204020204" pitchFamily="34" charset="-122"/>
-              </a:rPr>
-              <a:t>I can't wait to see more, Carolina.</a:t>
-            </a:r>
-            <a:endParaRPr lang="pl-PL" altLang="zh-CN" sz="2400" dirty="0">
-              <a:solidFill>
-                <a:srgbClr val="333333"/>
-              </a:solidFill>
-              <a:effectLst/>
-              <a:latin typeface="Consolas" panose="020B0609020204030204" pitchFamily="49" charset="0"/>
-              <a:ea typeface="微软雅黑" panose="020B0503020204020204" pitchFamily="34" charset="-122"/>
-            </a:endParaRPr>
-          </a:p>
-        </p:txBody>
-      </p:sp>
-    </p:spTree>
-    <p:extLst>
-      <p:ext uri="{BB962C8B-B14F-4D97-AF65-F5344CB8AC3E}">
-        <p14:creationId xmlns:p14="http://schemas.microsoft.com/office/powerpoint/2010/main" val="1542245338"/>
-      </p:ext>
-    </p:extLst>
-  </p:cSld>
-  <p:clrMapOvr>
-    <a:masterClrMapping/>
-  </p:clrMapOvr>
-  <mc:AlternateContent xmlns:mc="http://schemas.openxmlformats.org/markup-compatibility/2006" xmlns:p14="http://schemas.microsoft.com/office/powerpoint/2010/main">
-    <mc:Choice Requires="p14">
-      <p:transition spd="med" p14:dur="700">
-        <p:fade/>
-      </p:transition>
-    </mc:Choice>
-    <mc:Fallback xmlns="">
-      <p:transition spd="med">
-        <p:fade/>
-      </p:transition>
-    </mc:Fallback>
-  </mc:AlternateContent>
-</p:sld>
-</file>
-
 <file path=ppt/slides/slide15.xml><?xml version="1.0" encoding="utf-8"?>
 <p:sld xmlns:a="http://schemas.openxmlformats.org/drawingml/2006/main" xmlns:r="http://schemas.openxmlformats.org/officeDocument/2006/relationships" xmlns:p="http://schemas.openxmlformats.org/presentationml/2006/main">
   <p:cSld>
@@ -16627,7 +17272,7 @@
           <a:p>
             <a:r>
               <a:rPr lang="en-US" altLang="zh-CN" dirty="0"/>
-              <a:t>4.1.3 </a:t>
+              <a:t>4.1.2 </a:t>
             </a:r>
             <a:r>
               <a:rPr lang="zh-CN" altLang="en-US" dirty="0"/>
@@ -16645,7 +17290,7 @@
             </a:r>
             <a:r>
               <a:rPr lang="zh-CN" altLang="en-US" dirty="0"/>
-              <a:t>循环结束后执行一些操作</a:t>
+              <a:t>循环中执行更多的操作</a:t>
             </a:r>
             <a:endParaRPr lang="en-US" altLang="zh-CN" dirty="0"/>
           </a:p>
@@ -16679,7 +17324,7 @@
             </a:pPr>
             <a:r>
               <a:rPr lang="zh-CN" altLang="en-US" dirty="0"/>
-              <a:t>我们可以在 </a:t>
+              <a:t>在 </a:t>
             </a:r>
             <a:r>
               <a:rPr lang="en-US" altLang="zh-CN" dirty="0"/>
@@ -16687,11 +17332,323 @@
             </a:r>
             <a:r>
               <a:rPr lang="zh-CN" altLang="en-US" dirty="0"/>
+              <a:t>循环中，可以对每个元素执行任意操作</a:t>
+            </a:r>
+            <a:endParaRPr lang="en-US" altLang="zh-CN" dirty="0"/>
+          </a:p>
+          <a:p>
+            <a:pPr marL="0" indent="0">
+              <a:buNone/>
+            </a:pPr>
+            <a:r>
+              <a:rPr lang="zh-CN" altLang="en-US" b="1" dirty="0"/>
+              <a:t>只要保持缩进</a:t>
+            </a:r>
+            <a:r>
+              <a:rPr lang="zh-CN" altLang="en-US" dirty="0"/>
+              <a:t>，我们可以在 </a:t>
+            </a:r>
+            <a:r>
+              <a:rPr lang="en-US" altLang="zh-CN" dirty="0"/>
+              <a:t>for </a:t>
+            </a:r>
+            <a:r>
+              <a:rPr lang="zh-CN" altLang="en-US" dirty="0"/>
+              <a:t>循环中放入多行语句</a:t>
+            </a:r>
+            <a:endParaRPr lang="en-US" altLang="zh-CN" dirty="0"/>
+          </a:p>
+          <a:p>
+            <a:endParaRPr lang="en-US" altLang="zh-CN" dirty="0"/>
+          </a:p>
+        </p:txBody>
+      </p:sp>
+      <p:sp>
+        <p:nvSpPr>
+          <p:cNvPr id="5" name="文本框 4">
+            <a:extLst>
+              <a:ext uri="{FF2B5EF4-FFF2-40B4-BE49-F238E27FC236}">
+                <a16:creationId xmlns:a16="http://schemas.microsoft.com/office/drawing/2014/main" id="{B7A8CE03-6A77-60EC-056E-D7A0019640A3}"/>
+              </a:ext>
+            </a:extLst>
+          </p:cNvPr>
+          <p:cNvSpPr txBox="1"/>
+          <p:nvPr/>
+        </p:nvSpPr>
+        <p:spPr>
+          <a:xfrm>
+            <a:off x="2054225" y="3000085"/>
+            <a:ext cx="8083550" cy="3416320"/>
+          </a:xfrm>
+          <a:prstGeom prst="rect">
+            <a:avLst/>
+          </a:prstGeom>
+          <a:noFill/>
+          <a:ln>
+            <a:solidFill>
+              <a:schemeClr val="bg2"/>
+            </a:solidFill>
+          </a:ln>
+        </p:spPr>
+        <p:txBody>
+          <a:bodyPr wrap="square">
+            <a:spAutoFit/>
+          </a:bodyPr>
+          <a:lstStyle/>
+          <a:p>
+            <a:r>
+              <a:rPr lang="zh-CN" altLang="en-US" sz="2400" b="1" dirty="0">
+                <a:solidFill>
+                  <a:srgbClr val="333333"/>
+                </a:solidFill>
+                <a:highlight>
+                  <a:srgbClr val="C0C0C0"/>
+                </a:highlight>
+                <a:latin typeface="Consolas" panose="020B0609020204030204" pitchFamily="49" charset="0"/>
+                <a:ea typeface="微软雅黑" panose="020B0503020204020204" pitchFamily="34" charset="-122"/>
+              </a:rPr>
+              <a:t>运行结果</a:t>
+            </a:r>
+            <a:endParaRPr lang="en-US" altLang="zh-CN" sz="2400" b="1" dirty="0">
+              <a:solidFill>
+                <a:srgbClr val="333333"/>
+              </a:solidFill>
+              <a:highlight>
+                <a:srgbClr val="C0C0C0"/>
+              </a:highlight>
+              <a:latin typeface="Consolas" panose="020B0609020204030204" pitchFamily="49" charset="0"/>
+              <a:ea typeface="微软雅黑" panose="020B0503020204020204" pitchFamily="34" charset="-122"/>
+            </a:endParaRPr>
+          </a:p>
+          <a:p>
+            <a:r>
+              <a:rPr lang="en-US" altLang="zh-CN" sz="2400" dirty="0">
+                <a:solidFill>
+                  <a:srgbClr val="333333"/>
+                </a:solidFill>
+                <a:latin typeface="Consolas" panose="020B0609020204030204" pitchFamily="49" charset="0"/>
+                <a:ea typeface="微软雅黑" panose="020B0503020204020204" pitchFamily="34" charset="-122"/>
+              </a:rPr>
+              <a:t>Alice, that was a great trick!</a:t>
+            </a:r>
+          </a:p>
+          <a:p>
+            <a:r>
+              <a:rPr lang="en-US" altLang="zh-CN" sz="2400" dirty="0">
+                <a:solidFill>
+                  <a:srgbClr val="333333"/>
+                </a:solidFill>
+                <a:latin typeface="Consolas" panose="020B0609020204030204" pitchFamily="49" charset="0"/>
+                <a:ea typeface="微软雅黑" panose="020B0503020204020204" pitchFamily="34" charset="-122"/>
+              </a:rPr>
+              <a:t>I can't wait to see more, Alice.</a:t>
+            </a:r>
+          </a:p>
+          <a:p>
+            <a:endParaRPr lang="en-US" altLang="zh-CN" sz="2400" dirty="0">
+              <a:solidFill>
+                <a:srgbClr val="333333"/>
+              </a:solidFill>
+              <a:latin typeface="Consolas" panose="020B0609020204030204" pitchFamily="49" charset="0"/>
+              <a:ea typeface="微软雅黑" panose="020B0503020204020204" pitchFamily="34" charset="-122"/>
+            </a:endParaRPr>
+          </a:p>
+          <a:p>
+            <a:r>
+              <a:rPr lang="en-US" altLang="zh-CN" sz="2400" dirty="0">
+                <a:solidFill>
+                  <a:srgbClr val="333333"/>
+                </a:solidFill>
+                <a:latin typeface="Consolas" panose="020B0609020204030204" pitchFamily="49" charset="0"/>
+                <a:ea typeface="微软雅黑" panose="020B0503020204020204" pitchFamily="34" charset="-122"/>
+              </a:rPr>
+              <a:t>David, that was a great trick!</a:t>
+            </a:r>
+          </a:p>
+          <a:p>
+            <a:r>
+              <a:rPr lang="en-US" altLang="zh-CN" sz="2400" dirty="0">
+                <a:solidFill>
+                  <a:srgbClr val="333333"/>
+                </a:solidFill>
+                <a:latin typeface="Consolas" panose="020B0609020204030204" pitchFamily="49" charset="0"/>
+                <a:ea typeface="微软雅黑" panose="020B0503020204020204" pitchFamily="34" charset="-122"/>
+              </a:rPr>
+              <a:t>I can't wait to see more, David.</a:t>
+            </a:r>
+          </a:p>
+          <a:p>
+            <a:endParaRPr lang="en-US" altLang="zh-CN" sz="2400" dirty="0">
+              <a:solidFill>
+                <a:srgbClr val="333333"/>
+              </a:solidFill>
+              <a:latin typeface="Consolas" panose="020B0609020204030204" pitchFamily="49" charset="0"/>
+              <a:ea typeface="微软雅黑" panose="020B0503020204020204" pitchFamily="34" charset="-122"/>
+            </a:endParaRPr>
+          </a:p>
+          <a:p>
+            <a:r>
+              <a:rPr lang="en-US" altLang="zh-CN" sz="2400" dirty="0">
+                <a:solidFill>
+                  <a:srgbClr val="333333"/>
+                </a:solidFill>
+                <a:latin typeface="Consolas" panose="020B0609020204030204" pitchFamily="49" charset="0"/>
+                <a:ea typeface="微软雅黑" panose="020B0503020204020204" pitchFamily="34" charset="-122"/>
+              </a:rPr>
+              <a:t>Carolina, that was a great trick!</a:t>
+            </a:r>
+          </a:p>
+          <a:p>
+            <a:r>
+              <a:rPr lang="en-US" altLang="zh-CN" sz="2400" dirty="0">
+                <a:solidFill>
+                  <a:srgbClr val="333333"/>
+                </a:solidFill>
+                <a:latin typeface="Consolas" panose="020B0609020204030204" pitchFamily="49" charset="0"/>
+                <a:ea typeface="微软雅黑" panose="020B0503020204020204" pitchFamily="34" charset="-122"/>
+              </a:rPr>
+              <a:t>I can't wait to see more, Carolina.</a:t>
+            </a:r>
+            <a:endParaRPr lang="pl-PL" altLang="zh-CN" sz="2400" dirty="0">
+              <a:solidFill>
+                <a:srgbClr val="333333"/>
+              </a:solidFill>
+              <a:effectLst/>
+              <a:latin typeface="Consolas" panose="020B0609020204030204" pitchFamily="49" charset="0"/>
+              <a:ea typeface="微软雅黑" panose="020B0503020204020204" pitchFamily="34" charset="-122"/>
+            </a:endParaRPr>
+          </a:p>
+        </p:txBody>
+      </p:sp>
+    </p:spTree>
+    <p:extLst>
+      <p:ext uri="{BB962C8B-B14F-4D97-AF65-F5344CB8AC3E}">
+        <p14:creationId xmlns:p14="http://schemas.microsoft.com/office/powerpoint/2010/main" val="1542245338"/>
+      </p:ext>
+    </p:extLst>
+  </p:cSld>
+  <p:clrMapOvr>
+    <a:masterClrMapping/>
+  </p:clrMapOvr>
+  <mc:AlternateContent xmlns:mc="http://schemas.openxmlformats.org/markup-compatibility/2006" xmlns:p14="http://schemas.microsoft.com/office/powerpoint/2010/main">
+    <mc:Choice Requires="p14">
+      <p:transition spd="med" p14:dur="700">
+        <p:fade/>
+      </p:transition>
+    </mc:Choice>
+    <mc:Fallback xmlns="">
+      <p:transition spd="med">
+        <p:fade/>
+      </p:transition>
+    </mc:Fallback>
+  </mc:AlternateContent>
+</p:sld>
+</file>
+
+<file path=ppt/slides/slide16.xml><?xml version="1.0" encoding="utf-8"?>
+<p:sld xmlns:a="http://schemas.openxmlformats.org/drawingml/2006/main" xmlns:r="http://schemas.openxmlformats.org/officeDocument/2006/relationships" xmlns:p="http://schemas.openxmlformats.org/presentationml/2006/main">
+  <p:cSld>
+    <p:spTree>
+      <p:nvGrpSpPr>
+        <p:cNvPr id="1" name=""/>
+        <p:cNvGrpSpPr/>
+        <p:nvPr/>
+      </p:nvGrpSpPr>
+      <p:grpSpPr>
+        <a:xfrm>
+          <a:off x="0" y="0"/>
+          <a:ext cx="0" cy="0"/>
+          <a:chOff x="0" y="0"/>
+          <a:chExt cx="0" cy="0"/>
+        </a:xfrm>
+      </p:grpSpPr>
+      <p:sp>
+        <p:nvSpPr>
+          <p:cNvPr id="2" name="标题 1">
+            <a:extLst>
+              <a:ext uri="{FF2B5EF4-FFF2-40B4-BE49-F238E27FC236}">
+                <a16:creationId xmlns:a16="http://schemas.microsoft.com/office/drawing/2014/main" id="{BAD162F0-2175-84E9-2387-55F669162449}"/>
+              </a:ext>
+            </a:extLst>
+          </p:cNvPr>
+          <p:cNvSpPr>
+            <a:spLocks noGrp="1"/>
+          </p:cNvSpPr>
+          <p:nvPr>
+            <p:ph type="title"/>
+          </p:nvPr>
+        </p:nvSpPr>
+        <p:spPr/>
+        <p:txBody>
+          <a:bodyPr>
+            <a:normAutofit/>
+          </a:bodyPr>
+          <a:lstStyle/>
+          <a:p>
+            <a:r>
+              <a:rPr lang="en-US" altLang="zh-CN" dirty="0"/>
+              <a:t>4.1.3 </a:t>
+            </a:r>
+            <a:r>
+              <a:rPr lang="zh-CN" altLang="en-US" dirty="0"/>
+              <a:t>在 </a:t>
+            </a:r>
+            <a:r>
+              <a:rPr lang="en-US" altLang="zh-CN" dirty="0">
+                <a:latin typeface="+mj-lt"/>
+              </a:rPr>
+              <a:t>for</a:t>
+            </a:r>
+            <a:r>
+              <a:rPr lang="en-US" altLang="zh-CN" dirty="0"/>
+              <a:t> </a:t>
+            </a:r>
+            <a:r>
+              <a:rPr lang="zh-CN" altLang="en-US" dirty="0"/>
+              <a:t>循环结束后执行一些操作</a:t>
+            </a:r>
+            <a:endParaRPr lang="en-US" altLang="zh-CN" dirty="0"/>
+          </a:p>
+        </p:txBody>
+      </p:sp>
+      <p:sp>
+        <p:nvSpPr>
+          <p:cNvPr id="8" name="内容占位符 7">
+            <a:extLst>
+              <a:ext uri="{FF2B5EF4-FFF2-40B4-BE49-F238E27FC236}">
+                <a16:creationId xmlns:a16="http://schemas.microsoft.com/office/drawing/2014/main" id="{C518E866-DA50-5694-5F60-939464F11BC7}"/>
+              </a:ext>
+            </a:extLst>
+          </p:cNvPr>
+          <p:cNvSpPr>
+            <a:spLocks noGrp="1"/>
+          </p:cNvSpPr>
+          <p:nvPr>
+            <p:ph idx="1"/>
+          </p:nvPr>
+        </p:nvSpPr>
+        <p:spPr/>
+        <p:txBody>
+          <a:bodyPr>
+            <a:normAutofit/>
+          </a:bodyPr>
+          <a:lstStyle/>
+          <a:p>
+            <a:pPr marL="0" indent="0">
+              <a:buNone/>
+            </a:pPr>
+            <a:r>
+              <a:rPr lang="zh-CN" altLang="en-US" dirty="0"/>
+              <a:t>我们可以在 </a:t>
+            </a:r>
+            <a:r>
+              <a:rPr lang="en-US" altLang="zh-CN" dirty="0"/>
+              <a:t>for </a:t>
+            </a:r>
+            <a:r>
+              <a:rPr lang="zh-CN" altLang="en-US" dirty="0"/>
               <a:t>循环结束后，提供一个总结性输出，或接着执行程序必须完成的其他任务</a:t>
             </a:r>
-            <a:endParaRPr lang="en-US" altLang="zh-CN" dirty="0"/>
-          </a:p>
-          <a:p>
             <a:endParaRPr lang="en-US" altLang="zh-CN" dirty="0"/>
           </a:p>
           <a:p>
@@ -16726,7 +17683,7 @@
         </p:nvSpPr>
         <p:spPr>
           <a:xfrm>
-            <a:off x="1101271" y="4146121"/>
+            <a:off x="1101270" y="3941581"/>
             <a:ext cx="10407513" cy="1938992"/>
           </a:xfrm>
           <a:prstGeom prst="rect">
@@ -17311,7 +18268,7 @@
         </p:nvSpPr>
         <p:spPr>
           <a:xfrm>
-            <a:off x="683217" y="5758356"/>
+            <a:off x="686217" y="5542356"/>
             <a:ext cx="309966" cy="244434"/>
           </a:xfrm>
           <a:prstGeom prst="rightArrow">
@@ -17450,7 +18407,7 @@
                                         <p:tgtEl>
                                           <p:spTgt spid="8">
                                             <p:txEl>
-                                              <p:pRg st="2" end="2"/>
+                                              <p:pRg st="1" end="1"/>
                                             </p:txEl>
                                           </p:spTgt>
                                         </p:tgtEl>
@@ -17598,7 +18555,7 @@
 </p:sld>
 </file>
 
-<file path=ppt/slides/slide16.xml><?xml version="1.0" encoding="utf-8"?>
+<file path=ppt/slides/slide17.xml><?xml version="1.0" encoding="utf-8"?>
 <p:sld xmlns:a="http://schemas.openxmlformats.org/drawingml/2006/main" xmlns:r="http://schemas.openxmlformats.org/officeDocument/2006/relationships" xmlns:p="http://schemas.openxmlformats.org/presentationml/2006/main">
   <p:cSld>
     <p:spTree>
@@ -17915,7 +18872,7 @@
 </p:sld>
 </file>
 
-<file path=ppt/slides/slide17.xml><?xml version="1.0" encoding="utf-8"?>
+<file path=ppt/slides/slide18.xml><?xml version="1.0" encoding="utf-8"?>
 <p:sld xmlns:a="http://schemas.openxmlformats.org/drawingml/2006/main" xmlns:r="http://schemas.openxmlformats.org/officeDocument/2006/relationships" xmlns:p="http://schemas.openxmlformats.org/presentationml/2006/main">
   <p:cSld>
     <p:spTree>
@@ -18681,7 +19638,7 @@
 </p:sld>
 </file>
 
-<file path=ppt/slides/slide18.xml><?xml version="1.0" encoding="utf-8"?>
+<file path=ppt/slides/slide19.xml><?xml version="1.0" encoding="utf-8"?>
 <p:sld xmlns:a="http://schemas.openxmlformats.org/drawingml/2006/main" xmlns:r="http://schemas.openxmlformats.org/officeDocument/2006/relationships" xmlns:p="http://schemas.openxmlformats.org/presentationml/2006/main">
   <p:cSld>
     <p:spTree>
@@ -19578,7 +20535,222 @@
 </p:sld>
 </file>
 
-<file path=ppt/slides/slide19.xml><?xml version="1.0" encoding="utf-8"?>
+<file path=ppt/slides/slide2.xml><?xml version="1.0" encoding="utf-8"?>
+<p:sld xmlns:a="http://schemas.openxmlformats.org/drawingml/2006/main" xmlns:r="http://schemas.openxmlformats.org/officeDocument/2006/relationships" xmlns:p="http://schemas.openxmlformats.org/presentationml/2006/main">
+  <p:cSld>
+    <p:spTree>
+      <p:nvGrpSpPr>
+        <p:cNvPr id="1" name=""/>
+        <p:cNvGrpSpPr/>
+        <p:nvPr/>
+      </p:nvGrpSpPr>
+      <p:grpSpPr>
+        <a:xfrm>
+          <a:off x="0" y="0"/>
+          <a:ext cx="0" cy="0"/>
+          <a:chOff x="0" y="0"/>
+          <a:chExt cx="0" cy="0"/>
+        </a:xfrm>
+      </p:grpSpPr>
+      <p:sp>
+        <p:nvSpPr>
+          <p:cNvPr id="3" name="内容占位符 2">
+            <a:extLst>
+              <a:ext uri="{FF2B5EF4-FFF2-40B4-BE49-F238E27FC236}">
+                <a16:creationId xmlns:a16="http://schemas.microsoft.com/office/drawing/2014/main" id="{AC7759D9-0BB4-08ED-8476-24F7D903D6DE}"/>
+              </a:ext>
+            </a:extLst>
+          </p:cNvPr>
+          <p:cNvSpPr>
+            <a:spLocks noGrp="1"/>
+          </p:cNvSpPr>
+          <p:nvPr>
+            <p:ph idx="1"/>
+          </p:nvPr>
+        </p:nvSpPr>
+        <p:spPr/>
+        <p:txBody>
+          <a:bodyPr>
+            <a:normAutofit/>
+          </a:bodyPr>
+          <a:lstStyle/>
+          <a:p>
+            <a:r>
+              <a:rPr lang="zh-CN" altLang="en-US" dirty="0"/>
+              <a:t>与</a:t>
+            </a:r>
+            <a:r>
+              <a:rPr lang="en-US" altLang="zh-CN" dirty="0"/>
+              <a:t>《Python </a:t>
+            </a:r>
+            <a:r>
+              <a:rPr lang="zh-CN" altLang="en-US" dirty="0"/>
+              <a:t>编程：从入门到实践（第三版）</a:t>
+            </a:r>
+            <a:r>
+              <a:rPr lang="en-US" altLang="zh-CN" dirty="0"/>
+              <a:t>》</a:t>
+            </a:r>
+            <a:r>
+              <a:rPr lang="zh-CN" altLang="en-US" dirty="0"/>
+              <a:t>一书配套使用</a:t>
+            </a:r>
+            <a:endParaRPr lang="en-US" altLang="zh-CN" dirty="0"/>
+          </a:p>
+          <a:p>
+            <a:r>
+              <a:rPr lang="zh-CN" altLang="en-US" dirty="0"/>
+              <a:t>讲义中的文本及绘图采用</a:t>
+            </a:r>
+            <a:r>
+              <a:rPr lang="zh-CN" altLang="en-US" u="sng" dirty="0">
+                <a:hlinkClick r:id="rId2"/>
+              </a:rPr>
+              <a:t>署名</a:t>
+            </a:r>
+            <a:r>
+              <a:rPr lang="en-US" altLang="zh-CN" u="sng" dirty="0">
+                <a:hlinkClick r:id="rId2"/>
+              </a:rPr>
+              <a:t>-</a:t>
+            </a:r>
+            <a:r>
+              <a:rPr lang="zh-CN" altLang="en-US" u="sng" dirty="0">
+                <a:hlinkClick r:id="rId2"/>
+              </a:rPr>
+              <a:t>非商业性使用</a:t>
+            </a:r>
+            <a:r>
+              <a:rPr lang="en-US" altLang="zh-CN" u="sng" dirty="0">
+                <a:hlinkClick r:id="rId2"/>
+              </a:rPr>
+              <a:t>-</a:t>
+            </a:r>
+            <a:r>
+              <a:rPr lang="zh-CN" altLang="en-US" u="sng" dirty="0">
+                <a:hlinkClick r:id="rId2"/>
+              </a:rPr>
+              <a:t>相同方式共享协议（</a:t>
+            </a:r>
+            <a:r>
+              <a:rPr lang="en-US" altLang="zh-CN" u="sng" dirty="0">
+                <a:hlinkClick r:id="rId2"/>
+              </a:rPr>
+              <a:t>CC BY-NC-SA 4.0</a:t>
+            </a:r>
+            <a:r>
+              <a:rPr lang="zh-CN" altLang="en-US" u="sng" dirty="0">
+                <a:hlinkClick r:id="rId2"/>
+              </a:rPr>
+              <a:t>）</a:t>
+            </a:r>
+            <a:r>
+              <a:rPr lang="zh-CN" altLang="en-US" u="sng" dirty="0"/>
+              <a:t>进行许可</a:t>
+            </a:r>
+            <a:endParaRPr lang="en-US" altLang="zh-CN" dirty="0"/>
+          </a:p>
+          <a:p>
+            <a:r>
+              <a:rPr lang="zh-CN" altLang="en-US" dirty="0"/>
+              <a:t>引用的网络图片附有超链接，可用于访问来源</a:t>
+            </a:r>
+            <a:endParaRPr lang="en-US" altLang="zh-CN" dirty="0"/>
+          </a:p>
+          <a:p>
+            <a:r>
+              <a:rPr lang="zh-CN" altLang="en-US" dirty="0"/>
+              <a:t>讨论、意见、答疑、勘误、更新：</a:t>
+            </a:r>
+            <a:endParaRPr lang="en-US" altLang="zh-CN" dirty="0"/>
+          </a:p>
+          <a:p>
+            <a:pPr marL="0" indent="0">
+              <a:buNone/>
+            </a:pPr>
+            <a:r>
+              <a:rPr lang="en-US" altLang="zh-CN" dirty="0">
+                <a:hlinkClick r:id="rId3"/>
+              </a:rPr>
+              <a:t>https://github.com/scruel/pcc_3e_slides</a:t>
+            </a:r>
+            <a:endParaRPr lang="en-US" altLang="zh-CN" dirty="0"/>
+          </a:p>
+          <a:p>
+            <a:pPr marL="0" indent="0">
+              <a:buNone/>
+            </a:pPr>
+            <a:endParaRPr lang="en-US" altLang="zh-CN" dirty="0"/>
+          </a:p>
+          <a:p>
+            <a:pPr marL="0" indent="0" algn="r">
+              <a:buNone/>
+            </a:pPr>
+            <a:r>
+              <a:rPr lang="zh-CN" altLang="en-US" dirty="0"/>
+              <a:t>作者：</a:t>
+            </a:r>
+            <a:r>
+              <a:rPr lang="en-US" altLang="zh-CN" dirty="0"/>
+              <a:t>@Scruel Tao</a:t>
+            </a:r>
+          </a:p>
+        </p:txBody>
+      </p:sp>
+      <p:sp>
+        <p:nvSpPr>
+          <p:cNvPr id="5" name="标题 4">
+            <a:extLst>
+              <a:ext uri="{FF2B5EF4-FFF2-40B4-BE49-F238E27FC236}">
+                <a16:creationId xmlns:a16="http://schemas.microsoft.com/office/drawing/2014/main" id="{14B5F31E-85DD-B8D9-9ED7-E32A03C57260}"/>
+              </a:ext>
+            </a:extLst>
+          </p:cNvPr>
+          <p:cNvSpPr>
+            <a:spLocks noGrp="1"/>
+          </p:cNvSpPr>
+          <p:nvPr>
+            <p:ph type="title"/>
+          </p:nvPr>
+        </p:nvSpPr>
+        <p:spPr/>
+        <p:txBody>
+          <a:bodyPr/>
+          <a:lstStyle/>
+          <a:p>
+            <a:r>
+              <a:rPr lang="zh-CN" altLang="en-US" dirty="0"/>
+              <a:t>关于本讲义</a:t>
+            </a:r>
+          </a:p>
+        </p:txBody>
+      </p:sp>
+    </p:spTree>
+    <p:extLst>
+      <p:ext uri="{BB962C8B-B14F-4D97-AF65-F5344CB8AC3E}">
+        <p14:creationId xmlns:p14="http://schemas.microsoft.com/office/powerpoint/2010/main" val="3625446739"/>
+      </p:ext>
+    </p:extLst>
+  </p:cSld>
+  <p:clrMapOvr>
+    <a:masterClrMapping/>
+  </p:clrMapOvr>
+  <mc:AlternateContent xmlns:mc="http://schemas.openxmlformats.org/markup-compatibility/2006" xmlns:p14="http://schemas.microsoft.com/office/powerpoint/2010/main">
+    <mc:Choice Requires="p14">
+      <p:transition spd="med" p14:dur="700">
+        <p:fade/>
+      </p:transition>
+    </mc:Choice>
+    <mc:Fallback xmlns="">
+      <p:transition spd="med">
+        <p:fade/>
+      </p:transition>
+    </mc:Fallback>
+  </mc:AlternateContent>
+</p:sld>
+</file>
+
+<file path=ppt/slides/slide20.xml><?xml version="1.0" encoding="utf-8"?>
 <p:sld xmlns:a="http://schemas.openxmlformats.org/drawingml/2006/main" xmlns:r="http://schemas.openxmlformats.org/officeDocument/2006/relationships" xmlns:p="http://schemas.openxmlformats.org/presentationml/2006/main">
   <p:cSld>
     <p:spTree>
@@ -20519,222 +21691,7 @@
 </p:sld>
 </file>
 
-<file path=ppt/slides/slide2.xml><?xml version="1.0" encoding="utf-8"?>
-<p:sld xmlns:a="http://schemas.openxmlformats.org/drawingml/2006/main" xmlns:r="http://schemas.openxmlformats.org/officeDocument/2006/relationships" xmlns:p="http://schemas.openxmlformats.org/presentationml/2006/main">
-  <p:cSld>
-    <p:spTree>
-      <p:nvGrpSpPr>
-        <p:cNvPr id="1" name=""/>
-        <p:cNvGrpSpPr/>
-        <p:nvPr/>
-      </p:nvGrpSpPr>
-      <p:grpSpPr>
-        <a:xfrm>
-          <a:off x="0" y="0"/>
-          <a:ext cx="0" cy="0"/>
-          <a:chOff x="0" y="0"/>
-          <a:chExt cx="0" cy="0"/>
-        </a:xfrm>
-      </p:grpSpPr>
-      <p:sp>
-        <p:nvSpPr>
-          <p:cNvPr id="3" name="内容占位符 2">
-            <a:extLst>
-              <a:ext uri="{FF2B5EF4-FFF2-40B4-BE49-F238E27FC236}">
-                <a16:creationId xmlns:a16="http://schemas.microsoft.com/office/drawing/2014/main" id="{AC7759D9-0BB4-08ED-8476-24F7D903D6DE}"/>
-              </a:ext>
-            </a:extLst>
-          </p:cNvPr>
-          <p:cNvSpPr>
-            <a:spLocks noGrp="1"/>
-          </p:cNvSpPr>
-          <p:nvPr>
-            <p:ph idx="1"/>
-          </p:nvPr>
-        </p:nvSpPr>
-        <p:spPr/>
-        <p:txBody>
-          <a:bodyPr>
-            <a:normAutofit/>
-          </a:bodyPr>
-          <a:lstStyle/>
-          <a:p>
-            <a:r>
-              <a:rPr lang="zh-CN" altLang="en-US" dirty="0"/>
-              <a:t>与</a:t>
-            </a:r>
-            <a:r>
-              <a:rPr lang="en-US" altLang="zh-CN" dirty="0"/>
-              <a:t>《Python </a:t>
-            </a:r>
-            <a:r>
-              <a:rPr lang="zh-CN" altLang="en-US" dirty="0"/>
-              <a:t>编程：从入门到实践（第三版）</a:t>
-            </a:r>
-            <a:r>
-              <a:rPr lang="en-US" altLang="zh-CN" dirty="0"/>
-              <a:t>》</a:t>
-            </a:r>
-            <a:r>
-              <a:rPr lang="zh-CN" altLang="en-US" dirty="0"/>
-              <a:t>一书配套使用</a:t>
-            </a:r>
-            <a:endParaRPr lang="en-US" altLang="zh-CN" dirty="0"/>
-          </a:p>
-          <a:p>
-            <a:r>
-              <a:rPr lang="zh-CN" altLang="en-US" dirty="0"/>
-              <a:t>讲义中的文本及绘图采用</a:t>
-            </a:r>
-            <a:r>
-              <a:rPr lang="zh-CN" altLang="en-US" u="sng" dirty="0">
-                <a:hlinkClick r:id="rId2"/>
-              </a:rPr>
-              <a:t>署名</a:t>
-            </a:r>
-            <a:r>
-              <a:rPr lang="en-US" altLang="zh-CN" u="sng" dirty="0">
-                <a:hlinkClick r:id="rId2"/>
-              </a:rPr>
-              <a:t>-</a:t>
-            </a:r>
-            <a:r>
-              <a:rPr lang="zh-CN" altLang="en-US" u="sng" dirty="0">
-                <a:hlinkClick r:id="rId2"/>
-              </a:rPr>
-              <a:t>非商业性使用</a:t>
-            </a:r>
-            <a:r>
-              <a:rPr lang="en-US" altLang="zh-CN" u="sng" dirty="0">
-                <a:hlinkClick r:id="rId2"/>
-              </a:rPr>
-              <a:t>-</a:t>
-            </a:r>
-            <a:r>
-              <a:rPr lang="zh-CN" altLang="en-US" u="sng" dirty="0">
-                <a:hlinkClick r:id="rId2"/>
-              </a:rPr>
-              <a:t>相同方式共享协议（</a:t>
-            </a:r>
-            <a:r>
-              <a:rPr lang="en-US" altLang="zh-CN" u="sng" dirty="0">
-                <a:hlinkClick r:id="rId2"/>
-              </a:rPr>
-              <a:t>CC BY-NC-SA 4.0</a:t>
-            </a:r>
-            <a:r>
-              <a:rPr lang="zh-CN" altLang="en-US" u="sng" dirty="0">
-                <a:hlinkClick r:id="rId2"/>
-              </a:rPr>
-              <a:t>）</a:t>
-            </a:r>
-            <a:r>
-              <a:rPr lang="zh-CN" altLang="en-US" u="sng" dirty="0"/>
-              <a:t>进行许可</a:t>
-            </a:r>
-            <a:endParaRPr lang="en-US" altLang="zh-CN" dirty="0"/>
-          </a:p>
-          <a:p>
-            <a:r>
-              <a:rPr lang="zh-CN" altLang="en-US" dirty="0"/>
-              <a:t>引用的网络图片附有超链接，可用于访问来源</a:t>
-            </a:r>
-            <a:endParaRPr lang="en-US" altLang="zh-CN" dirty="0"/>
-          </a:p>
-          <a:p>
-            <a:r>
-              <a:rPr lang="zh-CN" altLang="en-US" dirty="0"/>
-              <a:t>讨论、意见、答疑、勘误、更新：</a:t>
-            </a:r>
-            <a:endParaRPr lang="en-US" altLang="zh-CN" dirty="0"/>
-          </a:p>
-          <a:p>
-            <a:pPr marL="0" indent="0">
-              <a:buNone/>
-            </a:pPr>
-            <a:r>
-              <a:rPr lang="en-US" altLang="zh-CN" dirty="0">
-                <a:hlinkClick r:id="rId3"/>
-              </a:rPr>
-              <a:t>https://github.com/scruel/pcc_3e_slides</a:t>
-            </a:r>
-            <a:endParaRPr lang="en-US" altLang="zh-CN" dirty="0"/>
-          </a:p>
-          <a:p>
-            <a:pPr marL="0" indent="0">
-              <a:buNone/>
-            </a:pPr>
-            <a:endParaRPr lang="en-US" altLang="zh-CN" dirty="0"/>
-          </a:p>
-          <a:p>
-            <a:pPr marL="0" indent="0" algn="r">
-              <a:buNone/>
-            </a:pPr>
-            <a:r>
-              <a:rPr lang="zh-CN" altLang="en-US" dirty="0"/>
-              <a:t>作者：</a:t>
-            </a:r>
-            <a:r>
-              <a:rPr lang="en-US" altLang="zh-CN" dirty="0"/>
-              <a:t>@Scruel Tao</a:t>
-            </a:r>
-          </a:p>
-        </p:txBody>
-      </p:sp>
-      <p:sp>
-        <p:nvSpPr>
-          <p:cNvPr id="5" name="标题 4">
-            <a:extLst>
-              <a:ext uri="{FF2B5EF4-FFF2-40B4-BE49-F238E27FC236}">
-                <a16:creationId xmlns:a16="http://schemas.microsoft.com/office/drawing/2014/main" id="{14B5F31E-85DD-B8D9-9ED7-E32A03C57260}"/>
-              </a:ext>
-            </a:extLst>
-          </p:cNvPr>
-          <p:cNvSpPr>
-            <a:spLocks noGrp="1"/>
-          </p:cNvSpPr>
-          <p:nvPr>
-            <p:ph type="title"/>
-          </p:nvPr>
-        </p:nvSpPr>
-        <p:spPr/>
-        <p:txBody>
-          <a:bodyPr/>
-          <a:lstStyle/>
-          <a:p>
-            <a:r>
-              <a:rPr lang="zh-CN" altLang="en-US" dirty="0"/>
-              <a:t>关于本讲义</a:t>
-            </a:r>
-          </a:p>
-        </p:txBody>
-      </p:sp>
-    </p:spTree>
-    <p:extLst>
-      <p:ext uri="{BB962C8B-B14F-4D97-AF65-F5344CB8AC3E}">
-        <p14:creationId xmlns:p14="http://schemas.microsoft.com/office/powerpoint/2010/main" val="3625446739"/>
-      </p:ext>
-    </p:extLst>
-  </p:cSld>
-  <p:clrMapOvr>
-    <a:masterClrMapping/>
-  </p:clrMapOvr>
-  <mc:AlternateContent xmlns:mc="http://schemas.openxmlformats.org/markup-compatibility/2006" xmlns:p14="http://schemas.microsoft.com/office/powerpoint/2010/main">
-    <mc:Choice Requires="p14">
-      <p:transition spd="med" p14:dur="700">
-        <p:fade/>
-      </p:transition>
-    </mc:Choice>
-    <mc:Fallback xmlns="">
-      <p:transition spd="med">
-        <p:fade/>
-      </p:transition>
-    </mc:Fallback>
-  </mc:AlternateContent>
-</p:sld>
-</file>
-
-<file path=ppt/slides/slide20.xml><?xml version="1.0" encoding="utf-8"?>
+<file path=ppt/slides/slide21.xml><?xml version="1.0" encoding="utf-8"?>
 <p:sld xmlns:a="http://schemas.openxmlformats.org/drawingml/2006/main" xmlns:r="http://schemas.openxmlformats.org/officeDocument/2006/relationships" xmlns:p="http://schemas.openxmlformats.org/presentationml/2006/main">
   <p:cSld>
     <p:spTree>
@@ -21405,7 +22362,7 @@
 </p:sld>
 </file>
 
-<file path=ppt/slides/slide21.xml><?xml version="1.0" encoding="utf-8"?>
+<file path=ppt/slides/slide22.xml><?xml version="1.0" encoding="utf-8"?>
 <p:sld xmlns:a="http://schemas.openxmlformats.org/drawingml/2006/main" xmlns:r="http://schemas.openxmlformats.org/officeDocument/2006/relationships" xmlns:p="http://schemas.openxmlformats.org/presentationml/2006/main">
   <p:cSld>
     <p:spTree>
@@ -21535,7 +22492,7 @@
 </p:sld>
 </file>
 
-<file path=ppt/slides/slide22.xml><?xml version="1.0" encoding="utf-8"?>
+<file path=ppt/slides/slide23.xml><?xml version="1.0" encoding="utf-8"?>
 <p:sld xmlns:a="http://schemas.openxmlformats.org/drawingml/2006/main" xmlns:r="http://schemas.openxmlformats.org/officeDocument/2006/relationships" xmlns:p="http://schemas.openxmlformats.org/presentationml/2006/main">
   <p:cSld>
     <p:spTree>
@@ -22678,7 +23635,7 @@
 </p:sld>
 </file>
 
-<file path=ppt/slides/slide23.xml><?xml version="1.0" encoding="utf-8"?>
+<file path=ppt/slides/slide24.xml><?xml version="1.0" encoding="utf-8"?>
 <p:sld xmlns:a="http://schemas.openxmlformats.org/drawingml/2006/main" xmlns:r="http://schemas.openxmlformats.org/officeDocument/2006/relationships" xmlns:p="http://schemas.openxmlformats.org/presentationml/2006/main">
   <p:cSld>
     <p:spTree>
@@ -23322,6 +24279,98 @@
               <a:latin typeface="Consolas" panose="020B0609020204030204" pitchFamily="49" charset="0"/>
               <a:ea typeface="微软雅黑" panose="020B0503020204020204" pitchFamily="34" charset="-122"/>
             </a:endParaRPr>
+          </a:p>
+        </p:txBody>
+      </p:sp>
+      <p:sp>
+        <p:nvSpPr>
+          <p:cNvPr id="3" name="箭头: 右 2">
+            <a:extLst>
+              <a:ext uri="{FF2B5EF4-FFF2-40B4-BE49-F238E27FC236}">
+                <a16:creationId xmlns:a16="http://schemas.microsoft.com/office/drawing/2014/main" id="{C89AD143-DA6A-1472-2467-DB8CD6834D79}"/>
+              </a:ext>
+            </a:extLst>
+          </p:cNvPr>
+          <p:cNvSpPr/>
+          <p:nvPr/>
+        </p:nvSpPr>
+        <p:spPr>
+          <a:xfrm>
+            <a:off x="5745600" y="2872800"/>
+            <a:ext cx="266400" cy="230400"/>
+          </a:xfrm>
+          <a:prstGeom prst="rightArrow">
+            <a:avLst/>
+          </a:prstGeom>
+        </p:spPr>
+        <p:style>
+          <a:lnRef idx="2">
+            <a:schemeClr val="accent1">
+              <a:shade val="15000"/>
+            </a:schemeClr>
+          </a:lnRef>
+          <a:fillRef idx="1">
+            <a:schemeClr val="accent1"/>
+          </a:fillRef>
+          <a:effectRef idx="0">
+            <a:schemeClr val="accent1"/>
+          </a:effectRef>
+          <a:fontRef idx="minor">
+            <a:schemeClr val="lt1"/>
+          </a:fontRef>
+        </p:style>
+        <p:txBody>
+          <a:bodyPr rtlCol="0" anchor="ctr"/>
+          <a:lstStyle/>
+          <a:p>
+            <a:pPr algn="ctr"/>
+            <a:endParaRPr lang="zh-CN" altLang="en-US"/>
+          </a:p>
+        </p:txBody>
+      </p:sp>
+      <p:sp>
+        <p:nvSpPr>
+          <p:cNvPr id="4" name="箭头: 右 3">
+            <a:extLst>
+              <a:ext uri="{FF2B5EF4-FFF2-40B4-BE49-F238E27FC236}">
+                <a16:creationId xmlns:a16="http://schemas.microsoft.com/office/drawing/2014/main" id="{0D689B97-E6EE-0CB6-72A6-2B2106FC0E88}"/>
+              </a:ext>
+            </a:extLst>
+          </p:cNvPr>
+          <p:cNvSpPr/>
+          <p:nvPr/>
+        </p:nvSpPr>
+        <p:spPr>
+          <a:xfrm>
+            <a:off x="6387600" y="3573509"/>
+            <a:ext cx="266400" cy="230400"/>
+          </a:xfrm>
+          <a:prstGeom prst="rightArrow">
+            <a:avLst/>
+          </a:prstGeom>
+        </p:spPr>
+        <p:style>
+          <a:lnRef idx="2">
+            <a:schemeClr val="accent1">
+              <a:shade val="15000"/>
+            </a:schemeClr>
+          </a:lnRef>
+          <a:fillRef idx="1">
+            <a:schemeClr val="accent1"/>
+          </a:fillRef>
+          <a:effectRef idx="0">
+            <a:schemeClr val="accent1"/>
+          </a:effectRef>
+          <a:fontRef idx="minor">
+            <a:schemeClr val="lt1"/>
+          </a:fontRef>
+        </p:style>
+        <p:txBody>
+          <a:bodyPr rtlCol="0" anchor="ctr"/>
+          <a:lstStyle/>
+          <a:p>
+            <a:pPr algn="ctr"/>
+            <a:endParaRPr lang="zh-CN" altLang="en-US"/>
           </a:p>
         </p:txBody>
       </p:sp>
@@ -23394,6 +24443,76 @@
                                   </p:childTnLst>
                                 </p:cTn>
                               </p:par>
+                              <p:par>
+                                <p:cTn id="7" presetID="22" presetClass="entr" presetSubtype="8" fill="hold" grpId="0" nodeType="withEffect">
+                                  <p:stCondLst>
+                                    <p:cond delay="0"/>
+                                  </p:stCondLst>
+                                  <p:childTnLst>
+                                    <p:set>
+                                      <p:cBhvr>
+                                        <p:cTn id="8" dur="1" fill="hold">
+                                          <p:stCondLst>
+                                            <p:cond delay="0"/>
+                                          </p:stCondLst>
+                                        </p:cTn>
+                                        <p:tgtEl>
+                                          <p:spTgt spid="4"/>
+                                        </p:tgtEl>
+                                        <p:attrNameLst>
+                                          <p:attrName>style.visibility</p:attrName>
+                                        </p:attrNameLst>
+                                      </p:cBhvr>
+                                      <p:to>
+                                        <p:strVal val="visible"/>
+                                      </p:to>
+                                    </p:set>
+                                    <p:animEffect transition="in" filter="wipe(left)">
+                                      <p:cBhvr>
+                                        <p:cTn id="9" dur="500"/>
+                                        <p:tgtEl>
+                                          <p:spTgt spid="4"/>
+                                        </p:tgtEl>
+                                      </p:cBhvr>
+                                    </p:animEffect>
+                                  </p:childTnLst>
+                                </p:cTn>
+                              </p:par>
+                              <p:par>
+                                <p:cTn id="10" presetID="22" presetClass="entr" presetSubtype="8" fill="hold" grpId="0" nodeType="withEffect">
+                                  <p:stCondLst>
+                                    <p:cond delay="0"/>
+                                  </p:stCondLst>
+                                  <p:childTnLst>
+                                    <p:set>
+                                      <p:cBhvr>
+                                        <p:cTn id="11" dur="1" fill="hold">
+                                          <p:stCondLst>
+                                            <p:cond delay="0"/>
+                                          </p:stCondLst>
+                                        </p:cTn>
+                                        <p:tgtEl>
+                                          <p:spTgt spid="3"/>
+                                        </p:tgtEl>
+                                        <p:attrNameLst>
+                                          <p:attrName>style.visibility</p:attrName>
+                                        </p:attrNameLst>
+                                      </p:cBhvr>
+                                      <p:to>
+                                        <p:strVal val="visible"/>
+                                      </p:to>
+                                    </p:set>
+                                    <p:animEffect transition="in" filter="wipe(left)">
+                                      <p:cBhvr>
+                                        <p:cTn id="12" dur="500"/>
+                                        <p:tgtEl>
+                                          <p:spTgt spid="3"/>
+                                        </p:tgtEl>
+                                      </p:cBhvr>
+                                    </p:animEffect>
+                                  </p:childTnLst>
+                                </p:cTn>
+                              </p:par>
                             </p:childTnLst>
                           </p:cTn>
                         </p:par>
@@ -23401,26 +24520,26 @@
                     </p:cTn>
                   </p:par>
                   <p:par>
-                    <p:cTn id="7" fill="hold">
+                    <p:cTn id="13" fill="hold">
                       <p:stCondLst>
                         <p:cond delay="indefinite"/>
                       </p:stCondLst>
                       <p:childTnLst>
                         <p:par>
-                          <p:cTn id="8" fill="hold">
+                          <p:cTn id="14" fill="hold">
                             <p:stCondLst>
                               <p:cond delay="0"/>
                             </p:stCondLst>
                             <p:childTnLst>
                               <p:par>
-                                <p:cTn id="9" presetID="1" presetClass="entr" presetSubtype="0" fill="hold" nodeType="clickEffect">
+                                <p:cTn id="15" presetID="1" presetClass="entr" presetSubtype="0" fill="hold" nodeType="clickEffect">
                                   <p:stCondLst>
                                     <p:cond delay="0"/>
                                   </p:stCondLst>
                                   <p:childTnLst>
                                     <p:set>
                                       <p:cBhvr>
-                                        <p:cTn id="10" dur="1" fill="hold">
+                                        <p:cTn id="16" dur="1" fill="hold">
                                           <p:stCondLst>
                                             <p:cond delay="0"/>
                                           </p:stCondLst>
@@ -23444,14 +24563,14 @@
                                 </p:cTn>
                               </p:par>
                               <p:par>
-                                <p:cTn id="11" presetID="1" presetClass="entr" presetSubtype="0" fill="hold" nodeType="withEffect">
+                                <p:cTn id="17" presetID="1" presetClass="entr" presetSubtype="0" fill="hold" nodeType="withEffect">
                                   <p:stCondLst>
                                     <p:cond delay="0"/>
                                   </p:stCondLst>
                                   <p:childTnLst>
                                     <p:set>
                                       <p:cBhvr>
-                                        <p:cTn id="12" dur="1" fill="hold">
+                                        <p:cTn id="18" dur="1" fill="hold">
                                           <p:stCondLst>
                                             <p:cond delay="0"/>
                                           </p:stCondLst>
@@ -23481,26 +24600,26 @@
                     </p:cTn>
                   </p:par>
                   <p:par>
-                    <p:cTn id="13" fill="hold">
+                    <p:cTn id="19" fill="hold">
                       <p:stCondLst>
                         <p:cond delay="indefinite"/>
                       </p:stCondLst>
                       <p:childTnLst>
                         <p:par>
-                          <p:cTn id="14" fill="hold">
+                          <p:cTn id="20" fill="hold">
                             <p:stCondLst>
                               <p:cond delay="0"/>
                             </p:stCondLst>
                             <p:childTnLst>
                               <p:par>
-                                <p:cTn id="15" presetID="1" presetClass="entr" presetSubtype="0" fill="hold" grpId="0" nodeType="clickEffect">
+                                <p:cTn id="21" presetID="1" presetClass="entr" presetSubtype="0" fill="hold" grpId="0" nodeType="clickEffect">
                                   <p:stCondLst>
                                     <p:cond delay="0"/>
                                   </p:stCondLst>
                                   <p:childTnLst>
                                     <p:set>
                                       <p:cBhvr>
-                                        <p:cTn id="16" dur="1" fill="hold">
+                                        <p:cTn id="22" dur="1" fill="hold">
                                           <p:stCondLst>
                                             <p:cond delay="0"/>
                                           </p:stCondLst>
@@ -23549,12 +24668,14 @@
     <p:bldLst>
       <p:bldP spid="7" grpId="0" animBg="1"/>
       <p:bldP spid="5" grpId="0" animBg="1"/>
+      <p:bldP spid="3" grpId="0" animBg="1"/>
+      <p:bldP spid="4" grpId="0" animBg="1"/>
     </p:bldLst>
   </p:timing>
 </p:sld>
 </file>
 
-<file path=ppt/slides/slide24.xml><?xml version="1.0" encoding="utf-8"?>
+<file path=ppt/slides/slide25.xml><?xml version="1.0" encoding="utf-8"?>
 <p:sld xmlns:a="http://schemas.openxmlformats.org/drawingml/2006/main" xmlns:r="http://schemas.openxmlformats.org/officeDocument/2006/relationships" xmlns:p="http://schemas.openxmlformats.org/presentationml/2006/main">
   <p:cSld>
     <p:spTree>
@@ -24269,7 +25390,7 @@
 </p:sld>
 </file>
 
-<file path=ppt/slides/slide25.xml><?xml version="1.0" encoding="utf-8"?>
+<file path=ppt/slides/slide26.xml><?xml version="1.0" encoding="utf-8"?>
 <p:sld xmlns:a="http://schemas.openxmlformats.org/drawingml/2006/main" xmlns:r="http://schemas.openxmlformats.org/officeDocument/2006/relationships" xmlns:p="http://schemas.openxmlformats.org/presentationml/2006/main">
   <p:cSld>
     <p:spTree>
@@ -25392,7 +26513,7 @@
 </p:sld>
 </file>
 
-<file path=ppt/slides/slide26.xml><?xml version="1.0" encoding="utf-8"?>
+<file path=ppt/slides/slide27.xml><?xml version="1.0" encoding="utf-8"?>
 <p:sld xmlns:a="http://schemas.openxmlformats.org/drawingml/2006/main" xmlns:r="http://schemas.openxmlformats.org/officeDocument/2006/relationships" xmlns:p="http://schemas.openxmlformats.org/presentationml/2006/main">
   <p:cSld>
     <p:spTree>
@@ -26217,7 +27338,7 @@
 </p:sld>
 </file>
 
-<file path=ppt/slides/slide27.xml><?xml version="1.0" encoding="utf-8"?>
+<file path=ppt/slides/slide28.xml><?xml version="1.0" encoding="utf-8"?>
 <p:sld xmlns:a="http://schemas.openxmlformats.org/drawingml/2006/main" xmlns:r="http://schemas.openxmlformats.org/officeDocument/2006/relationships" xmlns:p="http://schemas.openxmlformats.org/presentationml/2006/main">
   <p:cSld>
     <p:spTree>
@@ -26738,13 +27859,13 @@
   <p:clrMapOvr>
     <a:masterClrMapping/>
   </p:clrMapOvr>
-  <mc:AlternateContent xmlns:mc="http://schemas.openxmlformats.org/markup-compatibility/2006" xmlns:p159="http://schemas.microsoft.com/office/powerpoint/2015/09/main">
-    <mc:Choice Requires="p159">
-      <p:transition spd="med">
-        <p159:morph option="byWord"/>
+  <mc:AlternateContent xmlns:mc="http://schemas.openxmlformats.org/markup-compatibility/2006">
+    <mc:Choice xmlns:p159="http://schemas.microsoft.com/office/powerpoint/2015/09/main" Requires="p159">
+      <p:transition xmlns:p14="http://schemas.microsoft.com/office/powerpoint/2010/main" spd="med" p14:dur="700">
+        <p159:morph option="byChar"/>
       </p:transition>
     </mc:Choice>
-    <mc:Fallback xmlns="">
+    <mc:Fallback>
       <p:transition spd="med">
         <p:fade/>
       </p:transition>
@@ -26862,7 +27983,7 @@
 </p:sld>
 </file>
 
-<file path=ppt/slides/slide28.xml><?xml version="1.0" encoding="utf-8"?>
+<file path=ppt/slides/slide29.xml><?xml version="1.0" encoding="utf-8"?>
 <p:sld xmlns:a="http://schemas.openxmlformats.org/drawingml/2006/main" xmlns:r="http://schemas.openxmlformats.org/officeDocument/2006/relationships" xmlns:p="http://schemas.openxmlformats.org/presentationml/2006/main">
   <p:cSld>
     <p:spTree>
@@ -27434,677 +28555,13 @@
   <p:clrMapOvr>
     <a:masterClrMapping/>
   </p:clrMapOvr>
-  <mc:AlternateContent xmlns:mc="http://schemas.openxmlformats.org/markup-compatibility/2006" xmlns:p14="http://schemas.microsoft.com/office/powerpoint/2010/main">
-    <mc:Choice Requires="p14">
-      <p:transition spd="med" p14:dur="700">
-        <p:fade/>
+  <mc:AlternateContent xmlns:mc="http://schemas.openxmlformats.org/markup-compatibility/2006">
+    <mc:Choice xmlns:p159="http://schemas.microsoft.com/office/powerpoint/2015/09/main" Requires="p159">
+      <p:transition xmlns:p14="http://schemas.microsoft.com/office/powerpoint/2010/main" spd="med" p14:dur="700">
+        <p159:morph option="byWord"/>
       </p:transition>
     </mc:Choice>
-    <mc:Fallback xmlns="">
-      <p:transition spd="med">
-        <p:fade/>
-      </p:transition>
-    </mc:Fallback>
-  </mc:AlternateContent>
-  <p:timing>
-    <p:tnLst>
-      <p:par>
-        <p:cTn id="1" dur="indefinite" restart="never" nodeType="tmRoot">
-          <p:childTnLst>
-            <p:seq concurrent="1" nextAc="seek">
-              <p:cTn id="2" dur="indefinite" nodeType="mainSeq">
-                <p:childTnLst>
-                  <p:par>
-                    <p:cTn id="3" fill="hold">
-                      <p:stCondLst>
-                        <p:cond delay="indefinite"/>
-                      </p:stCondLst>
-                      <p:childTnLst>
-                        <p:par>
-                          <p:cTn id="4" fill="hold">
-                            <p:stCondLst>
-                              <p:cond delay="0"/>
-                            </p:stCondLst>
-                            <p:childTnLst>
-                              <p:par>
-                                <p:cTn id="5" presetID="1" presetClass="entr" presetSubtype="0" fill="hold" grpId="0" nodeType="clickEffect">
-                                  <p:stCondLst>
-                                    <p:cond delay="0"/>
-                                  </p:stCondLst>
-                                  <p:childTnLst>
-                                    <p:set>
-                                      <p:cBhvr>
-                                        <p:cTn id="6" dur="1" fill="hold">
-                                          <p:stCondLst>
-                                            <p:cond delay="0"/>
-                                          </p:stCondLst>
-                                        </p:cTn>
-                                        <p:tgtEl>
-                                          <p:spTgt spid="5"/>
-                                        </p:tgtEl>
-                                        <p:attrNameLst>
-                                          <p:attrName>style.visibility</p:attrName>
-                                        </p:attrNameLst>
-                                      </p:cBhvr>
-                                      <p:to>
-                                        <p:strVal val="visible"/>
-                                      </p:to>
-                                    </p:set>
-                                  </p:childTnLst>
-                                </p:cTn>
-                              </p:par>
-                            </p:childTnLst>
-                          </p:cTn>
-                        </p:par>
-                      </p:childTnLst>
-                    </p:cTn>
-                  </p:par>
-                </p:childTnLst>
-              </p:cTn>
-              <p:prevCondLst>
-                <p:cond evt="onPrev" delay="0">
-                  <p:tgtEl>
-                    <p:sldTgt/>
-                  </p:tgtEl>
-                </p:cond>
-              </p:prevCondLst>
-              <p:nextCondLst>
-                <p:cond evt="onNext" delay="0">
-                  <p:tgtEl>
-                    <p:sldTgt/>
-                  </p:tgtEl>
-                </p:cond>
-              </p:nextCondLst>
-            </p:seq>
-          </p:childTnLst>
-        </p:cTn>
-      </p:par>
-    </p:tnLst>
-    <p:bldLst>
-      <p:bldP spid="5" grpId="0" animBg="1"/>
-    </p:bldLst>
-  </p:timing>
-</p:sld>
-</file>
-
-<file path=ppt/slides/slide29.xml><?xml version="1.0" encoding="utf-8"?>
-<p:sld xmlns:a="http://schemas.openxmlformats.org/drawingml/2006/main" xmlns:r="http://schemas.openxmlformats.org/officeDocument/2006/relationships" xmlns:p="http://schemas.openxmlformats.org/presentationml/2006/main">
-  <p:cSld>
-    <p:spTree>
-      <p:nvGrpSpPr>
-        <p:cNvPr id="1" name=""/>
-        <p:cNvGrpSpPr/>
-        <p:nvPr/>
-      </p:nvGrpSpPr>
-      <p:grpSpPr>
-        <a:xfrm>
-          <a:off x="0" y="0"/>
-          <a:ext cx="0" cy="0"/>
-          <a:chOff x="0" y="0"/>
-          <a:chExt cx="0" cy="0"/>
-        </a:xfrm>
-      </p:grpSpPr>
-      <p:sp>
-        <p:nvSpPr>
-          <p:cNvPr id="2" name="标题 1">
-            <a:extLst>
-              <a:ext uri="{FF2B5EF4-FFF2-40B4-BE49-F238E27FC236}">
-                <a16:creationId xmlns:a16="http://schemas.microsoft.com/office/drawing/2014/main" id="{BAD162F0-2175-84E9-2387-55F669162449}"/>
-              </a:ext>
-            </a:extLst>
-          </p:cNvPr>
-          <p:cNvSpPr>
-            <a:spLocks noGrp="1"/>
-          </p:cNvSpPr>
-          <p:nvPr>
-            <p:ph type="title"/>
-          </p:nvPr>
-        </p:nvSpPr>
-        <p:spPr/>
-        <p:txBody>
-          <a:bodyPr>
-            <a:normAutofit/>
-          </a:bodyPr>
-          <a:lstStyle/>
-          <a:p>
-            <a:r>
-              <a:rPr lang="en-US" altLang="zh-CN" dirty="0"/>
-              <a:t>4.4 </a:t>
-            </a:r>
-            <a:r>
-              <a:rPr lang="zh-CN" altLang="en-US" dirty="0"/>
-              <a:t>使用列表的一部分</a:t>
-            </a:r>
-            <a:endParaRPr lang="en-US" altLang="zh-CN" dirty="0"/>
-          </a:p>
-        </p:txBody>
-      </p:sp>
-      <p:sp>
-        <p:nvSpPr>
-          <p:cNvPr id="8" name="内容占位符 7">
-            <a:extLst>
-              <a:ext uri="{FF2B5EF4-FFF2-40B4-BE49-F238E27FC236}">
-                <a16:creationId xmlns:a16="http://schemas.microsoft.com/office/drawing/2014/main" id="{C518E866-DA50-5694-5F60-939464F11BC7}"/>
-              </a:ext>
-            </a:extLst>
-          </p:cNvPr>
-          <p:cNvSpPr>
-            <a:spLocks noGrp="1"/>
-          </p:cNvSpPr>
-          <p:nvPr>
-            <p:ph idx="1"/>
-          </p:nvPr>
-        </p:nvSpPr>
-        <p:spPr/>
-        <p:txBody>
-          <a:bodyPr>
-            <a:normAutofit/>
-          </a:bodyPr>
-          <a:lstStyle/>
-          <a:p>
-            <a:pPr marL="0" indent="0">
-              <a:buNone/>
-            </a:pPr>
-            <a:r>
-              <a:rPr lang="zh-CN" altLang="en-US" b="1" dirty="0">
-                <a:solidFill>
-                  <a:schemeClr val="bg1">
-                    <a:lumMod val="65000"/>
-                  </a:schemeClr>
-                </a:solidFill>
-              </a:rPr>
-              <a:t>切片（</a:t>
-            </a:r>
-            <a:r>
-              <a:rPr lang="en-US" altLang="zh-CN" b="1" dirty="0">
-                <a:solidFill>
-                  <a:schemeClr val="bg1">
-                    <a:lumMod val="65000"/>
-                  </a:schemeClr>
-                </a:solidFill>
-              </a:rPr>
-              <a:t>slice</a:t>
-            </a:r>
-            <a:r>
-              <a:rPr lang="zh-CN" altLang="en-US" b="1" dirty="0">
-                <a:solidFill>
-                  <a:schemeClr val="bg1">
-                    <a:lumMod val="65000"/>
-                  </a:schemeClr>
-                </a:solidFill>
-              </a:rPr>
-              <a:t>）</a:t>
-            </a:r>
-            <a:r>
-              <a:rPr lang="zh-CN" altLang="en-US" dirty="0">
-                <a:solidFill>
-                  <a:schemeClr val="bg1">
-                    <a:lumMod val="65000"/>
-                  </a:schemeClr>
-                </a:solidFill>
-              </a:rPr>
-              <a:t>：处理列表中部分元素的语法</a:t>
-            </a:r>
-            <a:endParaRPr lang="en-US" altLang="zh-CN" dirty="0">
-              <a:solidFill>
-                <a:schemeClr val="bg1">
-                  <a:lumMod val="65000"/>
-                </a:schemeClr>
-              </a:solidFill>
-            </a:endParaRPr>
-          </a:p>
-          <a:p>
-            <a:pPr marL="0" indent="0">
-              <a:buNone/>
-            </a:pPr>
-            <a:r>
-              <a:rPr lang="zh-CN" altLang="en-US" dirty="0">
-                <a:solidFill>
-                  <a:schemeClr val="bg1">
-                    <a:lumMod val="65000"/>
-                  </a:schemeClr>
-                </a:solidFill>
-              </a:rPr>
-              <a:t>我们可以通过在索引中添加</a:t>
-            </a:r>
-            <a:r>
-              <a:rPr lang="zh-CN" altLang="en-US" u="sng" dirty="0">
-                <a:solidFill>
-                  <a:schemeClr val="bg1">
-                    <a:lumMod val="65000"/>
-                  </a:schemeClr>
-                </a:solidFill>
-              </a:rPr>
-              <a:t>冒号（</a:t>
-            </a:r>
-            <a:r>
-              <a:rPr lang="en-US" altLang="zh-CN" u="sng" dirty="0">
-                <a:solidFill>
-                  <a:schemeClr val="bg1">
-                    <a:lumMod val="65000"/>
-                  </a:schemeClr>
-                </a:solidFill>
-              </a:rPr>
-              <a:t>:</a:t>
-            </a:r>
-            <a:r>
-              <a:rPr lang="zh-CN" altLang="en-US" u="sng" dirty="0">
-                <a:solidFill>
-                  <a:schemeClr val="bg1">
-                    <a:lumMod val="65000"/>
-                  </a:schemeClr>
-                </a:solidFill>
-              </a:rPr>
-              <a:t>）</a:t>
-            </a:r>
-            <a:r>
-              <a:rPr lang="zh-CN" altLang="en-US" dirty="0">
-                <a:solidFill>
-                  <a:schemeClr val="bg1">
-                    <a:lumMod val="65000"/>
-                  </a:schemeClr>
-                </a:solidFill>
-              </a:rPr>
-              <a:t>来获取部分列表，</a:t>
-            </a:r>
-            <a:endParaRPr lang="en-US" altLang="zh-CN" dirty="0">
-              <a:solidFill>
-                <a:schemeClr val="bg1">
-                  <a:lumMod val="65000"/>
-                </a:schemeClr>
-              </a:solidFill>
-            </a:endParaRPr>
-          </a:p>
-          <a:p>
-            <a:pPr marL="0" indent="0">
-              <a:buNone/>
-            </a:pPr>
-            <a:r>
-              <a:rPr lang="zh-CN" altLang="en-US" dirty="0"/>
-              <a:t>类似的，我们也可以省略</a:t>
-            </a:r>
-            <a:r>
-              <a:rPr lang="zh-CN" altLang="en-US" u="sng" dirty="0"/>
-              <a:t>终止索引</a:t>
-            </a:r>
-            <a:r>
-              <a:rPr lang="zh-CN" altLang="en-US" dirty="0"/>
-              <a:t>：</a:t>
-            </a:r>
-            <a:endParaRPr lang="en-US" altLang="zh-CN" dirty="0"/>
-          </a:p>
-          <a:p>
-            <a:endParaRPr lang="en-US" altLang="zh-CN" dirty="0"/>
-          </a:p>
-          <a:p>
-            <a:endParaRPr lang="en-US" altLang="zh-CN" dirty="0"/>
-          </a:p>
-        </p:txBody>
-      </p:sp>
-      <p:sp>
-        <p:nvSpPr>
-          <p:cNvPr id="7" name="文本框 6">
-            <a:extLst>
-              <a:ext uri="{FF2B5EF4-FFF2-40B4-BE49-F238E27FC236}">
-                <a16:creationId xmlns:a16="http://schemas.microsoft.com/office/drawing/2014/main" id="{12C899D8-51C5-D9B7-A323-E6EFE4AB5C33}"/>
-              </a:ext>
-            </a:extLst>
-          </p:cNvPr>
-          <p:cNvSpPr txBox="1"/>
-          <p:nvPr/>
-        </p:nvSpPr>
-        <p:spPr>
-          <a:xfrm>
-            <a:off x="1099537" y="3623561"/>
-            <a:ext cx="9594967" cy="830997"/>
-          </a:xfrm>
-          <a:prstGeom prst="rect">
-            <a:avLst/>
-          </a:prstGeom>
-          <a:noFill/>
-          <a:ln>
-            <a:solidFill>
-              <a:schemeClr val="bg2"/>
-            </a:solidFill>
-          </a:ln>
-        </p:spPr>
-        <p:txBody>
-          <a:bodyPr wrap="square">
-            <a:spAutoFit/>
-          </a:bodyPr>
-          <a:lstStyle/>
-          <a:p>
-            <a:r>
-              <a:rPr lang="en-US" altLang="zh-CN" sz="2400" b="1" dirty="0">
-                <a:solidFill>
-                  <a:schemeClr val="bg1">
-                    <a:lumMod val="65000"/>
-                  </a:schemeClr>
-                </a:solidFill>
-                <a:effectLst/>
-                <a:latin typeface="Consolas" panose="020B0609020204030204" pitchFamily="49" charset="0"/>
-              </a:rPr>
-              <a:t>players = ['</a:t>
-            </a:r>
-            <a:r>
-              <a:rPr lang="en-US" altLang="zh-CN" sz="2400" b="1" dirty="0" err="1">
-                <a:solidFill>
-                  <a:schemeClr val="bg1">
-                    <a:lumMod val="65000"/>
-                  </a:schemeClr>
-                </a:solidFill>
-                <a:effectLst/>
-                <a:latin typeface="Consolas" panose="020B0609020204030204" pitchFamily="49" charset="0"/>
-              </a:rPr>
-              <a:t>charles</a:t>
-            </a:r>
-            <a:r>
-              <a:rPr lang="en-US" altLang="zh-CN" sz="2400" b="1" dirty="0">
-                <a:solidFill>
-                  <a:schemeClr val="bg1">
-                    <a:lumMod val="65000"/>
-                  </a:schemeClr>
-                </a:solidFill>
-                <a:effectLst/>
-                <a:latin typeface="Consolas" panose="020B0609020204030204" pitchFamily="49" charset="0"/>
-              </a:rPr>
-              <a:t>', '</a:t>
-            </a:r>
-            <a:r>
-              <a:rPr lang="en-US" altLang="zh-CN" sz="2400" b="1" dirty="0" err="1">
-                <a:solidFill>
-                  <a:schemeClr val="bg1">
-                    <a:lumMod val="65000"/>
-                  </a:schemeClr>
-                </a:solidFill>
-                <a:effectLst/>
-                <a:latin typeface="Consolas" panose="020B0609020204030204" pitchFamily="49" charset="0"/>
-              </a:rPr>
-              <a:t>martina</a:t>
-            </a:r>
-            <a:r>
-              <a:rPr lang="en-US" altLang="zh-CN" sz="2400" b="1" dirty="0">
-                <a:solidFill>
-                  <a:schemeClr val="bg1">
-                    <a:lumMod val="65000"/>
-                  </a:schemeClr>
-                </a:solidFill>
-                <a:effectLst/>
-                <a:latin typeface="Consolas" panose="020B0609020204030204" pitchFamily="49" charset="0"/>
-              </a:rPr>
-              <a:t>', '</a:t>
-            </a:r>
-            <a:r>
-              <a:rPr lang="en-US" altLang="zh-CN" sz="2400" b="1" dirty="0" err="1">
-                <a:solidFill>
-                  <a:schemeClr val="bg1">
-                    <a:lumMod val="65000"/>
-                  </a:schemeClr>
-                </a:solidFill>
-                <a:effectLst/>
-                <a:latin typeface="Consolas" panose="020B0609020204030204" pitchFamily="49" charset="0"/>
-              </a:rPr>
-              <a:t>michael</a:t>
-            </a:r>
-            <a:r>
-              <a:rPr lang="en-US" altLang="zh-CN" sz="2400" b="1" dirty="0">
-                <a:solidFill>
-                  <a:schemeClr val="bg1">
-                    <a:lumMod val="65000"/>
-                  </a:schemeClr>
-                </a:solidFill>
-                <a:effectLst/>
-                <a:latin typeface="Consolas" panose="020B0609020204030204" pitchFamily="49" charset="0"/>
-              </a:rPr>
-              <a:t>', '</a:t>
-            </a:r>
-            <a:r>
-              <a:rPr lang="en-US" altLang="zh-CN" sz="2400" b="1" dirty="0" err="1">
-                <a:solidFill>
-                  <a:schemeClr val="bg1">
-                    <a:lumMod val="65000"/>
-                  </a:schemeClr>
-                </a:solidFill>
-                <a:effectLst/>
-                <a:latin typeface="Consolas" panose="020B0609020204030204" pitchFamily="49" charset="0"/>
-              </a:rPr>
-              <a:t>florence</a:t>
-            </a:r>
-            <a:r>
-              <a:rPr lang="en-US" altLang="zh-CN" sz="2400" b="1" dirty="0">
-                <a:solidFill>
-                  <a:schemeClr val="bg1">
-                    <a:lumMod val="65000"/>
-                  </a:schemeClr>
-                </a:solidFill>
-                <a:effectLst/>
-                <a:latin typeface="Consolas" panose="020B0609020204030204" pitchFamily="49" charset="0"/>
-              </a:rPr>
-              <a:t>']</a:t>
-            </a:r>
-            <a:br>
-              <a:rPr lang="en-US" altLang="zh-CN" sz="2400" b="1" dirty="0">
-                <a:solidFill>
-                  <a:srgbClr val="3F9101"/>
-                </a:solidFill>
-                <a:effectLst/>
-                <a:latin typeface="Consolas" panose="020B0609020204030204" pitchFamily="49" charset="0"/>
-              </a:rPr>
-            </a:br>
-            <a:r>
-              <a:rPr lang="en-US" altLang="zh-CN" sz="2400" b="1" dirty="0">
-                <a:solidFill>
-                  <a:srgbClr val="0200BD"/>
-                </a:solidFill>
-                <a:effectLst/>
-                <a:latin typeface="Consolas" panose="020B0609020204030204" pitchFamily="49" charset="0"/>
-              </a:rPr>
-              <a:t>print</a:t>
-            </a:r>
-            <a:r>
-              <a:rPr lang="en-US" altLang="zh-CN" sz="2400" b="1" dirty="0">
-                <a:solidFill>
-                  <a:srgbClr val="3F9101"/>
-                </a:solidFill>
-                <a:effectLst/>
-                <a:latin typeface="Consolas" panose="020B0609020204030204" pitchFamily="49" charset="0"/>
-              </a:rPr>
-              <a:t>(</a:t>
-            </a:r>
-            <a:r>
-              <a:rPr lang="en-US" altLang="zh-CN" sz="2400" b="1" dirty="0">
-                <a:solidFill>
-                  <a:srgbClr val="333333"/>
-                </a:solidFill>
-                <a:effectLst/>
-                <a:latin typeface="Consolas" panose="020B0609020204030204" pitchFamily="49" charset="0"/>
-              </a:rPr>
-              <a:t>players</a:t>
-            </a:r>
-            <a:r>
-              <a:rPr lang="en-US" altLang="zh-CN" sz="2400" b="1" dirty="0">
-                <a:solidFill>
-                  <a:srgbClr val="3F9101"/>
-                </a:solidFill>
-                <a:effectLst/>
-                <a:latin typeface="Consolas" panose="020B0609020204030204" pitchFamily="49" charset="0"/>
-              </a:rPr>
-              <a:t>[</a:t>
-            </a:r>
-            <a:r>
-              <a:rPr lang="en-US" altLang="zh-CN" sz="2400" b="1" dirty="0">
-                <a:solidFill>
-                  <a:srgbClr val="2E6446"/>
-                </a:solidFill>
-                <a:effectLst/>
-                <a:latin typeface="Consolas" panose="020B0609020204030204" pitchFamily="49" charset="0"/>
-              </a:rPr>
-              <a:t>2</a:t>
-            </a:r>
-            <a:r>
-              <a:rPr lang="en-US" altLang="zh-CN" sz="2400" b="1" dirty="0">
-                <a:solidFill>
-                  <a:srgbClr val="A71D5D"/>
-                </a:solidFill>
-                <a:effectLst/>
-                <a:latin typeface="Consolas" panose="020B0609020204030204" pitchFamily="49" charset="0"/>
-              </a:rPr>
-              <a:t>:</a:t>
-            </a:r>
-            <a:r>
-              <a:rPr lang="en-US" altLang="zh-CN" sz="2400" b="1" dirty="0">
-                <a:solidFill>
-                  <a:srgbClr val="3F9101"/>
-                </a:solidFill>
-                <a:effectLst/>
-                <a:latin typeface="Consolas" panose="020B0609020204030204" pitchFamily="49" charset="0"/>
-              </a:rPr>
-              <a:t>])</a:t>
-            </a:r>
-            <a:endParaRPr lang="en-US" altLang="zh-CN" sz="2400" b="1" dirty="0">
-              <a:solidFill>
-                <a:srgbClr val="333333"/>
-              </a:solidFill>
-              <a:effectLst/>
-              <a:latin typeface="Consolas" panose="020B0609020204030204" pitchFamily="49" charset="0"/>
-            </a:endParaRPr>
-          </a:p>
-        </p:txBody>
-      </p:sp>
-      <p:sp>
-        <p:nvSpPr>
-          <p:cNvPr id="5" name="文本框 4">
-            <a:extLst>
-              <a:ext uri="{FF2B5EF4-FFF2-40B4-BE49-F238E27FC236}">
-                <a16:creationId xmlns:a16="http://schemas.microsoft.com/office/drawing/2014/main" id="{B7A8CE03-6A77-60EC-056E-D7A0019640A3}"/>
-              </a:ext>
-            </a:extLst>
-          </p:cNvPr>
-          <p:cNvSpPr txBox="1"/>
-          <p:nvPr/>
-        </p:nvSpPr>
-        <p:spPr>
-          <a:xfrm>
-            <a:off x="1099537" y="5131318"/>
-            <a:ext cx="9594967" cy="830997"/>
-          </a:xfrm>
-          <a:prstGeom prst="rect">
-            <a:avLst/>
-          </a:prstGeom>
-          <a:noFill/>
-          <a:ln>
-            <a:solidFill>
-              <a:schemeClr val="bg2"/>
-            </a:solidFill>
-          </a:ln>
-        </p:spPr>
-        <p:txBody>
-          <a:bodyPr wrap="square">
-            <a:spAutoFit/>
-          </a:bodyPr>
-          <a:lstStyle/>
-          <a:p>
-            <a:r>
-              <a:rPr lang="zh-CN" altLang="en-US" sz="2400" b="1" dirty="0">
-                <a:solidFill>
-                  <a:srgbClr val="333333"/>
-                </a:solidFill>
-                <a:highlight>
-                  <a:srgbClr val="C0C0C0"/>
-                </a:highlight>
-                <a:latin typeface="Consolas" panose="020B0609020204030204" pitchFamily="49" charset="0"/>
-                <a:ea typeface="微软雅黑" panose="020B0503020204020204" pitchFamily="34" charset="-122"/>
-              </a:rPr>
-              <a:t>运行结果</a:t>
-            </a:r>
-            <a:endParaRPr lang="en-US" altLang="zh-CN" sz="2400" b="1" dirty="0">
-              <a:solidFill>
-                <a:srgbClr val="333333"/>
-              </a:solidFill>
-              <a:highlight>
-                <a:srgbClr val="C0C0C0"/>
-              </a:highlight>
-              <a:latin typeface="Consolas" panose="020B0609020204030204" pitchFamily="49" charset="0"/>
-              <a:ea typeface="微软雅黑" panose="020B0503020204020204" pitchFamily="34" charset="-122"/>
-            </a:endParaRPr>
-          </a:p>
-          <a:p>
-            <a:r>
-              <a:rPr lang="da-DK" altLang="zh-CN" sz="2400" dirty="0">
-                <a:solidFill>
-                  <a:srgbClr val="333333"/>
-                </a:solidFill>
-                <a:latin typeface="Consolas" panose="020B0609020204030204" pitchFamily="49" charset="0"/>
-                <a:ea typeface="微软雅黑" panose="020B0503020204020204" pitchFamily="34" charset="-122"/>
-              </a:rPr>
-              <a:t>['michael', 'florence']</a:t>
-            </a:r>
-          </a:p>
-        </p:txBody>
-      </p:sp>
-      <p:sp>
-        <p:nvSpPr>
-          <p:cNvPr id="4" name="箭头: 上 3">
-            <a:extLst>
-              <a:ext uri="{FF2B5EF4-FFF2-40B4-BE49-F238E27FC236}">
-                <a16:creationId xmlns:a16="http://schemas.microsoft.com/office/drawing/2014/main" id="{57F158AA-E0A6-16D2-BACC-3AA6A66118EA}"/>
-              </a:ext>
-            </a:extLst>
-          </p:cNvPr>
-          <p:cNvSpPr/>
-          <p:nvPr/>
-        </p:nvSpPr>
-        <p:spPr>
-          <a:xfrm>
-            <a:off x="3765314" y="4444282"/>
-            <a:ext cx="262399" cy="258348"/>
-          </a:xfrm>
-          <a:prstGeom prst="upArrow">
-            <a:avLst/>
-          </a:prstGeom>
-        </p:spPr>
-        <p:style>
-          <a:lnRef idx="2">
-            <a:schemeClr val="accent1">
-              <a:shade val="50000"/>
-            </a:schemeClr>
-          </a:lnRef>
-          <a:fillRef idx="1">
-            <a:schemeClr val="accent1"/>
-          </a:fillRef>
-          <a:effectRef idx="0">
-            <a:schemeClr val="accent1"/>
-          </a:effectRef>
-          <a:fontRef idx="minor">
-            <a:schemeClr val="lt1"/>
-          </a:fontRef>
-        </p:style>
-        <p:txBody>
-          <a:bodyPr rtlCol="0" anchor="ctr"/>
-          <a:lstStyle/>
-          <a:p>
-            <a:pPr algn="ctr"/>
-            <a:endParaRPr lang="zh-CN" altLang="en-US"/>
-          </a:p>
-        </p:txBody>
-      </p:sp>
-    </p:spTree>
-    <p:extLst>
-      <p:ext uri="{BB962C8B-B14F-4D97-AF65-F5344CB8AC3E}">
-        <p14:creationId xmlns:p14="http://schemas.microsoft.com/office/powerpoint/2010/main" val="1197251261"/>
-      </p:ext>
-    </p:extLst>
-  </p:cSld>
-  <p:clrMapOvr>
-    <a:masterClrMapping/>
-  </p:clrMapOvr>
-  <mc:AlternateContent xmlns:mc="http://schemas.openxmlformats.org/markup-compatibility/2006" xmlns:p159="http://schemas.microsoft.com/office/powerpoint/2015/09/main">
-    <mc:Choice Requires="p159">
-      <p:transition spd="med">
-        <p159:morph option="byChar"/>
-      </p:transition>
-    </mc:Choice>
-    <mc:Fallback xmlns="">
+    <mc:Fallback>
       <p:transition spd="med">
         <p:fade/>
       </p:transition>
@@ -28601,15 +29058,15 @@
             </a:pPr>
             <a:r>
               <a:rPr lang="zh-CN" altLang="en-US" dirty="0"/>
-              <a:t>我们也可以使用</a:t>
+              <a:t>类似的，我们也可以省略</a:t>
             </a:r>
             <a:r>
               <a:rPr lang="zh-CN" altLang="en-US" u="sng" dirty="0"/>
-              <a:t>负数索引</a:t>
+              <a:t>终止索引</a:t>
             </a:r>
             <a:r>
               <a:rPr lang="zh-CN" altLang="en-US" dirty="0"/>
-              <a:t>来进行切片操作：</a:t>
+              <a:t>：</a:t>
             </a:r>
             <a:endParaRPr lang="en-US" altLang="zh-CN" dirty="0"/>
           </a:p>
@@ -28816,9 +29273,10 @@
                 <a:solidFill>
                   <a:srgbClr val="2E6446"/>
                 </a:solidFill>
-                <a:latin typeface="Consolas" panose="020B0609020204030204" pitchFamily="49" charset="0"/>
-              </a:rPr>
-              <a:t>-2</a:t>
+                <a:effectLst/>
+                <a:latin typeface="Consolas" panose="020B0609020204030204" pitchFamily="49" charset="0"/>
+              </a:rPr>
+              <a:t>2</a:t>
             </a:r>
             <a:r>
               <a:rPr lang="en-US" altLang="zh-CN" sz="2400" b="1" dirty="0">
@@ -28926,7 +29384,7 @@
           <p:cNvPr id="4" name="箭头: 上 3">
             <a:extLst>
               <a:ext uri="{FF2B5EF4-FFF2-40B4-BE49-F238E27FC236}">
-                <a16:creationId xmlns:a16="http://schemas.microsoft.com/office/drawing/2014/main" id="{526BF858-8590-254E-0A57-680825C11EC8}"/>
+                <a16:creationId xmlns:a16="http://schemas.microsoft.com/office/drawing/2014/main" id="{57F158AA-E0A6-16D2-BACC-3AA6A66118EA}"/>
               </a:ext>
             </a:extLst>
           </p:cNvPr>
@@ -28935,7 +29393,7 @@
         </p:nvSpPr>
         <p:spPr>
           <a:xfrm>
-            <a:off x="3511314" y="4405416"/>
+            <a:off x="3765314" y="4444282"/>
             <a:ext cx="262399" cy="258348"/>
           </a:xfrm>
           <a:prstGeom prst="upArrow">
@@ -28970,20 +29428,20 @@
     </p:spTree>
     <p:extLst>
       <p:ext uri="{BB962C8B-B14F-4D97-AF65-F5344CB8AC3E}">
-        <p14:creationId xmlns:p14="http://schemas.microsoft.com/office/powerpoint/2010/main" val="2446612333"/>
+        <p14:creationId xmlns:p14="http://schemas.microsoft.com/office/powerpoint/2010/main" val="1197251261"/>
       </p:ext>
     </p:extLst>
   </p:cSld>
   <p:clrMapOvr>
     <a:masterClrMapping/>
   </p:clrMapOvr>
-  <mc:AlternateContent xmlns:mc="http://schemas.openxmlformats.org/markup-compatibility/2006" xmlns:p159="http://schemas.microsoft.com/office/powerpoint/2015/09/main">
-    <mc:Choice Requires="p159">
-      <p:transition spd="med">
-        <p159:morph option="byWord"/>
+  <mc:AlternateContent xmlns:mc="http://schemas.openxmlformats.org/markup-compatibility/2006">
+    <mc:Choice xmlns:p159="http://schemas.microsoft.com/office/powerpoint/2015/09/main" Requires="p159">
+      <p:transition xmlns:p14="http://schemas.microsoft.com/office/powerpoint/2010/main" spd="med" p14:dur="700">
+        <p159:morph option="byChar"/>
       </p:transition>
     </mc:Choice>
-    <mc:Fallback xmlns="">
+    <mc:Fallback>
       <p:transition spd="med">
         <p:fade/>
       </p:transition>
@@ -29071,6 +29529,669 @@
 </file>
 
 <file path=ppt/slides/slide31.xml><?xml version="1.0" encoding="utf-8"?>
+<p:sld xmlns:a="http://schemas.openxmlformats.org/drawingml/2006/main" xmlns:r="http://schemas.openxmlformats.org/officeDocument/2006/relationships" xmlns:p="http://schemas.openxmlformats.org/presentationml/2006/main">
+  <p:cSld>
+    <p:spTree>
+      <p:nvGrpSpPr>
+        <p:cNvPr id="1" name=""/>
+        <p:cNvGrpSpPr/>
+        <p:nvPr/>
+      </p:nvGrpSpPr>
+      <p:grpSpPr>
+        <a:xfrm>
+          <a:off x="0" y="0"/>
+          <a:ext cx="0" cy="0"/>
+          <a:chOff x="0" y="0"/>
+          <a:chExt cx="0" cy="0"/>
+        </a:xfrm>
+      </p:grpSpPr>
+      <p:sp>
+        <p:nvSpPr>
+          <p:cNvPr id="2" name="标题 1">
+            <a:extLst>
+              <a:ext uri="{FF2B5EF4-FFF2-40B4-BE49-F238E27FC236}">
+                <a16:creationId xmlns:a16="http://schemas.microsoft.com/office/drawing/2014/main" id="{BAD162F0-2175-84E9-2387-55F669162449}"/>
+              </a:ext>
+            </a:extLst>
+          </p:cNvPr>
+          <p:cNvSpPr>
+            <a:spLocks noGrp="1"/>
+          </p:cNvSpPr>
+          <p:nvPr>
+            <p:ph type="title"/>
+          </p:nvPr>
+        </p:nvSpPr>
+        <p:spPr/>
+        <p:txBody>
+          <a:bodyPr>
+            <a:normAutofit/>
+          </a:bodyPr>
+          <a:lstStyle/>
+          <a:p>
+            <a:r>
+              <a:rPr lang="en-US" altLang="zh-CN" dirty="0"/>
+              <a:t>4.4 </a:t>
+            </a:r>
+            <a:r>
+              <a:rPr lang="zh-CN" altLang="en-US" dirty="0"/>
+              <a:t>使用列表的一部分</a:t>
+            </a:r>
+            <a:endParaRPr lang="en-US" altLang="zh-CN" dirty="0"/>
+          </a:p>
+        </p:txBody>
+      </p:sp>
+      <p:sp>
+        <p:nvSpPr>
+          <p:cNvPr id="8" name="内容占位符 7">
+            <a:extLst>
+              <a:ext uri="{FF2B5EF4-FFF2-40B4-BE49-F238E27FC236}">
+                <a16:creationId xmlns:a16="http://schemas.microsoft.com/office/drawing/2014/main" id="{C518E866-DA50-5694-5F60-939464F11BC7}"/>
+              </a:ext>
+            </a:extLst>
+          </p:cNvPr>
+          <p:cNvSpPr>
+            <a:spLocks noGrp="1"/>
+          </p:cNvSpPr>
+          <p:nvPr>
+            <p:ph idx="1"/>
+          </p:nvPr>
+        </p:nvSpPr>
+        <p:spPr/>
+        <p:txBody>
+          <a:bodyPr>
+            <a:normAutofit/>
+          </a:bodyPr>
+          <a:lstStyle/>
+          <a:p>
+            <a:pPr marL="0" indent="0">
+              <a:buNone/>
+            </a:pPr>
+            <a:r>
+              <a:rPr lang="zh-CN" altLang="en-US" b="1" dirty="0">
+                <a:solidFill>
+                  <a:schemeClr val="bg1">
+                    <a:lumMod val="65000"/>
+                  </a:schemeClr>
+                </a:solidFill>
+              </a:rPr>
+              <a:t>切片（</a:t>
+            </a:r>
+            <a:r>
+              <a:rPr lang="en-US" altLang="zh-CN" b="1" dirty="0">
+                <a:solidFill>
+                  <a:schemeClr val="bg1">
+                    <a:lumMod val="65000"/>
+                  </a:schemeClr>
+                </a:solidFill>
+              </a:rPr>
+              <a:t>slice</a:t>
+            </a:r>
+            <a:r>
+              <a:rPr lang="zh-CN" altLang="en-US" b="1" dirty="0">
+                <a:solidFill>
+                  <a:schemeClr val="bg1">
+                    <a:lumMod val="65000"/>
+                  </a:schemeClr>
+                </a:solidFill>
+              </a:rPr>
+              <a:t>）</a:t>
+            </a:r>
+            <a:r>
+              <a:rPr lang="zh-CN" altLang="en-US" dirty="0">
+                <a:solidFill>
+                  <a:schemeClr val="bg1">
+                    <a:lumMod val="65000"/>
+                  </a:schemeClr>
+                </a:solidFill>
+              </a:rPr>
+              <a:t>：处理列表中部分元素的语法</a:t>
+            </a:r>
+            <a:endParaRPr lang="en-US" altLang="zh-CN" dirty="0">
+              <a:solidFill>
+                <a:schemeClr val="bg1">
+                  <a:lumMod val="65000"/>
+                </a:schemeClr>
+              </a:solidFill>
+            </a:endParaRPr>
+          </a:p>
+          <a:p>
+            <a:pPr marL="0" indent="0">
+              <a:buNone/>
+            </a:pPr>
+            <a:r>
+              <a:rPr lang="zh-CN" altLang="en-US" dirty="0">
+                <a:solidFill>
+                  <a:schemeClr val="bg1">
+                    <a:lumMod val="65000"/>
+                  </a:schemeClr>
+                </a:solidFill>
+              </a:rPr>
+              <a:t>我们可以通过在索引中添加</a:t>
+            </a:r>
+            <a:r>
+              <a:rPr lang="zh-CN" altLang="en-US" u="sng" dirty="0">
+                <a:solidFill>
+                  <a:schemeClr val="bg1">
+                    <a:lumMod val="65000"/>
+                  </a:schemeClr>
+                </a:solidFill>
+              </a:rPr>
+              <a:t>冒号（</a:t>
+            </a:r>
+            <a:r>
+              <a:rPr lang="en-US" altLang="zh-CN" u="sng" dirty="0">
+                <a:solidFill>
+                  <a:schemeClr val="bg1">
+                    <a:lumMod val="65000"/>
+                  </a:schemeClr>
+                </a:solidFill>
+              </a:rPr>
+              <a:t>:</a:t>
+            </a:r>
+            <a:r>
+              <a:rPr lang="zh-CN" altLang="en-US" u="sng" dirty="0">
+                <a:solidFill>
+                  <a:schemeClr val="bg1">
+                    <a:lumMod val="65000"/>
+                  </a:schemeClr>
+                </a:solidFill>
+              </a:rPr>
+              <a:t>）</a:t>
+            </a:r>
+            <a:r>
+              <a:rPr lang="zh-CN" altLang="en-US" dirty="0">
+                <a:solidFill>
+                  <a:schemeClr val="bg1">
+                    <a:lumMod val="65000"/>
+                  </a:schemeClr>
+                </a:solidFill>
+              </a:rPr>
+              <a:t>来获取部分列表，</a:t>
+            </a:r>
+            <a:endParaRPr lang="en-US" altLang="zh-CN" dirty="0">
+              <a:solidFill>
+                <a:schemeClr val="bg1">
+                  <a:lumMod val="65000"/>
+                </a:schemeClr>
+              </a:solidFill>
+            </a:endParaRPr>
+          </a:p>
+          <a:p>
+            <a:pPr marL="0" indent="0">
+              <a:buNone/>
+            </a:pPr>
+            <a:r>
+              <a:rPr lang="zh-CN" altLang="en-US" dirty="0"/>
+              <a:t>我们也可以使用</a:t>
+            </a:r>
+            <a:r>
+              <a:rPr lang="zh-CN" altLang="en-US" u="sng" dirty="0"/>
+              <a:t>负数索引</a:t>
+            </a:r>
+            <a:r>
+              <a:rPr lang="zh-CN" altLang="en-US" dirty="0"/>
+              <a:t>来进行切片操作：</a:t>
+            </a:r>
+            <a:endParaRPr lang="en-US" altLang="zh-CN" dirty="0"/>
+          </a:p>
+          <a:p>
+            <a:endParaRPr lang="en-US" altLang="zh-CN" dirty="0"/>
+          </a:p>
+          <a:p>
+            <a:endParaRPr lang="en-US" altLang="zh-CN" dirty="0"/>
+          </a:p>
+        </p:txBody>
+      </p:sp>
+      <p:sp>
+        <p:nvSpPr>
+          <p:cNvPr id="7" name="文本框 6">
+            <a:extLst>
+              <a:ext uri="{FF2B5EF4-FFF2-40B4-BE49-F238E27FC236}">
+                <a16:creationId xmlns:a16="http://schemas.microsoft.com/office/drawing/2014/main" id="{12C899D8-51C5-D9B7-A323-E6EFE4AB5C33}"/>
+              </a:ext>
+            </a:extLst>
+          </p:cNvPr>
+          <p:cNvSpPr txBox="1"/>
+          <p:nvPr/>
+        </p:nvSpPr>
+        <p:spPr>
+          <a:xfrm>
+            <a:off x="1099537" y="3623561"/>
+            <a:ext cx="9594967" cy="830997"/>
+          </a:xfrm>
+          <a:prstGeom prst="rect">
+            <a:avLst/>
+          </a:prstGeom>
+          <a:noFill/>
+          <a:ln>
+            <a:solidFill>
+              <a:schemeClr val="bg2"/>
+            </a:solidFill>
+          </a:ln>
+        </p:spPr>
+        <p:txBody>
+          <a:bodyPr wrap="square">
+            <a:spAutoFit/>
+          </a:bodyPr>
+          <a:lstStyle/>
+          <a:p>
+            <a:r>
+              <a:rPr lang="en-US" altLang="zh-CN" sz="2400" b="1" dirty="0">
+                <a:solidFill>
+                  <a:schemeClr val="bg1">
+                    <a:lumMod val="65000"/>
+                  </a:schemeClr>
+                </a:solidFill>
+                <a:effectLst/>
+                <a:latin typeface="Consolas" panose="020B0609020204030204" pitchFamily="49" charset="0"/>
+              </a:rPr>
+              <a:t>players = ['</a:t>
+            </a:r>
+            <a:r>
+              <a:rPr lang="en-US" altLang="zh-CN" sz="2400" b="1" dirty="0" err="1">
+                <a:solidFill>
+                  <a:schemeClr val="bg1">
+                    <a:lumMod val="65000"/>
+                  </a:schemeClr>
+                </a:solidFill>
+                <a:effectLst/>
+                <a:latin typeface="Consolas" panose="020B0609020204030204" pitchFamily="49" charset="0"/>
+              </a:rPr>
+              <a:t>charles</a:t>
+            </a:r>
+            <a:r>
+              <a:rPr lang="en-US" altLang="zh-CN" sz="2400" b="1" dirty="0">
+                <a:solidFill>
+                  <a:schemeClr val="bg1">
+                    <a:lumMod val="65000"/>
+                  </a:schemeClr>
+                </a:solidFill>
+                <a:effectLst/>
+                <a:latin typeface="Consolas" panose="020B0609020204030204" pitchFamily="49" charset="0"/>
+              </a:rPr>
+              <a:t>', '</a:t>
+            </a:r>
+            <a:r>
+              <a:rPr lang="en-US" altLang="zh-CN" sz="2400" b="1" dirty="0" err="1">
+                <a:solidFill>
+                  <a:schemeClr val="bg1">
+                    <a:lumMod val="65000"/>
+                  </a:schemeClr>
+                </a:solidFill>
+                <a:effectLst/>
+                <a:latin typeface="Consolas" panose="020B0609020204030204" pitchFamily="49" charset="0"/>
+              </a:rPr>
+              <a:t>martina</a:t>
+            </a:r>
+            <a:r>
+              <a:rPr lang="en-US" altLang="zh-CN" sz="2400" b="1" dirty="0">
+                <a:solidFill>
+                  <a:schemeClr val="bg1">
+                    <a:lumMod val="65000"/>
+                  </a:schemeClr>
+                </a:solidFill>
+                <a:effectLst/>
+                <a:latin typeface="Consolas" panose="020B0609020204030204" pitchFamily="49" charset="0"/>
+              </a:rPr>
+              <a:t>', '</a:t>
+            </a:r>
+            <a:r>
+              <a:rPr lang="en-US" altLang="zh-CN" sz="2400" b="1" dirty="0" err="1">
+                <a:solidFill>
+                  <a:schemeClr val="bg1">
+                    <a:lumMod val="65000"/>
+                  </a:schemeClr>
+                </a:solidFill>
+                <a:effectLst/>
+                <a:latin typeface="Consolas" panose="020B0609020204030204" pitchFamily="49" charset="0"/>
+              </a:rPr>
+              <a:t>michael</a:t>
+            </a:r>
+            <a:r>
+              <a:rPr lang="en-US" altLang="zh-CN" sz="2400" b="1" dirty="0">
+                <a:solidFill>
+                  <a:schemeClr val="bg1">
+                    <a:lumMod val="65000"/>
+                  </a:schemeClr>
+                </a:solidFill>
+                <a:effectLst/>
+                <a:latin typeface="Consolas" panose="020B0609020204030204" pitchFamily="49" charset="0"/>
+              </a:rPr>
+              <a:t>', '</a:t>
+            </a:r>
+            <a:r>
+              <a:rPr lang="en-US" altLang="zh-CN" sz="2400" b="1" dirty="0" err="1">
+                <a:solidFill>
+                  <a:schemeClr val="bg1">
+                    <a:lumMod val="65000"/>
+                  </a:schemeClr>
+                </a:solidFill>
+                <a:effectLst/>
+                <a:latin typeface="Consolas" panose="020B0609020204030204" pitchFamily="49" charset="0"/>
+              </a:rPr>
+              <a:t>florence</a:t>
+            </a:r>
+            <a:r>
+              <a:rPr lang="en-US" altLang="zh-CN" sz="2400" b="1" dirty="0">
+                <a:solidFill>
+                  <a:schemeClr val="bg1">
+                    <a:lumMod val="65000"/>
+                  </a:schemeClr>
+                </a:solidFill>
+                <a:effectLst/>
+                <a:latin typeface="Consolas" panose="020B0609020204030204" pitchFamily="49" charset="0"/>
+              </a:rPr>
+              <a:t>']</a:t>
+            </a:r>
+            <a:br>
+              <a:rPr lang="en-US" altLang="zh-CN" sz="2400" b="1" dirty="0">
+                <a:solidFill>
+                  <a:srgbClr val="3F9101"/>
+                </a:solidFill>
+                <a:effectLst/>
+                <a:latin typeface="Consolas" panose="020B0609020204030204" pitchFamily="49" charset="0"/>
+              </a:rPr>
+            </a:br>
+            <a:r>
+              <a:rPr lang="en-US" altLang="zh-CN" sz="2400" b="1" dirty="0">
+                <a:solidFill>
+                  <a:srgbClr val="0200BD"/>
+                </a:solidFill>
+                <a:effectLst/>
+                <a:latin typeface="Consolas" panose="020B0609020204030204" pitchFamily="49" charset="0"/>
+              </a:rPr>
+              <a:t>print</a:t>
+            </a:r>
+            <a:r>
+              <a:rPr lang="en-US" altLang="zh-CN" sz="2400" b="1" dirty="0">
+                <a:solidFill>
+                  <a:srgbClr val="3F9101"/>
+                </a:solidFill>
+                <a:effectLst/>
+                <a:latin typeface="Consolas" panose="020B0609020204030204" pitchFamily="49" charset="0"/>
+              </a:rPr>
+              <a:t>(</a:t>
+            </a:r>
+            <a:r>
+              <a:rPr lang="en-US" altLang="zh-CN" sz="2400" b="1" dirty="0">
+                <a:solidFill>
+                  <a:srgbClr val="333333"/>
+                </a:solidFill>
+                <a:effectLst/>
+                <a:latin typeface="Consolas" panose="020B0609020204030204" pitchFamily="49" charset="0"/>
+              </a:rPr>
+              <a:t>players</a:t>
+            </a:r>
+            <a:r>
+              <a:rPr lang="en-US" altLang="zh-CN" sz="2400" b="1" dirty="0">
+                <a:solidFill>
+                  <a:srgbClr val="3F9101"/>
+                </a:solidFill>
+                <a:effectLst/>
+                <a:latin typeface="Consolas" panose="020B0609020204030204" pitchFamily="49" charset="0"/>
+              </a:rPr>
+              <a:t>[</a:t>
+            </a:r>
+            <a:r>
+              <a:rPr lang="en-US" altLang="zh-CN" sz="2400" b="1" dirty="0">
+                <a:solidFill>
+                  <a:srgbClr val="2E6446"/>
+                </a:solidFill>
+                <a:latin typeface="Consolas" panose="020B0609020204030204" pitchFamily="49" charset="0"/>
+              </a:rPr>
+              <a:t>-2</a:t>
+            </a:r>
+            <a:r>
+              <a:rPr lang="en-US" altLang="zh-CN" sz="2400" b="1" dirty="0">
+                <a:solidFill>
+                  <a:srgbClr val="A71D5D"/>
+                </a:solidFill>
+                <a:effectLst/>
+                <a:latin typeface="Consolas" panose="020B0609020204030204" pitchFamily="49" charset="0"/>
+              </a:rPr>
+              <a:t>:</a:t>
+            </a:r>
+            <a:r>
+              <a:rPr lang="en-US" altLang="zh-CN" sz="2400" b="1" dirty="0">
+                <a:solidFill>
+                  <a:srgbClr val="3F9101"/>
+                </a:solidFill>
+                <a:effectLst/>
+                <a:latin typeface="Consolas" panose="020B0609020204030204" pitchFamily="49" charset="0"/>
+              </a:rPr>
+              <a:t>])</a:t>
+            </a:r>
+            <a:endParaRPr lang="en-US" altLang="zh-CN" sz="2400" b="1" dirty="0">
+              <a:solidFill>
+                <a:srgbClr val="333333"/>
+              </a:solidFill>
+              <a:effectLst/>
+              <a:latin typeface="Consolas" panose="020B0609020204030204" pitchFamily="49" charset="0"/>
+            </a:endParaRPr>
+          </a:p>
+        </p:txBody>
+      </p:sp>
+      <p:sp>
+        <p:nvSpPr>
+          <p:cNvPr id="5" name="文本框 4">
+            <a:extLst>
+              <a:ext uri="{FF2B5EF4-FFF2-40B4-BE49-F238E27FC236}">
+                <a16:creationId xmlns:a16="http://schemas.microsoft.com/office/drawing/2014/main" id="{B7A8CE03-6A77-60EC-056E-D7A0019640A3}"/>
+              </a:ext>
+            </a:extLst>
+          </p:cNvPr>
+          <p:cNvSpPr txBox="1"/>
+          <p:nvPr/>
+        </p:nvSpPr>
+        <p:spPr>
+          <a:xfrm>
+            <a:off x="1099537" y="5131318"/>
+            <a:ext cx="9594967" cy="830997"/>
+          </a:xfrm>
+          <a:prstGeom prst="rect">
+            <a:avLst/>
+          </a:prstGeom>
+          <a:noFill/>
+          <a:ln>
+            <a:solidFill>
+              <a:schemeClr val="bg2"/>
+            </a:solidFill>
+          </a:ln>
+        </p:spPr>
+        <p:txBody>
+          <a:bodyPr wrap="square">
+            <a:spAutoFit/>
+          </a:bodyPr>
+          <a:lstStyle/>
+          <a:p>
+            <a:r>
+              <a:rPr lang="zh-CN" altLang="en-US" sz="2400" b="1" dirty="0">
+                <a:solidFill>
+                  <a:srgbClr val="333333"/>
+                </a:solidFill>
+                <a:highlight>
+                  <a:srgbClr val="C0C0C0"/>
+                </a:highlight>
+                <a:latin typeface="Consolas" panose="020B0609020204030204" pitchFamily="49" charset="0"/>
+                <a:ea typeface="微软雅黑" panose="020B0503020204020204" pitchFamily="34" charset="-122"/>
+              </a:rPr>
+              <a:t>运行结果</a:t>
+            </a:r>
+            <a:endParaRPr lang="en-US" altLang="zh-CN" sz="2400" b="1" dirty="0">
+              <a:solidFill>
+                <a:srgbClr val="333333"/>
+              </a:solidFill>
+              <a:highlight>
+                <a:srgbClr val="C0C0C0"/>
+              </a:highlight>
+              <a:latin typeface="Consolas" panose="020B0609020204030204" pitchFamily="49" charset="0"/>
+              <a:ea typeface="微软雅黑" panose="020B0503020204020204" pitchFamily="34" charset="-122"/>
+            </a:endParaRPr>
+          </a:p>
+          <a:p>
+            <a:r>
+              <a:rPr lang="da-DK" altLang="zh-CN" sz="2400" dirty="0">
+                <a:solidFill>
+                  <a:srgbClr val="333333"/>
+                </a:solidFill>
+                <a:latin typeface="Consolas" panose="020B0609020204030204" pitchFamily="49" charset="0"/>
+                <a:ea typeface="微软雅黑" panose="020B0503020204020204" pitchFamily="34" charset="-122"/>
+              </a:rPr>
+              <a:t>['michael', 'florence']</a:t>
+            </a:r>
+          </a:p>
+        </p:txBody>
+      </p:sp>
+      <p:sp>
+        <p:nvSpPr>
+          <p:cNvPr id="4" name="箭头: 上 3">
+            <a:extLst>
+              <a:ext uri="{FF2B5EF4-FFF2-40B4-BE49-F238E27FC236}">
+                <a16:creationId xmlns:a16="http://schemas.microsoft.com/office/drawing/2014/main" id="{526BF858-8590-254E-0A57-680825C11EC8}"/>
+              </a:ext>
+            </a:extLst>
+          </p:cNvPr>
+          <p:cNvSpPr/>
+          <p:nvPr/>
+        </p:nvSpPr>
+        <p:spPr>
+          <a:xfrm>
+            <a:off x="3511314" y="4405416"/>
+            <a:ext cx="262399" cy="258348"/>
+          </a:xfrm>
+          <a:prstGeom prst="upArrow">
+            <a:avLst/>
+          </a:prstGeom>
+        </p:spPr>
+        <p:style>
+          <a:lnRef idx="2">
+            <a:schemeClr val="accent1">
+              <a:shade val="50000"/>
+            </a:schemeClr>
+          </a:lnRef>
+          <a:fillRef idx="1">
+            <a:schemeClr val="accent1"/>
+          </a:fillRef>
+          <a:effectRef idx="0">
+            <a:schemeClr val="accent1"/>
+          </a:effectRef>
+          <a:fontRef idx="minor">
+            <a:schemeClr val="lt1"/>
+          </a:fontRef>
+        </p:style>
+        <p:txBody>
+          <a:bodyPr rtlCol="0" anchor="ctr"/>
+          <a:lstStyle/>
+          <a:p>
+            <a:pPr algn="ctr"/>
+            <a:endParaRPr lang="zh-CN" altLang="en-US"/>
+          </a:p>
+        </p:txBody>
+      </p:sp>
+    </p:spTree>
+    <p:extLst>
+      <p:ext uri="{BB962C8B-B14F-4D97-AF65-F5344CB8AC3E}">
+        <p14:creationId xmlns:p14="http://schemas.microsoft.com/office/powerpoint/2010/main" val="2446612333"/>
+      </p:ext>
+    </p:extLst>
+  </p:cSld>
+  <p:clrMapOvr>
+    <a:masterClrMapping/>
+  </p:clrMapOvr>
+  <mc:AlternateContent xmlns:mc="http://schemas.openxmlformats.org/markup-compatibility/2006">
+    <mc:Choice xmlns:p159="http://schemas.microsoft.com/office/powerpoint/2015/09/main" Requires="p159">
+      <p:transition xmlns:p14="http://schemas.microsoft.com/office/powerpoint/2010/main" spd="med" p14:dur="700">
+        <p159:morph option="byWord"/>
+      </p:transition>
+    </mc:Choice>
+    <mc:Fallback>
+      <p:transition spd="med">
+        <p:fade/>
+      </p:transition>
+    </mc:Fallback>
+  </mc:AlternateContent>
+  <p:timing>
+    <p:tnLst>
+      <p:par>
+        <p:cTn id="1" dur="indefinite" restart="never" nodeType="tmRoot">
+          <p:childTnLst>
+            <p:seq concurrent="1" nextAc="seek">
+              <p:cTn id="2" dur="indefinite" nodeType="mainSeq">
+                <p:childTnLst>
+                  <p:par>
+                    <p:cTn id="3" fill="hold">
+                      <p:stCondLst>
+                        <p:cond delay="indefinite"/>
+                      </p:stCondLst>
+                      <p:childTnLst>
+                        <p:par>
+                          <p:cTn id="4" fill="hold">
+                            <p:stCondLst>
+                              <p:cond delay="0"/>
+                            </p:stCondLst>
+                            <p:childTnLst>
+                              <p:par>
+                                <p:cTn id="5" presetID="1" presetClass="entr" presetSubtype="0" fill="hold" grpId="0" nodeType="clickEffect">
+                                  <p:stCondLst>
+                                    <p:cond delay="0"/>
+                                  </p:stCondLst>
+                                  <p:childTnLst>
+                                    <p:set>
+                                      <p:cBhvr>
+                                        <p:cTn id="6" dur="1" fill="hold">
+                                          <p:stCondLst>
+                                            <p:cond delay="0"/>
+                                          </p:stCondLst>
+                                        </p:cTn>
+                                        <p:tgtEl>
+                                          <p:spTgt spid="5"/>
+                                        </p:tgtEl>
+                                        <p:attrNameLst>
+                                          <p:attrName>style.visibility</p:attrName>
+                                        </p:attrNameLst>
+                                      </p:cBhvr>
+                                      <p:to>
+                                        <p:strVal val="visible"/>
+                                      </p:to>
+                                    </p:set>
+                                  </p:childTnLst>
+                                </p:cTn>
+                              </p:par>
+                            </p:childTnLst>
+                          </p:cTn>
+                        </p:par>
+                      </p:childTnLst>
+                    </p:cTn>
+                  </p:par>
+                </p:childTnLst>
+              </p:cTn>
+              <p:prevCondLst>
+                <p:cond evt="onPrev" delay="0">
+                  <p:tgtEl>
+                    <p:sldTgt/>
+                  </p:tgtEl>
+                </p:cond>
+              </p:prevCondLst>
+              <p:nextCondLst>
+                <p:cond evt="onNext" delay="0">
+                  <p:tgtEl>
+                    <p:sldTgt/>
+                  </p:tgtEl>
+                </p:cond>
+              </p:nextCondLst>
+            </p:seq>
+          </p:childTnLst>
+        </p:cTn>
+      </p:par>
+    </p:tnLst>
+    <p:bldLst>
+      <p:bldP spid="5" grpId="0" animBg="1"/>
+    </p:bldLst>
+  </p:timing>
+</p:sld>
+</file>
+
+<file path=ppt/slides/slide32.xml><?xml version="1.0" encoding="utf-8"?>
 <p:sld xmlns:a="http://schemas.openxmlformats.org/drawingml/2006/main" xmlns:r="http://schemas.openxmlformats.org/officeDocument/2006/relationships" xmlns:p="http://schemas.openxmlformats.org/presentationml/2006/main">
   <p:cSld>
     <p:spTree>
@@ -30003,7 +31124,7 @@
 </p:sld>
 </file>
 
-<file path=ppt/slides/slide32.xml><?xml version="1.0" encoding="utf-8"?>
+<file path=ppt/slides/slide33.xml><?xml version="1.0" encoding="utf-8"?>
 <p:sld xmlns:a="http://schemas.openxmlformats.org/drawingml/2006/main" xmlns:r="http://schemas.openxmlformats.org/officeDocument/2006/relationships" xmlns:p="http://schemas.openxmlformats.org/presentationml/2006/main">
   <p:cSld>
     <p:spTree>
@@ -30930,7 +32051,7 @@
 </p:sld>
 </file>
 
-<file path=ppt/slides/slide33.xml><?xml version="1.0" encoding="utf-8"?>
+<file path=ppt/slides/slide34.xml><?xml version="1.0" encoding="utf-8"?>
 <p:sld xmlns:a="http://schemas.openxmlformats.org/drawingml/2006/main" xmlns:r="http://schemas.openxmlformats.org/officeDocument/2006/relationships" xmlns:p="http://schemas.openxmlformats.org/presentationml/2006/main">
   <p:cSld>
     <p:spTree>
@@ -31623,7 +32744,7 @@
 </p:sld>
 </file>
 
-<file path=ppt/slides/slide34.xml><?xml version="1.0" encoding="utf-8"?>
+<file path=ppt/slides/slide35.xml><?xml version="1.0" encoding="utf-8"?>
 <p:sld xmlns:a="http://schemas.openxmlformats.org/drawingml/2006/main" xmlns:r="http://schemas.openxmlformats.org/officeDocument/2006/relationships" xmlns:p="http://schemas.openxmlformats.org/presentationml/2006/main">
   <p:cSld>
     <p:spTree>
@@ -32171,6 +33292,50 @@
           </a:p>
         </p:txBody>
       </p:sp>
+      <p:sp>
+        <p:nvSpPr>
+          <p:cNvPr id="4" name="左大括号 3">
+            <a:extLst>
+              <a:ext uri="{FF2B5EF4-FFF2-40B4-BE49-F238E27FC236}">
+                <a16:creationId xmlns:a16="http://schemas.microsoft.com/office/drawing/2014/main" id="{5A75A114-C5C4-1AF5-313C-2D3E44F08848}"/>
+              </a:ext>
+            </a:extLst>
+          </p:cNvPr>
+          <p:cNvSpPr/>
+          <p:nvPr/>
+        </p:nvSpPr>
+        <p:spPr>
+          <a:xfrm rot="5400000">
+            <a:off x="8519049" y="3612951"/>
+            <a:ext cx="220302" cy="3002400"/>
+          </a:xfrm>
+          <a:prstGeom prst="leftBrace">
+            <a:avLst/>
+          </a:prstGeom>
+        </p:spPr>
+        <p:style>
+          <a:lnRef idx="2">
+            <a:schemeClr val="accent1"/>
+          </a:lnRef>
+          <a:fillRef idx="0">
+            <a:schemeClr val="accent1"/>
+          </a:fillRef>
+          <a:effectRef idx="1">
+            <a:schemeClr val="accent1"/>
+          </a:effectRef>
+          <a:fontRef idx="minor">
+            <a:schemeClr val="tx1"/>
+          </a:fontRef>
+        </p:style>
+        <p:txBody>
+          <a:bodyPr rtlCol="0" anchor="ctr"/>
+          <a:lstStyle/>
+          <a:p>
+            <a:pPr algn="ctr"/>
+            <a:endParaRPr lang="zh-CN" altLang="en-US"/>
+          </a:p>
+        </p:txBody>
+      </p:sp>
     </p:spTree>
     <p:extLst>
       <p:ext uri="{BB962C8B-B14F-4D97-AF65-F5344CB8AC3E}">
@@ -32181,13 +33346,13 @@
   <p:clrMapOvr>
     <a:masterClrMapping/>
   </p:clrMapOvr>
-  <mc:AlternateContent xmlns:mc="http://schemas.openxmlformats.org/markup-compatibility/2006" xmlns:p159="http://schemas.microsoft.com/office/powerpoint/2015/09/main">
-    <mc:Choice Requires="p159">
-      <p:transition spd="med">
+  <mc:AlternateContent xmlns:mc="http://schemas.openxmlformats.org/markup-compatibility/2006">
+    <mc:Choice xmlns:p159="http://schemas.microsoft.com/office/powerpoint/2015/09/main" Requires="p159">
+      <p:transition xmlns:p14="http://schemas.microsoft.com/office/powerpoint/2010/main" spd="med" p14:dur="700">
         <p159:morph option="byWord"/>
       </p:transition>
     </mc:Choice>
-    <mc:Fallback xmlns="">
+    <mc:Fallback>
       <p:transition spd="med">
         <p:fade/>
       </p:transition>
@@ -32246,6 +33411,59 @@
                       </p:childTnLst>
                     </p:cTn>
                   </p:par>
+                  <p:par>
+                    <p:cTn id="7" fill="hold">
+                      <p:stCondLst>
+                        <p:cond delay="indefinite"/>
+                      </p:stCondLst>
+                      <p:childTnLst>
+                        <p:par>
+                          <p:cTn id="8" fill="hold">
+                            <p:stCondLst>
+                              <p:cond delay="0"/>
+                            </p:stCondLst>
+                            <p:childTnLst>
+                              <p:par>
+                                <p:cTn id="9" presetID="16" presetClass="entr" presetSubtype="37" fill="hold" grpId="0" nodeType="clickEffect">
+                                  <p:stCondLst>
+                                    <p:cond delay="0"/>
+                                  </p:stCondLst>
+                                  <p:childTnLst>
+                                    <p:set>
+                                      <p:cBhvr>
+                                        <p:cTn id="10" dur="1" fill="hold">
+                                          <p:stCondLst>
+                                            <p:cond delay="0"/>
+                                          </p:stCondLst>
+                                        </p:cTn>
+                                        <p:tgtEl>
+                                          <p:spTgt spid="4"/>
+                                        </p:tgtEl>
+                                        <p:attrNameLst>
+                                          <p:attrName>style.visibility</p:attrName>
+                                        </p:attrNameLst>
+                                      </p:cBhvr>
+                                      <p:to>
+                                        <p:strVal val="visible"/>
+                                      </p:to>
+                                    </p:set>
+                                    <p:animEffect transition="in" filter="barn(outVertical)">
+                                      <p:cBhvr>
+                                        <p:cTn id="11" dur="500"/>
+                                        <p:tgtEl>
+                                          <p:spTgt spid="4"/>
+                                        </p:tgtEl>
+                                      </p:cBhvr>
+                                    </p:animEffect>
+                                  </p:childTnLst>
+                                </p:cTn>
+                              </p:par>
+                            </p:childTnLst>
+                          </p:cTn>
+                        </p:par>
+                      </p:childTnLst>
+                    </p:cTn>
+                  </p:par>
                 </p:childTnLst>
               </p:cTn>
               <p:prevCondLst>
@@ -32269,12 +33487,13 @@
     </p:tnLst>
     <p:bldLst>
       <p:bldP spid="5" grpId="0" animBg="1"/>
+      <p:bldP spid="4" grpId="0" animBg="1"/>
     </p:bldLst>
   </p:timing>
 </p:sld>
 </file>
 
-<file path=ppt/slides/slide35.xml><?xml version="1.0" encoding="utf-8"?>
+<file path=ppt/slides/slide36.xml><?xml version="1.0" encoding="utf-8"?>
 <p:sld xmlns:a="http://schemas.openxmlformats.org/drawingml/2006/main" xmlns:r="http://schemas.openxmlformats.org/officeDocument/2006/relationships" xmlns:p="http://schemas.openxmlformats.org/presentationml/2006/main">
   <p:cSld>
     <p:spTree>
@@ -33124,7 +34343,7 @@
 </p:sld>
 </file>
 
-<file path=ppt/slides/slide36.xml><?xml version="1.0" encoding="utf-8"?>
+<file path=ppt/slides/slide37.xml><?xml version="1.0" encoding="utf-8"?>
 <p:sld xmlns:a="http://schemas.openxmlformats.org/drawingml/2006/main" xmlns:r="http://schemas.openxmlformats.org/officeDocument/2006/relationships" xmlns:p="http://schemas.openxmlformats.org/presentationml/2006/main">
   <p:cSld>
     <p:spTree>
@@ -33523,7 +34742,7 @@
 </p:sld>
 </file>
 
-<file path=ppt/slides/slide37.xml><?xml version="1.0" encoding="utf-8"?>
+<file path=ppt/slides/slide38.xml><?xml version="1.0" encoding="utf-8"?>
 <p:sld xmlns:a="http://schemas.openxmlformats.org/drawingml/2006/main" xmlns:r="http://schemas.openxmlformats.org/officeDocument/2006/relationships" xmlns:p="http://schemas.openxmlformats.org/presentationml/2006/main">
   <p:cSld>
     <p:spTree>
@@ -33565,11 +34784,11 @@
           <a:p>
             <a:r>
               <a:rPr lang="en-US" altLang="zh-CN" dirty="0"/>
-              <a:t>4.6 </a:t>
-            </a:r>
-            <a:r>
-              <a:rPr lang="zh-CN" altLang="en-US"/>
-              <a:t>编码建议</a:t>
+              <a:t>4.6</a:t>
+            </a:r>
+            <a:r>
+              <a:rPr lang="zh-CN" altLang="en-US" dirty="0"/>
+              <a:t>设置代码格式</a:t>
             </a:r>
             <a:endParaRPr lang="en-US" altLang="zh-CN" dirty="0"/>
           </a:p>
@@ -33692,7 +34911,7 @@
           <a:p>
             <a:r>
               <a:rPr lang="zh-CN" altLang="en-US" dirty="0"/>
-              <a:t>常用编辑器支持设置在</a:t>
+              <a:t>常用编辑器支持</a:t>
             </a:r>
             <a:r>
               <a:rPr lang="zh-CN" altLang="en-US" dirty="0">
@@ -33702,7 +34921,7 @@
                   </a:schemeClr>
                 </a:solidFill>
               </a:rPr>
-              <a:t>按下 </a:t>
+              <a:t>设置在按下 </a:t>
             </a:r>
             <a:r>
               <a:rPr lang="en-US" altLang="zh-CN" dirty="0">
@@ -33722,21 +34941,7 @@
                   </a:schemeClr>
                 </a:solidFill>
               </a:rPr>
-              <a:t>键后输入多个空格</a:t>
-            </a:r>
-            <a:r>
-              <a:rPr lang="zh-CN" altLang="en-US" dirty="0"/>
-              <a:t>的</a:t>
-            </a:r>
-            <a:r>
-              <a:rPr lang="zh-CN" altLang="en-US" dirty="0">
-                <a:solidFill>
-                  <a:schemeClr val="accent1">
-                    <a:lumMod val="75000"/>
-                  </a:schemeClr>
-                </a:solidFill>
-              </a:rPr>
-              <a:t>自动转换</a:t>
+              <a:t>键后输入多个空格的自动转换</a:t>
             </a:r>
             <a:endParaRPr lang="en-US" altLang="zh-CN" dirty="0">
               <a:solidFill>
@@ -33749,7 +34954,21 @@
           <a:p>
             <a:r>
               <a:rPr lang="zh-CN" altLang="en-US" dirty="0"/>
-              <a:t>建议</a:t>
+              <a:t>建议将程序</a:t>
+            </a:r>
+            <a:r>
+              <a:rPr lang="zh-CN" altLang="en-US" dirty="0">
+                <a:solidFill>
+                  <a:schemeClr val="accent6">
+                    <a:lumMod val="75000"/>
+                  </a:schemeClr>
+                </a:solidFill>
+              </a:rPr>
+              <a:t>不同的部分用空行隔开</a:t>
+            </a:r>
+            <a:r>
+              <a:rPr lang="zh-CN" altLang="en-US" dirty="0"/>
+              <a:t>，但</a:t>
             </a:r>
             <a:r>
               <a:rPr lang="zh-CN" altLang="en-US" dirty="0">
@@ -33759,27 +34978,7 @@
                   </a:schemeClr>
                 </a:solidFill>
               </a:rPr>
-              <a:t>每行不超过 </a:t>
-            </a:r>
-            <a:r>
-              <a:rPr lang="en-US" altLang="zh-CN" dirty="0">
-                <a:solidFill>
-                  <a:schemeClr val="accent2">
-                    <a:lumMod val="75000"/>
-                  </a:schemeClr>
-                </a:solidFill>
-              </a:rPr>
-              <a:t>79 </a:t>
-            </a:r>
-            <a:r>
-              <a:rPr lang="zh-CN" altLang="en-US" dirty="0">
-                <a:solidFill>
-                  <a:schemeClr val="accent2">
-                    <a:lumMod val="75000"/>
-                  </a:schemeClr>
-                </a:solidFill>
-              </a:rPr>
-              <a:t>个字符</a:t>
+              <a:t>不要插入冗余的空行</a:t>
             </a:r>
             <a:endParaRPr lang="en-US" altLang="zh-CN" dirty="0">
               <a:solidFill>
@@ -33792,21 +34991,7 @@
           <a:p>
             <a:r>
               <a:rPr lang="zh-CN" altLang="en-US" dirty="0"/>
-              <a:t>建议将程序</a:t>
-            </a:r>
-            <a:r>
-              <a:rPr lang="zh-CN" altLang="en-US" dirty="0">
-                <a:solidFill>
-                  <a:schemeClr val="accent6">
-                    <a:lumMod val="75000"/>
-                  </a:schemeClr>
-                </a:solidFill>
-              </a:rPr>
-              <a:t>不同的部分用空行隔开</a:t>
-            </a:r>
-            <a:r>
-              <a:rPr lang="zh-CN" altLang="en-US" dirty="0"/>
-              <a:t>，但</a:t>
+              <a:t>建议</a:t>
             </a:r>
             <a:r>
               <a:rPr lang="zh-CN" altLang="en-US" dirty="0">
@@ -33816,7 +35001,27 @@
                   </a:schemeClr>
                 </a:solidFill>
               </a:rPr>
-              <a:t>不要插入冗余的空行</a:t>
+              <a:t>每行不超过 </a:t>
+            </a:r>
+            <a:r>
+              <a:rPr lang="en-US" altLang="zh-CN" dirty="0">
+                <a:solidFill>
+                  <a:schemeClr val="accent2">
+                    <a:lumMod val="75000"/>
+                  </a:schemeClr>
+                </a:solidFill>
+              </a:rPr>
+              <a:t>79 </a:t>
+            </a:r>
+            <a:r>
+              <a:rPr lang="zh-CN" altLang="en-US" dirty="0">
+                <a:solidFill>
+                  <a:schemeClr val="accent2">
+                    <a:lumMod val="75000"/>
+                  </a:schemeClr>
+                </a:solidFill>
+              </a:rPr>
+              <a:t>个字符</a:t>
             </a:r>
             <a:endParaRPr lang="en-US" altLang="zh-CN" dirty="0">
               <a:solidFill>
@@ -33832,7 +35037,7 @@
           <a:p>
             <a:r>
               <a:rPr lang="zh-CN" altLang="en-US" dirty="0"/>
-              <a:t>更多的格式指南会继续谈到，但可以提前读一读 </a:t>
+              <a:t>更多的格式指南会继续谈到，有兴趣可提前读一读 </a:t>
             </a:r>
             <a:r>
               <a:rPr lang="en-US" altLang="zh-CN" dirty="0"/>
@@ -33851,13 +35056,13 @@
   <p:clrMapOvr>
     <a:masterClrMapping/>
   </p:clrMapOvr>
-  <mc:AlternateContent xmlns:mc="http://schemas.openxmlformats.org/markup-compatibility/2006" xmlns:p14="http://schemas.microsoft.com/office/powerpoint/2010/main">
-    <mc:Choice Requires="p14">
-      <p:transition spd="med" p14:dur="700">
-        <p:fade/>
+  <mc:AlternateContent xmlns:mc="http://schemas.openxmlformats.org/markup-compatibility/2006">
+    <mc:Choice xmlns:p159="http://schemas.microsoft.com/office/powerpoint/2015/09/main" Requires="p159">
+      <p:transition xmlns:p14="http://schemas.microsoft.com/office/powerpoint/2010/main" spd="med" p14:dur="700">
+        <p159:morph option="byChar"/>
       </p:transition>
     </mc:Choice>
-    <mc:Fallback xmlns="">
+    <mc:Fallback>
       <p:transition spd="med">
         <p:fade/>
       </p:transition>
@@ -33899,7 +35104,7 @@
                                         <p:tgtEl>
                                           <p:spTgt spid="8">
                                             <p:txEl>
-                                              <p:pRg st="5" end="5"/>
+                                              <p:pRg st="3" end="3"/>
                                             </p:txEl>
                                           </p:spTgt>
                                         </p:tgtEl>
@@ -33941,6 +35146,104 @@
                                     <p:set>
                                       <p:cBhvr>
                                         <p:cTn id="10" dur="1" fill="hold">
+                                          <p:stCondLst>
+                                            <p:cond delay="0"/>
+                                          </p:stCondLst>
+                                        </p:cTn>
+                                        <p:tgtEl>
+                                          <p:spTgt spid="8">
+                                            <p:txEl>
+                                              <p:pRg st="4" end="4"/>
+                                            </p:txEl>
+                                          </p:spTgt>
+                                        </p:tgtEl>
+                                        <p:attrNameLst>
+                                          <p:attrName>style.visibility</p:attrName>
+                                        </p:attrNameLst>
+                                      </p:cBhvr>
+                                      <p:to>
+                                        <p:strVal val="visible"/>
+                                      </p:to>
+                                    </p:set>
+                                  </p:childTnLst>
+                                </p:cTn>
+                              </p:par>
+                            </p:childTnLst>
+                          </p:cTn>
+                        </p:par>
+                      </p:childTnLst>
+                    </p:cTn>
+                  </p:par>
+                  <p:par>
+                    <p:cTn id="11" fill="hold">
+                      <p:stCondLst>
+                        <p:cond delay="indefinite"/>
+                      </p:stCondLst>
+                      <p:childTnLst>
+                        <p:par>
+                          <p:cTn id="12" fill="hold">
+                            <p:stCondLst>
+                              <p:cond delay="0"/>
+                            </p:stCondLst>
+                            <p:childTnLst>
+                              <p:par>
+                                <p:cTn id="13" presetID="1" presetClass="entr" presetSubtype="0" fill="hold" nodeType="clickEffect">
+                                  <p:stCondLst>
+                                    <p:cond delay="0"/>
+                                  </p:stCondLst>
+                                  <p:childTnLst>
+                                    <p:set>
+                                      <p:cBhvr>
+                                        <p:cTn id="14" dur="1" fill="hold">
+                                          <p:stCondLst>
+                                            <p:cond delay="0"/>
+                                          </p:stCondLst>
+                                        </p:cTn>
+                                        <p:tgtEl>
+                                          <p:spTgt spid="8">
+                                            <p:txEl>
+                                              <p:pRg st="5" end="5"/>
+                                            </p:txEl>
+                                          </p:spTgt>
+                                        </p:tgtEl>
+                                        <p:attrNameLst>
+                                          <p:attrName>style.visibility</p:attrName>
+                                        </p:attrNameLst>
+                                      </p:cBhvr>
+                                      <p:to>
+                                        <p:strVal val="visible"/>
+                                      </p:to>
+                                    </p:set>
+                                  </p:childTnLst>
+                                </p:cTn>
+                              </p:par>
+                            </p:childTnLst>
+                          </p:cTn>
+                        </p:par>
+                      </p:childTnLst>
+                    </p:cTn>
+                  </p:par>
+                  <p:par>
+                    <p:cTn id="15" fill="hold">
+                      <p:stCondLst>
+                        <p:cond delay="indefinite"/>
+                      </p:stCondLst>
+                      <p:childTnLst>
+                        <p:par>
+                          <p:cTn id="16" fill="hold">
+                            <p:stCondLst>
+                              <p:cond delay="0"/>
+                            </p:stCondLst>
+                            <p:childTnLst>
+                              <p:par>
+                                <p:cTn id="17" presetID="1" presetClass="entr" presetSubtype="0" fill="hold" nodeType="clickEffect">
+                                  <p:stCondLst>
+                                    <p:cond delay="0"/>
+                                  </p:stCondLst>
+                                  <p:childTnLst>
+                                    <p:set>
+                                      <p:cBhvr>
+                                        <p:cTn id="18" dur="1" fill="hold">
                                           <p:stCondLst>
                                             <p:cond delay="0"/>
                                           </p:stCondLst>
@@ -33994,7 +35297,7 @@
 </p:sld>
 </file>
 
-<file path=ppt/slides/slide38.xml><?xml version="1.0" encoding="utf-8"?>
+<file path=ppt/slides/slide39.xml><?xml version="1.0" encoding="utf-8"?>
 <p:sld xmlns:a="http://schemas.openxmlformats.org/drawingml/2006/main" xmlns:r="http://schemas.openxmlformats.org/officeDocument/2006/relationships" xmlns:p="http://schemas.openxmlformats.org/presentationml/2006/main">
   <p:cSld>
     <p:spTree>
@@ -34267,7 +35570,136 @@
 </p:sld>
 </file>
 
-<file path=ppt/slides/slide39.xml><?xml version="1.0" encoding="utf-8"?>
+<file path=ppt/slides/slide4.xml><?xml version="1.0" encoding="utf-8"?>
+<p:sld xmlns:a="http://schemas.openxmlformats.org/drawingml/2006/main" xmlns:r="http://schemas.openxmlformats.org/officeDocument/2006/relationships" xmlns:p="http://schemas.openxmlformats.org/presentationml/2006/main">
+  <p:cSld>
+    <p:spTree>
+      <p:nvGrpSpPr>
+        <p:cNvPr id="1" name=""/>
+        <p:cNvGrpSpPr/>
+        <p:nvPr/>
+      </p:nvGrpSpPr>
+      <p:grpSpPr>
+        <a:xfrm>
+          <a:off x="0" y="0"/>
+          <a:ext cx="0" cy="0"/>
+          <a:chOff x="0" y="0"/>
+          <a:chExt cx="0" cy="0"/>
+        </a:xfrm>
+      </p:grpSpPr>
+      <p:sp>
+        <p:nvSpPr>
+          <p:cNvPr id="2" name="标题 1">
+            <a:extLst>
+              <a:ext uri="{FF2B5EF4-FFF2-40B4-BE49-F238E27FC236}">
+                <a16:creationId xmlns:a16="http://schemas.microsoft.com/office/drawing/2014/main" id="{BAD162F0-2175-84E9-2387-55F669162449}"/>
+              </a:ext>
+            </a:extLst>
+          </p:cNvPr>
+          <p:cNvSpPr>
+            <a:spLocks noGrp="1"/>
+          </p:cNvSpPr>
+          <p:nvPr>
+            <p:ph type="title"/>
+          </p:nvPr>
+        </p:nvSpPr>
+        <p:spPr/>
+        <p:txBody>
+          <a:bodyPr>
+            <a:normAutofit/>
+          </a:bodyPr>
+          <a:lstStyle/>
+          <a:p>
+            <a:r>
+              <a:rPr lang="en-US" altLang="zh-CN" dirty="0"/>
+              <a:t>4.1 </a:t>
+            </a:r>
+            <a:r>
+              <a:rPr lang="zh-CN" altLang="en-US" dirty="0"/>
+              <a:t>遍历整个列表</a:t>
+            </a:r>
+            <a:endParaRPr lang="en-US" altLang="zh-CN" dirty="0"/>
+          </a:p>
+        </p:txBody>
+      </p:sp>
+      <p:sp>
+        <p:nvSpPr>
+          <p:cNvPr id="8" name="内容占位符 7">
+            <a:extLst>
+              <a:ext uri="{FF2B5EF4-FFF2-40B4-BE49-F238E27FC236}">
+                <a16:creationId xmlns:a16="http://schemas.microsoft.com/office/drawing/2014/main" id="{C518E866-DA50-5694-5F60-939464F11BC7}"/>
+              </a:ext>
+            </a:extLst>
+          </p:cNvPr>
+          <p:cNvSpPr>
+            <a:spLocks noGrp="1"/>
+          </p:cNvSpPr>
+          <p:nvPr>
+            <p:ph idx="1"/>
+          </p:nvPr>
+        </p:nvSpPr>
+        <p:spPr/>
+        <p:txBody>
+          <a:bodyPr>
+            <a:normAutofit/>
+          </a:bodyPr>
+          <a:lstStyle/>
+          <a:p>
+            <a:pPr marL="0" indent="0">
+              <a:buNone/>
+            </a:pPr>
+            <a:r>
+              <a:rPr lang="zh-CN" altLang="en-US" dirty="0"/>
+              <a:t>我们经常需要遍历列表的所有元素，对每个元素执行相同的操作</a:t>
+            </a:r>
+            <a:endParaRPr lang="en-US" altLang="zh-CN" dirty="0"/>
+          </a:p>
+          <a:p>
+            <a:endParaRPr lang="en-US" altLang="zh-CN" dirty="0"/>
+          </a:p>
+          <a:p>
+            <a:endParaRPr lang="en-US" altLang="zh-CN" dirty="0"/>
+          </a:p>
+          <a:p>
+            <a:endParaRPr lang="en-US" altLang="zh-CN" dirty="0"/>
+          </a:p>
+          <a:p>
+            <a:endParaRPr lang="en-US" altLang="zh-CN" dirty="0"/>
+          </a:p>
+          <a:p>
+            <a:pPr marL="0" indent="0">
+              <a:buNone/>
+            </a:pPr>
+            <a:endParaRPr lang="en-US" altLang="zh-CN" dirty="0"/>
+          </a:p>
+        </p:txBody>
+      </p:sp>
+    </p:spTree>
+    <p:extLst>
+      <p:ext uri="{BB962C8B-B14F-4D97-AF65-F5344CB8AC3E}">
+        <p14:creationId xmlns:p14="http://schemas.microsoft.com/office/powerpoint/2010/main" val="890904576"/>
+      </p:ext>
+    </p:extLst>
+  </p:cSld>
+  <p:clrMapOvr>
+    <a:masterClrMapping/>
+  </p:clrMapOvr>
+  <mc:AlternateContent xmlns:mc="http://schemas.openxmlformats.org/markup-compatibility/2006" xmlns:p14="http://schemas.microsoft.com/office/powerpoint/2010/main">
+    <mc:Choice Requires="p14">
+      <p:transition spd="med" p14:dur="700">
+        <p:fade/>
+      </p:transition>
+    </mc:Choice>
+    <mc:Fallback xmlns="">
+      <p:transition spd="med">
+        <p:fade/>
+      </p:transition>
+    </mc:Fallback>
+  </mc:AlternateContent>
+</p:sld>
+</file>
+
+<file path=ppt/slides/slide40.xml><?xml version="1.0" encoding="utf-8"?>
 <p:sld xmlns:a="http://schemas.openxmlformats.org/drawingml/2006/main" xmlns:r="http://schemas.openxmlformats.org/officeDocument/2006/relationships" xmlns:p="http://schemas.openxmlformats.org/presentationml/2006/main">
   <p:cSld>
     <p:spTree>
@@ -34411,7 +35843,7 @@
           <a:p>
             <a:r>
               <a:rPr lang="zh-CN" altLang="en-US" dirty="0"/>
-              <a:t>查询并总结列表相关的常用方法和函数，与元组进行区分</a:t>
+              <a:t>查询并总结列表相关的常用方法和相关函数，与元组进行区分</a:t>
             </a:r>
             <a:endParaRPr lang="en-US" altLang="zh-CN" dirty="0"/>
           </a:p>
@@ -34675,7 +36107,7 @@
 </p:sld>
 </file>
 
-<file path=ppt/slides/slide4.xml><?xml version="1.0" encoding="utf-8"?>
+<file path=ppt/slides/slide5.xml><?xml version="1.0" encoding="utf-8"?>
 <p:sld xmlns:a="http://schemas.openxmlformats.org/drawingml/2006/main" xmlns:r="http://schemas.openxmlformats.org/officeDocument/2006/relationships" xmlns:p="http://schemas.openxmlformats.org/presentationml/2006/main">
   <p:cSld>
     <p:spTree>
@@ -34755,7 +36187,7 @@
             </a:pPr>
             <a:r>
               <a:rPr lang="zh-CN" altLang="en-US" dirty="0"/>
-              <a:t>我们经常需要遍历列表的所有元素，对每个元素执行相同的操作</a:t>
+              <a:t>为此我们可以编写循环代码，</a:t>
             </a:r>
             <a:endParaRPr lang="en-US" altLang="zh-CN" dirty="0"/>
           </a:p>
@@ -34764,21 +36196,8 @@
               <a:buNone/>
             </a:pPr>
             <a:r>
-              <a:rPr lang="en-US" altLang="zh-CN" b="1" dirty="0">
-                <a:solidFill>
-                  <a:srgbClr val="9E58A3"/>
-                </a:solidFill>
-                <a:latin typeface="Consolas" panose="020B0609020204030204" pitchFamily="49" charset="0"/>
-              </a:rPr>
-              <a:t>for</a:t>
-            </a:r>
-            <a:r>
-              <a:rPr lang="en-US" altLang="zh-CN" dirty="0"/>
-              <a:t> </a:t>
-            </a:r>
-            <a:r>
               <a:rPr lang="zh-CN" altLang="en-US" dirty="0"/>
-              <a:t>循环：对列表中的每个元素都执行相同的操作</a:t>
+              <a:t>来对列表中的每个元素执行相同的操作：</a:t>
             </a:r>
             <a:endParaRPr lang="en-US" altLang="zh-CN" dirty="0"/>
           </a:p>
@@ -35229,7 +36648,7 @@
     </p:spTree>
     <p:extLst>
       <p:ext uri="{BB962C8B-B14F-4D97-AF65-F5344CB8AC3E}">
-        <p14:creationId xmlns:p14="http://schemas.microsoft.com/office/powerpoint/2010/main" val="890904576"/>
+        <p14:creationId xmlns:p14="http://schemas.microsoft.com/office/powerpoint/2010/main" val="641140656"/>
       </p:ext>
     </p:extLst>
   </p:cSld>
@@ -35295,37 +36714,6 @@
                                   </p:childTnLst>
                                 </p:cTn>
                               </p:par>
-                              <p:par>
-                                <p:cTn id="7" presetID="1" presetClass="entr" presetSubtype="0" fill="hold" nodeType="withEffect">
-                                  <p:stCondLst>
-                                    <p:cond delay="0"/>
-                                  </p:stCondLst>
-                                  <p:childTnLst>
-                                    <p:set>
-                                      <p:cBhvr>
-                                        <p:cTn id="8" dur="1" fill="hold">
-                                          <p:stCondLst>
-                                            <p:cond delay="0"/>
-                                          </p:stCondLst>
-                                        </p:cTn>
-                                        <p:tgtEl>
-                                          <p:spTgt spid="8">
-                                            <p:txEl>
-                                              <p:pRg st="1" end="1"/>
-                                            </p:txEl>
-                                          </p:spTgt>
-                                        </p:tgtEl>
-                                        <p:attrNameLst>
-                                          <p:attrName>style.visibility</p:attrName>
-                                        </p:attrNameLst>
-                                      </p:cBhvr>
-                                      <p:to>
-                                        <p:strVal val="visible"/>
-                                      </p:to>
-                                    </p:set>
-                                  </p:childTnLst>
-                                </p:cTn>
-                              </p:par>
                             </p:childTnLst>
                           </p:cTn>
                         </p:par>
@@ -35333,26 +36721,26 @@
                     </p:cTn>
                   </p:par>
                   <p:par>
-                    <p:cTn id="9" fill="hold">
+                    <p:cTn id="7" fill="hold">
                       <p:stCondLst>
                         <p:cond delay="indefinite"/>
                       </p:stCondLst>
                       <p:childTnLst>
                         <p:par>
-                          <p:cTn id="10" fill="hold">
+                          <p:cTn id="8" fill="hold">
                             <p:stCondLst>
                               <p:cond delay="0"/>
                             </p:stCondLst>
                             <p:childTnLst>
                               <p:par>
-                                <p:cTn id="11" presetID="22" presetClass="entr" presetSubtype="8" fill="hold" grpId="0" nodeType="clickEffect">
+                                <p:cTn id="9" presetID="22" presetClass="entr" presetSubtype="8" fill="hold" grpId="0" nodeType="clickEffect">
                                   <p:stCondLst>
                                     <p:cond delay="0"/>
                                   </p:stCondLst>
                                   <p:childTnLst>
                                     <p:set>
                                       <p:cBhvr>
-                                        <p:cTn id="12" dur="1" fill="hold">
+                                        <p:cTn id="10" dur="1" fill="hold">
                                           <p:stCondLst>
                                             <p:cond delay="0"/>
                                           </p:stCondLst>
@@ -35370,7 +36758,7 @@
                                     </p:set>
                                     <p:animEffect transition="in" filter="wipe(left)">
                                       <p:cBhvr>
-                                        <p:cTn id="13" dur="500"/>
+                                        <p:cTn id="11" dur="500"/>
                                         <p:tgtEl>
                                           <p:spTgt spid="6"/>
                                         </p:tgtEl>
@@ -35380,14 +36768,14 @@
                                 </p:cTn>
                               </p:par>
                               <p:par>
-                                <p:cTn id="14" presetID="1" presetClass="entr" presetSubtype="0" fill="hold" grpId="0" nodeType="withEffect">
+                                <p:cTn id="12" presetID="1" presetClass="entr" presetSubtype="0" fill="hold" grpId="0" nodeType="withEffect">
                                   <p:stCondLst>
                                     <p:cond delay="0"/>
                                   </p:stCondLst>
                                   <p:childTnLst>
                                     <p:set>
                                       <p:cBhvr>
-                                        <p:cTn id="15" dur="1" fill="hold">
+                                        <p:cTn id="13" dur="1" fill="hold">
                                           <p:stCondLst>
                                             <p:cond delay="0"/>
                                           </p:stCondLst>
@@ -35442,7 +36830,7 @@
 </p:sld>
 </file>
 
-<file path=ppt/slides/slide5.xml><?xml version="1.0" encoding="utf-8"?>
+<file path=ppt/slides/slide6.xml><?xml version="1.0" encoding="utf-8"?>
 <p:sld xmlns:a="http://schemas.openxmlformats.org/drawingml/2006/main" xmlns:r="http://schemas.openxmlformats.org/officeDocument/2006/relationships" xmlns:p="http://schemas.openxmlformats.org/presentationml/2006/main">
   <p:cSld>
     <p:spTree>
@@ -35522,7 +36910,7 @@
             </a:pPr>
             <a:r>
               <a:rPr lang="zh-CN" altLang="en-US" dirty="0"/>
-              <a:t>我们经常需要遍历列表的所有元素，对每个元素执行相同的操作</a:t>
+              <a:t>为此我们可以编写循环代码，</a:t>
             </a:r>
             <a:endParaRPr lang="en-US" altLang="zh-CN" dirty="0"/>
           </a:p>
@@ -35531,25 +36919,15 @@
               <a:buNone/>
             </a:pPr>
             <a:r>
-              <a:rPr lang="en-US" altLang="zh-CN" b="1" dirty="0">
-                <a:solidFill>
-                  <a:srgbClr val="9E58A3"/>
-                </a:solidFill>
-                <a:latin typeface="Consolas" panose="020B0609020204030204" pitchFamily="49" charset="0"/>
-              </a:rPr>
-              <a:t>for</a:t>
-            </a:r>
-            <a:r>
-              <a:rPr lang="en-US" altLang="zh-CN" dirty="0"/>
-              <a:t> </a:t>
-            </a:r>
-            <a:r>
               <a:rPr lang="zh-CN" altLang="en-US" dirty="0"/>
-              <a:t>循环：对列表中的每个元素都执行相同的操作</a:t>
+              <a:t>来对列表中的每个元素执行相同的操作：</a:t>
             </a:r>
             <a:endParaRPr lang="en-US" altLang="zh-CN" dirty="0"/>
           </a:p>
           <a:p>
+            <a:pPr marL="0" indent="0">
+              <a:buNone/>
+            </a:pPr>
             <a:endParaRPr lang="en-US" altLang="zh-CN" dirty="0"/>
           </a:p>
           <a:p>
@@ -36109,648 +37487,6 @@
     </mc:Choice>
     <mc:Fallback xmlns="">
       <p:transition spd="med">
-        <p:fade/>
-      </p:transition>
-    </mc:Fallback>
-  </mc:AlternateContent>
-</p:sld>
-</file>
-
-<file path=ppt/slides/slide6.xml><?xml version="1.0" encoding="utf-8"?>
-<p:sld xmlns:a="http://schemas.openxmlformats.org/drawingml/2006/main" xmlns:r="http://schemas.openxmlformats.org/officeDocument/2006/relationships" xmlns:p="http://schemas.openxmlformats.org/presentationml/2006/main">
-  <p:cSld>
-    <p:spTree>
-      <p:nvGrpSpPr>
-        <p:cNvPr id="1" name=""/>
-        <p:cNvGrpSpPr/>
-        <p:nvPr/>
-      </p:nvGrpSpPr>
-      <p:grpSpPr>
-        <a:xfrm>
-          <a:off x="0" y="0"/>
-          <a:ext cx="0" cy="0"/>
-          <a:chOff x="0" y="0"/>
-          <a:chExt cx="0" cy="0"/>
-        </a:xfrm>
-      </p:grpSpPr>
-      <p:sp>
-        <p:nvSpPr>
-          <p:cNvPr id="2" name="标题 1">
-            <a:extLst>
-              <a:ext uri="{FF2B5EF4-FFF2-40B4-BE49-F238E27FC236}">
-                <a16:creationId xmlns:a16="http://schemas.microsoft.com/office/drawing/2014/main" id="{BAD162F0-2175-84E9-2387-55F669162449}"/>
-              </a:ext>
-            </a:extLst>
-          </p:cNvPr>
-          <p:cNvSpPr>
-            <a:spLocks noGrp="1"/>
-          </p:cNvSpPr>
-          <p:nvPr>
-            <p:ph type="title"/>
-          </p:nvPr>
-        </p:nvSpPr>
-        <p:spPr/>
-        <p:txBody>
-          <a:bodyPr>
-            <a:normAutofit/>
-          </a:bodyPr>
-          <a:lstStyle/>
-          <a:p>
-            <a:r>
-              <a:rPr lang="en-US" altLang="zh-CN" dirty="0"/>
-              <a:t>4.1 </a:t>
-            </a:r>
-            <a:r>
-              <a:rPr lang="zh-CN" altLang="en-US" dirty="0"/>
-              <a:t>遍历整个列表</a:t>
-            </a:r>
-            <a:endParaRPr lang="en-US" altLang="zh-CN" dirty="0"/>
-          </a:p>
-        </p:txBody>
-      </p:sp>
-      <p:sp>
-        <p:nvSpPr>
-          <p:cNvPr id="8" name="内容占位符 7">
-            <a:extLst>
-              <a:ext uri="{FF2B5EF4-FFF2-40B4-BE49-F238E27FC236}">
-                <a16:creationId xmlns:a16="http://schemas.microsoft.com/office/drawing/2014/main" id="{C518E866-DA50-5694-5F60-939464F11BC7}"/>
-              </a:ext>
-            </a:extLst>
-          </p:cNvPr>
-          <p:cNvSpPr>
-            <a:spLocks noGrp="1"/>
-          </p:cNvSpPr>
-          <p:nvPr>
-            <p:ph idx="1"/>
-          </p:nvPr>
-        </p:nvSpPr>
-        <p:spPr/>
-        <p:txBody>
-          <a:bodyPr>
-            <a:normAutofit/>
-          </a:bodyPr>
-          <a:lstStyle/>
-          <a:p>
-            <a:pPr marL="0" indent="0">
-              <a:buNone/>
-            </a:pPr>
-            <a:r>
-              <a:rPr lang="zh-CN" altLang="en-US" dirty="0"/>
-              <a:t>我们经常需要遍历列表的所有元素，对每个元素执行相同的操作</a:t>
-            </a:r>
-            <a:endParaRPr lang="en-US" altLang="zh-CN" dirty="0"/>
-          </a:p>
-          <a:p>
-            <a:pPr marL="0" indent="0">
-              <a:buNone/>
-            </a:pPr>
-            <a:r>
-              <a:rPr lang="en-US" altLang="zh-CN" b="1" dirty="0">
-                <a:solidFill>
-                  <a:srgbClr val="9E58A3"/>
-                </a:solidFill>
-                <a:latin typeface="Consolas" panose="020B0609020204030204" pitchFamily="49" charset="0"/>
-              </a:rPr>
-              <a:t>for</a:t>
-            </a:r>
-            <a:r>
-              <a:rPr lang="en-US" altLang="zh-CN" dirty="0"/>
-              <a:t> </a:t>
-            </a:r>
-            <a:r>
-              <a:rPr lang="zh-CN" altLang="en-US" dirty="0"/>
-              <a:t>循环：对列表中的每个元素都执行相同的操作</a:t>
-            </a:r>
-            <a:endParaRPr lang="en-US" altLang="zh-CN" dirty="0"/>
-          </a:p>
-          <a:p>
-            <a:endParaRPr lang="en-US" altLang="zh-CN" dirty="0"/>
-          </a:p>
-          <a:p>
-            <a:endParaRPr lang="en-US" altLang="zh-CN" dirty="0"/>
-          </a:p>
-          <a:p>
-            <a:endParaRPr lang="en-US" altLang="zh-CN" dirty="0"/>
-          </a:p>
-          <a:p>
-            <a:endParaRPr lang="en-US" altLang="zh-CN" dirty="0"/>
-          </a:p>
-          <a:p>
-            <a:pPr marL="0" indent="0">
-              <a:buNone/>
-            </a:pPr>
-            <a:endParaRPr lang="en-US" altLang="zh-CN" dirty="0"/>
-          </a:p>
-        </p:txBody>
-      </p:sp>
-      <p:sp>
-        <p:nvSpPr>
-          <p:cNvPr id="7" name="文本框 6">
-            <a:extLst>
-              <a:ext uri="{FF2B5EF4-FFF2-40B4-BE49-F238E27FC236}">
-                <a16:creationId xmlns:a16="http://schemas.microsoft.com/office/drawing/2014/main" id="{12C899D8-51C5-D9B7-A323-E6EFE4AB5C33}"/>
-              </a:ext>
-            </a:extLst>
-          </p:cNvPr>
-          <p:cNvSpPr txBox="1"/>
-          <p:nvPr/>
-        </p:nvSpPr>
-        <p:spPr>
-          <a:xfrm>
-            <a:off x="1119415" y="2930511"/>
-            <a:ext cx="7768771" cy="1200329"/>
-          </a:xfrm>
-          <a:prstGeom prst="rect">
-            <a:avLst/>
-          </a:prstGeom>
-          <a:noFill/>
-          <a:ln>
-            <a:solidFill>
-              <a:schemeClr val="bg2"/>
-            </a:solidFill>
-          </a:ln>
-        </p:spPr>
-        <p:txBody>
-          <a:bodyPr wrap="square">
-            <a:spAutoFit/>
-          </a:bodyPr>
-          <a:lstStyle/>
-          <a:p>
-            <a:r>
-              <a:rPr lang="en-US" altLang="zh-CN" sz="2400" b="1" dirty="0">
-                <a:solidFill>
-                  <a:schemeClr val="bg1">
-                    <a:lumMod val="65000"/>
-                  </a:schemeClr>
-                </a:solidFill>
-                <a:effectLst/>
-                <a:latin typeface="Consolas" panose="020B0609020204030204" pitchFamily="49" charset="0"/>
-              </a:rPr>
-              <a:t>magicians = ['</a:t>
-            </a:r>
-            <a:r>
-              <a:rPr lang="en-US" altLang="zh-CN" sz="2400" b="1" dirty="0" err="1">
-                <a:solidFill>
-                  <a:schemeClr val="bg1">
-                    <a:lumMod val="65000"/>
-                  </a:schemeClr>
-                </a:solidFill>
-                <a:effectLst/>
-                <a:latin typeface="Consolas" panose="020B0609020204030204" pitchFamily="49" charset="0"/>
-              </a:rPr>
-              <a:t>alice</a:t>
-            </a:r>
-            <a:r>
-              <a:rPr lang="en-US" altLang="zh-CN" sz="2400" b="1" dirty="0">
-                <a:solidFill>
-                  <a:schemeClr val="bg1">
-                    <a:lumMod val="65000"/>
-                  </a:schemeClr>
-                </a:solidFill>
-                <a:effectLst/>
-                <a:latin typeface="Consolas" panose="020B0609020204030204" pitchFamily="49" charset="0"/>
-              </a:rPr>
-              <a:t>', '</a:t>
-            </a:r>
-            <a:r>
-              <a:rPr lang="en-US" altLang="zh-CN" sz="2400" b="1" dirty="0" err="1">
-                <a:solidFill>
-                  <a:schemeClr val="bg1">
-                    <a:lumMod val="65000"/>
-                  </a:schemeClr>
-                </a:solidFill>
-                <a:effectLst/>
-                <a:latin typeface="Consolas" panose="020B0609020204030204" pitchFamily="49" charset="0"/>
-              </a:rPr>
-              <a:t>david</a:t>
-            </a:r>
-            <a:r>
-              <a:rPr lang="en-US" altLang="zh-CN" sz="2400" b="1" dirty="0">
-                <a:solidFill>
-                  <a:schemeClr val="bg1">
-                    <a:lumMod val="65000"/>
-                  </a:schemeClr>
-                </a:solidFill>
-                <a:effectLst/>
-                <a:latin typeface="Consolas" panose="020B0609020204030204" pitchFamily="49" charset="0"/>
-              </a:rPr>
-              <a:t>', '</a:t>
-            </a:r>
-            <a:r>
-              <a:rPr lang="en-US" altLang="zh-CN" sz="2400" b="1" dirty="0" err="1">
-                <a:solidFill>
-                  <a:schemeClr val="bg1">
-                    <a:lumMod val="65000"/>
-                  </a:schemeClr>
-                </a:solidFill>
-                <a:effectLst/>
-                <a:latin typeface="Consolas" panose="020B0609020204030204" pitchFamily="49" charset="0"/>
-              </a:rPr>
-              <a:t>carolina</a:t>
-            </a:r>
-            <a:r>
-              <a:rPr lang="en-US" altLang="zh-CN" sz="2400" b="1" dirty="0">
-                <a:solidFill>
-                  <a:schemeClr val="bg1">
-                    <a:lumMod val="65000"/>
-                  </a:schemeClr>
-                </a:solidFill>
-                <a:effectLst/>
-                <a:latin typeface="Consolas" panose="020B0609020204030204" pitchFamily="49" charset="0"/>
-              </a:rPr>
-              <a:t>']</a:t>
-            </a:r>
-            <a:br>
-              <a:rPr lang="en-US" altLang="zh-CN" sz="2400" b="1" dirty="0">
-                <a:solidFill>
-                  <a:schemeClr val="bg1">
-                    <a:lumMod val="65000"/>
-                  </a:schemeClr>
-                </a:solidFill>
-                <a:effectLst/>
-                <a:latin typeface="Consolas" panose="020B0609020204030204" pitchFamily="49" charset="0"/>
-              </a:rPr>
-            </a:br>
-            <a:r>
-              <a:rPr lang="en-US" altLang="zh-CN" sz="2400" b="1" dirty="0">
-                <a:solidFill>
-                  <a:schemeClr val="bg1">
-                    <a:lumMod val="65000"/>
-                  </a:schemeClr>
-                </a:solidFill>
-                <a:effectLst/>
-                <a:latin typeface="Consolas" panose="020B0609020204030204" pitchFamily="49" charset="0"/>
-              </a:rPr>
-              <a:t>for magician in magicians:</a:t>
-            </a:r>
-            <a:br>
-              <a:rPr lang="en-US" altLang="zh-CN" sz="2400" b="1" dirty="0">
-                <a:solidFill>
-                  <a:srgbClr val="A71D5D"/>
-                </a:solidFill>
-                <a:effectLst/>
-                <a:latin typeface="Consolas" panose="020B0609020204030204" pitchFamily="49" charset="0"/>
-              </a:rPr>
-            </a:br>
-            <a:r>
-              <a:rPr lang="en-US" altLang="zh-CN" sz="2400" b="1" dirty="0">
-                <a:solidFill>
-                  <a:srgbClr val="A71D5D"/>
-                </a:solidFill>
-                <a:effectLst/>
-                <a:highlight>
-                  <a:srgbClr val="F6E979"/>
-                </a:highlight>
-                <a:latin typeface="Consolas" panose="020B0609020204030204" pitchFamily="49" charset="0"/>
-              </a:rPr>
-              <a:t>    </a:t>
-            </a:r>
-            <a:r>
-              <a:rPr lang="en-US" altLang="zh-CN" sz="2400" b="1" dirty="0">
-                <a:solidFill>
-                  <a:srgbClr val="0200BD"/>
-                </a:solidFill>
-                <a:effectLst/>
-                <a:latin typeface="Consolas" panose="020B0609020204030204" pitchFamily="49" charset="0"/>
-              </a:rPr>
-              <a:t>print</a:t>
-            </a:r>
-            <a:r>
-              <a:rPr lang="en-US" altLang="zh-CN" sz="2400" b="1" dirty="0">
-                <a:solidFill>
-                  <a:srgbClr val="3F9101"/>
-                </a:solidFill>
-                <a:effectLst/>
-                <a:latin typeface="Consolas" panose="020B0609020204030204" pitchFamily="49" charset="0"/>
-              </a:rPr>
-              <a:t>(</a:t>
-            </a:r>
-            <a:r>
-              <a:rPr lang="en-US" altLang="zh-CN" sz="2400" b="1" dirty="0">
-                <a:solidFill>
-                  <a:srgbClr val="333333"/>
-                </a:solidFill>
-                <a:effectLst/>
-                <a:latin typeface="Consolas" panose="020B0609020204030204" pitchFamily="49" charset="0"/>
-              </a:rPr>
-              <a:t>magician</a:t>
-            </a:r>
-            <a:r>
-              <a:rPr lang="en-US" altLang="zh-CN" sz="2400" b="1" dirty="0">
-                <a:solidFill>
-                  <a:srgbClr val="3F9101"/>
-                </a:solidFill>
-                <a:effectLst/>
-                <a:latin typeface="Consolas" panose="020B0609020204030204" pitchFamily="49" charset="0"/>
-              </a:rPr>
-              <a:t>)</a:t>
-            </a:r>
-            <a:endParaRPr lang="en-US" altLang="zh-CN" sz="2400" b="1" dirty="0">
-              <a:solidFill>
-                <a:srgbClr val="333333"/>
-              </a:solidFill>
-              <a:effectLst/>
-              <a:latin typeface="Consolas" panose="020B0609020204030204" pitchFamily="49" charset="0"/>
-            </a:endParaRPr>
-          </a:p>
-        </p:txBody>
-      </p:sp>
-      <p:sp>
-        <p:nvSpPr>
-          <p:cNvPr id="4" name="文本框 3">
-            <a:extLst>
-              <a:ext uri="{FF2B5EF4-FFF2-40B4-BE49-F238E27FC236}">
-                <a16:creationId xmlns:a16="http://schemas.microsoft.com/office/drawing/2014/main" id="{84F0E68B-1252-143A-5AF6-F61F0B58E739}"/>
-              </a:ext>
-            </a:extLst>
-          </p:cNvPr>
-          <p:cNvSpPr txBox="1"/>
-          <p:nvPr/>
-        </p:nvSpPr>
-        <p:spPr>
-          <a:xfrm>
-            <a:off x="838200" y="4212530"/>
-            <a:ext cx="10234385" cy="1815882"/>
-          </a:xfrm>
-          <a:prstGeom prst="rect">
-            <a:avLst/>
-          </a:prstGeom>
-          <a:noFill/>
-        </p:spPr>
-        <p:txBody>
-          <a:bodyPr wrap="square">
-            <a:spAutoFit/>
-          </a:bodyPr>
-          <a:lstStyle/>
-          <a:p>
-            <a:r>
-              <a:rPr lang="zh-CN" altLang="en-US" sz="2800" dirty="0">
-                <a:solidFill>
-                  <a:schemeClr val="bg1">
-                    <a:lumMod val="65000"/>
-                  </a:schemeClr>
-                </a:solidFill>
-                <a:latin typeface="Consolas" panose="020B0609020204030204" pitchFamily="49" charset="0"/>
-                <a:ea typeface="微软雅黑" panose="020B0503020204020204" pitchFamily="34" charset="-122"/>
-              </a:rPr>
-              <a:t>在第二行中，我们使用了 </a:t>
-            </a:r>
-            <a:r>
-              <a:rPr lang="en-US" altLang="zh-CN" sz="2800" dirty="0">
-                <a:solidFill>
-                  <a:schemeClr val="bg1">
-                    <a:lumMod val="65000"/>
-                  </a:schemeClr>
-                </a:solidFill>
-                <a:effectLst/>
-                <a:latin typeface="Consolas" panose="020B0609020204030204" pitchFamily="49" charset="0"/>
-                <a:ea typeface="微软雅黑" panose="020B0503020204020204" pitchFamily="34" charset="-122"/>
-              </a:rPr>
-              <a:t>for</a:t>
-            </a:r>
-            <a:r>
-              <a:rPr lang="en-US" altLang="zh-CN" sz="2800" dirty="0">
-                <a:solidFill>
-                  <a:schemeClr val="bg1">
-                    <a:lumMod val="65000"/>
-                  </a:schemeClr>
-                </a:solidFill>
-                <a:latin typeface="Consolas" panose="020B0609020204030204" pitchFamily="49" charset="0"/>
-                <a:ea typeface="微软雅黑" panose="020B0503020204020204" pitchFamily="34" charset="-122"/>
-              </a:rPr>
-              <a:t> </a:t>
-            </a:r>
-            <a:r>
-              <a:rPr lang="zh-CN" altLang="en-US" sz="2800" dirty="0">
-                <a:solidFill>
-                  <a:schemeClr val="bg1">
-                    <a:lumMod val="65000"/>
-                  </a:schemeClr>
-                </a:solidFill>
-                <a:latin typeface="Consolas" panose="020B0609020204030204" pitchFamily="49" charset="0"/>
-                <a:ea typeface="微软雅黑" panose="020B0503020204020204" pitchFamily="34" charset="-122"/>
-              </a:rPr>
-              <a:t>关键字来定义了一个循环</a:t>
-            </a:r>
-            <a:endParaRPr lang="en-US" altLang="zh-CN" sz="2800" dirty="0">
-              <a:solidFill>
-                <a:schemeClr val="bg1">
-                  <a:lumMod val="65000"/>
-                </a:schemeClr>
-              </a:solidFill>
-              <a:latin typeface="Consolas" panose="020B0609020204030204" pitchFamily="49" charset="0"/>
-              <a:ea typeface="微软雅黑" panose="020B0503020204020204" pitchFamily="34" charset="-122"/>
-            </a:endParaRPr>
-          </a:p>
-          <a:p>
-            <a:r>
-              <a:rPr lang="zh-CN" altLang="en-US" sz="2800" dirty="0">
-                <a:solidFill>
-                  <a:schemeClr val="bg1">
-                    <a:lumMod val="65000"/>
-                  </a:schemeClr>
-                </a:solidFill>
-                <a:latin typeface="Consolas" panose="020B0609020204030204" pitchFamily="49" charset="0"/>
-                <a:ea typeface="微软雅黑" panose="020B0503020204020204" pitchFamily="34" charset="-122"/>
-              </a:rPr>
-              <a:t>它能让 </a:t>
-            </a:r>
-            <a:r>
-              <a:rPr lang="en-US" altLang="zh-CN" sz="2800" dirty="0">
-                <a:solidFill>
-                  <a:schemeClr val="bg1">
-                    <a:lumMod val="65000"/>
-                  </a:schemeClr>
-                </a:solidFill>
-                <a:latin typeface="Consolas" panose="020B0609020204030204" pitchFamily="49" charset="0"/>
-                <a:ea typeface="微软雅黑" panose="020B0503020204020204" pitchFamily="34" charset="-122"/>
-              </a:rPr>
-              <a:t>Python </a:t>
-            </a:r>
-            <a:r>
-              <a:rPr lang="zh-CN" altLang="en-US" sz="2800" dirty="0">
-                <a:solidFill>
-                  <a:schemeClr val="bg1">
-                    <a:lumMod val="65000"/>
-                  </a:schemeClr>
-                </a:solidFill>
-                <a:latin typeface="Consolas" panose="020B0609020204030204" pitchFamily="49" charset="0"/>
-                <a:ea typeface="微软雅黑" panose="020B0503020204020204" pitchFamily="34" charset="-122"/>
-              </a:rPr>
-              <a:t>从列表 </a:t>
-            </a:r>
-            <a:r>
-              <a:rPr lang="en-US" altLang="zh-CN" sz="2800" dirty="0">
-                <a:solidFill>
-                  <a:schemeClr val="bg1">
-                    <a:lumMod val="65000"/>
-                  </a:schemeClr>
-                </a:solidFill>
-                <a:latin typeface="Consolas" panose="020B0609020204030204" pitchFamily="49" charset="0"/>
-                <a:ea typeface="微软雅黑" panose="020B0503020204020204" pitchFamily="34" charset="-122"/>
-              </a:rPr>
-              <a:t>magicians </a:t>
-            </a:r>
-            <a:r>
-              <a:rPr lang="zh-CN" altLang="en-US" sz="2800" dirty="0">
-                <a:solidFill>
-                  <a:schemeClr val="bg1">
-                    <a:lumMod val="65000"/>
-                  </a:schemeClr>
-                </a:solidFill>
-                <a:latin typeface="Consolas" panose="020B0609020204030204" pitchFamily="49" charset="0"/>
-                <a:ea typeface="微软雅黑" panose="020B0503020204020204" pitchFamily="34" charset="-122"/>
-              </a:rPr>
-              <a:t>中依次取出一个个名字，并将取出的名字与变量 </a:t>
-            </a:r>
-            <a:r>
-              <a:rPr lang="en-US" altLang="zh-CN" sz="2800" dirty="0">
-                <a:solidFill>
-                  <a:schemeClr val="bg1">
-                    <a:lumMod val="65000"/>
-                  </a:schemeClr>
-                </a:solidFill>
-                <a:latin typeface="Consolas" panose="020B0609020204030204" pitchFamily="49" charset="0"/>
-                <a:ea typeface="微软雅黑" panose="020B0503020204020204" pitchFamily="34" charset="-122"/>
-              </a:rPr>
-              <a:t>magician </a:t>
-            </a:r>
-            <a:r>
-              <a:rPr lang="zh-CN" altLang="en-US" sz="2800" dirty="0">
-                <a:solidFill>
-                  <a:schemeClr val="bg1">
-                    <a:lumMod val="65000"/>
-                  </a:schemeClr>
-                </a:solidFill>
-                <a:latin typeface="Consolas" panose="020B0609020204030204" pitchFamily="49" charset="0"/>
-                <a:ea typeface="微软雅黑" panose="020B0503020204020204" pitchFamily="34" charset="-122"/>
-              </a:rPr>
-              <a:t>相关联</a:t>
-            </a:r>
-            <a:endParaRPr lang="en-US" altLang="zh-CN" sz="2800" dirty="0">
-              <a:solidFill>
-                <a:schemeClr val="bg1">
-                  <a:lumMod val="65000"/>
-                </a:schemeClr>
-              </a:solidFill>
-              <a:latin typeface="Consolas" panose="020B0609020204030204" pitchFamily="49" charset="0"/>
-              <a:ea typeface="微软雅黑" panose="020B0503020204020204" pitchFamily="34" charset="-122"/>
-            </a:endParaRPr>
-          </a:p>
-          <a:p>
-            <a:r>
-              <a:rPr lang="zh-CN" altLang="en-US" sz="2800" dirty="0">
-                <a:latin typeface="Consolas" panose="020B0609020204030204" pitchFamily="49" charset="0"/>
-                <a:ea typeface="微软雅黑" panose="020B0503020204020204" pitchFamily="34" charset="-122"/>
-              </a:rPr>
-              <a:t>在第三行中，我们打出了</a:t>
-            </a:r>
-            <a:r>
-              <a:rPr lang="zh-CN" altLang="en-US" sz="2800" u="sng" dirty="0">
-                <a:latin typeface="Consolas" panose="020B0609020204030204" pitchFamily="49" charset="0"/>
-                <a:ea typeface="微软雅黑" panose="020B0503020204020204" pitchFamily="34" charset="-122"/>
-              </a:rPr>
-              <a:t>四个空格</a:t>
-            </a:r>
-            <a:r>
-              <a:rPr lang="zh-CN" altLang="en-US" sz="2800" dirty="0">
-                <a:latin typeface="Consolas" panose="020B0609020204030204" pitchFamily="49" charset="0"/>
-                <a:ea typeface="微软雅黑" panose="020B0503020204020204" pitchFamily="34" charset="-122"/>
-              </a:rPr>
-              <a:t>作为</a:t>
-            </a:r>
-            <a:r>
-              <a:rPr lang="zh-CN" altLang="en-US" sz="2800" b="1" dirty="0">
-                <a:latin typeface="Consolas" panose="020B0609020204030204" pitchFamily="49" charset="0"/>
-                <a:ea typeface="微软雅黑" panose="020B0503020204020204" pitchFamily="34" charset="-122"/>
-              </a:rPr>
-              <a:t>缩进（</a:t>
-            </a:r>
-            <a:r>
-              <a:rPr lang="en-US" altLang="zh-CN" sz="2800" b="1" dirty="0">
-                <a:latin typeface="Consolas" panose="020B0609020204030204" pitchFamily="49" charset="0"/>
-                <a:ea typeface="微软雅黑" panose="020B0503020204020204" pitchFamily="34" charset="-122"/>
-              </a:rPr>
-              <a:t>indentation</a:t>
-            </a:r>
-            <a:r>
-              <a:rPr lang="zh-CN" altLang="en-US" sz="2800" b="1" dirty="0">
-                <a:latin typeface="Consolas" panose="020B0609020204030204" pitchFamily="49" charset="0"/>
-                <a:ea typeface="微软雅黑" panose="020B0503020204020204" pitchFamily="34" charset="-122"/>
-              </a:rPr>
-              <a:t>）</a:t>
-            </a:r>
-            <a:endParaRPr lang="en-US" altLang="zh-CN" sz="2800" b="1" dirty="0">
-              <a:latin typeface="Consolas" panose="020B0609020204030204" pitchFamily="49" charset="0"/>
-              <a:ea typeface="微软雅黑" panose="020B0503020204020204" pitchFamily="34" charset="-122"/>
-            </a:endParaRPr>
-          </a:p>
-        </p:txBody>
-      </p:sp>
-      <p:sp>
-        <p:nvSpPr>
-          <p:cNvPr id="3" name="箭头: 右 2">
-            <a:extLst>
-              <a:ext uri="{FF2B5EF4-FFF2-40B4-BE49-F238E27FC236}">
-                <a16:creationId xmlns:a16="http://schemas.microsoft.com/office/drawing/2014/main" id="{76CCFC48-E245-A0D1-EEE9-CDE8A260F064}"/>
-              </a:ext>
-            </a:extLst>
-          </p:cNvPr>
-          <p:cNvSpPr/>
-          <p:nvPr/>
-        </p:nvSpPr>
-        <p:spPr>
-          <a:xfrm>
-            <a:off x="654803" y="3722528"/>
-            <a:ext cx="388412" cy="329221"/>
-          </a:xfrm>
-          <a:prstGeom prst="rightArrow">
-            <a:avLst/>
-          </a:prstGeom>
-        </p:spPr>
-        <p:style>
-          <a:lnRef idx="2">
-            <a:schemeClr val="accent1">
-              <a:shade val="50000"/>
-            </a:schemeClr>
-          </a:lnRef>
-          <a:fillRef idx="1">
-            <a:schemeClr val="accent1"/>
-          </a:fillRef>
-          <a:effectRef idx="0">
-            <a:schemeClr val="accent1"/>
-          </a:effectRef>
-          <a:fontRef idx="minor">
-            <a:schemeClr val="lt1"/>
-          </a:fontRef>
-        </p:style>
-        <p:txBody>
-          <a:bodyPr rtlCol="0" anchor="ctr"/>
-          <a:lstStyle/>
-          <a:p>
-            <a:pPr algn="ctr"/>
-            <a:endParaRPr lang="zh-CN" altLang="en-US"/>
-          </a:p>
-        </p:txBody>
-      </p:sp>
-    </p:spTree>
-    <p:extLst>
-      <p:ext uri="{BB962C8B-B14F-4D97-AF65-F5344CB8AC3E}">
-        <p14:creationId xmlns:p14="http://schemas.microsoft.com/office/powerpoint/2010/main" val="1645715619"/>
-      </p:ext>
-    </p:extLst>
-  </p:cSld>
-  <p:clrMapOvr>
-    <a:masterClrMapping/>
-  </p:clrMapOvr>
-  <mc:AlternateContent xmlns:mc="http://schemas.openxmlformats.org/markup-compatibility/2006" xmlns:p159="http://schemas.microsoft.com/office/powerpoint/2015/09/main">
-    <mc:Choice Requires="p159">
-      <p:transition xmlns:p14="http://schemas.microsoft.com/office/powerpoint/2010/main" spd="slow" p14:dur="2000">
-        <p159:morph option="byObject"/>
-      </p:transition>
-    </mc:Choice>
-    <mc:Fallback xmlns="">
-      <p:transition spd="slow">
         <p:fade/>
       </p:transition>
     </mc:Fallback>
@@ -36838,7 +37574,7 @@
             </a:pPr>
             <a:r>
               <a:rPr lang="zh-CN" altLang="en-US" dirty="0"/>
-              <a:t>我们经常需要遍历列表的所有元素，对每个元素执行相同的操作</a:t>
+              <a:t>为此我们可以编写循环代码，</a:t>
             </a:r>
             <a:endParaRPr lang="en-US" altLang="zh-CN" dirty="0"/>
           </a:p>
@@ -36847,25 +37583,15 @@
               <a:buNone/>
             </a:pPr>
             <a:r>
-              <a:rPr lang="en-US" altLang="zh-CN" b="1" dirty="0">
-                <a:solidFill>
-                  <a:srgbClr val="9E58A3"/>
-                </a:solidFill>
-                <a:latin typeface="Consolas" panose="020B0609020204030204" pitchFamily="49" charset="0"/>
-              </a:rPr>
-              <a:t>for</a:t>
-            </a:r>
-            <a:r>
-              <a:rPr lang="en-US" altLang="zh-CN" dirty="0"/>
-              <a:t> </a:t>
-            </a:r>
-            <a:r>
               <a:rPr lang="zh-CN" altLang="en-US" dirty="0"/>
-              <a:t>循环：对列表中的每个元素都执行相同的操作</a:t>
+              <a:t>来对列表中的每个元素执行相同的操作：</a:t>
             </a:r>
             <a:endParaRPr lang="en-US" altLang="zh-CN" dirty="0"/>
           </a:p>
           <a:p>
+            <a:pPr marL="0" indent="0">
+              <a:buNone/>
+            </a:pPr>
             <a:endParaRPr lang="en-US" altLang="zh-CN" dirty="0"/>
           </a:p>
           <a:p>
@@ -37041,6 +37767,638 @@
                 </a:solidFill>
                 <a:effectLst/>
                 <a:highlight>
+                  <a:srgbClr val="F6E979"/>
+                </a:highlight>
+                <a:latin typeface="Consolas" panose="020B0609020204030204" pitchFamily="49" charset="0"/>
+              </a:rPr>
+              <a:t>    </a:t>
+            </a:r>
+            <a:r>
+              <a:rPr lang="en-US" altLang="zh-CN" sz="2400" b="1" dirty="0">
+                <a:solidFill>
+                  <a:srgbClr val="0200BD"/>
+                </a:solidFill>
+                <a:effectLst/>
+                <a:latin typeface="Consolas" panose="020B0609020204030204" pitchFamily="49" charset="0"/>
+              </a:rPr>
+              <a:t>print</a:t>
+            </a:r>
+            <a:r>
+              <a:rPr lang="en-US" altLang="zh-CN" sz="2400" b="1" dirty="0">
+                <a:solidFill>
+                  <a:srgbClr val="3F9101"/>
+                </a:solidFill>
+                <a:effectLst/>
+                <a:latin typeface="Consolas" panose="020B0609020204030204" pitchFamily="49" charset="0"/>
+              </a:rPr>
+              <a:t>(</a:t>
+            </a:r>
+            <a:r>
+              <a:rPr lang="en-US" altLang="zh-CN" sz="2400" b="1" dirty="0">
+                <a:solidFill>
+                  <a:srgbClr val="333333"/>
+                </a:solidFill>
+                <a:effectLst/>
+                <a:latin typeface="Consolas" panose="020B0609020204030204" pitchFamily="49" charset="0"/>
+              </a:rPr>
+              <a:t>magician</a:t>
+            </a:r>
+            <a:r>
+              <a:rPr lang="en-US" altLang="zh-CN" sz="2400" b="1" dirty="0">
+                <a:solidFill>
+                  <a:srgbClr val="3F9101"/>
+                </a:solidFill>
+                <a:effectLst/>
+                <a:latin typeface="Consolas" panose="020B0609020204030204" pitchFamily="49" charset="0"/>
+              </a:rPr>
+              <a:t>)</a:t>
+            </a:r>
+            <a:endParaRPr lang="en-US" altLang="zh-CN" sz="2400" b="1" dirty="0">
+              <a:solidFill>
+                <a:srgbClr val="333333"/>
+              </a:solidFill>
+              <a:effectLst/>
+              <a:latin typeface="Consolas" panose="020B0609020204030204" pitchFamily="49" charset="0"/>
+            </a:endParaRPr>
+          </a:p>
+        </p:txBody>
+      </p:sp>
+      <p:sp>
+        <p:nvSpPr>
+          <p:cNvPr id="4" name="文本框 3">
+            <a:extLst>
+              <a:ext uri="{FF2B5EF4-FFF2-40B4-BE49-F238E27FC236}">
+                <a16:creationId xmlns:a16="http://schemas.microsoft.com/office/drawing/2014/main" id="{84F0E68B-1252-143A-5AF6-F61F0B58E739}"/>
+              </a:ext>
+            </a:extLst>
+          </p:cNvPr>
+          <p:cNvSpPr txBox="1"/>
+          <p:nvPr/>
+        </p:nvSpPr>
+        <p:spPr>
+          <a:xfrm>
+            <a:off x="838200" y="4212530"/>
+            <a:ext cx="10234385" cy="1815882"/>
+          </a:xfrm>
+          <a:prstGeom prst="rect">
+            <a:avLst/>
+          </a:prstGeom>
+          <a:noFill/>
+        </p:spPr>
+        <p:txBody>
+          <a:bodyPr wrap="square">
+            <a:spAutoFit/>
+          </a:bodyPr>
+          <a:lstStyle/>
+          <a:p>
+            <a:r>
+              <a:rPr lang="zh-CN" altLang="en-US" sz="2800" dirty="0">
+                <a:solidFill>
+                  <a:schemeClr val="bg1">
+                    <a:lumMod val="65000"/>
+                  </a:schemeClr>
+                </a:solidFill>
+                <a:latin typeface="Consolas" panose="020B0609020204030204" pitchFamily="49" charset="0"/>
+                <a:ea typeface="微软雅黑" panose="020B0503020204020204" pitchFamily="34" charset="-122"/>
+              </a:rPr>
+              <a:t>在第二行中，我们使用了 </a:t>
+            </a:r>
+            <a:r>
+              <a:rPr lang="en-US" altLang="zh-CN" sz="2800" dirty="0">
+                <a:solidFill>
+                  <a:schemeClr val="bg1">
+                    <a:lumMod val="65000"/>
+                  </a:schemeClr>
+                </a:solidFill>
+                <a:effectLst/>
+                <a:latin typeface="Consolas" panose="020B0609020204030204" pitchFamily="49" charset="0"/>
+                <a:ea typeface="微软雅黑" panose="020B0503020204020204" pitchFamily="34" charset="-122"/>
+              </a:rPr>
+              <a:t>for</a:t>
+            </a:r>
+            <a:r>
+              <a:rPr lang="en-US" altLang="zh-CN" sz="2800" dirty="0">
+                <a:solidFill>
+                  <a:schemeClr val="bg1">
+                    <a:lumMod val="65000"/>
+                  </a:schemeClr>
+                </a:solidFill>
+                <a:latin typeface="Consolas" panose="020B0609020204030204" pitchFamily="49" charset="0"/>
+                <a:ea typeface="微软雅黑" panose="020B0503020204020204" pitchFamily="34" charset="-122"/>
+              </a:rPr>
+              <a:t> </a:t>
+            </a:r>
+            <a:r>
+              <a:rPr lang="zh-CN" altLang="en-US" sz="2800" dirty="0">
+                <a:solidFill>
+                  <a:schemeClr val="bg1">
+                    <a:lumMod val="65000"/>
+                  </a:schemeClr>
+                </a:solidFill>
+                <a:latin typeface="Consolas" panose="020B0609020204030204" pitchFamily="49" charset="0"/>
+                <a:ea typeface="微软雅黑" panose="020B0503020204020204" pitchFamily="34" charset="-122"/>
+              </a:rPr>
+              <a:t>关键字来定义了一个循环</a:t>
+            </a:r>
+            <a:endParaRPr lang="en-US" altLang="zh-CN" sz="2800" dirty="0">
+              <a:solidFill>
+                <a:schemeClr val="bg1">
+                  <a:lumMod val="65000"/>
+                </a:schemeClr>
+              </a:solidFill>
+              <a:latin typeface="Consolas" panose="020B0609020204030204" pitchFamily="49" charset="0"/>
+              <a:ea typeface="微软雅黑" panose="020B0503020204020204" pitchFamily="34" charset="-122"/>
+            </a:endParaRPr>
+          </a:p>
+          <a:p>
+            <a:r>
+              <a:rPr lang="zh-CN" altLang="en-US" sz="2800" dirty="0">
+                <a:solidFill>
+                  <a:schemeClr val="bg1">
+                    <a:lumMod val="65000"/>
+                  </a:schemeClr>
+                </a:solidFill>
+                <a:latin typeface="Consolas" panose="020B0609020204030204" pitchFamily="49" charset="0"/>
+                <a:ea typeface="微软雅黑" panose="020B0503020204020204" pitchFamily="34" charset="-122"/>
+              </a:rPr>
+              <a:t>它能让 </a:t>
+            </a:r>
+            <a:r>
+              <a:rPr lang="en-US" altLang="zh-CN" sz="2800" dirty="0">
+                <a:solidFill>
+                  <a:schemeClr val="bg1">
+                    <a:lumMod val="65000"/>
+                  </a:schemeClr>
+                </a:solidFill>
+                <a:latin typeface="Consolas" panose="020B0609020204030204" pitchFamily="49" charset="0"/>
+                <a:ea typeface="微软雅黑" panose="020B0503020204020204" pitchFamily="34" charset="-122"/>
+              </a:rPr>
+              <a:t>Python </a:t>
+            </a:r>
+            <a:r>
+              <a:rPr lang="zh-CN" altLang="en-US" sz="2800" dirty="0">
+                <a:solidFill>
+                  <a:schemeClr val="bg1">
+                    <a:lumMod val="65000"/>
+                  </a:schemeClr>
+                </a:solidFill>
+                <a:latin typeface="Consolas" panose="020B0609020204030204" pitchFamily="49" charset="0"/>
+                <a:ea typeface="微软雅黑" panose="020B0503020204020204" pitchFamily="34" charset="-122"/>
+              </a:rPr>
+              <a:t>从列表 </a:t>
+            </a:r>
+            <a:r>
+              <a:rPr lang="en-US" altLang="zh-CN" sz="2800" dirty="0">
+                <a:solidFill>
+                  <a:schemeClr val="bg1">
+                    <a:lumMod val="65000"/>
+                  </a:schemeClr>
+                </a:solidFill>
+                <a:latin typeface="Consolas" panose="020B0609020204030204" pitchFamily="49" charset="0"/>
+                <a:ea typeface="微软雅黑" panose="020B0503020204020204" pitchFamily="34" charset="-122"/>
+              </a:rPr>
+              <a:t>magicians </a:t>
+            </a:r>
+            <a:r>
+              <a:rPr lang="zh-CN" altLang="en-US" sz="2800" dirty="0">
+                <a:solidFill>
+                  <a:schemeClr val="bg1">
+                    <a:lumMod val="65000"/>
+                  </a:schemeClr>
+                </a:solidFill>
+                <a:latin typeface="Consolas" panose="020B0609020204030204" pitchFamily="49" charset="0"/>
+                <a:ea typeface="微软雅黑" panose="020B0503020204020204" pitchFamily="34" charset="-122"/>
+              </a:rPr>
+              <a:t>中依次取出一个个名字，并将取出的名字与变量 </a:t>
+            </a:r>
+            <a:r>
+              <a:rPr lang="en-US" altLang="zh-CN" sz="2800" dirty="0">
+                <a:solidFill>
+                  <a:schemeClr val="bg1">
+                    <a:lumMod val="65000"/>
+                  </a:schemeClr>
+                </a:solidFill>
+                <a:latin typeface="Consolas" panose="020B0609020204030204" pitchFamily="49" charset="0"/>
+                <a:ea typeface="微软雅黑" panose="020B0503020204020204" pitchFamily="34" charset="-122"/>
+              </a:rPr>
+              <a:t>magician </a:t>
+            </a:r>
+            <a:r>
+              <a:rPr lang="zh-CN" altLang="en-US" sz="2800" dirty="0">
+                <a:solidFill>
+                  <a:schemeClr val="bg1">
+                    <a:lumMod val="65000"/>
+                  </a:schemeClr>
+                </a:solidFill>
+                <a:latin typeface="Consolas" panose="020B0609020204030204" pitchFamily="49" charset="0"/>
+                <a:ea typeface="微软雅黑" panose="020B0503020204020204" pitchFamily="34" charset="-122"/>
+              </a:rPr>
+              <a:t>相关联</a:t>
+            </a:r>
+            <a:endParaRPr lang="en-US" altLang="zh-CN" sz="2800" dirty="0">
+              <a:solidFill>
+                <a:schemeClr val="bg1">
+                  <a:lumMod val="65000"/>
+                </a:schemeClr>
+              </a:solidFill>
+              <a:latin typeface="Consolas" panose="020B0609020204030204" pitchFamily="49" charset="0"/>
+              <a:ea typeface="微软雅黑" panose="020B0503020204020204" pitchFamily="34" charset="-122"/>
+            </a:endParaRPr>
+          </a:p>
+          <a:p>
+            <a:r>
+              <a:rPr lang="zh-CN" altLang="en-US" sz="2800" dirty="0">
+                <a:latin typeface="Consolas" panose="020B0609020204030204" pitchFamily="49" charset="0"/>
+                <a:ea typeface="微软雅黑" panose="020B0503020204020204" pitchFamily="34" charset="-122"/>
+              </a:rPr>
+              <a:t>在第三行中，我们打出了</a:t>
+            </a:r>
+            <a:r>
+              <a:rPr lang="zh-CN" altLang="en-US" sz="2800" u="sng" dirty="0">
+                <a:latin typeface="Consolas" panose="020B0609020204030204" pitchFamily="49" charset="0"/>
+                <a:ea typeface="微软雅黑" panose="020B0503020204020204" pitchFamily="34" charset="-122"/>
+              </a:rPr>
+              <a:t>四个空格</a:t>
+            </a:r>
+            <a:r>
+              <a:rPr lang="zh-CN" altLang="en-US" sz="2800" dirty="0">
+                <a:latin typeface="Consolas" panose="020B0609020204030204" pitchFamily="49" charset="0"/>
+                <a:ea typeface="微软雅黑" panose="020B0503020204020204" pitchFamily="34" charset="-122"/>
+              </a:rPr>
+              <a:t>作为</a:t>
+            </a:r>
+            <a:r>
+              <a:rPr lang="zh-CN" altLang="en-US" sz="2800" b="1" dirty="0">
+                <a:latin typeface="Consolas" panose="020B0609020204030204" pitchFamily="49" charset="0"/>
+                <a:ea typeface="微软雅黑" panose="020B0503020204020204" pitchFamily="34" charset="-122"/>
+              </a:rPr>
+              <a:t>缩进（</a:t>
+            </a:r>
+            <a:r>
+              <a:rPr lang="en-US" altLang="zh-CN" sz="2800" b="1" dirty="0">
+                <a:latin typeface="Consolas" panose="020B0609020204030204" pitchFamily="49" charset="0"/>
+                <a:ea typeface="微软雅黑" panose="020B0503020204020204" pitchFamily="34" charset="-122"/>
+              </a:rPr>
+              <a:t>indentation</a:t>
+            </a:r>
+            <a:r>
+              <a:rPr lang="zh-CN" altLang="en-US" sz="2800" b="1" dirty="0">
+                <a:latin typeface="Consolas" panose="020B0609020204030204" pitchFamily="49" charset="0"/>
+                <a:ea typeface="微软雅黑" panose="020B0503020204020204" pitchFamily="34" charset="-122"/>
+              </a:rPr>
+              <a:t>）</a:t>
+            </a:r>
+            <a:endParaRPr lang="en-US" altLang="zh-CN" sz="2800" b="1" dirty="0">
+              <a:latin typeface="Consolas" panose="020B0609020204030204" pitchFamily="49" charset="0"/>
+              <a:ea typeface="微软雅黑" panose="020B0503020204020204" pitchFamily="34" charset="-122"/>
+            </a:endParaRPr>
+          </a:p>
+        </p:txBody>
+      </p:sp>
+      <p:sp>
+        <p:nvSpPr>
+          <p:cNvPr id="3" name="箭头: 右 2">
+            <a:extLst>
+              <a:ext uri="{FF2B5EF4-FFF2-40B4-BE49-F238E27FC236}">
+                <a16:creationId xmlns:a16="http://schemas.microsoft.com/office/drawing/2014/main" id="{76CCFC48-E245-A0D1-EEE9-CDE8A260F064}"/>
+              </a:ext>
+            </a:extLst>
+          </p:cNvPr>
+          <p:cNvSpPr/>
+          <p:nvPr/>
+        </p:nvSpPr>
+        <p:spPr>
+          <a:xfrm>
+            <a:off x="654803" y="3722528"/>
+            <a:ext cx="388412" cy="329221"/>
+          </a:xfrm>
+          <a:prstGeom prst="rightArrow">
+            <a:avLst/>
+          </a:prstGeom>
+        </p:spPr>
+        <p:style>
+          <a:lnRef idx="2">
+            <a:schemeClr val="accent1">
+              <a:shade val="50000"/>
+            </a:schemeClr>
+          </a:lnRef>
+          <a:fillRef idx="1">
+            <a:schemeClr val="accent1"/>
+          </a:fillRef>
+          <a:effectRef idx="0">
+            <a:schemeClr val="accent1"/>
+          </a:effectRef>
+          <a:fontRef idx="minor">
+            <a:schemeClr val="lt1"/>
+          </a:fontRef>
+        </p:style>
+        <p:txBody>
+          <a:bodyPr rtlCol="0" anchor="ctr"/>
+          <a:lstStyle/>
+          <a:p>
+            <a:pPr algn="ctr"/>
+            <a:endParaRPr lang="zh-CN" altLang="en-US"/>
+          </a:p>
+        </p:txBody>
+      </p:sp>
+    </p:spTree>
+    <p:extLst>
+      <p:ext uri="{BB962C8B-B14F-4D97-AF65-F5344CB8AC3E}">
+        <p14:creationId xmlns:p14="http://schemas.microsoft.com/office/powerpoint/2010/main" val="1645715619"/>
+      </p:ext>
+    </p:extLst>
+  </p:cSld>
+  <p:clrMapOvr>
+    <a:masterClrMapping/>
+  </p:clrMapOvr>
+  <mc:AlternateContent xmlns:mc="http://schemas.openxmlformats.org/markup-compatibility/2006">
+    <mc:Choice xmlns:p159="http://schemas.microsoft.com/office/powerpoint/2015/09/main" Requires="p159">
+      <p:transition xmlns:p14="http://schemas.microsoft.com/office/powerpoint/2010/main" spd="med" p14:dur="700">
+        <p159:morph option="byObject"/>
+      </p:transition>
+    </mc:Choice>
+    <mc:Fallback>
+      <p:transition spd="med">
+        <p:fade/>
+      </p:transition>
+    </mc:Fallback>
+  </mc:AlternateContent>
+</p:sld>
+</file>
+
+<file path=ppt/slides/slide8.xml><?xml version="1.0" encoding="utf-8"?>
+<p:sld xmlns:a="http://schemas.openxmlformats.org/drawingml/2006/main" xmlns:r="http://schemas.openxmlformats.org/officeDocument/2006/relationships" xmlns:p="http://schemas.openxmlformats.org/presentationml/2006/main">
+  <p:cSld>
+    <p:spTree>
+      <p:nvGrpSpPr>
+        <p:cNvPr id="1" name=""/>
+        <p:cNvGrpSpPr/>
+        <p:nvPr/>
+      </p:nvGrpSpPr>
+      <p:grpSpPr>
+        <a:xfrm>
+          <a:off x="0" y="0"/>
+          <a:ext cx="0" cy="0"/>
+          <a:chOff x="0" y="0"/>
+          <a:chExt cx="0" cy="0"/>
+        </a:xfrm>
+      </p:grpSpPr>
+      <p:sp>
+        <p:nvSpPr>
+          <p:cNvPr id="2" name="标题 1">
+            <a:extLst>
+              <a:ext uri="{FF2B5EF4-FFF2-40B4-BE49-F238E27FC236}">
+                <a16:creationId xmlns:a16="http://schemas.microsoft.com/office/drawing/2014/main" id="{BAD162F0-2175-84E9-2387-55F669162449}"/>
+              </a:ext>
+            </a:extLst>
+          </p:cNvPr>
+          <p:cNvSpPr>
+            <a:spLocks noGrp="1"/>
+          </p:cNvSpPr>
+          <p:nvPr>
+            <p:ph type="title"/>
+          </p:nvPr>
+        </p:nvSpPr>
+        <p:spPr/>
+        <p:txBody>
+          <a:bodyPr>
+            <a:normAutofit/>
+          </a:bodyPr>
+          <a:lstStyle/>
+          <a:p>
+            <a:r>
+              <a:rPr lang="en-US" altLang="zh-CN" dirty="0"/>
+              <a:t>4.1 </a:t>
+            </a:r>
+            <a:r>
+              <a:rPr lang="zh-CN" altLang="en-US" dirty="0"/>
+              <a:t>遍历整个列表</a:t>
+            </a:r>
+            <a:endParaRPr lang="en-US" altLang="zh-CN" dirty="0"/>
+          </a:p>
+        </p:txBody>
+      </p:sp>
+      <p:sp>
+        <p:nvSpPr>
+          <p:cNvPr id="8" name="内容占位符 7">
+            <a:extLst>
+              <a:ext uri="{FF2B5EF4-FFF2-40B4-BE49-F238E27FC236}">
+                <a16:creationId xmlns:a16="http://schemas.microsoft.com/office/drawing/2014/main" id="{C518E866-DA50-5694-5F60-939464F11BC7}"/>
+              </a:ext>
+            </a:extLst>
+          </p:cNvPr>
+          <p:cNvSpPr>
+            <a:spLocks noGrp="1"/>
+          </p:cNvSpPr>
+          <p:nvPr>
+            <p:ph idx="1"/>
+          </p:nvPr>
+        </p:nvSpPr>
+        <p:spPr/>
+        <p:txBody>
+          <a:bodyPr>
+            <a:normAutofit/>
+          </a:bodyPr>
+          <a:lstStyle/>
+          <a:p>
+            <a:pPr marL="0" indent="0">
+              <a:buNone/>
+            </a:pPr>
+            <a:r>
+              <a:rPr lang="zh-CN" altLang="en-US" dirty="0"/>
+              <a:t>为此我们可以编写循环代码，</a:t>
+            </a:r>
+            <a:endParaRPr lang="en-US" altLang="zh-CN" dirty="0"/>
+          </a:p>
+          <a:p>
+            <a:pPr marL="0" indent="0">
+              <a:buNone/>
+            </a:pPr>
+            <a:r>
+              <a:rPr lang="zh-CN" altLang="en-US" dirty="0"/>
+              <a:t>来对列表中的每个元素执行相同的操作：</a:t>
+            </a:r>
+            <a:endParaRPr lang="en-US" altLang="zh-CN" dirty="0"/>
+          </a:p>
+          <a:p>
+            <a:pPr marL="0" indent="0">
+              <a:buNone/>
+            </a:pPr>
+            <a:endParaRPr lang="en-US" altLang="zh-CN" dirty="0"/>
+          </a:p>
+          <a:p>
+            <a:endParaRPr lang="en-US" altLang="zh-CN" dirty="0"/>
+          </a:p>
+          <a:p>
+            <a:endParaRPr lang="en-US" altLang="zh-CN" dirty="0"/>
+          </a:p>
+          <a:p>
+            <a:endParaRPr lang="en-US" altLang="zh-CN" dirty="0"/>
+          </a:p>
+          <a:p>
+            <a:pPr marL="0" indent="0">
+              <a:buNone/>
+            </a:pPr>
+            <a:endParaRPr lang="en-US" altLang="zh-CN" dirty="0"/>
+          </a:p>
+        </p:txBody>
+      </p:sp>
+      <p:sp>
+        <p:nvSpPr>
+          <p:cNvPr id="7" name="文本框 6">
+            <a:extLst>
+              <a:ext uri="{FF2B5EF4-FFF2-40B4-BE49-F238E27FC236}">
+                <a16:creationId xmlns:a16="http://schemas.microsoft.com/office/drawing/2014/main" id="{12C899D8-51C5-D9B7-A323-E6EFE4AB5C33}"/>
+              </a:ext>
+            </a:extLst>
+          </p:cNvPr>
+          <p:cNvSpPr txBox="1"/>
+          <p:nvPr/>
+        </p:nvSpPr>
+        <p:spPr>
+          <a:xfrm>
+            <a:off x="1119415" y="2930511"/>
+            <a:ext cx="7768771" cy="1200329"/>
+          </a:xfrm>
+          <a:prstGeom prst="rect">
+            <a:avLst/>
+          </a:prstGeom>
+          <a:noFill/>
+          <a:ln>
+            <a:solidFill>
+              <a:schemeClr val="bg2"/>
+            </a:solidFill>
+          </a:ln>
+        </p:spPr>
+        <p:txBody>
+          <a:bodyPr wrap="square">
+            <a:spAutoFit/>
+          </a:bodyPr>
+          <a:lstStyle/>
+          <a:p>
+            <a:r>
+              <a:rPr lang="en-US" altLang="zh-CN" sz="2400" b="1" dirty="0">
+                <a:solidFill>
+                  <a:schemeClr val="bg1">
+                    <a:lumMod val="65000"/>
+                  </a:schemeClr>
+                </a:solidFill>
+                <a:effectLst/>
+                <a:latin typeface="Consolas" panose="020B0609020204030204" pitchFamily="49" charset="0"/>
+              </a:rPr>
+              <a:t>magicians = ['</a:t>
+            </a:r>
+            <a:r>
+              <a:rPr lang="en-US" altLang="zh-CN" sz="2400" b="1" dirty="0" err="1">
+                <a:solidFill>
+                  <a:schemeClr val="bg1">
+                    <a:lumMod val="65000"/>
+                  </a:schemeClr>
+                </a:solidFill>
+                <a:effectLst/>
+                <a:latin typeface="Consolas" panose="020B0609020204030204" pitchFamily="49" charset="0"/>
+              </a:rPr>
+              <a:t>alice</a:t>
+            </a:r>
+            <a:r>
+              <a:rPr lang="en-US" altLang="zh-CN" sz="2400" b="1" dirty="0">
+                <a:solidFill>
+                  <a:schemeClr val="bg1">
+                    <a:lumMod val="65000"/>
+                  </a:schemeClr>
+                </a:solidFill>
+                <a:effectLst/>
+                <a:latin typeface="Consolas" panose="020B0609020204030204" pitchFamily="49" charset="0"/>
+              </a:rPr>
+              <a:t>', '</a:t>
+            </a:r>
+            <a:r>
+              <a:rPr lang="en-US" altLang="zh-CN" sz="2400" b="1" dirty="0" err="1">
+                <a:solidFill>
+                  <a:schemeClr val="bg1">
+                    <a:lumMod val="65000"/>
+                  </a:schemeClr>
+                </a:solidFill>
+                <a:effectLst/>
+                <a:latin typeface="Consolas" panose="020B0609020204030204" pitchFamily="49" charset="0"/>
+              </a:rPr>
+              <a:t>david</a:t>
+            </a:r>
+            <a:r>
+              <a:rPr lang="en-US" altLang="zh-CN" sz="2400" b="1" dirty="0">
+                <a:solidFill>
+                  <a:schemeClr val="bg1">
+                    <a:lumMod val="65000"/>
+                  </a:schemeClr>
+                </a:solidFill>
+                <a:effectLst/>
+                <a:latin typeface="Consolas" panose="020B0609020204030204" pitchFamily="49" charset="0"/>
+              </a:rPr>
+              <a:t>', '</a:t>
+            </a:r>
+            <a:r>
+              <a:rPr lang="en-US" altLang="zh-CN" sz="2400" b="1" dirty="0" err="1">
+                <a:solidFill>
+                  <a:schemeClr val="bg1">
+                    <a:lumMod val="65000"/>
+                  </a:schemeClr>
+                </a:solidFill>
+                <a:effectLst/>
+                <a:latin typeface="Consolas" panose="020B0609020204030204" pitchFamily="49" charset="0"/>
+              </a:rPr>
+              <a:t>carolina</a:t>
+            </a:r>
+            <a:r>
+              <a:rPr lang="en-US" altLang="zh-CN" sz="2400" b="1" dirty="0">
+                <a:solidFill>
+                  <a:schemeClr val="bg1">
+                    <a:lumMod val="65000"/>
+                  </a:schemeClr>
+                </a:solidFill>
+                <a:effectLst/>
+                <a:latin typeface="Consolas" panose="020B0609020204030204" pitchFamily="49" charset="0"/>
+              </a:rPr>
+              <a:t>']</a:t>
+            </a:r>
+            <a:br>
+              <a:rPr lang="en-US" altLang="zh-CN" sz="2400" b="1" dirty="0">
+                <a:solidFill>
+                  <a:schemeClr val="bg1">
+                    <a:lumMod val="65000"/>
+                  </a:schemeClr>
+                </a:solidFill>
+                <a:effectLst/>
+                <a:latin typeface="Consolas" panose="020B0609020204030204" pitchFamily="49" charset="0"/>
+              </a:rPr>
+            </a:br>
+            <a:r>
+              <a:rPr lang="en-US" altLang="zh-CN" sz="2400" b="1" dirty="0">
+                <a:solidFill>
+                  <a:schemeClr val="bg1">
+                    <a:lumMod val="65000"/>
+                  </a:schemeClr>
+                </a:solidFill>
+                <a:effectLst/>
+                <a:latin typeface="Consolas" panose="020B0609020204030204" pitchFamily="49" charset="0"/>
+              </a:rPr>
+              <a:t>for magician in magicians:</a:t>
+            </a:r>
+            <a:br>
+              <a:rPr lang="en-US" altLang="zh-CN" sz="2400" b="1" dirty="0">
+                <a:solidFill>
+                  <a:srgbClr val="A71D5D"/>
+                </a:solidFill>
+                <a:effectLst/>
+                <a:latin typeface="Consolas" panose="020B0609020204030204" pitchFamily="49" charset="0"/>
+              </a:rPr>
+            </a:br>
+            <a:r>
+              <a:rPr lang="en-US" altLang="zh-CN" sz="2400" b="1" dirty="0">
+                <a:solidFill>
+                  <a:srgbClr val="A71D5D"/>
+                </a:solidFill>
+                <a:effectLst/>
+                <a:highlight>
                   <a:srgbClr val="FFFFFF"/>
                 </a:highlight>
                 <a:latin typeface="Consolas" panose="020B0609020204030204" pitchFamily="49" charset="0"/>
@@ -37393,7 +38751,7 @@
                 <a:ea typeface="微软雅黑" panose="020B0503020204020204" pitchFamily="34" charset="-122"/>
                 <a:cs typeface="+mn-cs"/>
               </a:rPr>
-              <a:t>最后，让 </a:t>
+              <a:t>然后，让 </a:t>
             </a:r>
             <a:r>
               <a:rPr kumimoji="0" lang="en-US" altLang="zh-CN" sz="2800" b="0" i="0" u="none" strike="noStrike" kern="1200" cap="none" spc="0" normalizeH="0" baseline="0" noProof="0" dirty="0">
@@ -37732,7 +39090,7 @@
 </p:sld>
 </file>
 
-<file path=ppt/slides/slide8.xml><?xml version="1.0" encoding="utf-8"?>
+<file path=ppt/slides/slide9.xml><?xml version="1.0" encoding="utf-8"?>
 <p:sld xmlns:a="http://schemas.openxmlformats.org/drawingml/2006/main" xmlns:r="http://schemas.openxmlformats.org/officeDocument/2006/relationships" xmlns:p="http://schemas.openxmlformats.org/presentationml/2006/main">
   <p:cSld>
     <p:spTree>
@@ -38233,529 +39591,6 @@
                                         <p:cTn id="13" dur="500"/>
                                         <p:tgtEl>
                                           <p:spTgt spid="15"/>
-                                        </p:tgtEl>
-                                      </p:cBhvr>
-                                    </p:animEffect>
-                                  </p:childTnLst>
-                                </p:cTn>
-                              </p:par>
-                            </p:childTnLst>
-                          </p:cTn>
-                        </p:par>
-                      </p:childTnLst>
-                    </p:cTn>
-                  </p:par>
-                </p:childTnLst>
-              </p:cTn>
-              <p:prevCondLst>
-                <p:cond evt="onPrev" delay="0">
-                  <p:tgtEl>
-                    <p:sldTgt/>
-                  </p:tgtEl>
-                </p:cond>
-              </p:prevCondLst>
-              <p:nextCondLst>
-                <p:cond evt="onNext" delay="0">
-                  <p:tgtEl>
-                    <p:sldTgt/>
-                  </p:tgtEl>
-                </p:cond>
-              </p:nextCondLst>
-            </p:seq>
-          </p:childTnLst>
-        </p:cTn>
-      </p:par>
-    </p:tnLst>
-  </p:timing>
-</p:sld>
-</file>
-
-<file path=ppt/slides/slide9.xml><?xml version="1.0" encoding="utf-8"?>
-<p:sld xmlns:a="http://schemas.openxmlformats.org/drawingml/2006/main" xmlns:r="http://schemas.openxmlformats.org/officeDocument/2006/relationships" xmlns:p="http://schemas.openxmlformats.org/presentationml/2006/main">
-  <p:cSld>
-    <p:spTree>
-      <p:nvGrpSpPr>
-        <p:cNvPr id="1" name=""/>
-        <p:cNvGrpSpPr/>
-        <p:nvPr/>
-      </p:nvGrpSpPr>
-      <p:grpSpPr>
-        <a:xfrm>
-          <a:off x="0" y="0"/>
-          <a:ext cx="0" cy="0"/>
-          <a:chOff x="0" y="0"/>
-          <a:chExt cx="0" cy="0"/>
-        </a:xfrm>
-      </p:grpSpPr>
-      <p:sp>
-        <p:nvSpPr>
-          <p:cNvPr id="2" name="标题 1">
-            <a:extLst>
-              <a:ext uri="{FF2B5EF4-FFF2-40B4-BE49-F238E27FC236}">
-                <a16:creationId xmlns:a16="http://schemas.microsoft.com/office/drawing/2014/main" id="{BAD162F0-2175-84E9-2387-55F669162449}"/>
-              </a:ext>
-            </a:extLst>
-          </p:cNvPr>
-          <p:cNvSpPr>
-            <a:spLocks noGrp="1"/>
-          </p:cNvSpPr>
-          <p:nvPr>
-            <p:ph type="title"/>
-          </p:nvPr>
-        </p:nvSpPr>
-        <p:spPr/>
-        <p:txBody>
-          <a:bodyPr>
-            <a:normAutofit/>
-          </a:bodyPr>
-          <a:lstStyle/>
-          <a:p>
-            <a:r>
-              <a:rPr lang="en-US" altLang="zh-CN" dirty="0"/>
-              <a:t>4.1.1 </a:t>
-            </a:r>
-            <a:r>
-              <a:rPr lang="zh-CN" altLang="en-US" dirty="0"/>
-              <a:t>深入研究循环</a:t>
-            </a:r>
-            <a:endParaRPr lang="en-US" altLang="zh-CN" dirty="0"/>
-          </a:p>
-        </p:txBody>
-      </p:sp>
-      <p:sp>
-        <p:nvSpPr>
-          <p:cNvPr id="8" name="内容占位符 7">
-            <a:extLst>
-              <a:ext uri="{FF2B5EF4-FFF2-40B4-BE49-F238E27FC236}">
-                <a16:creationId xmlns:a16="http://schemas.microsoft.com/office/drawing/2014/main" id="{C518E866-DA50-5694-5F60-939464F11BC7}"/>
-              </a:ext>
-            </a:extLst>
-          </p:cNvPr>
-          <p:cNvSpPr>
-            <a:spLocks noGrp="1"/>
-          </p:cNvSpPr>
-          <p:nvPr>
-            <p:ph idx="1"/>
-          </p:nvPr>
-        </p:nvSpPr>
-        <p:spPr/>
-        <p:txBody>
-          <a:bodyPr>
-            <a:normAutofit/>
-          </a:bodyPr>
-          <a:lstStyle/>
-          <a:p>
-            <a:pPr marL="0" indent="0">
-              <a:buNone/>
-            </a:pPr>
-            <a:r>
-              <a:rPr lang="zh-CN" altLang="en-US" dirty="0"/>
-              <a:t>仔细看看这段循环代码，</a:t>
-            </a:r>
-            <a:endParaRPr lang="en-US" altLang="zh-CN" dirty="0"/>
-          </a:p>
-          <a:p>
-            <a:pPr marL="0" indent="0">
-              <a:buNone/>
-            </a:pPr>
-            <a:r>
-              <a:rPr lang="en-US" altLang="zh-CN" b="1" dirty="0"/>
-              <a:t>magician</a:t>
-            </a:r>
-            <a:r>
-              <a:rPr lang="en-US" altLang="zh-CN" dirty="0"/>
-              <a:t> </a:t>
-            </a:r>
-            <a:r>
-              <a:rPr lang="zh-CN" altLang="en-US" dirty="0"/>
-              <a:t>是一个临时变量</a:t>
-            </a:r>
-            <a:endParaRPr lang="en-US" altLang="zh-CN" dirty="0"/>
-          </a:p>
-          <a:p>
-            <a:endParaRPr lang="en-US" altLang="zh-CN" dirty="0"/>
-          </a:p>
-          <a:p>
-            <a:endParaRPr lang="en-US" altLang="zh-CN" dirty="0"/>
-          </a:p>
-          <a:p>
-            <a:endParaRPr lang="en-US" altLang="zh-CN" dirty="0"/>
-          </a:p>
-        </p:txBody>
-      </p:sp>
-      <p:pic>
-        <p:nvPicPr>
-          <p:cNvPr id="6" name="!!loop-draw">
-            <a:extLst>
-              <a:ext uri="{FF2B5EF4-FFF2-40B4-BE49-F238E27FC236}">
-                <a16:creationId xmlns:a16="http://schemas.microsoft.com/office/drawing/2014/main" id="{DB4378B1-522B-6B0E-6515-9EE08587DFFF}"/>
-              </a:ext>
-            </a:extLst>
-          </p:cNvPr>
-          <p:cNvPicPr>
-            <a:picLocks noChangeAspect="1"/>
-          </p:cNvPicPr>
-          <p:nvPr/>
-        </p:nvPicPr>
-        <p:blipFill>
-          <a:blip r:embed="rId3">
-            <a:extLst>
-              <a:ext uri="{28A0092B-C50C-407E-A947-70E740481C1C}">
-                <a14:useLocalDpi xmlns:a14="http://schemas.microsoft.com/office/drawing/2010/main" val="0"/>
-              </a:ext>
-            </a:extLst>
-          </a:blip>
-          <a:srcRect/>
-          <a:stretch/>
-        </p:blipFill>
-        <p:spPr>
-          <a:xfrm>
-            <a:off x="1869178" y="3700470"/>
-            <a:ext cx="8453641" cy="2449541"/>
-          </a:xfrm>
-          <a:prstGeom prst="rect">
-            <a:avLst/>
-          </a:prstGeom>
-        </p:spPr>
-      </p:pic>
-      <p:pic>
-        <p:nvPicPr>
-          <p:cNvPr id="4" name="!!loop-code">
-            <a:extLst>
-              <a:ext uri="{FF2B5EF4-FFF2-40B4-BE49-F238E27FC236}">
-                <a16:creationId xmlns:a16="http://schemas.microsoft.com/office/drawing/2014/main" id="{17D4C50F-819F-79A4-9B05-3AF3153B9E7A}"/>
-              </a:ext>
-            </a:extLst>
-          </p:cNvPr>
-          <p:cNvPicPr>
-            <a:picLocks noChangeAspect="1"/>
-          </p:cNvPicPr>
-          <p:nvPr/>
-        </p:nvPicPr>
-        <p:blipFill>
-          <a:blip r:embed="rId4">
-            <a:extLst>
-              <a:ext uri="{28A0092B-C50C-407E-A947-70E740481C1C}">
-                <a14:useLocalDpi xmlns:a14="http://schemas.microsoft.com/office/drawing/2010/main" val="0"/>
-              </a:ext>
-            </a:extLst>
-          </a:blip>
-          <a:srcRect/>
-          <a:stretch/>
-        </p:blipFill>
-        <p:spPr>
-          <a:xfrm>
-            <a:off x="6095998" y="1306248"/>
-            <a:ext cx="4900304" cy="2044025"/>
-          </a:xfrm>
-          <a:prstGeom prst="rect">
-            <a:avLst/>
-          </a:prstGeom>
-        </p:spPr>
-      </p:pic>
-      <p:pic>
-        <p:nvPicPr>
-          <p:cNvPr id="5" name="图片 4">
-            <a:extLst>
-              <a:ext uri="{FF2B5EF4-FFF2-40B4-BE49-F238E27FC236}">
-                <a16:creationId xmlns:a16="http://schemas.microsoft.com/office/drawing/2014/main" id="{3A0C2C76-AC48-3787-286B-2B4DE4C226FD}"/>
-              </a:ext>
-            </a:extLst>
-          </p:cNvPr>
-          <p:cNvPicPr>
-            <a:picLocks noChangeAspect="1"/>
-          </p:cNvPicPr>
-          <p:nvPr/>
-        </p:nvPicPr>
-        <p:blipFill>
-          <a:blip r:embed="rId5"/>
-          <a:stretch>
-            <a:fillRect/>
-          </a:stretch>
-        </p:blipFill>
-        <p:spPr>
-          <a:xfrm>
-            <a:off x="6303921" y="4573863"/>
-            <a:ext cx="1297776" cy="521154"/>
-          </a:xfrm>
-          <a:prstGeom prst="rect">
-            <a:avLst/>
-          </a:prstGeom>
-        </p:spPr>
-      </p:pic>
-      <p:pic>
-        <p:nvPicPr>
-          <p:cNvPr id="9" name="图片 8">
-            <a:extLst>
-              <a:ext uri="{FF2B5EF4-FFF2-40B4-BE49-F238E27FC236}">
-                <a16:creationId xmlns:a16="http://schemas.microsoft.com/office/drawing/2014/main" id="{A256024C-3168-1C33-9B09-0A76B51A3C25}"/>
-              </a:ext>
-            </a:extLst>
-          </p:cNvPr>
-          <p:cNvPicPr>
-            <a:picLocks noChangeAspect="1"/>
-          </p:cNvPicPr>
-          <p:nvPr/>
-        </p:nvPicPr>
-        <p:blipFill>
-          <a:blip r:embed="rId6"/>
-          <a:stretch>
-            <a:fillRect/>
-          </a:stretch>
-        </p:blipFill>
-        <p:spPr>
-          <a:xfrm>
-            <a:off x="8909622" y="4710264"/>
-            <a:ext cx="1103534" cy="632760"/>
-          </a:xfrm>
-          <a:prstGeom prst="rect">
-            <a:avLst/>
-          </a:prstGeom>
-        </p:spPr>
-      </p:pic>
-      <p:pic>
-        <p:nvPicPr>
-          <p:cNvPr id="10" name="图片 9">
-            <a:extLst>
-              <a:ext uri="{FF2B5EF4-FFF2-40B4-BE49-F238E27FC236}">
-                <a16:creationId xmlns:a16="http://schemas.microsoft.com/office/drawing/2014/main" id="{7BC3F0F1-F724-2E1A-E4B2-13D59C066196}"/>
-              </a:ext>
-            </a:extLst>
-          </p:cNvPr>
-          <p:cNvPicPr>
-            <a:picLocks noChangeAspect="1"/>
-          </p:cNvPicPr>
-          <p:nvPr/>
-        </p:nvPicPr>
-        <p:blipFill>
-          <a:blip r:embed="rId7">
-            <a:extLst>
-              <a:ext uri="{28A0092B-C50C-407E-A947-70E740481C1C}">
-                <a14:useLocalDpi xmlns:a14="http://schemas.microsoft.com/office/drawing/2010/main" val="0"/>
-              </a:ext>
-            </a:extLst>
-          </a:blip>
-          <a:srcRect/>
-          <a:stretch/>
-        </p:blipFill>
-        <p:spPr>
-          <a:xfrm>
-            <a:off x="3241978" y="4877985"/>
-            <a:ext cx="1297775" cy="521153"/>
-          </a:xfrm>
-          <a:prstGeom prst="rect">
-            <a:avLst/>
-          </a:prstGeom>
-        </p:spPr>
-      </p:pic>
-      <p:pic>
-        <p:nvPicPr>
-          <p:cNvPr id="11" name="图片 10">
-            <a:extLst>
-              <a:ext uri="{FF2B5EF4-FFF2-40B4-BE49-F238E27FC236}">
-                <a16:creationId xmlns:a16="http://schemas.microsoft.com/office/drawing/2014/main" id="{391CECBA-B20D-B4A1-8753-D83AA3FDA112}"/>
-              </a:ext>
-            </a:extLst>
-          </p:cNvPr>
-          <p:cNvPicPr>
-            <a:picLocks noChangeAspect="1"/>
-          </p:cNvPicPr>
-          <p:nvPr/>
-        </p:nvPicPr>
-        <p:blipFill>
-          <a:blip r:embed="rId8">
-            <a:extLst>
-              <a:ext uri="{28A0092B-C50C-407E-A947-70E740481C1C}">
-                <a14:useLocalDpi xmlns:a14="http://schemas.microsoft.com/office/drawing/2010/main" val="0"/>
-              </a:ext>
-            </a:extLst>
-          </a:blip>
-          <a:srcRect/>
-          <a:stretch/>
-        </p:blipFill>
-        <p:spPr>
-          <a:xfrm>
-            <a:off x="4506558" y="4877984"/>
-            <a:ext cx="1297775" cy="521154"/>
-          </a:xfrm>
-          <a:prstGeom prst="rect">
-            <a:avLst/>
-          </a:prstGeom>
-        </p:spPr>
-      </p:pic>
-    </p:spTree>
-    <p:extLst>
-      <p:ext uri="{BB962C8B-B14F-4D97-AF65-F5344CB8AC3E}">
-        <p14:creationId xmlns:p14="http://schemas.microsoft.com/office/powerpoint/2010/main" val="946337881"/>
-      </p:ext>
-    </p:extLst>
-  </p:cSld>
-  <p:clrMapOvr>
-    <a:masterClrMapping/>
-  </p:clrMapOvr>
-  <mc:AlternateContent xmlns:mc="http://schemas.openxmlformats.org/markup-compatibility/2006" xmlns:p159="http://schemas.microsoft.com/office/powerpoint/2015/09/main">
-    <mc:Choice Requires="p159">
-      <p:transition spd="med">
-        <p159:morph option="byObject"/>
-      </p:transition>
-    </mc:Choice>
-    <mc:Fallback xmlns="">
-      <p:transition spd="med">
-        <p:fade/>
-      </p:transition>
-    </mc:Fallback>
-  </mc:AlternateContent>
-  <p:timing>
-    <p:tnLst>
-      <p:par>
-        <p:cTn id="1" dur="indefinite" restart="never" nodeType="tmRoot">
-          <p:childTnLst>
-            <p:seq concurrent="1" nextAc="seek">
-              <p:cTn id="2" dur="indefinite" nodeType="mainSeq">
-                <p:childTnLst>
-                  <p:par>
-                    <p:cTn id="3" fill="hold">
-                      <p:stCondLst>
-                        <p:cond delay="indefinite"/>
-                        <p:cond evt="onBegin" delay="0">
-                          <p:tn val="2"/>
-                        </p:cond>
-                      </p:stCondLst>
-                      <p:childTnLst>
-                        <p:par>
-                          <p:cTn id="4" fill="hold">
-                            <p:stCondLst>
-                              <p:cond delay="0"/>
-                            </p:stCondLst>
-                            <p:childTnLst>
-                              <p:par>
-                                <p:cTn id="5" presetID="53" presetClass="entr" presetSubtype="16" fill="hold" nodeType="afterEffect">
-                                  <p:stCondLst>
-                                    <p:cond delay="0"/>
-                                  </p:stCondLst>
-                                  <p:childTnLst>
-                                    <p:set>
-                                      <p:cBhvr>
-                                        <p:cTn id="6" dur="1" fill="hold">
-                                          <p:stCondLst>
-                                            <p:cond delay="0"/>
-                                          </p:stCondLst>
-                                        </p:cTn>
-                                        <p:tgtEl>
-                                          <p:spTgt spid="9"/>
-                                        </p:tgtEl>
-                                        <p:attrNameLst>
-                                          <p:attrName>style.visibility</p:attrName>
-                                        </p:attrNameLst>
-                                      </p:cBhvr>
-                                      <p:to>
-                                        <p:strVal val="visible"/>
-                                      </p:to>
-                                    </p:set>
-                                    <p:anim calcmode="lin" valueType="num">
-                                      <p:cBhvr>
-                                        <p:cTn id="7" dur="500" fill="hold"/>
-                                        <p:tgtEl>
-                                          <p:spTgt spid="9"/>
-                                        </p:tgtEl>
-                                        <p:attrNameLst>
-                                          <p:attrName>ppt_w</p:attrName>
-                                        </p:attrNameLst>
-                                      </p:cBhvr>
-                                      <p:tavLst>
-                                        <p:tav tm="0">
-                                          <p:val>
-                                            <p:fltVal val="0"/>
-                                          </p:val>
-                                        </p:tav>
-                                        <p:tav tm="100000">
-                                          <p:val>
-                                            <p:strVal val="#ppt_w"/>
-                                          </p:val>
-                                        </p:tav>
-                                      </p:tavLst>
-                                    </p:anim>
-                                    <p:anim calcmode="lin" valueType="num">
-                                      <p:cBhvr>
-                                        <p:cTn id="8" dur="500" fill="hold"/>
-                                        <p:tgtEl>
-                                          <p:spTgt spid="9"/>
-                                        </p:tgtEl>
-                                        <p:attrNameLst>
-                                          <p:attrName>ppt_h</p:attrName>
-                                        </p:attrNameLst>
-                                      </p:cBhvr>
-                                      <p:tavLst>
-                                        <p:tav tm="0">
-                                          <p:val>
-                                            <p:fltVal val="0"/>
-                                          </p:val>
-                                        </p:tav>
-                                        <p:tav tm="100000">
-                                          <p:val>
-                                            <p:strVal val="#ppt_h"/>
-                                          </p:val>
-                                        </p:tav>
-                                      </p:tavLst>
-                                    </p:anim>
-                                    <p:animEffect transition="in" filter="fade">
-                                      <p:cBhvr>
-                                        <p:cTn id="9" dur="500"/>
-                                        <p:tgtEl>
-                                          <p:spTgt spid="9"/>
-                                        </p:tgtEl>
-                                      </p:cBhvr>
-                                    </p:animEffect>
-                                  </p:childTnLst>
-                                </p:cTn>
-                              </p:par>
-                            </p:childTnLst>
-                          </p:cTn>
-                        </p:par>
-                      </p:childTnLst>
-                    </p:cTn>
-                  </p:par>
-                  <p:par>
-                    <p:cTn id="10" fill="hold">
-                      <p:stCondLst>
-                        <p:cond delay="indefinite"/>
-                      </p:stCondLst>
-                      <p:childTnLst>
-                        <p:par>
-                          <p:cTn id="11" fill="hold">
-                            <p:stCondLst>
-                              <p:cond delay="0"/>
-                            </p:stCondLst>
-                            <p:childTnLst>
-                              <p:par>
-                                <p:cTn id="12" presetID="10" presetClass="entr" presetSubtype="0" fill="hold" nodeType="clickEffect">
-                                  <p:stCondLst>
-                                    <p:cond delay="0"/>
-                                  </p:stCondLst>
-                                  <p:childTnLst>
-                                    <p:set>
-                                      <p:cBhvr>
-                                        <p:cTn id="13" dur="1" fill="hold">
-                                          <p:stCondLst>
-                                            <p:cond delay="0"/>
-                                          </p:stCondLst>
-                                        </p:cTn>
-                                        <p:tgtEl>
-                                          <p:spTgt spid="4"/>
-                                        </p:tgtEl>
-                                        <p:attrNameLst>
-                                          <p:attrName>style.visibility</p:attrName>
-                                        </p:attrNameLst>
-                                      </p:cBhvr>
-                                      <p:to>
-                                        <p:strVal val="visible"/>
-                                      </p:to>
-                                    </p:set>
-                                    <p:animEffect transition="in" filter="fade">
-                                      <p:cBhvr>
-                                        <p:cTn id="14" dur="500"/>
-                                        <p:tgtEl>
-                                          <p:spTgt spid="4"/>
                                         </p:tgtEl>
                                       </p:cBhvr>
                                     </p:animEffect>

--- a/PPT/python4.pptx
+++ b/PPT/python4.pptx
@@ -1359,7 +1359,7 @@
   <pc:docChgLst>
     <pc:chgData name="Scruel Tao" userId="5ea5c98d59b44d4b" providerId="LiveId" clId="{48FEBE2D-B1BB-4614-AB8B-4B289B0FAC54}"/>
     <pc:docChg chg="undo custSel addSld modSld">
-      <pc:chgData name="Scruel Tao" userId="5ea5c98d59b44d4b" providerId="LiveId" clId="{48FEBE2D-B1BB-4614-AB8B-4B289B0FAC54}" dt="2023-12-03T14:21:03.147" v="786"/>
+      <pc:chgData name="Scruel Tao" userId="5ea5c98d59b44d4b" providerId="LiveId" clId="{48FEBE2D-B1BB-4614-AB8B-4B289B0FAC54}" dt="2023-12-10T16:11:26.756" v="792"/>
       <pc:docMkLst>
         <pc:docMk/>
       </pc:docMkLst>
@@ -1429,6 +1429,13 @@
         <pc:sldMkLst>
           <pc:docMk/>
           <pc:sldMk cId="3393143631" sldId="288"/>
+        </pc:sldMkLst>
+      </pc:sldChg>
+      <pc:sldChg chg="modTransition">
+        <pc:chgData name="Scruel Tao" userId="5ea5c98d59b44d4b" providerId="LiveId" clId="{48FEBE2D-B1BB-4614-AB8B-4B289B0FAC54}" dt="2023-12-10T16:11:26.756" v="792"/>
+        <pc:sldMkLst>
+          <pc:docMk/>
+          <pc:sldMk cId="498494693" sldId="289"/>
         </pc:sldMkLst>
       </pc:sldChg>
       <pc:sldChg chg="modSp mod">
@@ -5534,7 +5541,7 @@
           <a:p>
             <a:fld id="{AC7E1972-C479-4420-A687-8FB83BA90DEB}" type="datetimeFigureOut">
               <a:rPr lang="zh-CN" altLang="en-US" smtClean="0"/>
-              <a:t>2023/12/3</a:t>
+              <a:t>2023/12/11</a:t>
             </a:fld>
             <a:endParaRPr lang="zh-CN" altLang="en-US"/>
           </a:p>
@@ -5711,7 +5718,7 @@
           <a:p>
             <a:fld id="{89B7AB8D-BCC0-43C6-B24C-055A25DB558F}" type="datetimeFigureOut">
               <a:rPr lang="zh-CN" altLang="en-US" smtClean="0"/>
-              <a:t>2023/12/3</a:t>
+              <a:t>2023/12/11</a:t>
             </a:fld>
             <a:endParaRPr lang="zh-CN" altLang="en-US"/>
           </a:p>
@@ -9651,7 +9658,7 @@
           <a:p>
             <a:fld id="{F721228B-0167-4061-A906-8575043315EE}" type="datetimeFigureOut">
               <a:rPr lang="zh-CN" altLang="en-US" smtClean="0"/>
-              <a:t>2023/12/3</a:t>
+              <a:t>2023/12/11</a:t>
             </a:fld>
             <a:endParaRPr lang="zh-CN" altLang="en-US"/>
           </a:p>
@@ -9861,7 +9868,7 @@
           <a:p>
             <a:fld id="{F721228B-0167-4061-A906-8575043315EE}" type="datetimeFigureOut">
               <a:rPr lang="zh-CN" altLang="en-US" smtClean="0"/>
-              <a:t>2023/12/3</a:t>
+              <a:t>2023/12/11</a:t>
             </a:fld>
             <a:endParaRPr lang="zh-CN" altLang="en-US"/>
           </a:p>
@@ -10081,7 +10088,7 @@
           <a:p>
             <a:fld id="{F721228B-0167-4061-A906-8575043315EE}" type="datetimeFigureOut">
               <a:rPr lang="zh-CN" altLang="en-US" smtClean="0"/>
-              <a:t>2023/12/3</a:t>
+              <a:t>2023/12/11</a:t>
             </a:fld>
             <a:endParaRPr lang="zh-CN" altLang="en-US"/>
           </a:p>
@@ -10578,7 +10585,7 @@
           <a:p>
             <a:fld id="{F721228B-0167-4061-A906-8575043315EE}" type="datetimeFigureOut">
               <a:rPr lang="zh-CN" altLang="en-US" smtClean="0"/>
-              <a:t>2023/12/3</a:t>
+              <a:t>2023/12/11</a:t>
             </a:fld>
             <a:endParaRPr lang="zh-CN" altLang="en-US"/>
           </a:p>
@@ -10914,7 +10921,7 @@
           <a:p>
             <a:fld id="{F721228B-0167-4061-A906-8575043315EE}" type="datetimeFigureOut">
               <a:rPr lang="zh-CN" altLang="en-US" smtClean="0"/>
-              <a:t>2023/12/3</a:t>
+              <a:t>2023/12/11</a:t>
             </a:fld>
             <a:endParaRPr lang="zh-CN" altLang="en-US"/>
           </a:p>
@@ -11272,7 +11279,7 @@
           <a:p>
             <a:fld id="{F721228B-0167-4061-A906-8575043315EE}" type="datetimeFigureOut">
               <a:rPr lang="zh-CN" altLang="en-US" smtClean="0"/>
-              <a:t>2023/12/3</a:t>
+              <a:t>2023/12/11</a:t>
             </a:fld>
             <a:endParaRPr lang="zh-CN" altLang="en-US"/>
           </a:p>
@@ -11745,7 +11752,7 @@
           <a:p>
             <a:fld id="{F721228B-0167-4061-A906-8575043315EE}" type="datetimeFigureOut">
               <a:rPr lang="zh-CN" altLang="en-US" smtClean="0"/>
-              <a:t>2023/12/3</a:t>
+              <a:t>2023/12/11</a:t>
             </a:fld>
             <a:endParaRPr lang="zh-CN" altLang="en-US"/>
           </a:p>
@@ -11898,7 +11905,7 @@
           <a:p>
             <a:fld id="{F721228B-0167-4061-A906-8575043315EE}" type="datetimeFigureOut">
               <a:rPr lang="zh-CN" altLang="en-US" smtClean="0"/>
-              <a:t>2023/12/3</a:t>
+              <a:t>2023/12/11</a:t>
             </a:fld>
             <a:endParaRPr lang="zh-CN" altLang="en-US"/>
           </a:p>
@@ -12023,7 +12030,7 @@
           <a:p>
             <a:fld id="{F721228B-0167-4061-A906-8575043315EE}" type="datetimeFigureOut">
               <a:rPr lang="zh-CN" altLang="en-US" smtClean="0"/>
-              <a:t>2023/12/3</a:t>
+              <a:t>2023/12/11</a:t>
             </a:fld>
             <a:endParaRPr lang="zh-CN" altLang="en-US"/>
           </a:p>
@@ -12346,7 +12353,7 @@
           <a:p>
             <a:fld id="{F721228B-0167-4061-A906-8575043315EE}" type="datetimeFigureOut">
               <a:rPr lang="zh-CN" altLang="en-US" smtClean="0"/>
-              <a:t>2023/12/3</a:t>
+              <a:t>2023/12/11</a:t>
             </a:fld>
             <a:endParaRPr lang="zh-CN" altLang="en-US"/>
           </a:p>
@@ -12646,7 +12653,7 @@
           <a:p>
             <a:fld id="{F721228B-0167-4061-A906-8575043315EE}" type="datetimeFigureOut">
               <a:rPr lang="zh-CN" altLang="en-US" smtClean="0"/>
-              <a:t>2023/12/3</a:t>
+              <a:t>2023/12/11</a:t>
             </a:fld>
             <a:endParaRPr lang="zh-CN" altLang="en-US"/>
           </a:p>
@@ -12899,7 +12906,7 @@
           <a:p>
             <a:fld id="{F721228B-0167-4061-A906-8575043315EE}" type="datetimeFigureOut">
               <a:rPr lang="zh-CN" altLang="en-US" smtClean="0"/>
-              <a:t>2023/12/3</a:t>
+              <a:t>2023/12/11</a:t>
             </a:fld>
             <a:endParaRPr lang="zh-CN" altLang="en-US"/>
           </a:p>
@@ -25224,12 +25231,16 @@
   <p:clrMapOvr>
     <a:masterClrMapping/>
   </p:clrMapOvr>
-  <mc:AlternateContent xmlns:mc="http://schemas.openxmlformats.org/markup-compatibility/2006" xmlns:p14="http://schemas.microsoft.com/office/powerpoint/2010/main">
-    <mc:Choice Requires="p14">
-      <p:transition p14:dur="0"/>
+  <mc:AlternateContent xmlns:mc="http://schemas.openxmlformats.org/markup-compatibility/2006">
+    <mc:Choice xmlns:p159="http://schemas.microsoft.com/office/powerpoint/2015/09/main" Requires="p159">
+      <p:transition xmlns:p14="http://schemas.microsoft.com/office/powerpoint/2010/main" spd="med" p14:dur="700">
+        <p159:morph option="byWord"/>
+      </p:transition>
     </mc:Choice>
-    <mc:Fallback xmlns="">
-      <p:transition/>
+    <mc:Fallback>
+      <p:transition spd="med">
+        <p:fade/>
+      </p:transition>
     </mc:Fallback>
   </mc:AlternateContent>
   <p:timing>
@@ -27859,13 +27870,13 @@
   <p:clrMapOvr>
     <a:masterClrMapping/>
   </p:clrMapOvr>
-  <mc:AlternateContent xmlns:mc="http://schemas.openxmlformats.org/markup-compatibility/2006">
-    <mc:Choice xmlns:p159="http://schemas.microsoft.com/office/powerpoint/2015/09/main" Requires="p159">
+  <mc:AlternateContent xmlns:mc="http://schemas.openxmlformats.org/markup-compatibility/2006" xmlns:p159="http://schemas.microsoft.com/office/powerpoint/2015/09/main">
+    <mc:Choice Requires="p159">
       <p:transition xmlns:p14="http://schemas.microsoft.com/office/powerpoint/2010/main" spd="med" p14:dur="700">
         <p159:morph option="byChar"/>
       </p:transition>
     </mc:Choice>
-    <mc:Fallback>
+    <mc:Fallback xmlns="">
       <p:transition spd="med">
         <p:fade/>
       </p:transition>
@@ -28555,13 +28566,13 @@
   <p:clrMapOvr>
     <a:masterClrMapping/>
   </p:clrMapOvr>
-  <mc:AlternateContent xmlns:mc="http://schemas.openxmlformats.org/markup-compatibility/2006">
-    <mc:Choice xmlns:p159="http://schemas.microsoft.com/office/powerpoint/2015/09/main" Requires="p159">
+  <mc:AlternateContent xmlns:mc="http://schemas.openxmlformats.org/markup-compatibility/2006" xmlns:p159="http://schemas.microsoft.com/office/powerpoint/2015/09/main">
+    <mc:Choice Requires="p159">
       <p:transition xmlns:p14="http://schemas.microsoft.com/office/powerpoint/2010/main" spd="med" p14:dur="700">
         <p159:morph option="byWord"/>
       </p:transition>
     </mc:Choice>
-    <mc:Fallback>
+    <mc:Fallback xmlns="">
       <p:transition spd="med">
         <p:fade/>
       </p:transition>
@@ -29435,13 +29446,13 @@
   <p:clrMapOvr>
     <a:masterClrMapping/>
   </p:clrMapOvr>
-  <mc:AlternateContent xmlns:mc="http://schemas.openxmlformats.org/markup-compatibility/2006">
-    <mc:Choice xmlns:p159="http://schemas.microsoft.com/office/powerpoint/2015/09/main" Requires="p159">
+  <mc:AlternateContent xmlns:mc="http://schemas.openxmlformats.org/markup-compatibility/2006" xmlns:p159="http://schemas.microsoft.com/office/powerpoint/2015/09/main">
+    <mc:Choice Requires="p159">
       <p:transition xmlns:p14="http://schemas.microsoft.com/office/powerpoint/2010/main" spd="med" p14:dur="700">
         <p159:morph option="byChar"/>
       </p:transition>
     </mc:Choice>
-    <mc:Fallback>
+    <mc:Fallback xmlns="">
       <p:transition spd="med">
         <p:fade/>
       </p:transition>
@@ -30098,13 +30109,13 @@
   <p:clrMapOvr>
     <a:masterClrMapping/>
   </p:clrMapOvr>
-  <mc:AlternateContent xmlns:mc="http://schemas.openxmlformats.org/markup-compatibility/2006">
-    <mc:Choice xmlns:p159="http://schemas.microsoft.com/office/powerpoint/2015/09/main" Requires="p159">
+  <mc:AlternateContent xmlns:mc="http://schemas.openxmlformats.org/markup-compatibility/2006" xmlns:p159="http://schemas.microsoft.com/office/powerpoint/2015/09/main">
+    <mc:Choice Requires="p159">
       <p:transition xmlns:p14="http://schemas.microsoft.com/office/powerpoint/2010/main" spd="med" p14:dur="700">
         <p159:morph option="byWord"/>
       </p:transition>
     </mc:Choice>
-    <mc:Fallback>
+    <mc:Fallback xmlns="">
       <p:transition spd="med">
         <p:fade/>
       </p:transition>
@@ -33346,13 +33357,13 @@
   <p:clrMapOvr>
     <a:masterClrMapping/>
   </p:clrMapOvr>
-  <mc:AlternateContent xmlns:mc="http://schemas.openxmlformats.org/markup-compatibility/2006">
-    <mc:Choice xmlns:p159="http://schemas.microsoft.com/office/powerpoint/2015/09/main" Requires="p159">
+  <mc:AlternateContent xmlns:mc="http://schemas.openxmlformats.org/markup-compatibility/2006" xmlns:p159="http://schemas.microsoft.com/office/powerpoint/2015/09/main">
+    <mc:Choice Requires="p159">
       <p:transition xmlns:p14="http://schemas.microsoft.com/office/powerpoint/2010/main" spd="med" p14:dur="700">
         <p159:morph option="byWord"/>
       </p:transition>
     </mc:Choice>
-    <mc:Fallback>
+    <mc:Fallback xmlns="">
       <p:transition spd="med">
         <p:fade/>
       </p:transition>
@@ -35056,13 +35067,13 @@
   <p:clrMapOvr>
     <a:masterClrMapping/>
   </p:clrMapOvr>
-  <mc:AlternateContent xmlns:mc="http://schemas.openxmlformats.org/markup-compatibility/2006">
-    <mc:Choice xmlns:p159="http://schemas.microsoft.com/office/powerpoint/2015/09/main" Requires="p159">
+  <mc:AlternateContent xmlns:mc="http://schemas.openxmlformats.org/markup-compatibility/2006" xmlns:p159="http://schemas.microsoft.com/office/powerpoint/2015/09/main">
+    <mc:Choice Requires="p159">
       <p:transition xmlns:p14="http://schemas.microsoft.com/office/powerpoint/2010/main" spd="med" p14:dur="700">
         <p159:morph option="byChar"/>
       </p:transition>
     </mc:Choice>
-    <mc:Fallback>
+    <mc:Fallback xmlns="">
       <p:transition spd="med">
         <p:fade/>
       </p:transition>
@@ -38111,13 +38122,13 @@
   <p:clrMapOvr>
     <a:masterClrMapping/>
   </p:clrMapOvr>
-  <mc:AlternateContent xmlns:mc="http://schemas.openxmlformats.org/markup-compatibility/2006">
-    <mc:Choice xmlns:p159="http://schemas.microsoft.com/office/powerpoint/2015/09/main" Requires="p159">
+  <mc:AlternateContent xmlns:mc="http://schemas.openxmlformats.org/markup-compatibility/2006" xmlns:p159="http://schemas.microsoft.com/office/powerpoint/2015/09/main">
+    <mc:Choice Requires="p159">
       <p:transition xmlns:p14="http://schemas.microsoft.com/office/powerpoint/2010/main" spd="med" p14:dur="700">
         <p159:morph option="byObject"/>
       </p:transition>
     </mc:Choice>
-    <mc:Fallback>
+    <mc:Fallback xmlns="">
       <p:transition spd="med">
         <p:fade/>
       </p:transition>

--- a/PPT/python4.pptx
+++ b/PPT/python4.pptx
@@ -1636,6 +1636,30 @@
     </pc:docChg>
   </pc:docChgLst>
   <pc:docChgLst>
+    <pc:chgData name="Scruel Tao" userId="5ea5c98d59b44d4b" providerId="LiveId" clId="{EC034274-841C-4EA1-9A94-DB2CE503F1ED}"/>
+    <pc:docChg chg="custSel modSld">
+      <pc:chgData name="Scruel Tao" userId="5ea5c98d59b44d4b" providerId="LiveId" clId="{EC034274-841C-4EA1-9A94-DB2CE503F1ED}" dt="2023-12-11T10:06:17.780" v="34" actId="27636"/>
+      <pc:docMkLst>
+        <pc:docMk/>
+      </pc:docMkLst>
+      <pc:sldChg chg="modSp mod">
+        <pc:chgData name="Scruel Tao" userId="5ea5c98d59b44d4b" providerId="LiveId" clId="{EC034274-841C-4EA1-9A94-DB2CE503F1ED}" dt="2023-12-11T10:06:17.780" v="34" actId="27636"/>
+        <pc:sldMkLst>
+          <pc:docMk/>
+          <pc:sldMk cId="3526460311" sldId="317"/>
+        </pc:sldMkLst>
+        <pc:spChg chg="mod">
+          <ac:chgData name="Scruel Tao" userId="5ea5c98d59b44d4b" providerId="LiveId" clId="{EC034274-841C-4EA1-9A94-DB2CE503F1ED}" dt="2023-12-11T10:06:17.780" v="34" actId="27636"/>
+          <ac:spMkLst>
+            <pc:docMk/>
+            <pc:sldMk cId="3526460311" sldId="317"/>
+            <ac:spMk id="8" creationId="{C518E866-DA50-5694-5F60-939464F11BC7}"/>
+          </ac:spMkLst>
+        </pc:spChg>
+      </pc:sldChg>
+    </pc:docChg>
+  </pc:docChgLst>
+  <pc:docChgLst>
     <pc:chgData name="Scruel Tao" userId="5ea5c98d59b44d4b" providerId="LiveId" clId="{25EE8322-F25A-461A-832B-3F23620178F6}"/>
     <pc:docChg chg="undo redo custSel addSld delSld modSld sldOrd modMainMaster">
       <pc:chgData name="Scruel Tao" userId="5ea5c98d59b44d4b" providerId="LiveId" clId="{25EE8322-F25A-461A-832B-3F23620178F6}" dt="2023-06-02T15:42:43.780" v="11842" actId="20577"/>
@@ -5541,7 +5565,7 @@
           <a:p>
             <a:fld id="{AC7E1972-C479-4420-A687-8FB83BA90DEB}" type="datetimeFigureOut">
               <a:rPr lang="zh-CN" altLang="en-US" smtClean="0"/>
-              <a:t>2023/12/11</a:t>
+              <a:t>2023-12-11</a:t>
             </a:fld>
             <a:endParaRPr lang="zh-CN" altLang="en-US"/>
           </a:p>
@@ -5718,7 +5742,7 @@
           <a:p>
             <a:fld id="{89B7AB8D-BCC0-43C6-B24C-055A25DB558F}" type="datetimeFigureOut">
               <a:rPr lang="zh-CN" altLang="en-US" smtClean="0"/>
-              <a:t>2023/12/11</a:t>
+              <a:t>2023-12-11</a:t>
             </a:fld>
             <a:endParaRPr lang="zh-CN" altLang="en-US"/>
           </a:p>
@@ -9658,7 +9682,7 @@
           <a:p>
             <a:fld id="{F721228B-0167-4061-A906-8575043315EE}" type="datetimeFigureOut">
               <a:rPr lang="zh-CN" altLang="en-US" smtClean="0"/>
-              <a:t>2023/12/11</a:t>
+              <a:t>2023-12-11</a:t>
             </a:fld>
             <a:endParaRPr lang="zh-CN" altLang="en-US"/>
           </a:p>
@@ -9868,7 +9892,7 @@
           <a:p>
             <a:fld id="{F721228B-0167-4061-A906-8575043315EE}" type="datetimeFigureOut">
               <a:rPr lang="zh-CN" altLang="en-US" smtClean="0"/>
-              <a:t>2023/12/11</a:t>
+              <a:t>2023-12-11</a:t>
             </a:fld>
             <a:endParaRPr lang="zh-CN" altLang="en-US"/>
           </a:p>
@@ -10088,7 +10112,7 @@
           <a:p>
             <a:fld id="{F721228B-0167-4061-A906-8575043315EE}" type="datetimeFigureOut">
               <a:rPr lang="zh-CN" altLang="en-US" smtClean="0"/>
-              <a:t>2023/12/11</a:t>
+              <a:t>2023-12-11</a:t>
             </a:fld>
             <a:endParaRPr lang="zh-CN" altLang="en-US"/>
           </a:p>
@@ -10585,7 +10609,7 @@
           <a:p>
             <a:fld id="{F721228B-0167-4061-A906-8575043315EE}" type="datetimeFigureOut">
               <a:rPr lang="zh-CN" altLang="en-US" smtClean="0"/>
-              <a:t>2023/12/11</a:t>
+              <a:t>2023-12-11</a:t>
             </a:fld>
             <a:endParaRPr lang="zh-CN" altLang="en-US"/>
           </a:p>
@@ -10921,7 +10945,7 @@
           <a:p>
             <a:fld id="{F721228B-0167-4061-A906-8575043315EE}" type="datetimeFigureOut">
               <a:rPr lang="zh-CN" altLang="en-US" smtClean="0"/>
-              <a:t>2023/12/11</a:t>
+              <a:t>2023-12-11</a:t>
             </a:fld>
             <a:endParaRPr lang="zh-CN" altLang="en-US"/>
           </a:p>
@@ -11279,7 +11303,7 @@
           <a:p>
             <a:fld id="{F721228B-0167-4061-A906-8575043315EE}" type="datetimeFigureOut">
               <a:rPr lang="zh-CN" altLang="en-US" smtClean="0"/>
-              <a:t>2023/12/11</a:t>
+              <a:t>2023-12-11</a:t>
             </a:fld>
             <a:endParaRPr lang="zh-CN" altLang="en-US"/>
           </a:p>
@@ -11752,7 +11776,7 @@
           <a:p>
             <a:fld id="{F721228B-0167-4061-A906-8575043315EE}" type="datetimeFigureOut">
               <a:rPr lang="zh-CN" altLang="en-US" smtClean="0"/>
-              <a:t>2023/12/11</a:t>
+              <a:t>2023-12-11</a:t>
             </a:fld>
             <a:endParaRPr lang="zh-CN" altLang="en-US"/>
           </a:p>
@@ -11905,7 +11929,7 @@
           <a:p>
             <a:fld id="{F721228B-0167-4061-A906-8575043315EE}" type="datetimeFigureOut">
               <a:rPr lang="zh-CN" altLang="en-US" smtClean="0"/>
-              <a:t>2023/12/11</a:t>
+              <a:t>2023-12-11</a:t>
             </a:fld>
             <a:endParaRPr lang="zh-CN" altLang="en-US"/>
           </a:p>
@@ -12030,7 +12054,7 @@
           <a:p>
             <a:fld id="{F721228B-0167-4061-A906-8575043315EE}" type="datetimeFigureOut">
               <a:rPr lang="zh-CN" altLang="en-US" smtClean="0"/>
-              <a:t>2023/12/11</a:t>
+              <a:t>2023-12-11</a:t>
             </a:fld>
             <a:endParaRPr lang="zh-CN" altLang="en-US"/>
           </a:p>
@@ -12353,7 +12377,7 @@
           <a:p>
             <a:fld id="{F721228B-0167-4061-A906-8575043315EE}" type="datetimeFigureOut">
               <a:rPr lang="zh-CN" altLang="en-US" smtClean="0"/>
-              <a:t>2023/12/11</a:t>
+              <a:t>2023-12-11</a:t>
             </a:fld>
             <a:endParaRPr lang="zh-CN" altLang="en-US"/>
           </a:p>
@@ -12653,7 +12677,7 @@
           <a:p>
             <a:fld id="{F721228B-0167-4061-A906-8575043315EE}" type="datetimeFigureOut">
               <a:rPr lang="zh-CN" altLang="en-US" smtClean="0"/>
-              <a:t>2023/12/11</a:t>
+              <a:t>2023-12-11</a:t>
             </a:fld>
             <a:endParaRPr lang="zh-CN" altLang="en-US"/>
           </a:p>
@@ -12906,7 +12930,7 @@
           <a:p>
             <a:fld id="{F721228B-0167-4061-A906-8575043315EE}" type="datetimeFigureOut">
               <a:rPr lang="zh-CN" altLang="en-US" smtClean="0"/>
-              <a:t>2023/12/11</a:t>
+              <a:t>2023-12-11</a:t>
             </a:fld>
             <a:endParaRPr lang="zh-CN" altLang="en-US"/>
           </a:p>
@@ -25231,13 +25255,13 @@
   <p:clrMapOvr>
     <a:masterClrMapping/>
   </p:clrMapOvr>
-  <mc:AlternateContent xmlns:mc="http://schemas.openxmlformats.org/markup-compatibility/2006">
-    <mc:Choice xmlns:p159="http://schemas.microsoft.com/office/powerpoint/2015/09/main" Requires="p159">
+  <mc:AlternateContent xmlns:mc="http://schemas.openxmlformats.org/markup-compatibility/2006" xmlns:p159="http://schemas.microsoft.com/office/powerpoint/2015/09/main">
+    <mc:Choice Requires="p159">
       <p:transition xmlns:p14="http://schemas.microsoft.com/office/powerpoint/2010/main" spd="med" p14:dur="700">
         <p159:morph option="byWord"/>
       </p:transition>
     </mc:Choice>
-    <mc:Fallback>
+    <mc:Fallback xmlns="">
       <p:transition spd="med">
         <p:fade/>
       </p:transition>
@@ -34909,7 +34933,27 @@
                   </a:schemeClr>
                 </a:solidFill>
               </a:rPr>
-              <a:t>键）和空格</a:t>
+              <a:t>键）和空格（</a:t>
+            </a:r>
+            <a:r>
+              <a:rPr lang="en-US" altLang="zh-CN" dirty="0">
+                <a:solidFill>
+                  <a:schemeClr val="accent2">
+                    <a:lumMod val="75000"/>
+                  </a:schemeClr>
+                </a:solidFill>
+              </a:rPr>
+              <a:t>Python </a:t>
+            </a:r>
+            <a:r>
+              <a:rPr lang="zh-CN" altLang="en-US">
+                <a:solidFill>
+                  <a:schemeClr val="accent2">
+                    <a:lumMod val="75000"/>
+                  </a:schemeClr>
+                </a:solidFill>
+              </a:rPr>
+              <a:t>禁止这种行为）</a:t>
             </a:r>
             <a:endParaRPr lang="en-US" altLang="zh-CN" dirty="0">
               <a:solidFill>

--- a/PPT/python4.pptx
+++ b/PPT/python4.pptx
@@ -163,6 +163,29 @@
 <file path=ppt/changesInfos/changesInfo1.xml><?xml version="1.0" encoding="utf-8"?>
 <pc:chgInfo xmlns:a="http://schemas.openxmlformats.org/drawingml/2006/main" xmlns:r="http://schemas.openxmlformats.org/officeDocument/2006/relationships" xmlns:ac="http://schemas.microsoft.com/office/drawing/2013/main/command" xmlns:pc="http://schemas.microsoft.com/office/powerpoint/2013/main/command">
   <pc:docChgLst>
+    <pc:chgData name="Scruel Tao" userId="5ea5c98d59b44d4b" providerId="LiveId" clId="{8F427B29-2E76-438F-89BD-20EB05370BBC}"/>
+    <pc:docChg chg="modSld">
+      <pc:chgData name="Scruel Tao" userId="5ea5c98d59b44d4b" providerId="LiveId" clId="{8F427B29-2E76-438F-89BD-20EB05370BBC}" dt="2023-12-13T08:47:38.468" v="8"/>
+      <pc:docMkLst>
+        <pc:docMk/>
+      </pc:docMkLst>
+      <pc:sldChg chg="modNotesTx">
+        <pc:chgData name="Scruel Tao" userId="5ea5c98d59b44d4b" providerId="LiveId" clId="{8F427B29-2E76-438F-89BD-20EB05370BBC}" dt="2023-12-13T08:47:38.468" v="8"/>
+        <pc:sldMkLst>
+          <pc:docMk/>
+          <pc:sldMk cId="498494693" sldId="289"/>
+        </pc:sldMkLst>
+      </pc:sldChg>
+      <pc:sldChg chg="modNotesTx">
+        <pc:chgData name="Scruel Tao" userId="5ea5c98d59b44d4b" providerId="LiveId" clId="{8F427B29-2E76-438F-89BD-20EB05370BBC}" dt="2023-12-13T08:47:34.727" v="7" actId="20577"/>
+        <pc:sldMkLst>
+          <pc:docMk/>
+          <pc:sldMk cId="166521594" sldId="305"/>
+        </pc:sldMkLst>
+      </pc:sldChg>
+    </pc:docChg>
+  </pc:docChgLst>
+  <pc:docChgLst>
     <pc:chgData name="Scruel Tao" userId="5ea5c98d59b44d4b" providerId="LiveId" clId="{A52ED264-C864-416B-BFF4-46855FE833A0}"/>
     <pc:docChg chg="undo redo custSel addSld delSld modSld modMainMaster">
       <pc:chgData name="Scruel Tao" userId="5ea5c98d59b44d4b" providerId="LiveId" clId="{A52ED264-C864-416B-BFF4-46855FE833A0}" dt="2023-04-25T06:04:49.595" v="147" actId="47"/>
@@ -5565,7 +5588,7 @@
           <a:p>
             <a:fld id="{AC7E1972-C479-4420-A687-8FB83BA90DEB}" type="datetimeFigureOut">
               <a:rPr lang="zh-CN" altLang="en-US" smtClean="0"/>
-              <a:t>2023-12-11</a:t>
+              <a:t>2023-12-13</a:t>
             </a:fld>
             <a:endParaRPr lang="zh-CN" altLang="en-US"/>
           </a:p>
@@ -5742,7 +5765,7 @@
           <a:p>
             <a:fld id="{89B7AB8D-BCC0-43C6-B24C-055A25DB558F}" type="datetimeFigureOut">
               <a:rPr lang="zh-CN" altLang="en-US" smtClean="0"/>
-              <a:t>2023-12-11</a:t>
+              <a:t>2023-12-13</a:t>
             </a:fld>
             <a:endParaRPr lang="zh-CN" altLang="en-US"/>
           </a:p>
@@ -7442,6 +7465,12 @@
           <a:lstStyle/>
           <a:p>
             <a:r>
+              <a:rPr lang="zh-CN" altLang="en-US" sz="1200" b="0" i="0" u="none" strike="noStrike" baseline="0" dirty="0">
+                <a:latin typeface="FZKTJW--GB1-0"/>
+              </a:rPr>
+              <a:t>注：</a:t>
+            </a:r>
+            <a:r>
               <a:rPr lang="zh-CN" altLang="en-US" dirty="0"/>
               <a:t>这里调整了章节顺序，便于比对</a:t>
             </a:r>
@@ -9682,7 +9711,7 @@
           <a:p>
             <a:fld id="{F721228B-0167-4061-A906-8575043315EE}" type="datetimeFigureOut">
               <a:rPr lang="zh-CN" altLang="en-US" smtClean="0"/>
-              <a:t>2023-12-11</a:t>
+              <a:t>2023-12-13</a:t>
             </a:fld>
             <a:endParaRPr lang="zh-CN" altLang="en-US"/>
           </a:p>
@@ -9892,7 +9921,7 @@
           <a:p>
             <a:fld id="{F721228B-0167-4061-A906-8575043315EE}" type="datetimeFigureOut">
               <a:rPr lang="zh-CN" altLang="en-US" smtClean="0"/>
-              <a:t>2023-12-11</a:t>
+              <a:t>2023-12-13</a:t>
             </a:fld>
             <a:endParaRPr lang="zh-CN" altLang="en-US"/>
           </a:p>
@@ -10112,7 +10141,7 @@
           <a:p>
             <a:fld id="{F721228B-0167-4061-A906-8575043315EE}" type="datetimeFigureOut">
               <a:rPr lang="zh-CN" altLang="en-US" smtClean="0"/>
-              <a:t>2023-12-11</a:t>
+              <a:t>2023-12-13</a:t>
             </a:fld>
             <a:endParaRPr lang="zh-CN" altLang="en-US"/>
           </a:p>
@@ -10609,7 +10638,7 @@
           <a:p>
             <a:fld id="{F721228B-0167-4061-A906-8575043315EE}" type="datetimeFigureOut">
               <a:rPr lang="zh-CN" altLang="en-US" smtClean="0"/>
-              <a:t>2023-12-11</a:t>
+              <a:t>2023-12-13</a:t>
             </a:fld>
             <a:endParaRPr lang="zh-CN" altLang="en-US"/>
           </a:p>
@@ -10945,7 +10974,7 @@
           <a:p>
             <a:fld id="{F721228B-0167-4061-A906-8575043315EE}" type="datetimeFigureOut">
               <a:rPr lang="zh-CN" altLang="en-US" smtClean="0"/>
-              <a:t>2023-12-11</a:t>
+              <a:t>2023-12-13</a:t>
             </a:fld>
             <a:endParaRPr lang="zh-CN" altLang="en-US"/>
           </a:p>
@@ -11303,7 +11332,7 @@
           <a:p>
             <a:fld id="{F721228B-0167-4061-A906-8575043315EE}" type="datetimeFigureOut">
               <a:rPr lang="zh-CN" altLang="en-US" smtClean="0"/>
-              <a:t>2023-12-11</a:t>
+              <a:t>2023-12-13</a:t>
             </a:fld>
             <a:endParaRPr lang="zh-CN" altLang="en-US"/>
           </a:p>
@@ -11776,7 +11805,7 @@
           <a:p>
             <a:fld id="{F721228B-0167-4061-A906-8575043315EE}" type="datetimeFigureOut">
               <a:rPr lang="zh-CN" altLang="en-US" smtClean="0"/>
-              <a:t>2023-12-11</a:t>
+              <a:t>2023-12-13</a:t>
             </a:fld>
             <a:endParaRPr lang="zh-CN" altLang="en-US"/>
           </a:p>
@@ -11929,7 +11958,7 @@
           <a:p>
             <a:fld id="{F721228B-0167-4061-A906-8575043315EE}" type="datetimeFigureOut">
               <a:rPr lang="zh-CN" altLang="en-US" smtClean="0"/>
-              <a:t>2023-12-11</a:t>
+              <a:t>2023-12-13</a:t>
             </a:fld>
             <a:endParaRPr lang="zh-CN" altLang="en-US"/>
           </a:p>
@@ -12054,7 +12083,7 @@
           <a:p>
             <a:fld id="{F721228B-0167-4061-A906-8575043315EE}" type="datetimeFigureOut">
               <a:rPr lang="zh-CN" altLang="en-US" smtClean="0"/>
-              <a:t>2023-12-11</a:t>
+              <a:t>2023-12-13</a:t>
             </a:fld>
             <a:endParaRPr lang="zh-CN" altLang="en-US"/>
           </a:p>
@@ -12377,7 +12406,7 @@
           <a:p>
             <a:fld id="{F721228B-0167-4061-A906-8575043315EE}" type="datetimeFigureOut">
               <a:rPr lang="zh-CN" altLang="en-US" smtClean="0"/>
-              <a:t>2023-12-11</a:t>
+              <a:t>2023-12-13</a:t>
             </a:fld>
             <a:endParaRPr lang="zh-CN" altLang="en-US"/>
           </a:p>
@@ -12677,7 +12706,7 @@
           <a:p>
             <a:fld id="{F721228B-0167-4061-A906-8575043315EE}" type="datetimeFigureOut">
               <a:rPr lang="zh-CN" altLang="en-US" smtClean="0"/>
-              <a:t>2023-12-11</a:t>
+              <a:t>2023-12-13</a:t>
             </a:fld>
             <a:endParaRPr lang="zh-CN" altLang="en-US"/>
           </a:p>
@@ -12930,7 +12959,7 @@
           <a:p>
             <a:fld id="{F721228B-0167-4061-A906-8575043315EE}" type="datetimeFigureOut">
               <a:rPr lang="zh-CN" altLang="en-US" smtClean="0"/>
-              <a:t>2023-12-11</a:t>
+              <a:t>2023-12-13</a:t>
             </a:fld>
             <a:endParaRPr lang="zh-CN" altLang="en-US"/>
           </a:p>
